--- a/10.08.15.Train the Trainer.pptx
+++ b/10.08.15.Train the Trainer.pptx
@@ -10,6 +10,15 @@
     <p:sldId id="257" r:id="rId4"/>
     <p:sldId id="263" r:id="rId5"/>
     <p:sldId id="264" r:id="rId6"/>
+    <p:sldId id="265" r:id="rId7"/>
+    <p:sldId id="266" r:id="rId8"/>
+    <p:sldId id="267" r:id="rId9"/>
+    <p:sldId id="268" r:id="rId10"/>
+    <p:sldId id="269" r:id="rId11"/>
+    <p:sldId id="270" r:id="rId12"/>
+    <p:sldId id="271" r:id="rId13"/>
+    <p:sldId id="272" r:id="rId14"/>
+    <p:sldId id="273" r:id="rId15"/>
   </p:sldIdLst>
   <p:sldSz cx="12192000" cy="6858000"/>
   <p:notesSz cx="6858000" cy="9144000"/>
@@ -108,6 +117,11 @@
       </a:defRPr>
     </a:lvl9pPr>
   </p:defaultTextStyle>
+  <p:extLst>
+    <p:ext uri="{EFAFB233-063F-42B5-8137-9DF3F51BA10A}">
+      <p15:sldGuideLst xmlns:p15="http://schemas.microsoft.com/office/powerpoint/2012/main"/>
+    </p:ext>
+  </p:extLst>
 </p:presentation>
 </file>
 
@@ -2031,6 +2045,503 @@
   <p:clrMapOvr>
     <a:masterClrMapping/>
   </p:clrMapOvr>
+  <p:timing>
+    <p:tnLst>
+      <p:par>
+        <p:cTn id="1" dur="indefinite" restart="never" nodeType="tmRoot"/>
+      </p:par>
+    </p:tnLst>
+  </p:timing>
+</p:sld>
+</file>
+
+<file path=ppt/slides/slide10.xml><?xml version="1.0" encoding="utf-8"?>
+<p:sld xmlns:a="http://schemas.openxmlformats.org/drawingml/2006/main" xmlns:r="http://schemas.openxmlformats.org/officeDocument/2006/relationships" xmlns:p="http://schemas.openxmlformats.org/presentationml/2006/main">
+  <p:cSld>
+    <p:spTree>
+      <p:nvGrpSpPr>
+        <p:cNvPr id="1" name=""/>
+        <p:cNvGrpSpPr/>
+        <p:nvPr/>
+      </p:nvGrpSpPr>
+      <p:grpSpPr>
+        <a:xfrm>
+          <a:off x="0" y="0"/>
+          <a:ext cx="0" cy="0"/>
+          <a:chOff x="0" y="0"/>
+          <a:chExt cx="0" cy="0"/>
+        </a:xfrm>
+      </p:grpSpPr>
+      <p:sp>
+        <p:nvSpPr>
+          <p:cNvPr id="2" name="Title 1"/>
+          <p:cNvSpPr>
+            <a:spLocks noGrp="1"/>
+          </p:cNvSpPr>
+          <p:nvPr>
+            <p:ph type="title"/>
+          </p:nvPr>
+        </p:nvSpPr>
+        <p:spPr/>
+        <p:txBody>
+          <a:bodyPr/>
+          <a:lstStyle/>
+          <a:p>
+            <a:r>
+              <a:rPr lang="en-US" dirty="0" smtClean="0"/>
+              <a:t>Edge / Web Apps</a:t>
+            </a:r>
+            <a:endParaRPr lang="en-US" dirty="0"/>
+          </a:p>
+        </p:txBody>
+      </p:sp>
+      <p:sp>
+        <p:nvSpPr>
+          <p:cNvPr id="3" name="Content Placeholder 2"/>
+          <p:cNvSpPr>
+            <a:spLocks noGrp="1"/>
+          </p:cNvSpPr>
+          <p:nvPr>
+            <p:ph sz="half" idx="1"/>
+          </p:nvPr>
+        </p:nvSpPr>
+        <p:spPr/>
+        <p:txBody>
+          <a:bodyPr/>
+          <a:lstStyle/>
+          <a:p>
+            <a:endParaRPr lang="en-US"/>
+          </a:p>
+        </p:txBody>
+      </p:sp>
+      <p:sp>
+        <p:nvSpPr>
+          <p:cNvPr id="4" name="Content Placeholder 3"/>
+          <p:cNvSpPr>
+            <a:spLocks noGrp="1"/>
+          </p:cNvSpPr>
+          <p:nvPr>
+            <p:ph sz="half" idx="2"/>
+          </p:nvPr>
+        </p:nvSpPr>
+        <p:spPr/>
+        <p:txBody>
+          <a:bodyPr/>
+          <a:lstStyle/>
+          <a:p>
+            <a:endParaRPr lang="en-US"/>
+          </a:p>
+        </p:txBody>
+      </p:sp>
+    </p:spTree>
+    <p:extLst>
+      <p:ext uri="{BB962C8B-B14F-4D97-AF65-F5344CB8AC3E}">
+        <p14:creationId xmlns:p14="http://schemas.microsoft.com/office/powerpoint/2010/main" val="1476913642"/>
+      </p:ext>
+    </p:extLst>
+  </p:cSld>
+  <p:clrMapOvr>
+    <a:masterClrMapping/>
+  </p:clrMapOvr>
+  <p:timing>
+    <p:tnLst>
+      <p:par>
+        <p:cTn id="1" dur="indefinite" restart="never" nodeType="tmRoot"/>
+      </p:par>
+    </p:tnLst>
+  </p:timing>
+</p:sld>
+</file>
+
+<file path=ppt/slides/slide11.xml><?xml version="1.0" encoding="utf-8"?>
+<p:sld xmlns:a="http://schemas.openxmlformats.org/drawingml/2006/main" xmlns:r="http://schemas.openxmlformats.org/officeDocument/2006/relationships" xmlns:p="http://schemas.openxmlformats.org/presentationml/2006/main">
+  <p:cSld>
+    <p:spTree>
+      <p:nvGrpSpPr>
+        <p:cNvPr id="1" name=""/>
+        <p:cNvGrpSpPr/>
+        <p:nvPr/>
+      </p:nvGrpSpPr>
+      <p:grpSpPr>
+        <a:xfrm>
+          <a:off x="0" y="0"/>
+          <a:ext cx="0" cy="0"/>
+          <a:chOff x="0" y="0"/>
+          <a:chExt cx="0" cy="0"/>
+        </a:xfrm>
+      </p:grpSpPr>
+      <p:sp>
+        <p:nvSpPr>
+          <p:cNvPr id="2" name="Title 1"/>
+          <p:cNvSpPr>
+            <a:spLocks noGrp="1"/>
+          </p:cNvSpPr>
+          <p:nvPr>
+            <p:ph type="title"/>
+          </p:nvPr>
+        </p:nvSpPr>
+        <p:spPr/>
+        <p:txBody>
+          <a:bodyPr/>
+          <a:lstStyle/>
+          <a:p>
+            <a:r>
+              <a:rPr lang="en-US" dirty="0" smtClean="0"/>
+              <a:t>Cloud</a:t>
+            </a:r>
+            <a:endParaRPr lang="en-US" dirty="0"/>
+          </a:p>
+        </p:txBody>
+      </p:sp>
+      <p:sp>
+        <p:nvSpPr>
+          <p:cNvPr id="3" name="Content Placeholder 2"/>
+          <p:cNvSpPr>
+            <a:spLocks noGrp="1"/>
+          </p:cNvSpPr>
+          <p:nvPr>
+            <p:ph sz="half" idx="1"/>
+          </p:nvPr>
+        </p:nvSpPr>
+        <p:spPr/>
+        <p:txBody>
+          <a:bodyPr/>
+          <a:lstStyle/>
+          <a:p>
+            <a:endParaRPr lang="en-US"/>
+          </a:p>
+        </p:txBody>
+      </p:sp>
+      <p:sp>
+        <p:nvSpPr>
+          <p:cNvPr id="4" name="Content Placeholder 3"/>
+          <p:cNvSpPr>
+            <a:spLocks noGrp="1"/>
+          </p:cNvSpPr>
+          <p:nvPr>
+            <p:ph sz="half" idx="2"/>
+          </p:nvPr>
+        </p:nvSpPr>
+        <p:spPr/>
+        <p:txBody>
+          <a:bodyPr/>
+          <a:lstStyle/>
+          <a:p>
+            <a:endParaRPr lang="en-US"/>
+          </a:p>
+        </p:txBody>
+      </p:sp>
+    </p:spTree>
+    <p:extLst>
+      <p:ext uri="{BB962C8B-B14F-4D97-AF65-F5344CB8AC3E}">
+        <p14:creationId xmlns:p14="http://schemas.microsoft.com/office/powerpoint/2010/main" val="4076174835"/>
+      </p:ext>
+    </p:extLst>
+  </p:cSld>
+  <p:clrMapOvr>
+    <a:masterClrMapping/>
+  </p:clrMapOvr>
+  <p:timing>
+    <p:tnLst>
+      <p:par>
+        <p:cTn id="1" dur="indefinite" restart="never" nodeType="tmRoot"/>
+      </p:par>
+    </p:tnLst>
+  </p:timing>
+</p:sld>
+</file>
+
+<file path=ppt/slides/slide12.xml><?xml version="1.0" encoding="utf-8"?>
+<p:sld xmlns:a="http://schemas.openxmlformats.org/drawingml/2006/main" xmlns:r="http://schemas.openxmlformats.org/officeDocument/2006/relationships" xmlns:p="http://schemas.openxmlformats.org/presentationml/2006/main">
+  <p:cSld>
+    <p:spTree>
+      <p:nvGrpSpPr>
+        <p:cNvPr id="1" name=""/>
+        <p:cNvGrpSpPr/>
+        <p:nvPr/>
+      </p:nvGrpSpPr>
+      <p:grpSpPr>
+        <a:xfrm>
+          <a:off x="0" y="0"/>
+          <a:ext cx="0" cy="0"/>
+          <a:chOff x="0" y="0"/>
+          <a:chExt cx="0" cy="0"/>
+        </a:xfrm>
+      </p:grpSpPr>
+      <p:sp>
+        <p:nvSpPr>
+          <p:cNvPr id="2" name="Title 1"/>
+          <p:cNvSpPr>
+            <a:spLocks noGrp="1"/>
+          </p:cNvSpPr>
+          <p:nvPr>
+            <p:ph type="title"/>
+          </p:nvPr>
+        </p:nvSpPr>
+        <p:spPr/>
+        <p:txBody>
+          <a:bodyPr/>
+          <a:lstStyle/>
+          <a:p>
+            <a:r>
+              <a:rPr lang="en-US" dirty="0" smtClean="0"/>
+              <a:t>MPC</a:t>
+            </a:r>
+            <a:endParaRPr lang="en-US" dirty="0"/>
+          </a:p>
+        </p:txBody>
+      </p:sp>
+      <p:sp>
+        <p:nvSpPr>
+          <p:cNvPr id="3" name="Content Placeholder 2"/>
+          <p:cNvSpPr>
+            <a:spLocks noGrp="1"/>
+          </p:cNvSpPr>
+          <p:nvPr>
+            <p:ph sz="half" idx="1"/>
+          </p:nvPr>
+        </p:nvSpPr>
+        <p:spPr/>
+        <p:txBody>
+          <a:bodyPr/>
+          <a:lstStyle/>
+          <a:p>
+            <a:endParaRPr lang="en-US"/>
+          </a:p>
+        </p:txBody>
+      </p:sp>
+      <p:sp>
+        <p:nvSpPr>
+          <p:cNvPr id="4" name="Content Placeholder 3"/>
+          <p:cNvSpPr>
+            <a:spLocks noGrp="1"/>
+          </p:cNvSpPr>
+          <p:nvPr>
+            <p:ph sz="half" idx="2"/>
+          </p:nvPr>
+        </p:nvSpPr>
+        <p:spPr/>
+        <p:txBody>
+          <a:bodyPr/>
+          <a:lstStyle/>
+          <a:p>
+            <a:endParaRPr lang="en-US"/>
+          </a:p>
+        </p:txBody>
+      </p:sp>
+    </p:spTree>
+    <p:extLst>
+      <p:ext uri="{BB962C8B-B14F-4D97-AF65-F5344CB8AC3E}">
+        <p14:creationId xmlns:p14="http://schemas.microsoft.com/office/powerpoint/2010/main" val="3635978799"/>
+      </p:ext>
+    </p:extLst>
+  </p:cSld>
+  <p:clrMapOvr>
+    <a:masterClrMapping/>
+  </p:clrMapOvr>
+  <p:timing>
+    <p:tnLst>
+      <p:par>
+        <p:cTn id="1" dur="indefinite" restart="never" nodeType="tmRoot"/>
+      </p:par>
+    </p:tnLst>
+  </p:timing>
+</p:sld>
+</file>
+
+<file path=ppt/slides/slide13.xml><?xml version="1.0" encoding="utf-8"?>
+<p:sld xmlns:a="http://schemas.openxmlformats.org/drawingml/2006/main" xmlns:r="http://schemas.openxmlformats.org/officeDocument/2006/relationships" xmlns:p="http://schemas.openxmlformats.org/presentationml/2006/main">
+  <p:cSld>
+    <p:spTree>
+      <p:nvGrpSpPr>
+        <p:cNvPr id="1" name=""/>
+        <p:cNvGrpSpPr/>
+        <p:nvPr/>
+      </p:nvGrpSpPr>
+      <p:grpSpPr>
+        <a:xfrm>
+          <a:off x="0" y="0"/>
+          <a:ext cx="0" cy="0"/>
+          <a:chOff x="0" y="0"/>
+          <a:chExt cx="0" cy="0"/>
+        </a:xfrm>
+      </p:grpSpPr>
+      <p:sp>
+        <p:nvSpPr>
+          <p:cNvPr id="2" name="Title 1"/>
+          <p:cNvSpPr>
+            <a:spLocks noGrp="1"/>
+          </p:cNvSpPr>
+          <p:nvPr>
+            <p:ph type="title"/>
+          </p:nvPr>
+        </p:nvSpPr>
+        <p:spPr/>
+        <p:txBody>
+          <a:bodyPr/>
+          <a:lstStyle/>
+          <a:p>
+            <a:r>
+              <a:rPr lang="en-US" dirty="0" smtClean="0"/>
+              <a:t>App Services</a:t>
+            </a:r>
+            <a:endParaRPr lang="en-US" dirty="0"/>
+          </a:p>
+        </p:txBody>
+      </p:sp>
+      <p:sp>
+        <p:nvSpPr>
+          <p:cNvPr id="3" name="Content Placeholder 2"/>
+          <p:cNvSpPr>
+            <a:spLocks noGrp="1"/>
+          </p:cNvSpPr>
+          <p:nvPr>
+            <p:ph sz="half" idx="1"/>
+          </p:nvPr>
+        </p:nvSpPr>
+        <p:spPr/>
+        <p:txBody>
+          <a:bodyPr/>
+          <a:lstStyle/>
+          <a:p>
+            <a:endParaRPr lang="en-US"/>
+          </a:p>
+        </p:txBody>
+      </p:sp>
+      <p:sp>
+        <p:nvSpPr>
+          <p:cNvPr id="4" name="Content Placeholder 3"/>
+          <p:cNvSpPr>
+            <a:spLocks noGrp="1"/>
+          </p:cNvSpPr>
+          <p:nvPr>
+            <p:ph sz="half" idx="2"/>
+          </p:nvPr>
+        </p:nvSpPr>
+        <p:spPr/>
+        <p:txBody>
+          <a:bodyPr/>
+          <a:lstStyle/>
+          <a:p>
+            <a:endParaRPr lang="en-US"/>
+          </a:p>
+        </p:txBody>
+      </p:sp>
+    </p:spTree>
+    <p:extLst>
+      <p:ext uri="{BB962C8B-B14F-4D97-AF65-F5344CB8AC3E}">
+        <p14:creationId xmlns:p14="http://schemas.microsoft.com/office/powerpoint/2010/main" val="2672862100"/>
+      </p:ext>
+    </p:extLst>
+  </p:cSld>
+  <p:clrMapOvr>
+    <a:masterClrMapping/>
+  </p:clrMapOvr>
+  <p:timing>
+    <p:tnLst>
+      <p:par>
+        <p:cTn id="1" dur="indefinite" restart="never" nodeType="tmRoot"/>
+      </p:par>
+    </p:tnLst>
+  </p:timing>
+</p:sld>
+</file>
+
+<file path=ppt/slides/slide14.xml><?xml version="1.0" encoding="utf-8"?>
+<p:sld xmlns:a="http://schemas.openxmlformats.org/drawingml/2006/main" xmlns:r="http://schemas.openxmlformats.org/officeDocument/2006/relationships" xmlns:p="http://schemas.openxmlformats.org/presentationml/2006/main">
+  <p:cSld>
+    <p:spTree>
+      <p:nvGrpSpPr>
+        <p:cNvPr id="1" name=""/>
+        <p:cNvGrpSpPr/>
+        <p:nvPr/>
+      </p:nvGrpSpPr>
+      <p:grpSpPr>
+        <a:xfrm>
+          <a:off x="0" y="0"/>
+          <a:ext cx="0" cy="0"/>
+          <a:chOff x="0" y="0"/>
+          <a:chExt cx="0" cy="0"/>
+        </a:xfrm>
+      </p:grpSpPr>
+      <p:sp>
+        <p:nvSpPr>
+          <p:cNvPr id="2" name="Title 1"/>
+          <p:cNvSpPr>
+            <a:spLocks noGrp="1"/>
+          </p:cNvSpPr>
+          <p:nvPr>
+            <p:ph type="title"/>
+          </p:nvPr>
+        </p:nvSpPr>
+        <p:spPr/>
+        <p:txBody>
+          <a:bodyPr/>
+          <a:lstStyle/>
+          <a:p>
+            <a:r>
+              <a:rPr lang="en-US" dirty="0" smtClean="0"/>
+              <a:t>Store</a:t>
+            </a:r>
+            <a:endParaRPr lang="en-US" dirty="0"/>
+          </a:p>
+        </p:txBody>
+      </p:sp>
+      <p:sp>
+        <p:nvSpPr>
+          <p:cNvPr id="3" name="Content Placeholder 2"/>
+          <p:cNvSpPr>
+            <a:spLocks noGrp="1"/>
+          </p:cNvSpPr>
+          <p:nvPr>
+            <p:ph sz="half" idx="1"/>
+          </p:nvPr>
+        </p:nvSpPr>
+        <p:spPr/>
+        <p:txBody>
+          <a:bodyPr/>
+          <a:lstStyle/>
+          <a:p>
+            <a:endParaRPr lang="en-US"/>
+          </a:p>
+        </p:txBody>
+      </p:sp>
+      <p:sp>
+        <p:nvSpPr>
+          <p:cNvPr id="4" name="Content Placeholder 3"/>
+          <p:cNvSpPr>
+            <a:spLocks noGrp="1"/>
+          </p:cNvSpPr>
+          <p:nvPr>
+            <p:ph sz="half" idx="2"/>
+          </p:nvPr>
+        </p:nvSpPr>
+        <p:spPr/>
+        <p:txBody>
+          <a:bodyPr/>
+          <a:lstStyle/>
+          <a:p>
+            <a:endParaRPr lang="en-US"/>
+          </a:p>
+        </p:txBody>
+      </p:sp>
+    </p:spTree>
+    <p:extLst>
+      <p:ext uri="{BB962C8B-B14F-4D97-AF65-F5344CB8AC3E}">
+        <p14:creationId xmlns:p14="http://schemas.microsoft.com/office/powerpoint/2010/main" val="4084531266"/>
+      </p:ext>
+    </p:extLst>
+  </p:cSld>
+  <p:clrMapOvr>
+    <a:masterClrMapping/>
+  </p:clrMapOvr>
+  <p:timing>
+    <p:tnLst>
+      <p:par>
+        <p:cTn id="1" dur="indefinite" restart="never" nodeType="tmRoot"/>
+      </p:par>
+    </p:tnLst>
+  </p:timing>
 </p:sld>
 </file>
 
@@ -2150,7 +2661,19 @@
           <a:bodyPr/>
           <a:lstStyle/>
           <a:p>
-            <a:endParaRPr lang="en-US"/>
+            <a:r>
+              <a:rPr lang="en-US" dirty="0" smtClean="0"/>
+              <a:t>You are ultimately responsible for the success of your event</a:t>
+            </a:r>
+          </a:p>
+          <a:p>
+            <a:r>
+              <a:rPr lang="en-US" dirty="0" smtClean="0"/>
+              <a:t>You should take initiative, make this presentation your own, and let us know what you changed!</a:t>
+            </a:r>
+          </a:p>
+          <a:p>
+            <a:endParaRPr lang="en-US" dirty="0"/>
           </a:p>
         </p:txBody>
       </p:sp>
@@ -2625,7 +3148,9 @@
         </p:nvSpPr>
         <p:spPr/>
         <p:txBody>
-          <a:bodyPr/>
+          <a:bodyPr>
+            <a:normAutofit lnSpcReduction="10000"/>
+          </a:bodyPr>
           <a:lstStyle/>
           <a:p>
             <a:r>
@@ -2636,8 +3161,35 @@
           <a:p>
             <a:r>
               <a:rPr lang="en-US" dirty="0" smtClean="0"/>
-              <a:t>Reaching out to developers who currently build for Windows (not compete)</a:t>
-            </a:r>
+              <a:t>Reaching out to developers who currently build for Windows (not compete</a:t>
+            </a:r>
+            <a:r>
+              <a:rPr lang="en-US" dirty="0" smtClean="0"/>
+              <a:t>)</a:t>
+            </a:r>
+          </a:p>
+          <a:p>
+            <a:r>
+              <a:rPr lang="en-US" dirty="0"/>
+              <a:t>New workshop format to drive deeper participant </a:t>
+            </a:r>
+            <a:r>
+              <a:rPr lang="en-US" dirty="0" smtClean="0"/>
+              <a:t>engagement</a:t>
+            </a:r>
+          </a:p>
+          <a:p>
+            <a:r>
+              <a:rPr lang="en-US" dirty="0" smtClean="0"/>
+              <a:t>Socialize </a:t>
+            </a:r>
+            <a:r>
+              <a:rPr lang="en-US" dirty="0"/>
+              <a:t>how to deliver the most compelling developer scenarios using UWP</a:t>
+            </a:r>
+          </a:p>
+          <a:p>
+            <a:endParaRPr lang="en-US" dirty="0" smtClean="0"/>
           </a:p>
           <a:p>
             <a:endParaRPr lang="en-US" dirty="0"/>
@@ -2656,24 +3208,42 @@
         </p:nvSpPr>
         <p:spPr/>
         <p:txBody>
-          <a:bodyPr/>
+          <a:bodyPr>
+            <a:normAutofit lnSpcReduction="10000"/>
+          </a:bodyPr>
           <a:lstStyle/>
           <a:p>
             <a:r>
               <a:rPr lang="en-US" dirty="0" smtClean="0"/>
-              <a:t>New workshop format to drive deeper participant engagement</a:t>
-            </a:r>
-          </a:p>
-          <a:p>
-            <a:r>
-              <a:rPr lang="en-US" dirty="0" smtClean="0"/>
-              <a:t>Socialize how to deliver the most compelling developer scenarios using UWP</a:t>
-            </a:r>
-          </a:p>
-          <a:p>
-            <a:r>
-              <a:rPr lang="en-US" dirty="0" smtClean="0"/>
-              <a:t>Provide baseline education for delivering reasonable UWP app</a:t>
+              <a:t>Provide </a:t>
+            </a:r>
+            <a:r>
+              <a:rPr lang="en-US" dirty="0" smtClean="0"/>
+              <a:t>baseline education for delivering reasonable UWP </a:t>
+            </a:r>
+            <a:r>
+              <a:rPr lang="en-US" dirty="0" smtClean="0"/>
+              <a:t>app</a:t>
+            </a:r>
+          </a:p>
+          <a:p>
+            <a:r>
+              <a:rPr lang="en-US" dirty="0" smtClean="0"/>
+              <a:t>Not objectives</a:t>
+            </a:r>
+          </a:p>
+          <a:p>
+            <a:pPr lvl="1"/>
+            <a:r>
+              <a:rPr lang="en-US" dirty="0" smtClean="0"/>
+              <a:t>Porting</a:t>
+            </a:r>
+          </a:p>
+          <a:p>
+            <a:pPr lvl="1"/>
+            <a:r>
+              <a:rPr lang="en-US" dirty="0" smtClean="0"/>
+              <a:t>Bridges</a:t>
             </a:r>
             <a:endParaRPr lang="en-US" dirty="0"/>
           </a:p>
@@ -2845,9 +3415,9 @@
                                           </p:stCondLst>
                                         </p:cTn>
                                         <p:tgtEl>
-                                          <p:spTgt spid="5">
+                                          <p:spTgt spid="4">
                                             <p:txEl>
-                                              <p:pRg st="0" end="0"/>
+                                              <p:pRg st="2" end="2"/>
                                             </p:txEl>
                                           </p:spTgt>
                                         </p:tgtEl>
@@ -2863,9 +3433,9 @@
                                       <p:cBhvr>
                                         <p:cTn id="17" dur="500"/>
                                         <p:tgtEl>
-                                          <p:spTgt spid="5">
+                                          <p:spTgt spid="4">
                                             <p:txEl>
-                                              <p:pRg st="0" end="0"/>
+                                              <p:pRg st="2" end="2"/>
                                             </p:txEl>
                                           </p:spTgt>
                                         </p:tgtEl>
@@ -2906,9 +3476,9 @@
                                           </p:stCondLst>
                                         </p:cTn>
                                         <p:tgtEl>
-                                          <p:spTgt spid="5">
+                                          <p:spTgt spid="4">
                                             <p:txEl>
-                                              <p:pRg st="1" end="1"/>
+                                              <p:pRg st="3" end="3"/>
                                             </p:txEl>
                                           </p:spTgt>
                                         </p:tgtEl>
@@ -2924,9 +3494,9 @@
                                       <p:cBhvr>
                                         <p:cTn id="22" dur="500"/>
                                         <p:tgtEl>
-                                          <p:spTgt spid="5">
+                                          <p:spTgt spid="4">
                                             <p:txEl>
-                                              <p:pRg st="1" end="1"/>
+                                              <p:pRg st="3" end="3"/>
                                             </p:txEl>
                                           </p:spTgt>
                                         </p:tgtEl>
@@ -2969,7 +3539,7 @@
                                         <p:tgtEl>
                                           <p:spTgt spid="5">
                                             <p:txEl>
-                                              <p:pRg st="2" end="2"/>
+                                              <p:pRg st="0" end="0"/>
                                             </p:txEl>
                                           </p:spTgt>
                                         </p:tgtEl>
@@ -2987,7 +3557,154 @@
                                         <p:tgtEl>
                                           <p:spTgt spid="5">
                                             <p:txEl>
+                                              <p:pRg st="0" end="0"/>
+                                            </p:txEl>
+                                          </p:spTgt>
+                                        </p:tgtEl>
+                                      </p:cBhvr>
+                                    </p:animEffect>
+                                  </p:childTnLst>
+                                </p:cTn>
+                              </p:par>
+                            </p:childTnLst>
+                          </p:cTn>
+                        </p:par>
+                      </p:childTnLst>
+                    </p:cTn>
+                  </p:par>
+                  <p:par>
+                    <p:cTn id="28" fill="hold">
+                      <p:stCondLst>
+                        <p:cond delay="indefinite"/>
+                      </p:stCondLst>
+                      <p:childTnLst>
+                        <p:par>
+                          <p:cTn id="29" fill="hold">
+                            <p:stCondLst>
+                              <p:cond delay="0"/>
+                            </p:stCondLst>
+                            <p:childTnLst>
+                              <p:par>
+                                <p:cTn id="30" presetID="22" presetClass="entr" presetSubtype="4" fill="hold" grpId="0" nodeType="clickEffect">
+                                  <p:stCondLst>
+                                    <p:cond delay="0"/>
+                                  </p:stCondLst>
+                                  <p:childTnLst>
+                                    <p:set>
+                                      <p:cBhvr>
+                                        <p:cTn id="31" dur="1" fill="hold">
+                                          <p:stCondLst>
+                                            <p:cond delay="0"/>
+                                          </p:stCondLst>
+                                        </p:cTn>
+                                        <p:tgtEl>
+                                          <p:spTgt spid="5">
+                                            <p:txEl>
+                                              <p:pRg st="1" end="1"/>
+                                            </p:txEl>
+                                          </p:spTgt>
+                                        </p:tgtEl>
+                                        <p:attrNameLst>
+                                          <p:attrName>style.visibility</p:attrName>
+                                        </p:attrNameLst>
+                                      </p:cBhvr>
+                                      <p:to>
+                                        <p:strVal val="visible"/>
+                                      </p:to>
+                                    </p:set>
+                                    <p:animEffect transition="in" filter="wipe(down)">
+                                      <p:cBhvr>
+                                        <p:cTn id="32" dur="500"/>
+                                        <p:tgtEl>
+                                          <p:spTgt spid="5">
+                                            <p:txEl>
+                                              <p:pRg st="1" end="1"/>
+                                            </p:txEl>
+                                          </p:spTgt>
+                                        </p:tgtEl>
+                                      </p:cBhvr>
+                                    </p:animEffect>
+                                  </p:childTnLst>
+                                </p:cTn>
+                              </p:par>
+                              <p:par>
+                                <p:cTn id="33" presetID="22" presetClass="entr" presetSubtype="4" fill="hold" grpId="0" nodeType="withEffect">
+                                  <p:stCondLst>
+                                    <p:cond delay="0"/>
+                                  </p:stCondLst>
+                                  <p:childTnLst>
+                                    <p:set>
+                                      <p:cBhvr>
+                                        <p:cTn id="34" dur="1" fill="hold">
+                                          <p:stCondLst>
+                                            <p:cond delay="0"/>
+                                          </p:stCondLst>
+                                        </p:cTn>
+                                        <p:tgtEl>
+                                          <p:spTgt spid="5">
+                                            <p:txEl>
                                               <p:pRg st="2" end="2"/>
+                                            </p:txEl>
+                                          </p:spTgt>
+                                        </p:tgtEl>
+                                        <p:attrNameLst>
+                                          <p:attrName>style.visibility</p:attrName>
+                                        </p:attrNameLst>
+                                      </p:cBhvr>
+                                      <p:to>
+                                        <p:strVal val="visible"/>
+                                      </p:to>
+                                    </p:set>
+                                    <p:animEffect transition="in" filter="wipe(down)">
+                                      <p:cBhvr>
+                                        <p:cTn id="35" dur="500"/>
+                                        <p:tgtEl>
+                                          <p:spTgt spid="5">
+                                            <p:txEl>
+                                              <p:pRg st="2" end="2"/>
+                                            </p:txEl>
+                                          </p:spTgt>
+                                        </p:tgtEl>
+                                      </p:cBhvr>
+                                    </p:animEffect>
+                                  </p:childTnLst>
+                                </p:cTn>
+                              </p:par>
+                              <p:par>
+                                <p:cTn id="36" presetID="22" presetClass="entr" presetSubtype="4" fill="hold" grpId="0" nodeType="withEffect">
+                                  <p:stCondLst>
+                                    <p:cond delay="0"/>
+                                  </p:stCondLst>
+                                  <p:childTnLst>
+                                    <p:set>
+                                      <p:cBhvr>
+                                        <p:cTn id="37" dur="1" fill="hold">
+                                          <p:stCondLst>
+                                            <p:cond delay="0"/>
+                                          </p:stCondLst>
+                                        </p:cTn>
+                                        <p:tgtEl>
+                                          <p:spTgt spid="5">
+                                            <p:txEl>
+                                              <p:pRg st="3" end="3"/>
+                                            </p:txEl>
+                                          </p:spTgt>
+                                        </p:tgtEl>
+                                        <p:attrNameLst>
+                                          <p:attrName>style.visibility</p:attrName>
+                                        </p:attrNameLst>
+                                      </p:cBhvr>
+                                      <p:to>
+                                        <p:strVal val="visible"/>
+                                      </p:to>
+                                    </p:set>
+                                    <p:animEffect transition="in" filter="wipe(down)">
+                                      <p:cBhvr>
+                                        <p:cTn id="38" dur="500"/>
+                                        <p:tgtEl>
+                                          <p:spTgt spid="5">
+                                            <p:txEl>
+                                              <p:pRg st="3" end="3"/>
                                             </p:txEl>
                                           </p:spTgt>
                                         </p:tgtEl>
@@ -3160,9 +3877,63 @@
           <a:p>
             <a:r>
               <a:rPr lang="en-US" dirty="0" smtClean="0"/>
-              <a:t>Hardware requirements</a:t>
-            </a:r>
-            <a:endParaRPr lang="en-US" dirty="0"/>
+              <a:t>Software requirements</a:t>
+            </a:r>
+          </a:p>
+          <a:p>
+            <a:pPr lvl="1"/>
+            <a:r>
+              <a:rPr lang="en-US" dirty="0" smtClean="0"/>
+              <a:t>Windows 10</a:t>
+            </a:r>
+          </a:p>
+          <a:p>
+            <a:pPr lvl="1"/>
+            <a:r>
+              <a:rPr lang="en-US" dirty="0" smtClean="0"/>
+              <a:t>VS 2015</a:t>
+            </a:r>
+          </a:p>
+          <a:p>
+            <a:pPr lvl="1"/>
+            <a:r>
+              <a:rPr lang="en-US" dirty="0" smtClean="0"/>
+              <a:t>Windows 10 SDK</a:t>
+            </a:r>
+          </a:p>
+          <a:p>
+            <a:pPr lvl="1"/>
+            <a:r>
+              <a:rPr lang="en-US" dirty="0" smtClean="0"/>
+              <a:t>Windows 10 Emulators (require SLAT)</a:t>
+            </a:r>
+          </a:p>
+          <a:p>
+            <a:r>
+              <a:rPr lang="en-US" dirty="0" smtClean="0"/>
+              <a:t>Instructor Hardware</a:t>
+            </a:r>
+          </a:p>
+          <a:p>
+            <a:pPr lvl="1"/>
+            <a:r>
+              <a:rPr lang="en-US" dirty="0" smtClean="0"/>
+              <a:t>IOT (Optional)</a:t>
+            </a:r>
+          </a:p>
+          <a:p>
+            <a:pPr lvl="1"/>
+            <a:r>
+              <a:rPr lang="en-US" dirty="0" smtClean="0"/>
+              <a:t>Stylus</a:t>
+            </a:r>
+          </a:p>
+          <a:p>
+            <a:pPr lvl="1"/>
+            <a:r>
+              <a:rPr lang="en-US" dirty="0" smtClean="0"/>
+              <a:t>Continuum</a:t>
+            </a:r>
           </a:p>
         </p:txBody>
       </p:sp>
@@ -3179,9 +3950,642 @@
   <p:timing>
     <p:tnLst>
       <p:par>
-        <p:cTn id="1" dur="indefinite" restart="never" nodeType="tmRoot"/>
+        <p:cTn id="1" dur="indefinite" restart="never" nodeType="tmRoot">
+          <p:childTnLst>
+            <p:seq concurrent="1" nextAc="seek">
+              <p:cTn id="2" dur="indefinite" nodeType="mainSeq">
+                <p:childTnLst>
+                  <p:par>
+                    <p:cTn id="3" fill="hold">
+                      <p:stCondLst>
+                        <p:cond delay="indefinite"/>
+                      </p:stCondLst>
+                      <p:childTnLst>
+                        <p:par>
+                          <p:cTn id="4" fill="hold">
+                            <p:stCondLst>
+                              <p:cond delay="0"/>
+                            </p:stCondLst>
+                            <p:childTnLst>
+                              <p:par>
+                                <p:cTn id="5" presetID="22" presetClass="entr" presetSubtype="4" fill="hold" grpId="0" nodeType="clickEffect">
+                                  <p:stCondLst>
+                                    <p:cond delay="0"/>
+                                  </p:stCondLst>
+                                  <p:childTnLst>
+                                    <p:set>
+                                      <p:cBhvr>
+                                        <p:cTn id="6" dur="1" fill="hold">
+                                          <p:stCondLst>
+                                            <p:cond delay="0"/>
+                                          </p:stCondLst>
+                                        </p:cTn>
+                                        <p:tgtEl>
+                                          <p:spTgt spid="3">
+                                            <p:txEl>
+                                              <p:pRg st="0" end="0"/>
+                                            </p:txEl>
+                                          </p:spTgt>
+                                        </p:tgtEl>
+                                        <p:attrNameLst>
+                                          <p:attrName>style.visibility</p:attrName>
+                                        </p:attrNameLst>
+                                      </p:cBhvr>
+                                      <p:to>
+                                        <p:strVal val="visible"/>
+                                      </p:to>
+                                    </p:set>
+                                    <p:animEffect transition="in" filter="wipe(down)">
+                                      <p:cBhvr>
+                                        <p:cTn id="7" dur="500"/>
+                                        <p:tgtEl>
+                                          <p:spTgt spid="3">
+                                            <p:txEl>
+                                              <p:pRg st="0" end="0"/>
+                                            </p:txEl>
+                                          </p:spTgt>
+                                        </p:tgtEl>
+                                      </p:cBhvr>
+                                    </p:animEffect>
+                                  </p:childTnLst>
+                                </p:cTn>
+                              </p:par>
+                            </p:childTnLst>
+                          </p:cTn>
+                        </p:par>
+                      </p:childTnLst>
+                    </p:cTn>
+                  </p:par>
+                  <p:par>
+                    <p:cTn id="8" fill="hold">
+                      <p:stCondLst>
+                        <p:cond delay="indefinite"/>
+                      </p:stCondLst>
+                      <p:childTnLst>
+                        <p:par>
+                          <p:cTn id="9" fill="hold">
+                            <p:stCondLst>
+                              <p:cond delay="0"/>
+                            </p:stCondLst>
+                            <p:childTnLst>
+                              <p:par>
+                                <p:cTn id="10" presetID="22" presetClass="entr" presetSubtype="4" fill="hold" grpId="0" nodeType="clickEffect">
+                                  <p:stCondLst>
+                                    <p:cond delay="0"/>
+                                  </p:stCondLst>
+                                  <p:childTnLst>
+                                    <p:set>
+                                      <p:cBhvr>
+                                        <p:cTn id="11" dur="1" fill="hold">
+                                          <p:stCondLst>
+                                            <p:cond delay="0"/>
+                                          </p:stCondLst>
+                                        </p:cTn>
+                                        <p:tgtEl>
+                                          <p:spTgt spid="3">
+                                            <p:txEl>
+                                              <p:pRg st="1" end="1"/>
+                                            </p:txEl>
+                                          </p:spTgt>
+                                        </p:tgtEl>
+                                        <p:attrNameLst>
+                                          <p:attrName>style.visibility</p:attrName>
+                                        </p:attrNameLst>
+                                      </p:cBhvr>
+                                      <p:to>
+                                        <p:strVal val="visible"/>
+                                      </p:to>
+                                    </p:set>
+                                    <p:animEffect transition="in" filter="wipe(down)">
+                                      <p:cBhvr>
+                                        <p:cTn id="12" dur="500"/>
+                                        <p:tgtEl>
+                                          <p:spTgt spid="3">
+                                            <p:txEl>
+                                              <p:pRg st="1" end="1"/>
+                                            </p:txEl>
+                                          </p:spTgt>
+                                        </p:tgtEl>
+                                      </p:cBhvr>
+                                    </p:animEffect>
+                                  </p:childTnLst>
+                                </p:cTn>
+                              </p:par>
+                            </p:childTnLst>
+                          </p:cTn>
+                        </p:par>
+                      </p:childTnLst>
+                    </p:cTn>
+                  </p:par>
+                  <p:par>
+                    <p:cTn id="13" fill="hold">
+                      <p:stCondLst>
+                        <p:cond delay="indefinite"/>
+                      </p:stCondLst>
+                      <p:childTnLst>
+                        <p:par>
+                          <p:cTn id="14" fill="hold">
+                            <p:stCondLst>
+                              <p:cond delay="0"/>
+                            </p:stCondLst>
+                            <p:childTnLst>
+                              <p:par>
+                                <p:cTn id="15" presetID="22" presetClass="entr" presetSubtype="4" fill="hold" grpId="0" nodeType="clickEffect">
+                                  <p:stCondLst>
+                                    <p:cond delay="0"/>
+                                  </p:stCondLst>
+                                  <p:childTnLst>
+                                    <p:set>
+                                      <p:cBhvr>
+                                        <p:cTn id="16" dur="1" fill="hold">
+                                          <p:stCondLst>
+                                            <p:cond delay="0"/>
+                                          </p:stCondLst>
+                                        </p:cTn>
+                                        <p:tgtEl>
+                                          <p:spTgt spid="3">
+                                            <p:txEl>
+                                              <p:pRg st="2" end="2"/>
+                                            </p:txEl>
+                                          </p:spTgt>
+                                        </p:tgtEl>
+                                        <p:attrNameLst>
+                                          <p:attrName>style.visibility</p:attrName>
+                                        </p:attrNameLst>
+                                      </p:cBhvr>
+                                      <p:to>
+                                        <p:strVal val="visible"/>
+                                      </p:to>
+                                    </p:set>
+                                    <p:animEffect transition="in" filter="wipe(down)">
+                                      <p:cBhvr>
+                                        <p:cTn id="17" dur="500"/>
+                                        <p:tgtEl>
+                                          <p:spTgt spid="3">
+                                            <p:txEl>
+                                              <p:pRg st="2" end="2"/>
+                                            </p:txEl>
+                                          </p:spTgt>
+                                        </p:tgtEl>
+                                      </p:cBhvr>
+                                    </p:animEffect>
+                                  </p:childTnLst>
+                                </p:cTn>
+                              </p:par>
+                            </p:childTnLst>
+                          </p:cTn>
+                        </p:par>
+                      </p:childTnLst>
+                    </p:cTn>
+                  </p:par>
+                  <p:par>
+                    <p:cTn id="18" fill="hold">
+                      <p:stCondLst>
+                        <p:cond delay="indefinite"/>
+                      </p:stCondLst>
+                      <p:childTnLst>
+                        <p:par>
+                          <p:cTn id="19" fill="hold">
+                            <p:stCondLst>
+                              <p:cond delay="0"/>
+                            </p:stCondLst>
+                            <p:childTnLst>
+                              <p:par>
+                                <p:cTn id="20" presetID="22" presetClass="entr" presetSubtype="4" fill="hold" grpId="0" nodeType="clickEffect">
+                                  <p:stCondLst>
+                                    <p:cond delay="0"/>
+                                  </p:stCondLst>
+                                  <p:childTnLst>
+                                    <p:set>
+                                      <p:cBhvr>
+                                        <p:cTn id="21" dur="1" fill="hold">
+                                          <p:stCondLst>
+                                            <p:cond delay="0"/>
+                                          </p:stCondLst>
+                                        </p:cTn>
+                                        <p:tgtEl>
+                                          <p:spTgt spid="4">
+                                            <p:txEl>
+                                              <p:pRg st="0" end="0"/>
+                                            </p:txEl>
+                                          </p:spTgt>
+                                        </p:tgtEl>
+                                        <p:attrNameLst>
+                                          <p:attrName>style.visibility</p:attrName>
+                                        </p:attrNameLst>
+                                      </p:cBhvr>
+                                      <p:to>
+                                        <p:strVal val="visible"/>
+                                      </p:to>
+                                    </p:set>
+                                    <p:animEffect transition="in" filter="wipe(down)">
+                                      <p:cBhvr>
+                                        <p:cTn id="22" dur="500"/>
+                                        <p:tgtEl>
+                                          <p:spTgt spid="4">
+                                            <p:txEl>
+                                              <p:pRg st="0" end="0"/>
+                                            </p:txEl>
+                                          </p:spTgt>
+                                        </p:tgtEl>
+                                      </p:cBhvr>
+                                    </p:animEffect>
+                                  </p:childTnLst>
+                                </p:cTn>
+                              </p:par>
+                              <p:par>
+                                <p:cTn id="23" presetID="22" presetClass="entr" presetSubtype="4" fill="hold" grpId="0" nodeType="withEffect">
+                                  <p:stCondLst>
+                                    <p:cond delay="0"/>
+                                  </p:stCondLst>
+                                  <p:childTnLst>
+                                    <p:set>
+                                      <p:cBhvr>
+                                        <p:cTn id="24" dur="1" fill="hold">
+                                          <p:stCondLst>
+                                            <p:cond delay="0"/>
+                                          </p:stCondLst>
+                                        </p:cTn>
+                                        <p:tgtEl>
+                                          <p:spTgt spid="4">
+                                            <p:txEl>
+                                              <p:pRg st="1" end="1"/>
+                                            </p:txEl>
+                                          </p:spTgt>
+                                        </p:tgtEl>
+                                        <p:attrNameLst>
+                                          <p:attrName>style.visibility</p:attrName>
+                                        </p:attrNameLst>
+                                      </p:cBhvr>
+                                      <p:to>
+                                        <p:strVal val="visible"/>
+                                      </p:to>
+                                    </p:set>
+                                    <p:animEffect transition="in" filter="wipe(down)">
+                                      <p:cBhvr>
+                                        <p:cTn id="25" dur="500"/>
+                                        <p:tgtEl>
+                                          <p:spTgt spid="4">
+                                            <p:txEl>
+                                              <p:pRg st="1" end="1"/>
+                                            </p:txEl>
+                                          </p:spTgt>
+                                        </p:tgtEl>
+                                      </p:cBhvr>
+                                    </p:animEffect>
+                                  </p:childTnLst>
+                                </p:cTn>
+                              </p:par>
+                              <p:par>
+                                <p:cTn id="26" presetID="22" presetClass="entr" presetSubtype="4" fill="hold" grpId="0" nodeType="withEffect">
+                                  <p:stCondLst>
+                                    <p:cond delay="0"/>
+                                  </p:stCondLst>
+                                  <p:childTnLst>
+                                    <p:set>
+                                      <p:cBhvr>
+                                        <p:cTn id="27" dur="1" fill="hold">
+                                          <p:stCondLst>
+                                            <p:cond delay="0"/>
+                                          </p:stCondLst>
+                                        </p:cTn>
+                                        <p:tgtEl>
+                                          <p:spTgt spid="4">
+                                            <p:txEl>
+                                              <p:pRg st="2" end="2"/>
+                                            </p:txEl>
+                                          </p:spTgt>
+                                        </p:tgtEl>
+                                        <p:attrNameLst>
+                                          <p:attrName>style.visibility</p:attrName>
+                                        </p:attrNameLst>
+                                      </p:cBhvr>
+                                      <p:to>
+                                        <p:strVal val="visible"/>
+                                      </p:to>
+                                    </p:set>
+                                    <p:animEffect transition="in" filter="wipe(down)">
+                                      <p:cBhvr>
+                                        <p:cTn id="28" dur="500"/>
+                                        <p:tgtEl>
+                                          <p:spTgt spid="4">
+                                            <p:txEl>
+                                              <p:pRg st="2" end="2"/>
+                                            </p:txEl>
+                                          </p:spTgt>
+                                        </p:tgtEl>
+                                      </p:cBhvr>
+                                    </p:animEffect>
+                                  </p:childTnLst>
+                                </p:cTn>
+                              </p:par>
+                              <p:par>
+                                <p:cTn id="29" presetID="22" presetClass="entr" presetSubtype="4" fill="hold" grpId="0" nodeType="withEffect">
+                                  <p:stCondLst>
+                                    <p:cond delay="0"/>
+                                  </p:stCondLst>
+                                  <p:childTnLst>
+                                    <p:set>
+                                      <p:cBhvr>
+                                        <p:cTn id="30" dur="1" fill="hold">
+                                          <p:stCondLst>
+                                            <p:cond delay="0"/>
+                                          </p:stCondLst>
+                                        </p:cTn>
+                                        <p:tgtEl>
+                                          <p:spTgt spid="4">
+                                            <p:txEl>
+                                              <p:pRg st="3" end="3"/>
+                                            </p:txEl>
+                                          </p:spTgt>
+                                        </p:tgtEl>
+                                        <p:attrNameLst>
+                                          <p:attrName>style.visibility</p:attrName>
+                                        </p:attrNameLst>
+                                      </p:cBhvr>
+                                      <p:to>
+                                        <p:strVal val="visible"/>
+                                      </p:to>
+                                    </p:set>
+                                    <p:animEffect transition="in" filter="wipe(down)">
+                                      <p:cBhvr>
+                                        <p:cTn id="31" dur="500"/>
+                                        <p:tgtEl>
+                                          <p:spTgt spid="4">
+                                            <p:txEl>
+                                              <p:pRg st="3" end="3"/>
+                                            </p:txEl>
+                                          </p:spTgt>
+                                        </p:tgtEl>
+                                      </p:cBhvr>
+                                    </p:animEffect>
+                                  </p:childTnLst>
+                                </p:cTn>
+                              </p:par>
+                              <p:par>
+                                <p:cTn id="32" presetID="22" presetClass="entr" presetSubtype="4" fill="hold" grpId="0" nodeType="withEffect">
+                                  <p:stCondLst>
+                                    <p:cond delay="0"/>
+                                  </p:stCondLst>
+                                  <p:childTnLst>
+                                    <p:set>
+                                      <p:cBhvr>
+                                        <p:cTn id="33" dur="1" fill="hold">
+                                          <p:stCondLst>
+                                            <p:cond delay="0"/>
+                                          </p:stCondLst>
+                                        </p:cTn>
+                                        <p:tgtEl>
+                                          <p:spTgt spid="4">
+                                            <p:txEl>
+                                              <p:pRg st="4" end="4"/>
+                                            </p:txEl>
+                                          </p:spTgt>
+                                        </p:tgtEl>
+                                        <p:attrNameLst>
+                                          <p:attrName>style.visibility</p:attrName>
+                                        </p:attrNameLst>
+                                      </p:cBhvr>
+                                      <p:to>
+                                        <p:strVal val="visible"/>
+                                      </p:to>
+                                    </p:set>
+                                    <p:animEffect transition="in" filter="wipe(down)">
+                                      <p:cBhvr>
+                                        <p:cTn id="34" dur="500"/>
+                                        <p:tgtEl>
+                                          <p:spTgt spid="4">
+                                            <p:txEl>
+                                              <p:pRg st="4" end="4"/>
+                                            </p:txEl>
+                                          </p:spTgt>
+                                        </p:tgtEl>
+                                      </p:cBhvr>
+                                    </p:animEffect>
+                                  </p:childTnLst>
+                                </p:cTn>
+                              </p:par>
+                            </p:childTnLst>
+                          </p:cTn>
+                        </p:par>
+                      </p:childTnLst>
+                    </p:cTn>
+                  </p:par>
+                  <p:par>
+                    <p:cTn id="35" fill="hold">
+                      <p:stCondLst>
+                        <p:cond delay="indefinite"/>
+                      </p:stCondLst>
+                      <p:childTnLst>
+                        <p:par>
+                          <p:cTn id="36" fill="hold">
+                            <p:stCondLst>
+                              <p:cond delay="0"/>
+                            </p:stCondLst>
+                            <p:childTnLst>
+                              <p:par>
+                                <p:cTn id="37" presetID="22" presetClass="entr" presetSubtype="4" fill="hold" grpId="0" nodeType="clickEffect">
+                                  <p:stCondLst>
+                                    <p:cond delay="0"/>
+                                  </p:stCondLst>
+                                  <p:childTnLst>
+                                    <p:set>
+                                      <p:cBhvr>
+                                        <p:cTn id="38" dur="1" fill="hold">
+                                          <p:stCondLst>
+                                            <p:cond delay="0"/>
+                                          </p:stCondLst>
+                                        </p:cTn>
+                                        <p:tgtEl>
+                                          <p:spTgt spid="4">
+                                            <p:txEl>
+                                              <p:pRg st="5" end="5"/>
+                                            </p:txEl>
+                                          </p:spTgt>
+                                        </p:tgtEl>
+                                        <p:attrNameLst>
+                                          <p:attrName>style.visibility</p:attrName>
+                                        </p:attrNameLst>
+                                      </p:cBhvr>
+                                      <p:to>
+                                        <p:strVal val="visible"/>
+                                      </p:to>
+                                    </p:set>
+                                    <p:animEffect transition="in" filter="wipe(down)">
+                                      <p:cBhvr>
+                                        <p:cTn id="39" dur="500"/>
+                                        <p:tgtEl>
+                                          <p:spTgt spid="4">
+                                            <p:txEl>
+                                              <p:pRg st="5" end="5"/>
+                                            </p:txEl>
+                                          </p:spTgt>
+                                        </p:tgtEl>
+                                      </p:cBhvr>
+                                    </p:animEffect>
+                                  </p:childTnLst>
+                                </p:cTn>
+                              </p:par>
+                              <p:par>
+                                <p:cTn id="40" presetID="22" presetClass="entr" presetSubtype="4" fill="hold" grpId="0" nodeType="withEffect">
+                                  <p:stCondLst>
+                                    <p:cond delay="0"/>
+                                  </p:stCondLst>
+                                  <p:childTnLst>
+                                    <p:set>
+                                      <p:cBhvr>
+                                        <p:cTn id="41" dur="1" fill="hold">
+                                          <p:stCondLst>
+                                            <p:cond delay="0"/>
+                                          </p:stCondLst>
+                                        </p:cTn>
+                                        <p:tgtEl>
+                                          <p:spTgt spid="4">
+                                            <p:txEl>
+                                              <p:pRg st="6" end="6"/>
+                                            </p:txEl>
+                                          </p:spTgt>
+                                        </p:tgtEl>
+                                        <p:attrNameLst>
+                                          <p:attrName>style.visibility</p:attrName>
+                                        </p:attrNameLst>
+                                      </p:cBhvr>
+                                      <p:to>
+                                        <p:strVal val="visible"/>
+                                      </p:to>
+                                    </p:set>
+                                    <p:animEffect transition="in" filter="wipe(down)">
+                                      <p:cBhvr>
+                                        <p:cTn id="42" dur="500"/>
+                                        <p:tgtEl>
+                                          <p:spTgt spid="4">
+                                            <p:txEl>
+                                              <p:pRg st="6" end="6"/>
+                                            </p:txEl>
+                                          </p:spTgt>
+                                        </p:tgtEl>
+                                      </p:cBhvr>
+                                    </p:animEffect>
+                                  </p:childTnLst>
+                                </p:cTn>
+                              </p:par>
+                              <p:par>
+                                <p:cTn id="43" presetID="22" presetClass="entr" presetSubtype="4" fill="hold" grpId="0" nodeType="withEffect">
+                                  <p:stCondLst>
+                                    <p:cond delay="0"/>
+                                  </p:stCondLst>
+                                  <p:childTnLst>
+                                    <p:set>
+                                      <p:cBhvr>
+                                        <p:cTn id="44" dur="1" fill="hold">
+                                          <p:stCondLst>
+                                            <p:cond delay="0"/>
+                                          </p:stCondLst>
+                                        </p:cTn>
+                                        <p:tgtEl>
+                                          <p:spTgt spid="4">
+                                            <p:txEl>
+                                              <p:pRg st="7" end="7"/>
+                                            </p:txEl>
+                                          </p:spTgt>
+                                        </p:tgtEl>
+                                        <p:attrNameLst>
+                                          <p:attrName>style.visibility</p:attrName>
+                                        </p:attrNameLst>
+                                      </p:cBhvr>
+                                      <p:to>
+                                        <p:strVal val="visible"/>
+                                      </p:to>
+                                    </p:set>
+                                    <p:animEffect transition="in" filter="wipe(down)">
+                                      <p:cBhvr>
+                                        <p:cTn id="45" dur="500"/>
+                                        <p:tgtEl>
+                                          <p:spTgt spid="4">
+                                            <p:txEl>
+                                              <p:pRg st="7" end="7"/>
+                                            </p:txEl>
+                                          </p:spTgt>
+                                        </p:tgtEl>
+                                      </p:cBhvr>
+                                    </p:animEffect>
+                                  </p:childTnLst>
+                                </p:cTn>
+                              </p:par>
+                              <p:par>
+                                <p:cTn id="46" presetID="22" presetClass="entr" presetSubtype="4" fill="hold" grpId="0" nodeType="withEffect">
+                                  <p:stCondLst>
+                                    <p:cond delay="0"/>
+                                  </p:stCondLst>
+                                  <p:childTnLst>
+                                    <p:set>
+                                      <p:cBhvr>
+                                        <p:cTn id="47" dur="1" fill="hold">
+                                          <p:stCondLst>
+                                            <p:cond delay="0"/>
+                                          </p:stCondLst>
+                                        </p:cTn>
+                                        <p:tgtEl>
+                                          <p:spTgt spid="4">
+                                            <p:txEl>
+                                              <p:pRg st="8" end="8"/>
+                                            </p:txEl>
+                                          </p:spTgt>
+                                        </p:tgtEl>
+                                        <p:attrNameLst>
+                                          <p:attrName>style.visibility</p:attrName>
+                                        </p:attrNameLst>
+                                      </p:cBhvr>
+                                      <p:to>
+                                        <p:strVal val="visible"/>
+                                      </p:to>
+                                    </p:set>
+                                    <p:animEffect transition="in" filter="wipe(down)">
+                                      <p:cBhvr>
+                                        <p:cTn id="48" dur="500"/>
+                                        <p:tgtEl>
+                                          <p:spTgt spid="4">
+                                            <p:txEl>
+                                              <p:pRg st="8" end="8"/>
+                                            </p:txEl>
+                                          </p:spTgt>
+                                        </p:tgtEl>
+                                      </p:cBhvr>
+                                    </p:animEffect>
+                                  </p:childTnLst>
+                                </p:cTn>
+                              </p:par>
+                            </p:childTnLst>
+                          </p:cTn>
+                        </p:par>
+                      </p:childTnLst>
+                    </p:cTn>
+                  </p:par>
+                </p:childTnLst>
+              </p:cTn>
+              <p:prevCondLst>
+                <p:cond evt="onPrev" delay="0">
+                  <p:tgtEl>
+                    <p:sldTgt/>
+                  </p:tgtEl>
+                </p:cond>
+              </p:prevCondLst>
+              <p:nextCondLst>
+                <p:cond evt="onNext" delay="0">
+                  <p:tgtEl>
+                    <p:sldTgt/>
+                  </p:tgtEl>
+                </p:cond>
+              </p:nextCondLst>
+            </p:seq>
+          </p:childTnLst>
+        </p:cTn>
       </p:par>
     </p:tnLst>
+    <p:bldLst>
+      <p:bldP spid="3" grpId="0" uiExpand="1" build="p"/>
+      <p:bldP spid="4" grpId="0" build="p"/>
+    </p:bldLst>
   </p:timing>
 </p:sld>
 </file>
@@ -3241,7 +4645,36 @@
           <a:bodyPr/>
           <a:lstStyle/>
           <a:p>
-            <a:endParaRPr lang="en-US"/>
+            <a:r>
+              <a:rPr lang="en-US" dirty="0" smtClean="0"/>
+              <a:t>SLLLLLLOOW down</a:t>
+            </a:r>
+          </a:p>
+          <a:p>
+            <a:r>
+              <a:rPr lang="en-US" dirty="0" smtClean="0"/>
+              <a:t>But not TOOO slow</a:t>
+            </a:r>
+          </a:p>
+          <a:p>
+            <a:r>
+              <a:rPr lang="en-US" dirty="0" smtClean="0"/>
+              <a:t>Don’t type every line of code</a:t>
+            </a:r>
+          </a:p>
+          <a:p>
+            <a:pPr lvl="1"/>
+            <a:r>
+              <a:rPr lang="en-US" dirty="0" smtClean="0"/>
+              <a:t>Copy &amp; paste, &amp; explain</a:t>
+            </a:r>
+          </a:p>
+          <a:p>
+            <a:r>
+              <a:rPr lang="en-US" dirty="0" smtClean="0"/>
+              <a:t>Dual monitor… or dual virtual desktop might help</a:t>
+            </a:r>
+            <a:endParaRPr lang="en-US" dirty="0"/>
           </a:p>
         </p:txBody>
       </p:sp>
@@ -3268,6 +4701,505 @@
     <p:extLst>
       <p:ext uri="{BB962C8B-B14F-4D97-AF65-F5344CB8AC3E}">
         <p14:creationId xmlns:p14="http://schemas.microsoft.com/office/powerpoint/2010/main" val="163334372"/>
+      </p:ext>
+    </p:extLst>
+  </p:cSld>
+  <p:clrMapOvr>
+    <a:masterClrMapping/>
+  </p:clrMapOvr>
+  <p:timing>
+    <p:tnLst>
+      <p:par>
+        <p:cTn id="1" dur="indefinite" restart="never" nodeType="tmRoot"/>
+      </p:par>
+    </p:tnLst>
+  </p:timing>
+</p:sld>
+</file>
+
+<file path=ppt/slides/slide6.xml><?xml version="1.0" encoding="utf-8"?>
+<p:sld xmlns:a="http://schemas.openxmlformats.org/drawingml/2006/main" xmlns:r="http://schemas.openxmlformats.org/officeDocument/2006/relationships" xmlns:p="http://schemas.openxmlformats.org/presentationml/2006/main">
+  <p:cSld>
+    <p:spTree>
+      <p:nvGrpSpPr>
+        <p:cNvPr id="1" name=""/>
+        <p:cNvGrpSpPr/>
+        <p:nvPr/>
+      </p:nvGrpSpPr>
+      <p:grpSpPr>
+        <a:xfrm>
+          <a:off x="0" y="0"/>
+          <a:ext cx="0" cy="0"/>
+          <a:chOff x="0" y="0"/>
+          <a:chExt cx="0" cy="0"/>
+        </a:xfrm>
+      </p:grpSpPr>
+      <p:sp>
+        <p:nvSpPr>
+          <p:cNvPr id="2" name="Title 1"/>
+          <p:cNvSpPr>
+            <a:spLocks noGrp="1"/>
+          </p:cNvSpPr>
+          <p:nvPr>
+            <p:ph type="title"/>
+          </p:nvPr>
+        </p:nvSpPr>
+        <p:spPr/>
+        <p:txBody>
+          <a:bodyPr/>
+          <a:lstStyle/>
+          <a:p>
+            <a:r>
+              <a:rPr lang="en-US" dirty="0" smtClean="0"/>
+              <a:t>Content: Day Recommended Agenda</a:t>
+            </a:r>
+            <a:endParaRPr lang="en-US" dirty="0"/>
+          </a:p>
+        </p:txBody>
+      </p:sp>
+      <p:sp>
+        <p:nvSpPr>
+          <p:cNvPr id="3" name="Content Placeholder 2"/>
+          <p:cNvSpPr>
+            <a:spLocks noGrp="1"/>
+          </p:cNvSpPr>
+          <p:nvPr>
+            <p:ph sz="half" idx="1"/>
+          </p:nvPr>
+        </p:nvSpPr>
+        <p:spPr>
+          <a:xfrm>
+            <a:off x="838200" y="1825625"/>
+            <a:ext cx="5181600" cy="2694860"/>
+          </a:xfrm>
+        </p:spPr>
+        <p:txBody>
+          <a:bodyPr>
+            <a:normAutofit/>
+          </a:bodyPr>
+          <a:lstStyle/>
+          <a:p>
+            <a:pPr marL="0" indent="0">
+              <a:buNone/>
+              <a:tabLst>
+                <a:tab pos="2403475" algn="l"/>
+              </a:tabLst>
+            </a:pPr>
+            <a:r>
+              <a:rPr lang="en-US" dirty="0" smtClean="0"/>
+              <a:t>09:30 – 10:00 | Setup</a:t>
+            </a:r>
+          </a:p>
+          <a:p>
+            <a:pPr marL="0" indent="0">
+              <a:buNone/>
+            </a:pPr>
+            <a:r>
+              <a:rPr lang="en-US" dirty="0" smtClean="0"/>
+              <a:t>10:00 – 11:00 | 1. Intro</a:t>
+            </a:r>
+          </a:p>
+          <a:p>
+            <a:pPr marL="0" indent="0">
+              <a:buNone/>
+            </a:pPr>
+            <a:r>
+              <a:rPr lang="en-US" dirty="0" smtClean="0"/>
+              <a:t>11:00 – 12:00 | 2. Adaptive UI</a:t>
+            </a:r>
+          </a:p>
+          <a:p>
+            <a:pPr marL="0" indent="0">
+              <a:buNone/>
+            </a:pPr>
+            <a:r>
+              <a:rPr lang="en-US" dirty="0" smtClean="0"/>
+              <a:t>12:00 – 12:30 | 3. Tiles</a:t>
+            </a:r>
+          </a:p>
+          <a:p>
+            <a:pPr marL="0" indent="0">
+              <a:buNone/>
+            </a:pPr>
+            <a:r>
+              <a:rPr lang="en-US" dirty="0" smtClean="0"/>
+              <a:t>12:30 – 01:30 | *Lunch*</a:t>
+            </a:r>
+          </a:p>
+        </p:txBody>
+      </p:sp>
+      <p:sp>
+        <p:nvSpPr>
+          <p:cNvPr id="4" name="Content Placeholder 3"/>
+          <p:cNvSpPr>
+            <a:spLocks noGrp="1"/>
+          </p:cNvSpPr>
+          <p:nvPr>
+            <p:ph sz="half" idx="2"/>
+          </p:nvPr>
+        </p:nvSpPr>
+        <p:spPr>
+          <a:xfrm>
+            <a:off x="6172199" y="1825625"/>
+            <a:ext cx="5819503" cy="2694860"/>
+          </a:xfrm>
+        </p:spPr>
+        <p:txBody>
+          <a:bodyPr>
+            <a:normAutofit/>
+          </a:bodyPr>
+          <a:lstStyle/>
+          <a:p>
+            <a:pPr marL="0" indent="0">
+              <a:buNone/>
+            </a:pPr>
+            <a:r>
+              <a:rPr lang="en-US" dirty="0"/>
+              <a:t>13:30 – 14:30 | 4. Edge / Web</a:t>
+            </a:r>
+          </a:p>
+          <a:p>
+            <a:pPr marL="0" indent="0">
+              <a:buNone/>
+            </a:pPr>
+            <a:r>
+              <a:rPr lang="en-US" dirty="0"/>
+              <a:t>14:30 – 15:30 | 5. Cloud</a:t>
+            </a:r>
+          </a:p>
+          <a:p>
+            <a:pPr marL="0" indent="0">
+              <a:buNone/>
+            </a:pPr>
+            <a:r>
+              <a:rPr lang="en-US" dirty="0"/>
+              <a:t>15:30 – 16:00 | *Break*</a:t>
+            </a:r>
+          </a:p>
+          <a:p>
+            <a:pPr marL="0" indent="0">
+              <a:buNone/>
+            </a:pPr>
+            <a:r>
+              <a:rPr lang="en-US" dirty="0" smtClean="0"/>
+              <a:t>16:00 – 17:00 | 6. MPC / App </a:t>
+            </a:r>
+            <a:r>
+              <a:rPr lang="en-US" dirty="0" err="1" smtClean="0"/>
+              <a:t>Svcs</a:t>
+            </a:r>
+            <a:endParaRPr lang="en-US" dirty="0" smtClean="0"/>
+          </a:p>
+          <a:p>
+            <a:pPr marL="0" indent="0">
+              <a:buNone/>
+            </a:pPr>
+            <a:r>
+              <a:rPr lang="en-US" dirty="0" smtClean="0"/>
+              <a:t>17:00 – 17:30 | 7. Store / $$</a:t>
+            </a:r>
+            <a:endParaRPr lang="en-US" dirty="0"/>
+          </a:p>
+        </p:txBody>
+      </p:sp>
+    </p:spTree>
+    <p:extLst>
+      <p:ext uri="{BB962C8B-B14F-4D97-AF65-F5344CB8AC3E}">
+        <p14:creationId xmlns:p14="http://schemas.microsoft.com/office/powerpoint/2010/main" val="2060723929"/>
+      </p:ext>
+    </p:extLst>
+  </p:cSld>
+  <p:clrMapOvr>
+    <a:masterClrMapping/>
+  </p:clrMapOvr>
+  <p:timing>
+    <p:tnLst>
+      <p:par>
+        <p:cTn id="1" dur="indefinite" restart="never" nodeType="tmRoot"/>
+      </p:par>
+    </p:tnLst>
+  </p:timing>
+</p:sld>
+</file>
+
+<file path=ppt/slides/slide7.xml><?xml version="1.0" encoding="utf-8"?>
+<p:sld xmlns:a="http://schemas.openxmlformats.org/drawingml/2006/main" xmlns:r="http://schemas.openxmlformats.org/officeDocument/2006/relationships" xmlns:p="http://schemas.openxmlformats.org/presentationml/2006/main">
+  <p:cSld>
+    <p:spTree>
+      <p:nvGrpSpPr>
+        <p:cNvPr id="1" name=""/>
+        <p:cNvGrpSpPr/>
+        <p:nvPr/>
+      </p:nvGrpSpPr>
+      <p:grpSpPr>
+        <a:xfrm>
+          <a:off x="0" y="0"/>
+          <a:ext cx="0" cy="0"/>
+          <a:chOff x="0" y="0"/>
+          <a:chExt cx="0" cy="0"/>
+        </a:xfrm>
+      </p:grpSpPr>
+      <p:sp>
+        <p:nvSpPr>
+          <p:cNvPr id="2" name="Title 1"/>
+          <p:cNvSpPr>
+            <a:spLocks noGrp="1"/>
+          </p:cNvSpPr>
+          <p:nvPr>
+            <p:ph type="title"/>
+          </p:nvPr>
+        </p:nvSpPr>
+        <p:spPr/>
+        <p:txBody>
+          <a:bodyPr/>
+          <a:lstStyle/>
+          <a:p>
+            <a:r>
+              <a:rPr lang="en-US" dirty="0" smtClean="0"/>
+              <a:t>Intro</a:t>
+            </a:r>
+            <a:endParaRPr lang="en-US" dirty="0"/>
+          </a:p>
+        </p:txBody>
+      </p:sp>
+      <p:sp>
+        <p:nvSpPr>
+          <p:cNvPr id="3" name="Content Placeholder 2"/>
+          <p:cNvSpPr>
+            <a:spLocks noGrp="1"/>
+          </p:cNvSpPr>
+          <p:nvPr>
+            <p:ph sz="half" idx="1"/>
+          </p:nvPr>
+        </p:nvSpPr>
+        <p:spPr/>
+        <p:txBody>
+          <a:bodyPr/>
+          <a:lstStyle/>
+          <a:p>
+            <a:endParaRPr lang="en-US"/>
+          </a:p>
+        </p:txBody>
+      </p:sp>
+      <p:sp>
+        <p:nvSpPr>
+          <p:cNvPr id="4" name="Content Placeholder 3"/>
+          <p:cNvSpPr>
+            <a:spLocks noGrp="1"/>
+          </p:cNvSpPr>
+          <p:nvPr>
+            <p:ph sz="half" idx="2"/>
+          </p:nvPr>
+        </p:nvSpPr>
+        <p:spPr/>
+        <p:txBody>
+          <a:bodyPr/>
+          <a:lstStyle/>
+          <a:p>
+            <a:endParaRPr lang="en-US"/>
+          </a:p>
+        </p:txBody>
+      </p:sp>
+    </p:spTree>
+    <p:extLst>
+      <p:ext uri="{BB962C8B-B14F-4D97-AF65-F5344CB8AC3E}">
+        <p14:creationId xmlns:p14="http://schemas.microsoft.com/office/powerpoint/2010/main" val="750969378"/>
+      </p:ext>
+    </p:extLst>
+  </p:cSld>
+  <p:clrMapOvr>
+    <a:masterClrMapping/>
+  </p:clrMapOvr>
+  <p:timing>
+    <p:tnLst>
+      <p:par>
+        <p:cTn id="1" dur="indefinite" restart="never" nodeType="tmRoot"/>
+      </p:par>
+    </p:tnLst>
+  </p:timing>
+</p:sld>
+</file>
+
+<file path=ppt/slides/slide8.xml><?xml version="1.0" encoding="utf-8"?>
+<p:sld xmlns:a="http://schemas.openxmlformats.org/drawingml/2006/main" xmlns:r="http://schemas.openxmlformats.org/officeDocument/2006/relationships" xmlns:p="http://schemas.openxmlformats.org/presentationml/2006/main">
+  <p:cSld>
+    <p:spTree>
+      <p:nvGrpSpPr>
+        <p:cNvPr id="1" name=""/>
+        <p:cNvGrpSpPr/>
+        <p:nvPr/>
+      </p:nvGrpSpPr>
+      <p:grpSpPr>
+        <a:xfrm>
+          <a:off x="0" y="0"/>
+          <a:ext cx="0" cy="0"/>
+          <a:chOff x="0" y="0"/>
+          <a:chExt cx="0" cy="0"/>
+        </a:xfrm>
+      </p:grpSpPr>
+      <p:sp>
+        <p:nvSpPr>
+          <p:cNvPr id="2" name="Title 1"/>
+          <p:cNvSpPr>
+            <a:spLocks noGrp="1"/>
+          </p:cNvSpPr>
+          <p:nvPr>
+            <p:ph type="title"/>
+          </p:nvPr>
+        </p:nvSpPr>
+        <p:spPr/>
+        <p:txBody>
+          <a:bodyPr/>
+          <a:lstStyle/>
+          <a:p>
+            <a:r>
+              <a:rPr lang="en-US" dirty="0" smtClean="0"/>
+              <a:t>Adaptive UI</a:t>
+            </a:r>
+            <a:endParaRPr lang="en-US" dirty="0"/>
+          </a:p>
+        </p:txBody>
+      </p:sp>
+      <p:sp>
+        <p:nvSpPr>
+          <p:cNvPr id="3" name="Content Placeholder 2"/>
+          <p:cNvSpPr>
+            <a:spLocks noGrp="1"/>
+          </p:cNvSpPr>
+          <p:nvPr>
+            <p:ph sz="half" idx="1"/>
+          </p:nvPr>
+        </p:nvSpPr>
+        <p:spPr/>
+        <p:txBody>
+          <a:bodyPr/>
+          <a:lstStyle/>
+          <a:p>
+            <a:endParaRPr lang="en-US"/>
+          </a:p>
+        </p:txBody>
+      </p:sp>
+      <p:sp>
+        <p:nvSpPr>
+          <p:cNvPr id="4" name="Content Placeholder 3"/>
+          <p:cNvSpPr>
+            <a:spLocks noGrp="1"/>
+          </p:cNvSpPr>
+          <p:nvPr>
+            <p:ph sz="half" idx="2"/>
+          </p:nvPr>
+        </p:nvSpPr>
+        <p:spPr/>
+        <p:txBody>
+          <a:bodyPr/>
+          <a:lstStyle/>
+          <a:p>
+            <a:endParaRPr lang="en-US"/>
+          </a:p>
+        </p:txBody>
+      </p:sp>
+    </p:spTree>
+    <p:extLst>
+      <p:ext uri="{BB962C8B-B14F-4D97-AF65-F5344CB8AC3E}">
+        <p14:creationId xmlns:p14="http://schemas.microsoft.com/office/powerpoint/2010/main" val="3658416285"/>
+      </p:ext>
+    </p:extLst>
+  </p:cSld>
+  <p:clrMapOvr>
+    <a:masterClrMapping/>
+  </p:clrMapOvr>
+  <p:timing>
+    <p:tnLst>
+      <p:par>
+        <p:cTn id="1" dur="indefinite" restart="never" nodeType="tmRoot"/>
+      </p:par>
+    </p:tnLst>
+  </p:timing>
+</p:sld>
+</file>
+
+<file path=ppt/slides/slide9.xml><?xml version="1.0" encoding="utf-8"?>
+<p:sld xmlns:a="http://schemas.openxmlformats.org/drawingml/2006/main" xmlns:r="http://schemas.openxmlformats.org/officeDocument/2006/relationships" xmlns:p="http://schemas.openxmlformats.org/presentationml/2006/main">
+  <p:cSld>
+    <p:spTree>
+      <p:nvGrpSpPr>
+        <p:cNvPr id="1" name=""/>
+        <p:cNvGrpSpPr/>
+        <p:nvPr/>
+      </p:nvGrpSpPr>
+      <p:grpSpPr>
+        <a:xfrm>
+          <a:off x="0" y="0"/>
+          <a:ext cx="0" cy="0"/>
+          <a:chOff x="0" y="0"/>
+          <a:chExt cx="0" cy="0"/>
+        </a:xfrm>
+      </p:grpSpPr>
+      <p:sp>
+        <p:nvSpPr>
+          <p:cNvPr id="2" name="Title 1"/>
+          <p:cNvSpPr>
+            <a:spLocks noGrp="1"/>
+          </p:cNvSpPr>
+          <p:nvPr>
+            <p:ph type="title"/>
+          </p:nvPr>
+        </p:nvSpPr>
+        <p:spPr/>
+        <p:txBody>
+          <a:bodyPr/>
+          <a:lstStyle/>
+          <a:p>
+            <a:r>
+              <a:rPr lang="en-US" dirty="0" smtClean="0"/>
+              <a:t>Tiles</a:t>
+            </a:r>
+            <a:endParaRPr lang="en-US" dirty="0"/>
+          </a:p>
+        </p:txBody>
+      </p:sp>
+      <p:sp>
+        <p:nvSpPr>
+          <p:cNvPr id="3" name="Content Placeholder 2"/>
+          <p:cNvSpPr>
+            <a:spLocks noGrp="1"/>
+          </p:cNvSpPr>
+          <p:nvPr>
+            <p:ph sz="half" idx="1"/>
+          </p:nvPr>
+        </p:nvSpPr>
+        <p:spPr/>
+        <p:txBody>
+          <a:bodyPr/>
+          <a:lstStyle/>
+          <a:p>
+            <a:endParaRPr lang="en-US"/>
+          </a:p>
+        </p:txBody>
+      </p:sp>
+      <p:sp>
+        <p:nvSpPr>
+          <p:cNvPr id="4" name="Content Placeholder 3"/>
+          <p:cNvSpPr>
+            <a:spLocks noGrp="1"/>
+          </p:cNvSpPr>
+          <p:nvPr>
+            <p:ph sz="half" idx="2"/>
+          </p:nvPr>
+        </p:nvSpPr>
+        <p:spPr/>
+        <p:txBody>
+          <a:bodyPr/>
+          <a:lstStyle/>
+          <a:p>
+            <a:endParaRPr lang="en-US"/>
+          </a:p>
+        </p:txBody>
+      </p:sp>
+    </p:spTree>
+    <p:extLst>
+      <p:ext uri="{BB962C8B-B14F-4D97-AF65-F5344CB8AC3E}">
+        <p14:creationId xmlns:p14="http://schemas.microsoft.com/office/powerpoint/2010/main" val="1833919662"/>
       </p:ext>
     </p:extLst>
   </p:cSld>

--- a/10.08.15.Train the Trainer.pptx
+++ b/10.08.15.Train the Trainer.pptx
@@ -4,21 +4,27 @@
   <p:sldMasterIdLst>
     <p:sldMasterId id="2147483648" r:id="rId1"/>
   </p:sldMasterIdLst>
+  <p:notesMasterIdLst>
+    <p:notesMasterId r:id="rId19"/>
+  </p:notesMasterIdLst>
   <p:sldIdLst>
-    <p:sldId id="256" r:id="rId2"/>
+    <p:sldId id="275" r:id="rId2"/>
     <p:sldId id="262" r:id="rId3"/>
     <p:sldId id="257" r:id="rId4"/>
-    <p:sldId id="263" r:id="rId5"/>
-    <p:sldId id="264" r:id="rId6"/>
-    <p:sldId id="265" r:id="rId7"/>
-    <p:sldId id="266" r:id="rId8"/>
-    <p:sldId id="267" r:id="rId9"/>
-    <p:sldId id="268" r:id="rId10"/>
-    <p:sldId id="269" r:id="rId11"/>
-    <p:sldId id="270" r:id="rId12"/>
-    <p:sldId id="271" r:id="rId13"/>
-    <p:sldId id="272" r:id="rId14"/>
-    <p:sldId id="273" r:id="rId15"/>
+    <p:sldId id="276" r:id="rId5"/>
+    <p:sldId id="263" r:id="rId6"/>
+    <p:sldId id="264" r:id="rId7"/>
+    <p:sldId id="277" r:id="rId8"/>
+    <p:sldId id="265" r:id="rId9"/>
+    <p:sldId id="266" r:id="rId10"/>
+    <p:sldId id="267" r:id="rId11"/>
+    <p:sldId id="268" r:id="rId12"/>
+    <p:sldId id="269" r:id="rId13"/>
+    <p:sldId id="270" r:id="rId14"/>
+    <p:sldId id="271" r:id="rId15"/>
+    <p:sldId id="272" r:id="rId16"/>
+    <p:sldId id="273" r:id="rId17"/>
+    <p:sldId id="278" r:id="rId18"/>
   </p:sldIdLst>
   <p:sldSz cx="12192000" cy="6858000"/>
   <p:notesSz cx="6858000" cy="9144000"/>
@@ -119,10 +125,716 @@
   </p:defaultTextStyle>
   <p:extLst>
     <p:ext uri="{EFAFB233-063F-42B5-8137-9DF3F51BA10A}">
-      <p15:sldGuideLst xmlns:p15="http://schemas.microsoft.com/office/powerpoint/2012/main"/>
+      <p15:sldGuideLst xmlns:p15="http://schemas.microsoft.com/office/powerpoint/2012/main">
+        <p15:guide id="1" orient="horz" pos="2160" userDrawn="1">
+          <p15:clr>
+            <a:srgbClr val="A4A3A4"/>
+          </p15:clr>
+        </p15:guide>
+        <p15:guide id="2" pos="3864" userDrawn="1">
+          <p15:clr>
+            <a:srgbClr val="A4A3A4"/>
+          </p15:clr>
+        </p15:guide>
+      </p15:sldGuideLst>
     </p:ext>
   </p:extLst>
 </p:presentation>
+</file>
+
+<file path=ppt/notesMasters/notesMaster1.xml><?xml version="1.0" encoding="utf-8"?>
+<p:notesMaster xmlns:a="http://schemas.openxmlformats.org/drawingml/2006/main" xmlns:r="http://schemas.openxmlformats.org/officeDocument/2006/relationships" xmlns:p="http://schemas.openxmlformats.org/presentationml/2006/main">
+  <p:cSld>
+    <p:bg>
+      <p:bgRef idx="1001">
+        <a:schemeClr val="bg1"/>
+      </p:bgRef>
+    </p:bg>
+    <p:spTree>
+      <p:nvGrpSpPr>
+        <p:cNvPr id="1" name=""/>
+        <p:cNvGrpSpPr/>
+        <p:nvPr/>
+      </p:nvGrpSpPr>
+      <p:grpSpPr>
+        <a:xfrm>
+          <a:off x="0" y="0"/>
+          <a:ext cx="0" cy="0"/>
+          <a:chOff x="0" y="0"/>
+          <a:chExt cx="0" cy="0"/>
+        </a:xfrm>
+      </p:grpSpPr>
+      <p:sp>
+        <p:nvSpPr>
+          <p:cNvPr id="2" name="Header Placeholder 1"/>
+          <p:cNvSpPr>
+            <a:spLocks noGrp="1"/>
+          </p:cNvSpPr>
+          <p:nvPr>
+            <p:ph type="hdr" sz="quarter"/>
+          </p:nvPr>
+        </p:nvSpPr>
+        <p:spPr>
+          <a:xfrm>
+            <a:off x="0" y="0"/>
+            <a:ext cx="2971800" cy="458788"/>
+          </a:xfrm>
+          <a:prstGeom prst="rect">
+            <a:avLst/>
+          </a:prstGeom>
+        </p:spPr>
+        <p:txBody>
+          <a:bodyPr vert="horz" lIns="91440" tIns="45720" rIns="91440" bIns="45720" rtlCol="0"/>
+          <a:lstStyle>
+            <a:lvl1pPr algn="l">
+              <a:defRPr sz="1200"/>
+            </a:lvl1pPr>
+          </a:lstStyle>
+          <a:p>
+            <a:endParaRPr lang="en-US"/>
+          </a:p>
+        </p:txBody>
+      </p:sp>
+      <p:sp>
+        <p:nvSpPr>
+          <p:cNvPr id="3" name="Date Placeholder 2"/>
+          <p:cNvSpPr>
+            <a:spLocks noGrp="1"/>
+          </p:cNvSpPr>
+          <p:nvPr>
+            <p:ph type="dt" idx="1"/>
+          </p:nvPr>
+        </p:nvSpPr>
+        <p:spPr>
+          <a:xfrm>
+            <a:off x="3884613" y="0"/>
+            <a:ext cx="2971800" cy="458788"/>
+          </a:xfrm>
+          <a:prstGeom prst="rect">
+            <a:avLst/>
+          </a:prstGeom>
+        </p:spPr>
+        <p:txBody>
+          <a:bodyPr vert="horz" lIns="91440" tIns="45720" rIns="91440" bIns="45720" rtlCol="0"/>
+          <a:lstStyle>
+            <a:lvl1pPr algn="r">
+              <a:defRPr sz="1200"/>
+            </a:lvl1pPr>
+          </a:lstStyle>
+          <a:p>
+            <a:fld id="{8B5F1179-C192-4129-9C72-55BF674BB590}" type="datetimeFigureOut">
+              <a:rPr lang="en-US" smtClean="0"/>
+              <a:t>10/7/2015</a:t>
+            </a:fld>
+            <a:endParaRPr lang="en-US"/>
+          </a:p>
+        </p:txBody>
+      </p:sp>
+      <p:sp>
+        <p:nvSpPr>
+          <p:cNvPr id="4" name="Slide Image Placeholder 3"/>
+          <p:cNvSpPr>
+            <a:spLocks noGrp="1" noRot="1" noChangeAspect="1"/>
+          </p:cNvSpPr>
+          <p:nvPr>
+            <p:ph type="sldImg" idx="2"/>
+          </p:nvPr>
+        </p:nvSpPr>
+        <p:spPr>
+          <a:xfrm>
+            <a:off x="685800" y="1143000"/>
+            <a:ext cx="5486400" cy="3086100"/>
+          </a:xfrm>
+          <a:prstGeom prst="rect">
+            <a:avLst/>
+          </a:prstGeom>
+          <a:noFill/>
+          <a:ln w="12700">
+            <a:solidFill>
+              <a:prstClr val="black"/>
+            </a:solidFill>
+          </a:ln>
+        </p:spPr>
+        <p:txBody>
+          <a:bodyPr vert="horz" lIns="91440" tIns="45720" rIns="91440" bIns="45720" rtlCol="0" anchor="ctr"/>
+          <a:lstStyle/>
+          <a:p>
+            <a:endParaRPr lang="en-US"/>
+          </a:p>
+        </p:txBody>
+      </p:sp>
+      <p:sp>
+        <p:nvSpPr>
+          <p:cNvPr id="5" name="Notes Placeholder 4"/>
+          <p:cNvSpPr>
+            <a:spLocks noGrp="1"/>
+          </p:cNvSpPr>
+          <p:nvPr>
+            <p:ph type="body" sz="quarter" idx="3"/>
+          </p:nvPr>
+        </p:nvSpPr>
+        <p:spPr>
+          <a:xfrm>
+            <a:off x="685800" y="4400550"/>
+            <a:ext cx="5486400" cy="3600450"/>
+          </a:xfrm>
+          <a:prstGeom prst="rect">
+            <a:avLst/>
+          </a:prstGeom>
+        </p:spPr>
+        <p:txBody>
+          <a:bodyPr vert="horz" lIns="91440" tIns="45720" rIns="91440" bIns="45720" rtlCol="0"/>
+          <a:lstStyle/>
+          <a:p>
+            <a:pPr lvl="0"/>
+            <a:r>
+              <a:rPr lang="en-US" smtClean="0"/>
+              <a:t>Edit Master text styles</a:t>
+            </a:r>
+          </a:p>
+          <a:p>
+            <a:pPr lvl="1"/>
+            <a:r>
+              <a:rPr lang="en-US" smtClean="0"/>
+              <a:t>Second level</a:t>
+            </a:r>
+          </a:p>
+          <a:p>
+            <a:pPr lvl="2"/>
+            <a:r>
+              <a:rPr lang="en-US" smtClean="0"/>
+              <a:t>Third level</a:t>
+            </a:r>
+          </a:p>
+          <a:p>
+            <a:pPr lvl="3"/>
+            <a:r>
+              <a:rPr lang="en-US" smtClean="0"/>
+              <a:t>Fourth level</a:t>
+            </a:r>
+          </a:p>
+          <a:p>
+            <a:pPr lvl="4"/>
+            <a:r>
+              <a:rPr lang="en-US" smtClean="0"/>
+              <a:t>Fifth level</a:t>
+            </a:r>
+            <a:endParaRPr lang="en-US"/>
+          </a:p>
+        </p:txBody>
+      </p:sp>
+      <p:sp>
+        <p:nvSpPr>
+          <p:cNvPr id="6" name="Footer Placeholder 5"/>
+          <p:cNvSpPr>
+            <a:spLocks noGrp="1"/>
+          </p:cNvSpPr>
+          <p:nvPr>
+            <p:ph type="ftr" sz="quarter" idx="4"/>
+          </p:nvPr>
+        </p:nvSpPr>
+        <p:spPr>
+          <a:xfrm>
+            <a:off x="0" y="8685213"/>
+            <a:ext cx="2971800" cy="458787"/>
+          </a:xfrm>
+          <a:prstGeom prst="rect">
+            <a:avLst/>
+          </a:prstGeom>
+        </p:spPr>
+        <p:txBody>
+          <a:bodyPr vert="horz" lIns="91440" tIns="45720" rIns="91440" bIns="45720" rtlCol="0" anchor="b"/>
+          <a:lstStyle>
+            <a:lvl1pPr algn="l">
+              <a:defRPr sz="1200"/>
+            </a:lvl1pPr>
+          </a:lstStyle>
+          <a:p>
+            <a:endParaRPr lang="en-US"/>
+          </a:p>
+        </p:txBody>
+      </p:sp>
+      <p:sp>
+        <p:nvSpPr>
+          <p:cNvPr id="7" name="Slide Number Placeholder 6"/>
+          <p:cNvSpPr>
+            <a:spLocks noGrp="1"/>
+          </p:cNvSpPr>
+          <p:nvPr>
+            <p:ph type="sldNum" sz="quarter" idx="5"/>
+          </p:nvPr>
+        </p:nvSpPr>
+        <p:spPr>
+          <a:xfrm>
+            <a:off x="3884613" y="8685213"/>
+            <a:ext cx="2971800" cy="458787"/>
+          </a:xfrm>
+          <a:prstGeom prst="rect">
+            <a:avLst/>
+          </a:prstGeom>
+        </p:spPr>
+        <p:txBody>
+          <a:bodyPr vert="horz" lIns="91440" tIns="45720" rIns="91440" bIns="45720" rtlCol="0" anchor="b"/>
+          <a:lstStyle>
+            <a:lvl1pPr algn="r">
+              <a:defRPr sz="1200"/>
+            </a:lvl1pPr>
+          </a:lstStyle>
+          <a:p>
+            <a:fld id="{44A1E2AF-C18E-4070-A3F1-97EA1C2DA4A9}" type="slidenum">
+              <a:rPr lang="en-US" smtClean="0"/>
+              <a:t>‹#›</a:t>
+            </a:fld>
+            <a:endParaRPr lang="en-US"/>
+          </a:p>
+        </p:txBody>
+      </p:sp>
+    </p:spTree>
+    <p:extLst>
+      <p:ext uri="{BB962C8B-B14F-4D97-AF65-F5344CB8AC3E}">
+        <p14:creationId xmlns:p14="http://schemas.microsoft.com/office/powerpoint/2010/main" val="2382196236"/>
+      </p:ext>
+    </p:extLst>
+  </p:cSld>
+  <p:clrMap bg1="lt1" tx1="dk1" bg2="lt2" tx2="dk2" accent1="accent1" accent2="accent2" accent3="accent3" accent4="accent4" accent5="accent5" accent6="accent6" hlink="hlink" folHlink="folHlink"/>
+  <p:notesStyle>
+    <a:lvl1pPr marL="0" algn="l" defTabSz="914400" rtl="0" eaLnBrk="1" latinLnBrk="0" hangingPunct="1">
+      <a:defRPr sz="1200" kern="1200">
+        <a:solidFill>
+          <a:schemeClr val="tx1"/>
+        </a:solidFill>
+        <a:latin typeface="+mn-lt"/>
+        <a:ea typeface="+mn-ea"/>
+        <a:cs typeface="+mn-cs"/>
+      </a:defRPr>
+    </a:lvl1pPr>
+    <a:lvl2pPr marL="457200" algn="l" defTabSz="914400" rtl="0" eaLnBrk="1" latinLnBrk="0" hangingPunct="1">
+      <a:defRPr sz="1200" kern="1200">
+        <a:solidFill>
+          <a:schemeClr val="tx1"/>
+        </a:solidFill>
+        <a:latin typeface="+mn-lt"/>
+        <a:ea typeface="+mn-ea"/>
+        <a:cs typeface="+mn-cs"/>
+      </a:defRPr>
+    </a:lvl2pPr>
+    <a:lvl3pPr marL="914400" algn="l" defTabSz="914400" rtl="0" eaLnBrk="1" latinLnBrk="0" hangingPunct="1">
+      <a:defRPr sz="1200" kern="1200">
+        <a:solidFill>
+          <a:schemeClr val="tx1"/>
+        </a:solidFill>
+        <a:latin typeface="+mn-lt"/>
+        <a:ea typeface="+mn-ea"/>
+        <a:cs typeface="+mn-cs"/>
+      </a:defRPr>
+    </a:lvl3pPr>
+    <a:lvl4pPr marL="1371600" algn="l" defTabSz="914400" rtl="0" eaLnBrk="1" latinLnBrk="0" hangingPunct="1">
+      <a:defRPr sz="1200" kern="1200">
+        <a:solidFill>
+          <a:schemeClr val="tx1"/>
+        </a:solidFill>
+        <a:latin typeface="+mn-lt"/>
+        <a:ea typeface="+mn-ea"/>
+        <a:cs typeface="+mn-cs"/>
+      </a:defRPr>
+    </a:lvl4pPr>
+    <a:lvl5pPr marL="1828800" algn="l" defTabSz="914400" rtl="0" eaLnBrk="1" latinLnBrk="0" hangingPunct="1">
+      <a:defRPr sz="1200" kern="1200">
+        <a:solidFill>
+          <a:schemeClr val="tx1"/>
+        </a:solidFill>
+        <a:latin typeface="+mn-lt"/>
+        <a:ea typeface="+mn-ea"/>
+        <a:cs typeface="+mn-cs"/>
+      </a:defRPr>
+    </a:lvl5pPr>
+    <a:lvl6pPr marL="2286000" algn="l" defTabSz="914400" rtl="0" eaLnBrk="1" latinLnBrk="0" hangingPunct="1">
+      <a:defRPr sz="1200" kern="1200">
+        <a:solidFill>
+          <a:schemeClr val="tx1"/>
+        </a:solidFill>
+        <a:latin typeface="+mn-lt"/>
+        <a:ea typeface="+mn-ea"/>
+        <a:cs typeface="+mn-cs"/>
+      </a:defRPr>
+    </a:lvl6pPr>
+    <a:lvl7pPr marL="2743200" algn="l" defTabSz="914400" rtl="0" eaLnBrk="1" latinLnBrk="0" hangingPunct="1">
+      <a:defRPr sz="1200" kern="1200">
+        <a:solidFill>
+          <a:schemeClr val="tx1"/>
+        </a:solidFill>
+        <a:latin typeface="+mn-lt"/>
+        <a:ea typeface="+mn-ea"/>
+        <a:cs typeface="+mn-cs"/>
+      </a:defRPr>
+    </a:lvl7pPr>
+    <a:lvl8pPr marL="3200400" algn="l" defTabSz="914400" rtl="0" eaLnBrk="1" latinLnBrk="0" hangingPunct="1">
+      <a:defRPr sz="1200" kern="1200">
+        <a:solidFill>
+          <a:schemeClr val="tx1"/>
+        </a:solidFill>
+        <a:latin typeface="+mn-lt"/>
+        <a:ea typeface="+mn-ea"/>
+        <a:cs typeface="+mn-cs"/>
+      </a:defRPr>
+    </a:lvl8pPr>
+    <a:lvl9pPr marL="3657600" algn="l" defTabSz="914400" rtl="0" eaLnBrk="1" latinLnBrk="0" hangingPunct="1">
+      <a:defRPr sz="1200" kern="1200">
+        <a:solidFill>
+          <a:schemeClr val="tx1"/>
+        </a:solidFill>
+        <a:latin typeface="+mn-lt"/>
+        <a:ea typeface="+mn-ea"/>
+        <a:cs typeface="+mn-cs"/>
+      </a:defRPr>
+    </a:lvl9pPr>
+  </p:notesStyle>
+</p:notesMaster>
+</file>
+
+<file path=ppt/notesSlides/notesSlide1.xml><?xml version="1.0" encoding="utf-8"?>
+<p:notes xmlns:a="http://schemas.openxmlformats.org/drawingml/2006/main" xmlns:r="http://schemas.openxmlformats.org/officeDocument/2006/relationships" xmlns:p="http://schemas.openxmlformats.org/presentationml/2006/main">
+  <p:cSld>
+    <p:spTree>
+      <p:nvGrpSpPr>
+        <p:cNvPr id="1" name=""/>
+        <p:cNvGrpSpPr/>
+        <p:nvPr/>
+      </p:nvGrpSpPr>
+      <p:grpSpPr>
+        <a:xfrm>
+          <a:off x="0" y="0"/>
+          <a:ext cx="0" cy="0"/>
+          <a:chOff x="0" y="0"/>
+          <a:chExt cx="0" cy="0"/>
+        </a:xfrm>
+      </p:grpSpPr>
+      <p:sp>
+        <p:nvSpPr>
+          <p:cNvPr id="2" name="Slide Image Placeholder 1"/>
+          <p:cNvSpPr>
+            <a:spLocks noGrp="1" noRot="1" noChangeAspect="1"/>
+          </p:cNvSpPr>
+          <p:nvPr>
+            <p:ph type="sldImg"/>
+          </p:nvPr>
+        </p:nvSpPr>
+        <p:spPr/>
+      </p:sp>
+      <p:sp>
+        <p:nvSpPr>
+          <p:cNvPr id="3" name="Notes Placeholder 2"/>
+          <p:cNvSpPr>
+            <a:spLocks noGrp="1"/>
+          </p:cNvSpPr>
+          <p:nvPr>
+            <p:ph type="body" idx="1"/>
+          </p:nvPr>
+        </p:nvSpPr>
+        <p:spPr/>
+        <p:txBody>
+          <a:bodyPr/>
+          <a:lstStyle/>
+          <a:p>
+            <a:endParaRPr lang="en-GB" dirty="0"/>
+          </a:p>
+        </p:txBody>
+      </p:sp>
+      <p:sp>
+        <p:nvSpPr>
+          <p:cNvPr id="4" name="Slide Number Placeholder 3"/>
+          <p:cNvSpPr>
+            <a:spLocks noGrp="1"/>
+          </p:cNvSpPr>
+          <p:nvPr>
+            <p:ph type="sldNum" sz="quarter" idx="10"/>
+          </p:nvPr>
+        </p:nvSpPr>
+        <p:spPr/>
+        <p:txBody>
+          <a:bodyPr/>
+          <a:lstStyle/>
+          <a:p>
+            <a:fld id="{D6C8B971-3C4A-4CD6-BC8F-E4161C3147AE}" type="slidenum">
+              <a:rPr lang="en-US" smtClean="0"/>
+              <a:t>1</a:t>
+            </a:fld>
+            <a:endParaRPr lang="en-US"/>
+          </a:p>
+        </p:txBody>
+      </p:sp>
+    </p:spTree>
+    <p:extLst>
+      <p:ext uri="{BB962C8B-B14F-4D97-AF65-F5344CB8AC3E}">
+        <p14:creationId xmlns:p14="http://schemas.microsoft.com/office/powerpoint/2010/main" val="485529273"/>
+      </p:ext>
+    </p:extLst>
+  </p:cSld>
+  <p:clrMapOvr>
+    <a:masterClrMapping/>
+  </p:clrMapOvr>
+</p:notes>
+</file>
+
+<file path=ppt/notesSlides/notesSlide2.xml><?xml version="1.0" encoding="utf-8"?>
+<p:notes xmlns:a="http://schemas.openxmlformats.org/drawingml/2006/main" xmlns:r="http://schemas.openxmlformats.org/officeDocument/2006/relationships" xmlns:p="http://schemas.openxmlformats.org/presentationml/2006/main">
+  <p:cSld>
+    <p:spTree>
+      <p:nvGrpSpPr>
+        <p:cNvPr id="1" name=""/>
+        <p:cNvGrpSpPr/>
+        <p:nvPr/>
+      </p:nvGrpSpPr>
+      <p:grpSpPr>
+        <a:xfrm>
+          <a:off x="0" y="0"/>
+          <a:ext cx="0" cy="0"/>
+          <a:chOff x="0" y="0"/>
+          <a:chExt cx="0" cy="0"/>
+        </a:xfrm>
+      </p:grpSpPr>
+      <p:sp>
+        <p:nvSpPr>
+          <p:cNvPr id="2" name="Slide Image Placeholder 1"/>
+          <p:cNvSpPr>
+            <a:spLocks noGrp="1" noRot="1" noChangeAspect="1"/>
+          </p:cNvSpPr>
+          <p:nvPr>
+            <p:ph type="sldImg"/>
+          </p:nvPr>
+        </p:nvSpPr>
+        <p:spPr/>
+      </p:sp>
+      <p:sp>
+        <p:nvSpPr>
+          <p:cNvPr id="3" name="Notes Placeholder 2"/>
+          <p:cNvSpPr>
+            <a:spLocks noGrp="1"/>
+          </p:cNvSpPr>
+          <p:nvPr>
+            <p:ph type="body" idx="1"/>
+          </p:nvPr>
+        </p:nvSpPr>
+        <p:spPr/>
+        <p:txBody>
+          <a:bodyPr/>
+          <a:lstStyle/>
+          <a:p>
+            <a:pPr marL="0" indent="0">
+              <a:buNone/>
+            </a:pPr>
+            <a:r>
+              <a:rPr lang="en-US" dirty="0" smtClean="0"/>
+              <a:t>This</a:t>
+            </a:r>
+            <a:r>
+              <a:rPr lang="en-US" baseline="0" dirty="0" smtClean="0"/>
+              <a:t> is pretty different from the ‘camps’ we’ve run in the past.</a:t>
+            </a:r>
+          </a:p>
+          <a:p>
+            <a:pPr marL="0" indent="0">
+              <a:buNone/>
+            </a:pPr>
+            <a:endParaRPr lang="en-US" baseline="0" dirty="0" smtClean="0"/>
+          </a:p>
+          <a:p>
+            <a:pPr marL="0" indent="0">
+              <a:buNone/>
+            </a:pPr>
+            <a:r>
+              <a:rPr lang="en-US" baseline="0" dirty="0" smtClean="0"/>
+              <a:t>We believe it may drive deeper impact… walking the audience through the code, while they themselves code, means they get the tactile experience of actually making the code work, and they should get invested in it.</a:t>
+            </a:r>
+          </a:p>
+          <a:p>
+            <a:pPr marL="0" indent="0">
+              <a:buNone/>
+            </a:pPr>
+            <a:endParaRPr lang="en-US" baseline="0" dirty="0" smtClean="0"/>
+          </a:p>
+          <a:p>
+            <a:pPr marL="0" indent="0">
+              <a:buNone/>
+            </a:pPr>
+            <a:r>
+              <a:rPr lang="en-US" baseline="0" dirty="0" smtClean="0"/>
+              <a:t>… BUT… it means more work for you!!</a:t>
+            </a:r>
+            <a:endParaRPr lang="en-US" dirty="0" smtClean="0"/>
+          </a:p>
+          <a:p>
+            <a:pPr marL="0" indent="0">
+              <a:buNone/>
+            </a:pPr>
+            <a:endParaRPr lang="en-US" dirty="0" smtClean="0"/>
+          </a:p>
+          <a:p>
+            <a:pPr marL="0" indent="0">
+              <a:buNone/>
+            </a:pPr>
+            <a:endParaRPr lang="en-US" dirty="0" smtClean="0"/>
+          </a:p>
+          <a:p>
+            <a:pPr marL="228600" indent="-228600">
+              <a:buAutoNum type="arabicPeriod"/>
+            </a:pPr>
+            <a:r>
+              <a:rPr lang="en-US" dirty="0" smtClean="0"/>
+              <a:t>The labs were written for self-use… not demo steps</a:t>
+            </a:r>
+          </a:p>
+          <a:p>
+            <a:pPr marL="228600" indent="-228600">
+              <a:buAutoNum type="arabicPeriod"/>
+            </a:pPr>
+            <a:r>
+              <a:rPr lang="en-US" dirty="0" smtClean="0"/>
+              <a:t>Thus, you have to go through them to figure out the steps you’re going to take in your presentation</a:t>
+            </a:r>
+          </a:p>
+          <a:p>
+            <a:pPr marL="228600" indent="-228600">
+              <a:buAutoNum type="arabicPeriod"/>
+            </a:pPr>
+            <a:r>
+              <a:rPr lang="en-US" dirty="0" smtClean="0"/>
+              <a:t>We have very tight timeframes in this workshop… you’re not going to have ANY time to read in real</a:t>
+            </a:r>
+            <a:r>
+              <a:rPr lang="en-US" baseline="0" dirty="0" smtClean="0"/>
+              <a:t> time</a:t>
+            </a:r>
+            <a:endParaRPr lang="en-US" dirty="0"/>
+          </a:p>
+        </p:txBody>
+      </p:sp>
+      <p:sp>
+        <p:nvSpPr>
+          <p:cNvPr id="4" name="Slide Number Placeholder 3"/>
+          <p:cNvSpPr>
+            <a:spLocks noGrp="1"/>
+          </p:cNvSpPr>
+          <p:nvPr>
+            <p:ph type="sldNum" sz="quarter" idx="10"/>
+          </p:nvPr>
+        </p:nvSpPr>
+        <p:spPr/>
+        <p:txBody>
+          <a:bodyPr/>
+          <a:lstStyle/>
+          <a:p>
+            <a:fld id="{44A1E2AF-C18E-4070-A3F1-97EA1C2DA4A9}" type="slidenum">
+              <a:rPr lang="en-US" smtClean="0"/>
+              <a:t>7</a:t>
+            </a:fld>
+            <a:endParaRPr lang="en-US"/>
+          </a:p>
+        </p:txBody>
+      </p:sp>
+    </p:spTree>
+    <p:extLst>
+      <p:ext uri="{BB962C8B-B14F-4D97-AF65-F5344CB8AC3E}">
+        <p14:creationId xmlns:p14="http://schemas.microsoft.com/office/powerpoint/2010/main" val="2363409376"/>
+      </p:ext>
+    </p:extLst>
+  </p:cSld>
+  <p:clrMapOvr>
+    <a:masterClrMapping/>
+  </p:clrMapOvr>
+</p:notes>
+</file>
+
+<file path=ppt/notesSlides/notesSlide3.xml><?xml version="1.0" encoding="utf-8"?>
+<p:notes xmlns:a="http://schemas.openxmlformats.org/drawingml/2006/main" xmlns:r="http://schemas.openxmlformats.org/officeDocument/2006/relationships" xmlns:p="http://schemas.openxmlformats.org/presentationml/2006/main">
+  <p:cSld>
+    <p:spTree>
+      <p:nvGrpSpPr>
+        <p:cNvPr id="1" name=""/>
+        <p:cNvGrpSpPr/>
+        <p:nvPr/>
+      </p:nvGrpSpPr>
+      <p:grpSpPr>
+        <a:xfrm>
+          <a:off x="0" y="0"/>
+          <a:ext cx="0" cy="0"/>
+          <a:chOff x="0" y="0"/>
+          <a:chExt cx="0" cy="0"/>
+        </a:xfrm>
+      </p:grpSpPr>
+      <p:sp>
+        <p:nvSpPr>
+          <p:cNvPr id="2" name="Slide Image Placeholder 1"/>
+          <p:cNvSpPr>
+            <a:spLocks noGrp="1" noRot="1" noChangeAspect="1"/>
+          </p:cNvSpPr>
+          <p:nvPr>
+            <p:ph type="sldImg"/>
+          </p:nvPr>
+        </p:nvSpPr>
+        <p:spPr/>
+      </p:sp>
+      <p:sp>
+        <p:nvSpPr>
+          <p:cNvPr id="3" name="Notes Placeholder 2"/>
+          <p:cNvSpPr>
+            <a:spLocks noGrp="1"/>
+          </p:cNvSpPr>
+          <p:nvPr>
+            <p:ph type="body" idx="1"/>
+          </p:nvPr>
+        </p:nvSpPr>
+        <p:spPr/>
+        <p:txBody>
+          <a:bodyPr/>
+          <a:lstStyle/>
+          <a:p>
+            <a:r>
+              <a:rPr lang="en-US" dirty="0" smtClean="0"/>
+              <a:t>While</a:t>
+            </a:r>
+            <a:r>
+              <a:rPr lang="en-US" baseline="0" dirty="0" smtClean="0"/>
+              <a:t> there are a lot of steps to this one; we think its REALLY important, because we think there is a key platform differentiator in the UWP / Azure connection</a:t>
+            </a:r>
+            <a:endParaRPr lang="en-US" dirty="0"/>
+          </a:p>
+        </p:txBody>
+      </p:sp>
+      <p:sp>
+        <p:nvSpPr>
+          <p:cNvPr id="4" name="Slide Number Placeholder 3"/>
+          <p:cNvSpPr>
+            <a:spLocks noGrp="1"/>
+          </p:cNvSpPr>
+          <p:nvPr>
+            <p:ph type="sldNum" sz="quarter" idx="10"/>
+          </p:nvPr>
+        </p:nvSpPr>
+        <p:spPr/>
+        <p:txBody>
+          <a:bodyPr/>
+          <a:lstStyle/>
+          <a:p>
+            <a:fld id="{44A1E2AF-C18E-4070-A3F1-97EA1C2DA4A9}" type="slidenum">
+              <a:rPr lang="en-US" smtClean="0"/>
+              <a:t>13</a:t>
+            </a:fld>
+            <a:endParaRPr lang="en-US"/>
+          </a:p>
+        </p:txBody>
+      </p:sp>
+    </p:spTree>
+    <p:extLst>
+      <p:ext uri="{BB962C8B-B14F-4D97-AF65-F5344CB8AC3E}">
+        <p14:creationId xmlns:p14="http://schemas.microsoft.com/office/powerpoint/2010/main" val="2726920959"/>
+      </p:ext>
+    </p:extLst>
+  </p:cSld>
+  <p:clrMapOvr>
+    <a:masterClrMapping/>
+  </p:clrMapOvr>
+</p:notes>
 </file>
 
 <file path=ppt/slideLayouts/slideLayout1.xml><?xml version="1.0" encoding="utf-8"?>
@@ -240,6 +952,218 @@
   <p:clrMapOvr>
     <a:masterClrMapping/>
   </p:clrMapOvr>
+</p:sldLayout>
+</file>
+
+<file path=ppt/slideLayouts/slideLayout10.xml><?xml version="1.0" encoding="utf-8"?>
+<p:sldLayout xmlns:a="http://schemas.openxmlformats.org/drawingml/2006/main" xmlns:r="http://schemas.openxmlformats.org/officeDocument/2006/relationships" xmlns:p="http://schemas.openxmlformats.org/presentationml/2006/main">
+  <p:cSld name="1_Title Slide">
+    <p:bg>
+      <p:bgPr>
+        <a:solidFill>
+          <a:schemeClr val="tx2"/>
+        </a:solidFill>
+        <a:effectLst/>
+      </p:bgPr>
+    </p:bg>
+    <p:spTree>
+      <p:nvGrpSpPr>
+        <p:cNvPr id="1" name=""/>
+        <p:cNvGrpSpPr/>
+        <p:nvPr/>
+      </p:nvGrpSpPr>
+      <p:grpSpPr>
+        <a:xfrm>
+          <a:off x="0" y="0"/>
+          <a:ext cx="0" cy="0"/>
+          <a:chOff x="0" y="0"/>
+          <a:chExt cx="0" cy="0"/>
+        </a:xfrm>
+      </p:grpSpPr>
+      <p:sp>
+        <p:nvSpPr>
+          <p:cNvPr id="9" name="Title 1"/>
+          <p:cNvSpPr>
+            <a:spLocks noGrp="1"/>
+          </p:cNvSpPr>
+          <p:nvPr>
+            <p:ph type="title" hasCustomPrompt="1"/>
+          </p:nvPr>
+        </p:nvSpPr>
+        <p:spPr bwMode="auto">
+          <a:xfrm>
+            <a:off x="609600" y="1681201"/>
+            <a:ext cx="6276530" cy="1793104"/>
+          </a:xfrm>
+          <a:noFill/>
+        </p:spPr>
+        <p:txBody>
+          <a:bodyPr lIns="146304" tIns="91440" rIns="146304" bIns="91440" anchor="t" anchorCtr="0"/>
+          <a:lstStyle>
+            <a:lvl1pPr>
+              <a:defRPr sz="5294" spc="-98" baseline="0">
+                <a:gradFill>
+                  <a:gsLst>
+                    <a:gs pos="57576">
+                      <a:srgbClr val="FFFFFF"/>
+                    </a:gs>
+                    <a:gs pos="35000">
+                      <a:srgbClr val="FFFFFF"/>
+                    </a:gs>
+                  </a:gsLst>
+                  <a:lin ang="5400000" scaled="0"/>
+                </a:gradFill>
+              </a:defRPr>
+            </a:lvl1pPr>
+          </a:lstStyle>
+          <a:p>
+            <a:r>
+              <a:rPr lang="en-US" dirty="0" smtClean="0"/>
+              <a:t>Presentation title</a:t>
+            </a:r>
+            <a:endParaRPr lang="en-US" dirty="0"/>
+          </a:p>
+        </p:txBody>
+      </p:sp>
+      <p:sp>
+        <p:nvSpPr>
+          <p:cNvPr id="3" name="Text Placeholder 2"/>
+          <p:cNvSpPr>
+            <a:spLocks noGrp="1"/>
+          </p:cNvSpPr>
+          <p:nvPr>
+            <p:ph type="body" sz="quarter" idx="14" hasCustomPrompt="1"/>
+          </p:nvPr>
+        </p:nvSpPr>
+        <p:spPr bwMode="auto">
+          <a:xfrm>
+            <a:off x="614362" y="3581400"/>
+            <a:ext cx="6276530" cy="1793104"/>
+          </a:xfrm>
+        </p:spPr>
+        <p:txBody>
+          <a:bodyPr tIns="109728" bIns="109728">
+            <a:noAutofit/>
+          </a:bodyPr>
+          <a:lstStyle>
+            <a:lvl1pPr marL="0" indent="0">
+              <a:spcBef>
+                <a:spcPts val="0"/>
+              </a:spcBef>
+              <a:buNone/>
+              <a:defRPr sz="3137">
+                <a:gradFill>
+                  <a:gsLst>
+                    <a:gs pos="57576">
+                      <a:srgbClr val="FFFFFF"/>
+                    </a:gs>
+                    <a:gs pos="35000">
+                      <a:srgbClr val="FFFFFF"/>
+                    </a:gs>
+                  </a:gsLst>
+                  <a:lin ang="5400000" scaled="0"/>
+                </a:gradFill>
+              </a:defRPr>
+            </a:lvl1pPr>
+          </a:lstStyle>
+          <a:p>
+            <a:pPr lvl="0"/>
+            <a:r>
+              <a:rPr lang="en-US" dirty="0" smtClean="0"/>
+              <a:t>Speaker Name</a:t>
+            </a:r>
+          </a:p>
+        </p:txBody>
+      </p:sp>
+      <p:pic>
+        <p:nvPicPr>
+          <p:cNvPr id="7" name="Picture 6" hidden="1"/>
+          <p:cNvPicPr>
+            <a:picLocks noChangeAspect="1"/>
+          </p:cNvPicPr>
+          <p:nvPr/>
+        </p:nvPicPr>
+        <p:blipFill>
+          <a:blip r:embed="rId2" cstate="email">
+            <a:extLst>
+              <a:ext uri="{28A0092B-C50C-407E-A947-70E740481C1C}">
+                <a14:useLocalDpi xmlns:a14="http://schemas.microsoft.com/office/drawing/2010/main"/>
+              </a:ext>
+            </a:extLst>
+          </a:blip>
+          <a:stretch>
+            <a:fillRect/>
+          </a:stretch>
+        </p:blipFill>
+        <p:spPr bwMode="black">
+          <a:xfrm>
+            <a:off x="448585" y="6122089"/>
+            <a:ext cx="1254995" cy="267709"/>
+          </a:xfrm>
+          <a:prstGeom prst="rect">
+            <a:avLst/>
+          </a:prstGeom>
+        </p:spPr>
+      </p:pic>
+      <p:pic>
+        <p:nvPicPr>
+          <p:cNvPr id="6" name="Picture 5"/>
+          <p:cNvPicPr>
+            <a:picLocks noChangeAspect="1"/>
+          </p:cNvPicPr>
+          <p:nvPr/>
+        </p:nvPicPr>
+        <p:blipFill>
+          <a:blip r:embed="rId3" cstate="email">
+            <a:extLst>
+              <a:ext uri="{28A0092B-C50C-407E-A947-70E740481C1C}">
+                <a14:useLocalDpi xmlns:a14="http://schemas.microsoft.com/office/drawing/2010/main"/>
+              </a:ext>
+            </a:extLst>
+          </a:blip>
+          <a:stretch>
+            <a:fillRect/>
+          </a:stretch>
+        </p:blipFill>
+        <p:spPr bwMode="black">
+          <a:xfrm>
+            <a:off x="723900" y="5829300"/>
+            <a:ext cx="1434641" cy="314582"/>
+          </a:xfrm>
+          <a:prstGeom prst="rect">
+            <a:avLst/>
+          </a:prstGeom>
+        </p:spPr>
+      </p:pic>
+    </p:spTree>
+    <p:extLst>
+      <p:ext uri="{BB962C8B-B14F-4D97-AF65-F5344CB8AC3E}">
+        <p14:creationId xmlns:p14="http://schemas.microsoft.com/office/powerpoint/2010/main" val="3190223934"/>
+      </p:ext>
+    </p:extLst>
+  </p:cSld>
+  <p:clrMapOvr>
+    <a:masterClrMapping/>
+  </p:clrMapOvr>
+  <mc:AlternateContent xmlns:mc="http://schemas.openxmlformats.org/markup-compatibility/2006" xmlns:p14="http://schemas.microsoft.com/office/powerpoint/2010/main">
+    <mc:Choice Requires="p14">
+      <p:transition spd="med" p14:dur="700">
+        <p:fade/>
+      </p:transition>
+    </mc:Choice>
+    <mc:Fallback xmlns="">
+      <p:transition spd="med">
+        <p:fade/>
+      </p:transition>
+    </mc:Fallback>
+  </mc:AlternateContent>
+  <p:timing>
+    <p:tnLst>
+      <p:par>
+        <p:cTn id="1" dur="indefinite" restart="never" nodeType="tmRoot"/>
+      </p:par>
+    </p:tnLst>
+  </p:timing>
 </p:sldLayout>
 </file>
 
@@ -556,7 +1480,12 @@
             <p:ph type="title"/>
           </p:nvPr>
         </p:nvSpPr>
-        <p:spPr/>
+        <p:spPr>
+          <a:xfrm>
+            <a:off x="647700" y="723900"/>
+            <a:ext cx="10934700" cy="1325563"/>
+          </a:xfrm>
+        </p:spPr>
         <p:txBody>
           <a:bodyPr/>
           <a:lstStyle/>
@@ -581,8 +1510,8 @@
         </p:nvSpPr>
         <p:spPr>
           <a:xfrm>
-            <a:off x="838200" y="1825625"/>
-            <a:ext cx="5181600" cy="4351338"/>
+            <a:off x="647700" y="2520948"/>
+            <a:ext cx="4533900" cy="4192589"/>
           </a:xfrm>
         </p:spPr>
         <p:txBody>
@@ -638,8 +1567,8 @@
         </p:nvSpPr>
         <p:spPr>
           <a:xfrm>
-            <a:off x="6172200" y="1825625"/>
-            <a:ext cx="5181600" cy="4351338"/>
+            <a:off x="6134100" y="2520948"/>
+            <a:ext cx="5448300" cy="4192589"/>
           </a:xfrm>
         </p:spPr>
         <p:txBody>
@@ -648,38 +1577,38 @@
           <a:p>
             <a:pPr lvl="0"/>
             <a:r>
-              <a:rPr lang="en-US" smtClean="0"/>
+              <a:rPr lang="en-US" dirty="0" smtClean="0"/>
               <a:t>Edit Master text styles</a:t>
             </a:r>
           </a:p>
           <a:p>
             <a:pPr lvl="1"/>
             <a:r>
-              <a:rPr lang="en-US" smtClean="0"/>
+              <a:rPr lang="en-US" dirty="0" smtClean="0"/>
               <a:t>Second level</a:t>
             </a:r>
           </a:p>
           <a:p>
             <a:pPr lvl="2"/>
             <a:r>
-              <a:rPr lang="en-US" smtClean="0"/>
+              <a:rPr lang="en-US" dirty="0" smtClean="0"/>
               <a:t>Third level</a:t>
             </a:r>
           </a:p>
           <a:p>
             <a:pPr lvl="3"/>
             <a:r>
-              <a:rPr lang="en-US" smtClean="0"/>
+              <a:rPr lang="en-US" dirty="0" smtClean="0"/>
               <a:t>Fourth level</a:t>
             </a:r>
           </a:p>
           <a:p>
             <a:pPr lvl="4"/>
             <a:r>
-              <a:rPr lang="en-US" smtClean="0"/>
+              <a:rPr lang="en-US" dirty="0" smtClean="0"/>
               <a:t>Fifth level</a:t>
             </a:r>
-            <a:endParaRPr lang="en-US"/>
+            <a:endParaRPr lang="en-US" dirty="0"/>
           </a:p>
         </p:txBody>
       </p:sp>
@@ -1530,7 +2459,7 @@
         </p:nvSpPr>
         <p:spPr>
           <a:xfrm>
-            <a:off x="838200" y="365125"/>
+            <a:off x="647700" y="693737"/>
             <a:ext cx="10515600" cy="1325563"/>
           </a:xfrm>
           <a:prstGeom prst="rect">
@@ -1563,8 +2492,8 @@
         </p:nvSpPr>
         <p:spPr>
           <a:xfrm>
-            <a:off x="838200" y="1825625"/>
-            <a:ext cx="10515600" cy="4351338"/>
+            <a:off x="647700" y="2514600"/>
+            <a:ext cx="10515600" cy="3856038"/>
           </a:xfrm>
           <a:prstGeom prst="rect">
             <a:avLst/>
@@ -1631,6 +2560,7 @@
     <p:sldLayoutId id="2147483655" r:id="rId7"/>
     <p:sldLayoutId id="2147483656" r:id="rId8"/>
     <p:sldLayoutId id="2147483657" r:id="rId9"/>
+    <p:sldLayoutId id="2147483658" r:id="rId10"/>
   </p:sldLayoutIdLst>
   <p:txStyles>
     <p:titleStyle>
@@ -1934,117 +2864,166 @@
       </p:grpSpPr>
       <p:sp>
         <p:nvSpPr>
-          <p:cNvPr id="4" name="Title 3"/>
-          <p:cNvSpPr>
-            <a:spLocks noGrp="1"/>
-          </p:cNvSpPr>
-          <p:nvPr>
-            <p:ph type="ctrTitle"/>
+          <p:cNvPr id="2" name="Title 1"/>
+          <p:cNvSpPr>
+            <a:spLocks noGrp="1"/>
+          </p:cNvSpPr>
+          <p:nvPr>
+            <p:ph type="title"/>
           </p:nvPr>
         </p:nvSpPr>
         <p:spPr>
           <a:xfrm>
-            <a:off x="1524000" y="1122363"/>
-            <a:ext cx="9144000" cy="2387600"/>
+            <a:off x="609600" y="723900"/>
+            <a:ext cx="5524500" cy="2750405"/>
           </a:xfrm>
         </p:spPr>
         <p:txBody>
+          <a:bodyPr>
+            <a:noAutofit/>
+          </a:bodyPr>
+          <a:lstStyle/>
+          <a:p>
+            <a:r>
+              <a:rPr lang="en-GB" sz="4800" dirty="0" smtClean="0">
+                <a:gradFill>
+                  <a:gsLst>
+                    <a:gs pos="91000">
+                      <a:srgbClr val="FFFFFF"/>
+                    </a:gs>
+                    <a:gs pos="0">
+                      <a:srgbClr val="FFFFFF"/>
+                    </a:gs>
+                  </a:gsLst>
+                  <a:lin ang="5400000" scaled="0"/>
+                </a:gradFill>
+              </a:rPr>
+              <a:t>Windows </a:t>
+            </a:r>
+            <a:r>
+              <a:rPr lang="en-GB" sz="4800" dirty="0">
+                <a:gradFill>
+                  <a:gsLst>
+                    <a:gs pos="91000">
+                      <a:srgbClr val="FFFFFF"/>
+                    </a:gs>
+                    <a:gs pos="0">
+                      <a:srgbClr val="FFFFFF"/>
+                    </a:gs>
+                  </a:gsLst>
+                  <a:lin ang="5400000" scaled="0"/>
+                </a:gradFill>
+              </a:rPr>
+              <a:t>10 </a:t>
+            </a:r>
+            <a:r>
+              <a:rPr lang="en-GB" sz="4800" dirty="0" smtClean="0">
+                <a:gradFill>
+                  <a:gsLst>
+                    <a:gs pos="91000">
+                      <a:srgbClr val="FFFFFF"/>
+                    </a:gs>
+                    <a:gs pos="0">
+                      <a:srgbClr val="FFFFFF"/>
+                    </a:gs>
+                  </a:gsLst>
+                  <a:lin ang="5400000" scaled="0"/>
+                </a:gradFill>
+              </a:rPr>
+              <a:t>Developer </a:t>
+            </a:r>
+            <a:r>
+              <a:rPr lang="en-GB" sz="4800" dirty="0">
+                <a:gradFill>
+                  <a:gsLst>
+                    <a:gs pos="91000">
+                      <a:srgbClr val="FFFFFF"/>
+                    </a:gs>
+                    <a:gs pos="0">
+                      <a:srgbClr val="FFFFFF"/>
+                    </a:gs>
+                  </a:gsLst>
+                  <a:lin ang="5400000" scaled="0"/>
+                </a:gradFill>
+              </a:rPr>
+              <a:t>Workshop</a:t>
+            </a:r>
+            <a:endParaRPr lang="en-US" sz="4400" dirty="0"/>
+          </a:p>
+        </p:txBody>
+      </p:sp>
+      <p:sp>
+        <p:nvSpPr>
+          <p:cNvPr id="4" name="Text Placeholder 3"/>
+          <p:cNvSpPr>
+            <a:spLocks noGrp="1"/>
+          </p:cNvSpPr>
+          <p:nvPr>
+            <p:ph type="body" sz="quarter" idx="14"/>
+          </p:nvPr>
+        </p:nvSpPr>
+        <p:spPr/>
+        <p:txBody>
           <a:bodyPr/>
           <a:lstStyle/>
           <a:p>
             <a:r>
-              <a:rPr lang="en-US" dirty="0" smtClean="0"/>
-              <a:t>Windows 10 Developer Workshop</a:t>
-            </a:r>
-            <a:br>
-              <a:rPr lang="en-US" dirty="0" smtClean="0"/>
-            </a:br>
-            <a:r>
-              <a:rPr lang="en-US" sz="2000" i="1" dirty="0" smtClean="0"/>
-              <a:t>October 08, 2015, Train the Trainer</a:t>
-            </a:r>
-            <a:endParaRPr lang="en-US" dirty="0"/>
-          </a:p>
-        </p:txBody>
-      </p:sp>
-      <p:sp>
-        <p:nvSpPr>
-          <p:cNvPr id="5" name="Subtitle 4"/>
-          <p:cNvSpPr>
-            <a:spLocks noGrp="1"/>
-          </p:cNvSpPr>
-          <p:nvPr>
-            <p:ph type="subTitle" idx="1"/>
-          </p:nvPr>
-        </p:nvSpPr>
-        <p:spPr/>
-        <p:txBody>
-          <a:bodyPr>
-            <a:normAutofit/>
-          </a:bodyPr>
-          <a:lstStyle/>
-          <a:p>
-            <a:pPr algn="l"/>
-            <a:r>
-              <a:rPr lang="en-US" sz="2000" i="1" dirty="0" smtClean="0">
-                <a:latin typeface="+mj-lt"/>
-              </a:rPr>
-              <a:t>Larry Lieberman (</a:t>
-            </a:r>
-            <a:r>
-              <a:rPr lang="en-US" sz="2000" i="1" dirty="0" err="1" smtClean="0">
-                <a:latin typeface="+mj-lt"/>
-              </a:rPr>
-              <a:t>larryli</a:t>
-            </a:r>
-            <a:r>
-              <a:rPr lang="en-US" sz="2000" i="1" dirty="0" smtClean="0">
-                <a:latin typeface="+mj-lt"/>
-              </a:rPr>
-              <a:t>) &amp; Shen Chauhan (</a:t>
-            </a:r>
-            <a:r>
-              <a:rPr lang="en-US" sz="2000" i="1" dirty="0" err="1" smtClean="0">
-                <a:latin typeface="+mj-lt"/>
-              </a:rPr>
-              <a:t>shench</a:t>
-            </a:r>
-            <a:r>
-              <a:rPr lang="en-US" sz="2000" i="1" dirty="0" smtClean="0">
-                <a:latin typeface="+mj-lt"/>
-              </a:rPr>
-              <a:t>)</a:t>
-            </a:r>
-            <a:br>
-              <a:rPr lang="en-US" sz="2000" i="1" dirty="0" smtClean="0">
-                <a:latin typeface="+mj-lt"/>
-              </a:rPr>
-            </a:br>
-            <a:r>
-              <a:rPr lang="en-US" sz="2000" i="1" dirty="0" smtClean="0">
-                <a:latin typeface="+mj-lt"/>
-              </a:rPr>
-              <a:t>Program Managers DX TED EEE</a:t>
-            </a:r>
-          </a:p>
-          <a:p>
-            <a:pPr algn="l"/>
-            <a:endParaRPr lang="en-US" sz="2000" i="1" dirty="0" smtClean="0">
-              <a:latin typeface="+mj-lt"/>
-            </a:endParaRPr>
-          </a:p>
-        </p:txBody>
-      </p:sp>
+              <a:rPr lang="en-US" sz="2400" dirty="0" smtClean="0"/>
+              <a:t>Larry Lieberman</a:t>
+            </a:r>
+          </a:p>
+          <a:p>
+            <a:r>
+              <a:rPr lang="en-US" sz="2400" dirty="0" smtClean="0"/>
+              <a:t>Shen Chauhan</a:t>
+            </a:r>
+            <a:endParaRPr lang="en-US" sz="2400" dirty="0"/>
+          </a:p>
+        </p:txBody>
+      </p:sp>
+      <p:pic>
+        <p:nvPicPr>
+          <p:cNvPr id="3" name="Picture 2"/>
+          <p:cNvPicPr>
+            <a:picLocks noChangeAspect="1"/>
+          </p:cNvPicPr>
+          <p:nvPr/>
+        </p:nvPicPr>
+        <p:blipFill>
+          <a:blip r:embed="rId3" cstate="print">
+            <a:extLst>
+              <a:ext uri="{28A0092B-C50C-407E-A947-70E740481C1C}">
+                <a14:useLocalDpi xmlns:a14="http://schemas.microsoft.com/office/drawing/2010/main" val="0"/>
+              </a:ext>
+            </a:extLst>
+          </a:blip>
+          <a:stretch>
+            <a:fillRect/>
+          </a:stretch>
+        </p:blipFill>
+        <p:spPr>
+          <a:xfrm>
+            <a:off x="3375314" y="419100"/>
+            <a:ext cx="12192000" cy="6847840"/>
+          </a:xfrm>
+          <a:prstGeom prst="rect">
+            <a:avLst/>
+          </a:prstGeom>
+        </p:spPr>
+      </p:pic>
     </p:spTree>
     <p:extLst>
       <p:ext uri="{BB962C8B-B14F-4D97-AF65-F5344CB8AC3E}">
-        <p14:creationId xmlns:p14="http://schemas.microsoft.com/office/powerpoint/2010/main" val="1386496553"/>
+        <p14:creationId xmlns:p14="http://schemas.microsoft.com/office/powerpoint/2010/main" val="3399165921"/>
       </p:ext>
     </p:extLst>
   </p:cSld>
   <p:clrMapOvr>
     <a:masterClrMapping/>
   </p:clrMapOvr>
+  <p:transition spd="slow">
+    <p:wipe/>
+  </p:transition>
   <p:timing>
     <p:tnLst>
       <p:par>
@@ -2089,7 +3068,7 @@
           <a:p>
             <a:r>
               <a:rPr lang="en-US" dirty="0" smtClean="0"/>
-              <a:t>Edge / Web Apps</a:t>
+              <a:t>Module 2 | Adaptive UI | 60 </a:t>
             </a:r>
             <a:endParaRPr lang="en-US" dirty="0"/>
           </a:p>
@@ -2110,7 +3089,65 @@
           <a:bodyPr/>
           <a:lstStyle/>
           <a:p>
-            <a:endParaRPr lang="en-US"/>
+            <a:pPr marL="0" indent="0">
+              <a:buNone/>
+            </a:pPr>
+            <a:r>
+              <a:rPr lang="en-US" dirty="0" smtClean="0"/>
+              <a:t>Lecture</a:t>
+            </a:r>
+          </a:p>
+          <a:p>
+            <a:r>
+              <a:rPr lang="en-US" dirty="0" smtClean="0"/>
+              <a:t>15 slides / 15 minutes</a:t>
+            </a:r>
+          </a:p>
+          <a:p>
+            <a:pPr marL="0" indent="0">
+              <a:buNone/>
+            </a:pPr>
+            <a:r>
+              <a:rPr lang="en-US" dirty="0" smtClean="0"/>
+              <a:t>1 demo, (calculator)</a:t>
+            </a:r>
+          </a:p>
+          <a:p>
+            <a:pPr marL="0" indent="0">
+              <a:buNone/>
+            </a:pPr>
+            <a:r>
+              <a:rPr lang="en-US" dirty="0" smtClean="0"/>
+              <a:t>1 lab (building adaptive UI)</a:t>
+            </a:r>
+          </a:p>
+          <a:p>
+            <a:r>
+              <a:rPr lang="en-US" dirty="0" smtClean="0"/>
+              <a:t>Evolve a fixed UI to adaptive (basic VSM)</a:t>
+            </a:r>
+          </a:p>
+          <a:p>
+            <a:r>
+              <a:rPr lang="en-US" dirty="0" smtClean="0"/>
+              <a:t>Leverage </a:t>
+            </a:r>
+            <a:r>
+              <a:rPr lang="en-US" dirty="0" err="1" smtClean="0"/>
+              <a:t>RelativePanel</a:t>
+            </a:r>
+            <a:endParaRPr lang="en-US" dirty="0" smtClean="0"/>
+          </a:p>
+          <a:p>
+            <a:r>
+              <a:rPr lang="en-US" dirty="0" smtClean="0"/>
+              <a:t>Build alternate XAML views</a:t>
+            </a:r>
+            <a:endParaRPr lang="en-US" dirty="0" smtClean="0"/>
+          </a:p>
+          <a:p>
+            <a:pPr lvl="1"/>
+            <a:endParaRPr lang="en-US" dirty="0"/>
           </a:p>
         </p:txBody>
       </p:sp>
@@ -2129,14 +3166,33 @@
           <a:bodyPr/>
           <a:lstStyle/>
           <a:p>
-            <a:endParaRPr lang="en-US"/>
+            <a:pPr marL="0" indent="0">
+              <a:buNone/>
+            </a:pPr>
+            <a:r>
+              <a:rPr lang="en-US" dirty="0" smtClean="0"/>
+              <a:t>Objectives</a:t>
+            </a:r>
+          </a:p>
+          <a:p>
+            <a:r>
+              <a:rPr lang="en-US" dirty="0" smtClean="0"/>
+              <a:t>Introduce adaptive UI principles, scaling, effective pixels, basic design techniques, Visual State Manager, etc.</a:t>
+            </a:r>
+          </a:p>
+          <a:p>
+            <a:r>
+              <a:rPr lang="en-US" dirty="0" smtClean="0"/>
+              <a:t>Walk through how to build a page that adapts to different screen sizes and resolutions</a:t>
+            </a:r>
+            <a:endParaRPr lang="en-US" dirty="0"/>
           </a:p>
         </p:txBody>
       </p:sp>
     </p:spTree>
     <p:extLst>
       <p:ext uri="{BB962C8B-B14F-4D97-AF65-F5344CB8AC3E}">
-        <p14:creationId xmlns:p14="http://schemas.microsoft.com/office/powerpoint/2010/main" val="1476913642"/>
+        <p14:creationId xmlns:p14="http://schemas.microsoft.com/office/powerpoint/2010/main" val="3658416285"/>
       </p:ext>
     </p:extLst>
   </p:cSld>
@@ -2187,7 +3243,7 @@
           <a:p>
             <a:r>
               <a:rPr lang="en-US" dirty="0" smtClean="0"/>
-              <a:t>Cloud</a:t>
+              <a:t>Module 3 | Live Tiles &amp; Notifications | 30 </a:t>
             </a:r>
             <a:endParaRPr lang="en-US" dirty="0"/>
           </a:p>
@@ -2208,7 +3264,53 @@
           <a:bodyPr/>
           <a:lstStyle/>
           <a:p>
-            <a:endParaRPr lang="en-US"/>
+            <a:pPr marL="0" indent="0">
+              <a:buNone/>
+            </a:pPr>
+            <a:r>
+              <a:rPr lang="en-US" dirty="0" smtClean="0"/>
+              <a:t>Lecture</a:t>
+            </a:r>
+          </a:p>
+          <a:p>
+            <a:r>
+              <a:rPr lang="en-US" dirty="0" smtClean="0"/>
+              <a:t>15 slides / 10 minutes</a:t>
+            </a:r>
+          </a:p>
+          <a:p>
+            <a:pPr marL="0" indent="0">
+              <a:buNone/>
+            </a:pPr>
+            <a:r>
+              <a:rPr lang="en-US" dirty="0" smtClean="0"/>
+              <a:t>Lab</a:t>
+            </a:r>
+          </a:p>
+          <a:p>
+            <a:r>
+              <a:rPr lang="en-US" dirty="0" smtClean="0"/>
+              <a:t>Customize default tile</a:t>
+            </a:r>
+          </a:p>
+          <a:p>
+            <a:r>
+              <a:rPr lang="en-US" dirty="0" smtClean="0"/>
+              <a:t>Create Adaptive tile</a:t>
+            </a:r>
+          </a:p>
+          <a:p>
+            <a:r>
+              <a:rPr lang="en-US" dirty="0" smtClean="0"/>
+              <a:t>Interactive Toast (You might need to cut this one)</a:t>
+            </a:r>
+            <a:endParaRPr lang="en-US" dirty="0" smtClean="0"/>
+          </a:p>
+          <a:p>
+            <a:pPr marL="0" indent="0">
+              <a:buNone/>
+            </a:pPr>
+            <a:endParaRPr lang="en-US" dirty="0"/>
           </a:p>
         </p:txBody>
       </p:sp>
@@ -2227,14 +3329,63 @@
           <a:bodyPr/>
           <a:lstStyle/>
           <a:p>
-            <a:endParaRPr lang="en-US"/>
+            <a:pPr marL="0" indent="0">
+              <a:buNone/>
+            </a:pPr>
+            <a:r>
+              <a:rPr lang="en-US" dirty="0" smtClean="0"/>
+              <a:t>Objectives</a:t>
+            </a:r>
+          </a:p>
+          <a:p>
+            <a:r>
+              <a:rPr lang="en-US" dirty="0" smtClean="0"/>
+              <a:t>Tile basics</a:t>
+            </a:r>
+          </a:p>
+          <a:p>
+            <a:r>
+              <a:rPr lang="en-US" dirty="0" smtClean="0"/>
+              <a:t>Adaptive Template</a:t>
+            </a:r>
+          </a:p>
+          <a:p>
+            <a:r>
+              <a:rPr lang="en-US" dirty="0" smtClean="0"/>
+              <a:t>Toast basics</a:t>
+            </a:r>
+          </a:p>
+          <a:p>
+            <a:r>
+              <a:rPr lang="en-US" dirty="0" smtClean="0"/>
+              <a:t>Interactive Toasts</a:t>
+            </a:r>
+          </a:p>
+          <a:p>
+            <a:endParaRPr lang="en-US" dirty="0"/>
+          </a:p>
+          <a:p>
+            <a:pPr marL="0" indent="0">
+              <a:buNone/>
+            </a:pPr>
+            <a:r>
+              <a:rPr lang="en-US" dirty="0" smtClean="0"/>
+              <a:t>Note</a:t>
+            </a:r>
+          </a:p>
+          <a:p>
+            <a:r>
+              <a:rPr lang="en-US" dirty="0" smtClean="0"/>
+              <a:t>Tile assets in “assets” folder</a:t>
+            </a:r>
+            <a:endParaRPr lang="en-US" dirty="0"/>
           </a:p>
         </p:txBody>
       </p:sp>
     </p:spTree>
     <p:extLst>
       <p:ext uri="{BB962C8B-B14F-4D97-AF65-F5344CB8AC3E}">
-        <p14:creationId xmlns:p14="http://schemas.microsoft.com/office/powerpoint/2010/main" val="4076174835"/>
+        <p14:creationId xmlns:p14="http://schemas.microsoft.com/office/powerpoint/2010/main" val="1833919662"/>
       </p:ext>
     </p:extLst>
   </p:cSld>
@@ -2285,7 +3436,7 @@
           <a:p>
             <a:r>
               <a:rPr lang="en-US" dirty="0" smtClean="0"/>
-              <a:t>MPC</a:t>
+              <a:t>Module 4 | Edge &amp; Web Apps | 60</a:t>
             </a:r>
             <a:endParaRPr lang="en-US" dirty="0"/>
           </a:p>
@@ -2303,10 +3454,62 @@
         </p:nvSpPr>
         <p:spPr/>
         <p:txBody>
-          <a:bodyPr/>
+          <a:bodyPr>
+            <a:normAutofit fontScale="92500" lnSpcReduction="20000"/>
+          </a:bodyPr>
           <a:lstStyle/>
           <a:p>
-            <a:endParaRPr lang="en-US"/>
+            <a:pPr marL="0" indent="0">
+              <a:buNone/>
+            </a:pPr>
+            <a:r>
+              <a:rPr lang="en-US" dirty="0" smtClean="0"/>
+              <a:t>Lecture</a:t>
+            </a:r>
+          </a:p>
+          <a:p>
+            <a:r>
+              <a:rPr lang="en-US" dirty="0" smtClean="0"/>
+              <a:t>25 slides / 20 min</a:t>
+            </a:r>
+          </a:p>
+          <a:p>
+            <a:endParaRPr lang="en-US" dirty="0"/>
+          </a:p>
+          <a:p>
+            <a:pPr marL="0" indent="0">
+              <a:buNone/>
+            </a:pPr>
+            <a:r>
+              <a:rPr lang="en-US" dirty="0" smtClean="0"/>
+              <a:t>Lab</a:t>
+            </a:r>
+          </a:p>
+          <a:p>
+            <a:r>
+              <a:rPr lang="en-US" dirty="0" smtClean="0"/>
+              <a:t>Web View</a:t>
+            </a:r>
+          </a:p>
+          <a:p>
+            <a:r>
+              <a:rPr lang="en-US" dirty="0" smtClean="0"/>
+              <a:t>Hosted Web Apps</a:t>
+            </a:r>
+          </a:p>
+          <a:p>
+            <a:r>
+              <a:rPr lang="en-US" dirty="0" err="1" smtClean="0"/>
+              <a:t>ManifoldJS</a:t>
+            </a:r>
+            <a:r>
+              <a:rPr lang="en-US" dirty="0" smtClean="0"/>
+              <a:t> (Optional)</a:t>
+            </a:r>
+            <a:endParaRPr lang="en-US" dirty="0" smtClean="0"/>
+          </a:p>
+          <a:p>
+            <a:endParaRPr lang="en-US" dirty="0"/>
           </a:p>
         </p:txBody>
       </p:sp>
@@ -2322,17 +3525,86 @@
         </p:nvSpPr>
         <p:spPr/>
         <p:txBody>
-          <a:bodyPr/>
+          <a:bodyPr>
+            <a:normAutofit fontScale="92500" lnSpcReduction="20000"/>
+          </a:bodyPr>
           <a:lstStyle/>
           <a:p>
-            <a:endParaRPr lang="en-US"/>
+            <a:pPr marL="0" indent="0">
+              <a:buNone/>
+            </a:pPr>
+            <a:r>
+              <a:rPr lang="en-US" dirty="0" smtClean="0"/>
+              <a:t>Objectives</a:t>
+            </a:r>
+          </a:p>
+          <a:p>
+            <a:r>
+              <a:rPr lang="en-US" dirty="0" smtClean="0"/>
+              <a:t>Using </a:t>
+            </a:r>
+            <a:r>
+              <a:rPr lang="en-US" dirty="0" err="1" smtClean="0"/>
+              <a:t>WebView</a:t>
+            </a:r>
+            <a:r>
+              <a:rPr lang="en-US" dirty="0" smtClean="0"/>
+              <a:t> control in </a:t>
+            </a:r>
+            <a:r>
+              <a:rPr lang="en-US" dirty="0" err="1" smtClean="0"/>
+              <a:t>WinJS</a:t>
+            </a:r>
+            <a:r>
+              <a:rPr lang="en-US" dirty="0" smtClean="0"/>
+              <a:t> app, adding HTML page to generate a toast</a:t>
+            </a:r>
+          </a:p>
+          <a:p>
+            <a:r>
+              <a:rPr lang="en-US" dirty="0" smtClean="0"/>
+              <a:t>Creating a hosted web app from an Azure website</a:t>
+            </a:r>
+          </a:p>
+          <a:p>
+            <a:r>
+              <a:rPr lang="en-US" dirty="0" smtClean="0"/>
+              <a:t>Install and use </a:t>
+            </a:r>
+            <a:r>
+              <a:rPr lang="en-US" dirty="0" err="1" smtClean="0"/>
+              <a:t>ManifoldJS</a:t>
+            </a:r>
+            <a:r>
+              <a:rPr lang="en-US" dirty="0" smtClean="0"/>
+              <a:t> to generate a hosted web app</a:t>
+            </a:r>
+          </a:p>
+          <a:p>
+            <a:endParaRPr lang="en-US" dirty="0"/>
+          </a:p>
+          <a:p>
+            <a:pPr marL="0" indent="0">
+              <a:buNone/>
+            </a:pPr>
+            <a:r>
+              <a:rPr lang="en-US" dirty="0" smtClean="0"/>
+              <a:t>Note</a:t>
+            </a:r>
+          </a:p>
+          <a:p>
+            <a:r>
+              <a:rPr lang="en-US" dirty="0" smtClean="0"/>
+              <a:t>Lab currently has you publishing an Azure Website</a:t>
+            </a:r>
+            <a:endParaRPr lang="en-US" dirty="0"/>
           </a:p>
         </p:txBody>
       </p:sp>
     </p:spTree>
     <p:extLst>
       <p:ext uri="{BB962C8B-B14F-4D97-AF65-F5344CB8AC3E}">
-        <p14:creationId xmlns:p14="http://schemas.microsoft.com/office/powerpoint/2010/main" val="3635978799"/>
+        <p14:creationId xmlns:p14="http://schemas.microsoft.com/office/powerpoint/2010/main" val="1476913642"/>
       </p:ext>
     </p:extLst>
   </p:cSld>
@@ -2383,7 +3655,7 @@
           <a:p>
             <a:r>
               <a:rPr lang="en-US" dirty="0" smtClean="0"/>
-              <a:t>App Services</a:t>
+              <a:t>Module 5 | Cloud Services | 60</a:t>
             </a:r>
             <a:endParaRPr lang="en-US" dirty="0"/>
           </a:p>
@@ -2404,7 +3676,58 @@
           <a:bodyPr/>
           <a:lstStyle/>
           <a:p>
-            <a:endParaRPr lang="en-US"/>
+            <a:pPr marL="0" indent="0">
+              <a:buNone/>
+            </a:pPr>
+            <a:r>
+              <a:rPr lang="en-US" dirty="0" smtClean="0"/>
+              <a:t>Lecture</a:t>
+            </a:r>
+          </a:p>
+          <a:p>
+            <a:r>
+              <a:rPr lang="en-US" dirty="0" smtClean="0"/>
+              <a:t>11 slides / 15 min</a:t>
+            </a:r>
+          </a:p>
+          <a:p>
+            <a:endParaRPr lang="en-US" dirty="0"/>
+          </a:p>
+          <a:p>
+            <a:pPr marL="0" indent="0">
+              <a:buNone/>
+            </a:pPr>
+            <a:r>
+              <a:rPr lang="en-US" dirty="0" smtClean="0"/>
+              <a:t>Lab</a:t>
+            </a:r>
+          </a:p>
+          <a:p>
+            <a:r>
+              <a:rPr lang="en-US" dirty="0" smtClean="0"/>
+              <a:t>Getting started with AAS</a:t>
+            </a:r>
+          </a:p>
+          <a:p>
+            <a:r>
+              <a:rPr lang="en-US" dirty="0" smtClean="0"/>
+              <a:t>Enable </a:t>
+            </a:r>
+            <a:r>
+              <a:rPr lang="en-US" dirty="0" err="1" smtClean="0"/>
+              <a:t>Auth</a:t>
+            </a:r>
+            <a:r>
+              <a:rPr lang="en-US" dirty="0" smtClean="0"/>
+              <a:t>, and connect to cloud</a:t>
+            </a:r>
+          </a:p>
+          <a:p>
+            <a:r>
+              <a:rPr lang="en-US" dirty="0" smtClean="0"/>
+              <a:t>Enable offline sync</a:t>
+            </a:r>
+            <a:endParaRPr lang="en-US" dirty="0"/>
           </a:p>
         </p:txBody>
       </p:sp>
@@ -2423,14 +3746,63 @@
           <a:bodyPr/>
           <a:lstStyle/>
           <a:p>
-            <a:endParaRPr lang="en-US"/>
+            <a:pPr marL="0" indent="0">
+              <a:buNone/>
+            </a:pPr>
+            <a:r>
+              <a:rPr lang="en-US" dirty="0" smtClean="0"/>
+              <a:t>Objectives</a:t>
+            </a:r>
+          </a:p>
+          <a:p>
+            <a:r>
+              <a:rPr lang="en-US" dirty="0" smtClean="0"/>
+              <a:t>Provide rich overview of Azure offerings for UWP apps</a:t>
+            </a:r>
+          </a:p>
+          <a:p>
+            <a:r>
+              <a:rPr lang="en-US" dirty="0" smtClean="0"/>
+              <a:t>Demonstrate workflow to implement </a:t>
+            </a:r>
+            <a:r>
+              <a:rPr lang="en-US" dirty="0" err="1" smtClean="0"/>
+              <a:t>auth</a:t>
+            </a:r>
+            <a:r>
+              <a:rPr lang="en-US" dirty="0" smtClean="0"/>
+              <a:t> and sync</a:t>
+            </a:r>
+            <a:endParaRPr lang="en-US" dirty="0"/>
+          </a:p>
+          <a:p>
+            <a:pPr marL="0" indent="0">
+              <a:buNone/>
+            </a:pPr>
+            <a:r>
+              <a:rPr lang="en-US" dirty="0" smtClean="0"/>
+              <a:t>Notes</a:t>
+            </a:r>
+          </a:p>
+          <a:p>
+            <a:r>
+              <a:rPr lang="en-US" dirty="0" smtClean="0"/>
+              <a:t>We’ve created the backend for you, (you don’t do task 1)</a:t>
+            </a:r>
+          </a:p>
+          <a:p>
+            <a:r>
+              <a:rPr lang="en-US" dirty="0" smtClean="0"/>
+              <a:t>This one really requires practice</a:t>
+            </a:r>
+            <a:endParaRPr lang="en-US" dirty="0"/>
           </a:p>
         </p:txBody>
       </p:sp>
     </p:spTree>
     <p:extLst>
       <p:ext uri="{BB962C8B-B14F-4D97-AF65-F5344CB8AC3E}">
-        <p14:creationId xmlns:p14="http://schemas.microsoft.com/office/powerpoint/2010/main" val="2672862100"/>
+        <p14:creationId xmlns:p14="http://schemas.microsoft.com/office/powerpoint/2010/main" val="4076174835"/>
       </p:ext>
     </p:extLst>
   </p:cSld>
@@ -2481,7 +3853,7 @@
           <a:p>
             <a:r>
               <a:rPr lang="en-US" dirty="0" smtClean="0"/>
-              <a:t>Store</a:t>
+              <a:t>MPC | 60 (or 30 if no Cortana)</a:t>
             </a:r>
             <a:endParaRPr lang="en-US" dirty="0"/>
           </a:p>
@@ -2495,6 +3867,199 @@
           </p:cNvSpPr>
           <p:nvPr>
             <p:ph sz="half" idx="1"/>
+          </p:nvPr>
+        </p:nvSpPr>
+        <p:spPr/>
+        <p:txBody>
+          <a:bodyPr>
+            <a:normAutofit fontScale="92500" lnSpcReduction="10000"/>
+          </a:bodyPr>
+          <a:lstStyle/>
+          <a:p>
+            <a:pPr marL="0" indent="0">
+              <a:buNone/>
+            </a:pPr>
+            <a:r>
+              <a:rPr lang="en-US" dirty="0" smtClean="0"/>
+              <a:t>Lecture</a:t>
+            </a:r>
+          </a:p>
+          <a:p>
+            <a:r>
+              <a:rPr lang="en-US" dirty="0" smtClean="0"/>
+              <a:t>21 slides / 20 min</a:t>
+            </a:r>
+          </a:p>
+          <a:p>
+            <a:endParaRPr lang="en-US" dirty="0"/>
+          </a:p>
+          <a:p>
+            <a:pPr marL="0" indent="0">
+              <a:buNone/>
+            </a:pPr>
+            <a:r>
+              <a:rPr lang="en-US" dirty="0" smtClean="0"/>
+              <a:t>Demo</a:t>
+            </a:r>
+          </a:p>
+          <a:p>
+            <a:r>
+              <a:rPr lang="en-US" dirty="0" smtClean="0"/>
+              <a:t>Option to demo Windows Hello</a:t>
+            </a:r>
+          </a:p>
+          <a:p>
+            <a:pPr marL="0" indent="0">
+              <a:buNone/>
+            </a:pPr>
+            <a:r>
+              <a:rPr lang="en-US" dirty="0" smtClean="0"/>
+              <a:t>Lab</a:t>
+            </a:r>
+          </a:p>
+          <a:p>
+            <a:r>
+              <a:rPr lang="en-US" dirty="0" smtClean="0"/>
+              <a:t>Launching apps with Speech through Cortana</a:t>
+            </a:r>
+          </a:p>
+          <a:p>
+            <a:r>
+              <a:rPr lang="en-US" dirty="0" smtClean="0"/>
+              <a:t>Working with Ink Input</a:t>
+            </a:r>
+          </a:p>
+          <a:p>
+            <a:endParaRPr lang="en-US" dirty="0"/>
+          </a:p>
+        </p:txBody>
+      </p:sp>
+      <p:sp>
+        <p:nvSpPr>
+          <p:cNvPr id="4" name="Content Placeholder 3"/>
+          <p:cNvSpPr>
+            <a:spLocks noGrp="1"/>
+          </p:cNvSpPr>
+          <p:nvPr>
+            <p:ph sz="half" idx="2"/>
+          </p:nvPr>
+        </p:nvSpPr>
+        <p:spPr/>
+        <p:txBody>
+          <a:bodyPr>
+            <a:normAutofit fontScale="92500" lnSpcReduction="10000"/>
+          </a:bodyPr>
+          <a:lstStyle/>
+          <a:p>
+            <a:pPr marL="0" indent="0">
+              <a:buNone/>
+            </a:pPr>
+            <a:r>
+              <a:rPr lang="en-US" dirty="0" smtClean="0"/>
+              <a:t>Objectives</a:t>
+            </a:r>
+          </a:p>
+          <a:p>
+            <a:r>
+              <a:rPr lang="en-US" dirty="0" smtClean="0"/>
+              <a:t>Describe ‘MPC’ all up</a:t>
+            </a:r>
+          </a:p>
+          <a:p>
+            <a:r>
+              <a:rPr lang="en-US" dirty="0" smtClean="0"/>
+              <a:t>Windows Hello / Passport</a:t>
+            </a:r>
+          </a:p>
+          <a:p>
+            <a:r>
+              <a:rPr lang="en-US" dirty="0" smtClean="0"/>
+              <a:t>Describe speech developer features (Command, </a:t>
+            </a:r>
+            <a:r>
+              <a:rPr lang="en-US" dirty="0" err="1" smtClean="0"/>
+              <a:t>Reco</a:t>
+            </a:r>
+            <a:r>
+              <a:rPr lang="en-US" dirty="0" smtClean="0"/>
+              <a:t>, Synth)</a:t>
+            </a:r>
+          </a:p>
+          <a:p>
+            <a:r>
+              <a:rPr lang="en-US" dirty="0" smtClean="0"/>
+              <a:t>Describe Ink platform</a:t>
+            </a:r>
+          </a:p>
+          <a:p>
+            <a:pPr marL="0" indent="0">
+              <a:buNone/>
+            </a:pPr>
+            <a:endParaRPr lang="en-US" dirty="0"/>
+          </a:p>
+          <a:p>
+            <a:pPr marL="0" indent="0">
+              <a:buNone/>
+            </a:pPr>
+            <a:r>
+              <a:rPr lang="en-US" dirty="0" smtClean="0"/>
+              <a:t>Notes</a:t>
+            </a:r>
+          </a:p>
+          <a:p>
+            <a:r>
+              <a:rPr lang="en-US" dirty="0" smtClean="0"/>
+              <a:t>Lab 1 (Speech through Cortana) will be optional based on your region</a:t>
+            </a:r>
+            <a:endParaRPr lang="en-US" dirty="0"/>
+          </a:p>
+        </p:txBody>
+      </p:sp>
+    </p:spTree>
+    <p:extLst>
+      <p:ext uri="{BB962C8B-B14F-4D97-AF65-F5344CB8AC3E}">
+        <p14:creationId xmlns:p14="http://schemas.microsoft.com/office/powerpoint/2010/main" val="3635978799"/>
+      </p:ext>
+    </p:extLst>
+  </p:cSld>
+  <p:clrMapOvr>
+    <a:masterClrMapping/>
+  </p:clrMapOvr>
+  <p:timing>
+    <p:tnLst>
+      <p:par>
+        <p:cTn id="1" dur="indefinite" restart="never" nodeType="tmRoot"/>
+      </p:par>
+    </p:tnLst>
+  </p:timing>
+</p:sld>
+</file>
+
+<file path=ppt/slides/slide15.xml><?xml version="1.0" encoding="utf-8"?>
+<p:sld xmlns:a="http://schemas.openxmlformats.org/drawingml/2006/main" xmlns:r="http://schemas.openxmlformats.org/officeDocument/2006/relationships" xmlns:p="http://schemas.openxmlformats.org/presentationml/2006/main">
+  <p:cSld>
+    <p:spTree>
+      <p:nvGrpSpPr>
+        <p:cNvPr id="1" name=""/>
+        <p:cNvGrpSpPr/>
+        <p:nvPr/>
+      </p:nvGrpSpPr>
+      <p:grpSpPr>
+        <a:xfrm>
+          <a:off x="0" y="0"/>
+          <a:ext cx="0" cy="0"/>
+          <a:chOff x="0" y="0"/>
+          <a:chExt cx="0" cy="0"/>
+        </a:xfrm>
+      </p:grpSpPr>
+      <p:sp>
+        <p:nvSpPr>
+          <p:cNvPr id="2" name="Title 1"/>
+          <p:cNvSpPr>
+            <a:spLocks noGrp="1"/>
+          </p:cNvSpPr>
+          <p:nvPr>
+            <p:ph type="title"/>
           </p:nvPr>
         </p:nvSpPr>
         <p:spPr/>
@@ -2502,7 +4067,85 @@
           <a:bodyPr/>
           <a:lstStyle/>
           <a:p>
-            <a:endParaRPr lang="en-US"/>
+            <a:r>
+              <a:rPr lang="en-US" dirty="0" smtClean="0"/>
+              <a:t>App </a:t>
+            </a:r>
+            <a:r>
+              <a:rPr lang="en-US" dirty="0" smtClean="0"/>
+              <a:t>Services | 30 (only if no Cortana)</a:t>
+            </a:r>
+            <a:endParaRPr lang="en-US" dirty="0"/>
+          </a:p>
+        </p:txBody>
+      </p:sp>
+      <p:sp>
+        <p:nvSpPr>
+          <p:cNvPr id="3" name="Content Placeholder 2"/>
+          <p:cNvSpPr>
+            <a:spLocks noGrp="1"/>
+          </p:cNvSpPr>
+          <p:nvPr>
+            <p:ph sz="half" idx="1"/>
+          </p:nvPr>
+        </p:nvSpPr>
+        <p:spPr/>
+        <p:txBody>
+          <a:bodyPr>
+            <a:normAutofit fontScale="92500"/>
+          </a:bodyPr>
+          <a:lstStyle/>
+          <a:p>
+            <a:pPr marL="0" indent="0">
+              <a:buNone/>
+            </a:pPr>
+            <a:r>
+              <a:rPr lang="en-US" dirty="0" smtClean="0"/>
+              <a:t>Lecture</a:t>
+            </a:r>
+          </a:p>
+          <a:p>
+            <a:r>
+              <a:rPr lang="en-US" dirty="0" smtClean="0"/>
+              <a:t>13 slides / 20 min</a:t>
+            </a:r>
+          </a:p>
+          <a:p>
+            <a:endParaRPr lang="en-US" dirty="0"/>
+          </a:p>
+          <a:p>
+            <a:pPr marL="0" indent="0">
+              <a:buNone/>
+            </a:pPr>
+            <a:r>
+              <a:rPr lang="en-US" dirty="0" smtClean="0"/>
+              <a:t>Lab</a:t>
+            </a:r>
+          </a:p>
+          <a:p>
+            <a:r>
+              <a:rPr lang="en-US" dirty="0" smtClean="0"/>
+              <a:t>Create/register app service</a:t>
+            </a:r>
+          </a:p>
+          <a:p>
+            <a:r>
+              <a:rPr lang="en-US" dirty="0" smtClean="0"/>
+              <a:t>Call the service in background from another app</a:t>
+            </a:r>
+          </a:p>
+          <a:p>
+            <a:r>
+              <a:rPr lang="en-US" dirty="0" smtClean="0"/>
+              <a:t>Pass data back and forth</a:t>
+            </a:r>
+          </a:p>
+          <a:p>
+            <a:r>
+              <a:rPr lang="en-US" dirty="0" smtClean="0"/>
+              <a:t>Debug</a:t>
+            </a:r>
+            <a:endParaRPr lang="en-US" dirty="0"/>
           </a:p>
         </p:txBody>
       </p:sp>
@@ -2514,6 +4157,77 @@
           </p:cNvSpPr>
           <p:nvPr>
             <p:ph sz="half" idx="2"/>
+          </p:nvPr>
+        </p:nvSpPr>
+        <p:spPr/>
+        <p:txBody>
+          <a:bodyPr>
+            <a:normAutofit fontScale="92500"/>
+          </a:bodyPr>
+          <a:lstStyle/>
+          <a:p>
+            <a:pPr marL="0" indent="0">
+              <a:buNone/>
+            </a:pPr>
+            <a:r>
+              <a:rPr lang="en-US" dirty="0" smtClean="0"/>
+              <a:t>Objective</a:t>
+            </a:r>
+          </a:p>
+          <a:p>
+            <a:r>
+              <a:rPr lang="en-US" dirty="0" smtClean="0"/>
+              <a:t>Provide the (very) quick run through of app service functionality available in UWP</a:t>
+            </a:r>
+            <a:endParaRPr lang="en-US" dirty="0"/>
+          </a:p>
+        </p:txBody>
+      </p:sp>
+    </p:spTree>
+    <p:extLst>
+      <p:ext uri="{BB962C8B-B14F-4D97-AF65-F5344CB8AC3E}">
+        <p14:creationId xmlns:p14="http://schemas.microsoft.com/office/powerpoint/2010/main" val="2672862100"/>
+      </p:ext>
+    </p:extLst>
+  </p:cSld>
+  <p:clrMapOvr>
+    <a:masterClrMapping/>
+  </p:clrMapOvr>
+  <p:timing>
+    <p:tnLst>
+      <p:par>
+        <p:cTn id="1" dur="indefinite" restart="never" nodeType="tmRoot"/>
+      </p:par>
+    </p:tnLst>
+  </p:timing>
+</p:sld>
+</file>
+
+<file path=ppt/slides/slide16.xml><?xml version="1.0" encoding="utf-8"?>
+<p:sld xmlns:a="http://schemas.openxmlformats.org/drawingml/2006/main" xmlns:r="http://schemas.openxmlformats.org/officeDocument/2006/relationships" xmlns:p="http://schemas.openxmlformats.org/presentationml/2006/main">
+  <p:cSld>
+    <p:spTree>
+      <p:nvGrpSpPr>
+        <p:cNvPr id="1" name=""/>
+        <p:cNvGrpSpPr/>
+        <p:nvPr/>
+      </p:nvGrpSpPr>
+      <p:grpSpPr>
+        <a:xfrm>
+          <a:off x="0" y="0"/>
+          <a:ext cx="0" cy="0"/>
+          <a:chOff x="0" y="0"/>
+          <a:chExt cx="0" cy="0"/>
+        </a:xfrm>
+      </p:grpSpPr>
+      <p:sp>
+        <p:nvSpPr>
+          <p:cNvPr id="2" name="Title 1"/>
+          <p:cNvSpPr>
+            <a:spLocks noGrp="1"/>
+          </p:cNvSpPr>
+          <p:nvPr>
+            <p:ph type="title"/>
           </p:nvPr>
         </p:nvSpPr>
         <p:spPr/>
@@ -2521,7 +4235,93 @@
           <a:bodyPr/>
           <a:lstStyle/>
           <a:p>
-            <a:endParaRPr lang="en-US"/>
+            <a:r>
+              <a:rPr lang="en-US" dirty="0" smtClean="0"/>
+              <a:t>Store &amp; Monetization | 30</a:t>
+            </a:r>
+            <a:endParaRPr lang="en-US" dirty="0"/>
+          </a:p>
+        </p:txBody>
+      </p:sp>
+      <p:sp>
+        <p:nvSpPr>
+          <p:cNvPr id="3" name="Content Placeholder 2"/>
+          <p:cNvSpPr>
+            <a:spLocks noGrp="1"/>
+          </p:cNvSpPr>
+          <p:nvPr>
+            <p:ph sz="half" idx="1"/>
+          </p:nvPr>
+        </p:nvSpPr>
+        <p:spPr/>
+        <p:txBody>
+          <a:bodyPr/>
+          <a:lstStyle/>
+          <a:p>
+            <a:pPr marL="0" indent="0">
+              <a:buNone/>
+            </a:pPr>
+            <a:r>
+              <a:rPr lang="en-US" dirty="0" smtClean="0"/>
+              <a:t>Lecture</a:t>
+            </a:r>
+          </a:p>
+          <a:p>
+            <a:r>
+              <a:rPr lang="en-US" dirty="0" smtClean="0"/>
+              <a:t>9 slides / 15 min</a:t>
+            </a:r>
+          </a:p>
+          <a:p>
+            <a:endParaRPr lang="en-US" dirty="0"/>
+          </a:p>
+          <a:p>
+            <a:pPr marL="0" indent="0">
+              <a:buNone/>
+            </a:pPr>
+            <a:r>
+              <a:rPr lang="en-US" dirty="0" smtClean="0"/>
+              <a:t>Lab</a:t>
+            </a:r>
+          </a:p>
+          <a:p>
+            <a:r>
+              <a:rPr lang="en-US" dirty="0" smtClean="0"/>
+              <a:t>Integrating Interstitial Ads</a:t>
+            </a:r>
+            <a:endParaRPr lang="en-US" dirty="0"/>
+          </a:p>
+        </p:txBody>
+      </p:sp>
+      <p:sp>
+        <p:nvSpPr>
+          <p:cNvPr id="4" name="Content Placeholder 3"/>
+          <p:cNvSpPr>
+            <a:spLocks noGrp="1"/>
+          </p:cNvSpPr>
+          <p:nvPr>
+            <p:ph sz="half" idx="2"/>
+          </p:nvPr>
+        </p:nvSpPr>
+        <p:spPr/>
+        <p:txBody>
+          <a:bodyPr/>
+          <a:lstStyle/>
+          <a:p>
+            <a:pPr marL="0" indent="0">
+              <a:buNone/>
+            </a:pPr>
+            <a:r>
+              <a:rPr lang="en-US" dirty="0" smtClean="0"/>
+              <a:t>Objectives</a:t>
+            </a:r>
+          </a:p>
+          <a:p>
+            <a:r>
+              <a:rPr lang="en-US" dirty="0" smtClean="0"/>
+              <a:t>Provide the lab around how to publish your app</a:t>
+            </a:r>
+            <a:endParaRPr lang="en-US" dirty="0"/>
           </a:p>
         </p:txBody>
       </p:sp>
@@ -2542,6 +4342,97 @@
       </p:par>
     </p:tnLst>
   </p:timing>
+</p:sld>
+</file>
+
+<file path=ppt/slides/slide17.xml><?xml version="1.0" encoding="utf-8"?>
+<p:sld xmlns:a="http://schemas.openxmlformats.org/drawingml/2006/main" xmlns:r="http://schemas.openxmlformats.org/officeDocument/2006/relationships" xmlns:p="http://schemas.openxmlformats.org/presentationml/2006/main">
+  <p:cSld>
+    <p:spTree>
+      <p:nvGrpSpPr>
+        <p:cNvPr id="1" name=""/>
+        <p:cNvGrpSpPr/>
+        <p:nvPr/>
+      </p:nvGrpSpPr>
+      <p:grpSpPr>
+        <a:xfrm>
+          <a:off x="0" y="0"/>
+          <a:ext cx="0" cy="0"/>
+          <a:chOff x="0" y="0"/>
+          <a:chExt cx="0" cy="0"/>
+        </a:xfrm>
+      </p:grpSpPr>
+      <p:sp>
+        <p:nvSpPr>
+          <p:cNvPr id="2" name="Title 1"/>
+          <p:cNvSpPr>
+            <a:spLocks noGrp="1"/>
+          </p:cNvSpPr>
+          <p:nvPr>
+            <p:ph type="title"/>
+          </p:nvPr>
+        </p:nvSpPr>
+        <p:spPr/>
+        <p:txBody>
+          <a:bodyPr/>
+          <a:lstStyle/>
+          <a:p>
+            <a:r>
+              <a:rPr lang="en-US" smtClean="0"/>
+              <a:t>Questions!</a:t>
+            </a:r>
+            <a:endParaRPr lang="en-US"/>
+          </a:p>
+        </p:txBody>
+      </p:sp>
+      <p:sp>
+        <p:nvSpPr>
+          <p:cNvPr id="3" name="Content Placeholder 2"/>
+          <p:cNvSpPr>
+            <a:spLocks noGrp="1"/>
+          </p:cNvSpPr>
+          <p:nvPr>
+            <p:ph sz="half" idx="1"/>
+          </p:nvPr>
+        </p:nvSpPr>
+        <p:spPr/>
+        <p:txBody>
+          <a:bodyPr/>
+          <a:lstStyle/>
+          <a:p>
+            <a:endParaRPr lang="en-US"/>
+          </a:p>
+        </p:txBody>
+      </p:sp>
+      <p:sp>
+        <p:nvSpPr>
+          <p:cNvPr id="4" name="Content Placeholder 3"/>
+          <p:cNvSpPr>
+            <a:spLocks noGrp="1"/>
+          </p:cNvSpPr>
+          <p:nvPr>
+            <p:ph sz="half" idx="2"/>
+          </p:nvPr>
+        </p:nvSpPr>
+        <p:spPr/>
+        <p:txBody>
+          <a:bodyPr/>
+          <a:lstStyle/>
+          <a:p>
+            <a:endParaRPr lang="en-US"/>
+          </a:p>
+        </p:txBody>
+      </p:sp>
+    </p:spTree>
+    <p:extLst>
+      <p:ext uri="{BB962C8B-B14F-4D97-AF65-F5344CB8AC3E}">
+        <p14:creationId xmlns:p14="http://schemas.microsoft.com/office/powerpoint/2010/main" val="976240847"/>
+      </p:ext>
+    </p:extLst>
+  </p:cSld>
+  <p:clrMapOvr>
+    <a:masterClrMapping/>
+  </p:clrMapOvr>
 </p:sld>
 </file>
 
@@ -3149,29 +5040,38 @@
         <p:spPr/>
         <p:txBody>
           <a:bodyPr>
-            <a:normAutofit lnSpcReduction="10000"/>
+            <a:normAutofit fontScale="85000" lnSpcReduction="10000"/>
           </a:bodyPr>
           <a:lstStyle/>
           <a:p>
             <a:r>
               <a:rPr lang="en-US" dirty="0" smtClean="0"/>
-              <a:t>Follow through on our UWP developer story</a:t>
-            </a:r>
-          </a:p>
-          <a:p>
-            <a:r>
-              <a:rPr lang="en-US" dirty="0" smtClean="0"/>
-              <a:t>Reaching out to developers who currently build for Windows (not compete</a:t>
-            </a:r>
-            <a:r>
-              <a:rPr lang="en-US" dirty="0" smtClean="0"/>
-              <a:t>)</a:t>
-            </a:r>
-          </a:p>
-          <a:p>
+              <a:t>Reaching out to developers who currently build for, or have built for Windows (the ‘friendlies’)</a:t>
+            </a:r>
+          </a:p>
+          <a:p>
+            <a:r>
+              <a:rPr lang="en-US" dirty="0" smtClean="0"/>
+              <a:t>Follow </a:t>
+            </a:r>
+            <a:r>
+              <a:rPr lang="en-US" dirty="0" smtClean="0"/>
+              <a:t>through on our UWP developer </a:t>
+            </a:r>
+            <a:r>
+              <a:rPr lang="en-US" dirty="0" smtClean="0"/>
+              <a:t>story; Demonstrate the reality of what developers can achieve</a:t>
+            </a:r>
+            <a:endParaRPr lang="en-US" dirty="0" smtClean="0"/>
+          </a:p>
+          <a:p>
+            <a:r>
+              <a:rPr lang="en-US" dirty="0" smtClean="0"/>
+              <a:t>New </a:t>
+            </a:r>
             <a:r>
               <a:rPr lang="en-US" dirty="0"/>
-              <a:t>New workshop format to drive deeper participant </a:t>
+              <a:t>workshop format to drive deeper participant </a:t>
             </a:r>
             <a:r>
               <a:rPr lang="en-US" dirty="0" smtClean="0"/>
@@ -3209,21 +5109,13 @@
         <p:spPr/>
         <p:txBody>
           <a:bodyPr>
-            <a:normAutofit lnSpcReduction="10000"/>
+            <a:normAutofit fontScale="85000" lnSpcReduction="10000"/>
           </a:bodyPr>
           <a:lstStyle/>
           <a:p>
             <a:r>
               <a:rPr lang="en-US" dirty="0" smtClean="0"/>
-              <a:t>Provide </a:t>
-            </a:r>
-            <a:r>
-              <a:rPr lang="en-US" dirty="0" smtClean="0"/>
-              <a:t>baseline education for delivering reasonable UWP </a:t>
-            </a:r>
-            <a:r>
-              <a:rPr lang="en-US" dirty="0" smtClean="0"/>
-              <a:t>app</a:t>
+              <a:t>Provide baseline education for delivering reasonable UWP app</a:t>
             </a:r>
           </a:p>
           <a:p>
@@ -3243,7 +5135,7 @@
             <a:pPr lvl="1"/>
             <a:r>
               <a:rPr lang="en-US" dirty="0" smtClean="0"/>
-              <a:t>Bridges</a:t>
+              <a:t>Bridges (H2)</a:t>
             </a:r>
             <a:endParaRPr lang="en-US" dirty="0"/>
           </a:p>
@@ -3782,6 +5674,331 @@
           <a:p>
             <a:r>
               <a:rPr lang="en-US" dirty="0" smtClean="0"/>
+              <a:t>Details: Locations &amp; Time table</a:t>
+            </a:r>
+            <a:endParaRPr lang="en-US" dirty="0"/>
+          </a:p>
+        </p:txBody>
+      </p:sp>
+      <p:sp>
+        <p:nvSpPr>
+          <p:cNvPr id="3" name="Content Placeholder 2"/>
+          <p:cNvSpPr>
+            <a:spLocks noGrp="1"/>
+          </p:cNvSpPr>
+          <p:nvPr>
+            <p:ph sz="half" idx="1"/>
+          </p:nvPr>
+        </p:nvSpPr>
+        <p:spPr/>
+        <p:txBody>
+          <a:bodyPr/>
+          <a:lstStyle/>
+          <a:p>
+            <a:pPr marL="0" indent="0">
+              <a:buNone/>
+            </a:pPr>
+            <a:r>
+              <a:rPr lang="en-US" sz="2000" dirty="0" smtClean="0">
+                <a:latin typeface="Consolas" panose="020B0609020204030204" pitchFamily="49" charset="0"/>
+                <a:cs typeface="Consolas" panose="020B0609020204030204" pitchFamily="49" charset="0"/>
+              </a:rPr>
+              <a:t>10/29 | Belgium, Moscow</a:t>
+            </a:r>
+          </a:p>
+          <a:p>
+            <a:pPr marL="0" indent="0">
+              <a:buNone/>
+            </a:pPr>
+            <a:r>
+              <a:rPr lang="en-US" sz="2000" dirty="0" smtClean="0">
+                <a:latin typeface="Consolas" panose="020B0609020204030204" pitchFamily="49" charset="0"/>
+                <a:cs typeface="Consolas" panose="020B0609020204030204" pitchFamily="49" charset="0"/>
+              </a:rPr>
+              <a:t>11/06 | Mumbai, Mexico City</a:t>
+            </a:r>
+          </a:p>
+          <a:p>
+            <a:pPr marL="0" indent="0">
+              <a:buNone/>
+            </a:pPr>
+            <a:r>
+              <a:rPr lang="en-US" sz="2000" dirty="0" smtClean="0">
+                <a:latin typeface="Consolas" panose="020B0609020204030204" pitchFamily="49" charset="0"/>
+                <a:cs typeface="Consolas" panose="020B0609020204030204" pitchFamily="49" charset="0"/>
+              </a:rPr>
+              <a:t>11/12 | Rome</a:t>
+            </a:r>
+          </a:p>
+          <a:p>
+            <a:pPr marL="0" indent="0">
+              <a:buNone/>
+            </a:pPr>
+            <a:r>
+              <a:rPr lang="en-US" sz="2000" dirty="0" smtClean="0">
+                <a:latin typeface="Consolas" panose="020B0609020204030204" pitchFamily="49" charset="0"/>
+                <a:cs typeface="Consolas" panose="020B0609020204030204" pitchFamily="49" charset="0"/>
+              </a:rPr>
+              <a:t>11/18 | Sao Paulo</a:t>
+            </a:r>
+          </a:p>
+          <a:p>
+            <a:pPr marL="0" indent="0">
+              <a:buNone/>
+            </a:pPr>
+            <a:r>
+              <a:rPr lang="en-US" sz="2000" dirty="0" smtClean="0">
+                <a:latin typeface="Consolas" panose="020B0609020204030204" pitchFamily="49" charset="0"/>
+                <a:cs typeface="Consolas" panose="020B0609020204030204" pitchFamily="49" charset="0"/>
+              </a:rPr>
+              <a:t>11/19 | Netherlands</a:t>
+            </a:r>
+          </a:p>
+          <a:p>
+            <a:pPr marL="0" indent="0">
+              <a:buNone/>
+            </a:pPr>
+            <a:r>
+              <a:rPr lang="en-US" sz="2000" dirty="0" smtClean="0">
+                <a:latin typeface="Consolas" panose="020B0609020204030204" pitchFamily="49" charset="0"/>
+                <a:cs typeface="Consolas" panose="020B0609020204030204" pitchFamily="49" charset="0"/>
+              </a:rPr>
+              <a:t>11/20 | Tokyo</a:t>
+            </a:r>
+          </a:p>
+          <a:p>
+            <a:pPr marL="0" indent="0">
+              <a:buNone/>
+            </a:pPr>
+            <a:r>
+              <a:rPr lang="en-US" sz="2000" dirty="0" smtClean="0">
+                <a:latin typeface="Consolas" panose="020B0609020204030204" pitchFamily="49" charset="0"/>
+                <a:cs typeface="Consolas" panose="020B0609020204030204" pitchFamily="49" charset="0"/>
+              </a:rPr>
+              <a:t>11/21 | Beijing</a:t>
+            </a:r>
+          </a:p>
+          <a:p>
+            <a:pPr marL="0" indent="0">
+              <a:buNone/>
+            </a:pPr>
+            <a:r>
+              <a:rPr lang="en-US" sz="2000" dirty="0" smtClean="0">
+                <a:latin typeface="Consolas" panose="020B0609020204030204" pitchFamily="49" charset="0"/>
+                <a:cs typeface="Consolas" panose="020B0609020204030204" pitchFamily="49" charset="0"/>
+              </a:rPr>
+              <a:t>11/25 | Vancouver, Istanbul</a:t>
+            </a:r>
+          </a:p>
+          <a:p>
+            <a:pPr marL="0" indent="0">
+              <a:buNone/>
+            </a:pPr>
+            <a:r>
+              <a:rPr lang="en-US" sz="2000" dirty="0" smtClean="0">
+                <a:latin typeface="Consolas" panose="020B0609020204030204" pitchFamily="49" charset="0"/>
+                <a:cs typeface="Consolas" panose="020B0609020204030204" pitchFamily="49" charset="0"/>
+              </a:rPr>
+              <a:t>11/28 | Shanghai, Seoul</a:t>
+            </a:r>
+            <a:endParaRPr lang="en-US" sz="2000" dirty="0">
+              <a:latin typeface="Consolas" panose="020B0609020204030204" pitchFamily="49" charset="0"/>
+              <a:cs typeface="Consolas" panose="020B0609020204030204" pitchFamily="49" charset="0"/>
+            </a:endParaRPr>
+          </a:p>
+        </p:txBody>
+      </p:sp>
+      <p:sp>
+        <p:nvSpPr>
+          <p:cNvPr id="4" name="Content Placeholder 3"/>
+          <p:cNvSpPr>
+            <a:spLocks noGrp="1"/>
+          </p:cNvSpPr>
+          <p:nvPr>
+            <p:ph sz="half" idx="2"/>
+          </p:nvPr>
+        </p:nvSpPr>
+        <p:spPr/>
+        <p:txBody>
+          <a:bodyPr>
+            <a:normAutofit/>
+          </a:bodyPr>
+          <a:lstStyle/>
+          <a:p>
+            <a:pPr marL="0" indent="0">
+              <a:buNone/>
+            </a:pPr>
+            <a:r>
+              <a:rPr lang="en-US" sz="2000" dirty="0" smtClean="0">
+                <a:latin typeface="Consolas" panose="020B0609020204030204" pitchFamily="49" charset="0"/>
+                <a:cs typeface="Consolas" panose="020B0609020204030204" pitchFamily="49" charset="0"/>
+              </a:rPr>
+              <a:t>12/03 | Tel Aviv</a:t>
+            </a:r>
+          </a:p>
+          <a:p>
+            <a:pPr marL="0" indent="0">
+              <a:buNone/>
+            </a:pPr>
+            <a:r>
+              <a:rPr lang="en-US" sz="2000" dirty="0" smtClean="0">
+                <a:latin typeface="Consolas" panose="020B0609020204030204" pitchFamily="49" charset="0"/>
+                <a:cs typeface="Consolas" panose="020B0609020204030204" pitchFamily="49" charset="0"/>
+              </a:rPr>
+              <a:t>12/09 | Dubai</a:t>
+            </a:r>
+          </a:p>
+          <a:p>
+            <a:pPr marL="0" indent="0">
+              <a:buNone/>
+            </a:pPr>
+            <a:r>
+              <a:rPr lang="en-US" sz="2000" dirty="0" smtClean="0">
+                <a:latin typeface="Consolas" panose="020B0609020204030204" pitchFamily="49" charset="0"/>
+                <a:cs typeface="Consolas" panose="020B0609020204030204" pitchFamily="49" charset="0"/>
+              </a:rPr>
+              <a:t>12/10 | Warsaw</a:t>
+            </a:r>
+          </a:p>
+          <a:p>
+            <a:pPr marL="0" indent="0">
+              <a:buNone/>
+            </a:pPr>
+            <a:endParaRPr lang="en-US" sz="2000" dirty="0">
+              <a:latin typeface="Consolas" panose="020B0609020204030204" pitchFamily="49" charset="0"/>
+              <a:cs typeface="Consolas" panose="020B0609020204030204" pitchFamily="49" charset="0"/>
+            </a:endParaRPr>
+          </a:p>
+          <a:p>
+            <a:pPr marL="0" indent="0">
+              <a:buNone/>
+            </a:pPr>
+            <a:r>
+              <a:rPr lang="en-US" sz="2000" dirty="0" smtClean="0">
+                <a:latin typeface="Consolas" panose="020B0609020204030204" pitchFamily="49" charset="0"/>
+                <a:cs typeface="Consolas" panose="020B0609020204030204" pitchFamily="49" charset="0"/>
+              </a:rPr>
+              <a:t>+</a:t>
+            </a:r>
+          </a:p>
+          <a:p>
+            <a:pPr marL="0" indent="0">
+              <a:buNone/>
+            </a:pPr>
+            <a:endParaRPr lang="en-US" sz="2000" dirty="0">
+              <a:latin typeface="Consolas" panose="020B0609020204030204" pitchFamily="49" charset="0"/>
+              <a:cs typeface="Consolas" panose="020B0609020204030204" pitchFamily="49" charset="0"/>
+            </a:endParaRPr>
+          </a:p>
+          <a:p>
+            <a:pPr marL="0" indent="0">
+              <a:buNone/>
+            </a:pPr>
+            <a:r>
+              <a:rPr lang="en-US" sz="2000" dirty="0" smtClean="0">
+                <a:latin typeface="Consolas" panose="020B0609020204030204" pitchFamily="49" charset="0"/>
+                <a:cs typeface="Consolas" panose="020B0609020204030204" pitchFamily="49" charset="0"/>
+              </a:rPr>
+              <a:t>11/10 – 12/15 | </a:t>
+            </a:r>
+            <a:br>
+              <a:rPr lang="en-US" sz="2000" dirty="0" smtClean="0">
+                <a:latin typeface="Consolas" panose="020B0609020204030204" pitchFamily="49" charset="0"/>
+                <a:cs typeface="Consolas" panose="020B0609020204030204" pitchFamily="49" charset="0"/>
+              </a:rPr>
+            </a:br>
+            <a:r>
+              <a:rPr lang="en-US" sz="2000" dirty="0" smtClean="0">
+                <a:latin typeface="Consolas" panose="020B0609020204030204" pitchFamily="49" charset="0"/>
+                <a:cs typeface="Consolas" panose="020B0609020204030204" pitchFamily="49" charset="0"/>
+              </a:rPr>
+              <a:t>12 US Win 10 Events</a:t>
+            </a:r>
+            <a:endParaRPr lang="en-US" sz="2000" dirty="0">
+              <a:latin typeface="Consolas" panose="020B0609020204030204" pitchFamily="49" charset="0"/>
+              <a:cs typeface="Consolas" panose="020B0609020204030204" pitchFamily="49" charset="0"/>
+            </a:endParaRPr>
+          </a:p>
+        </p:txBody>
+      </p:sp>
+      <p:pic>
+        <p:nvPicPr>
+          <p:cNvPr id="5" name="Picture 4"/>
+          <p:cNvPicPr>
+            <a:picLocks noChangeAspect="1"/>
+          </p:cNvPicPr>
+          <p:nvPr/>
+        </p:nvPicPr>
+        <p:blipFill>
+          <a:blip r:embed="rId2"/>
+          <a:stretch>
+            <a:fillRect/>
+          </a:stretch>
+        </p:blipFill>
+        <p:spPr>
+          <a:xfrm>
+            <a:off x="9751421" y="1676400"/>
+            <a:ext cx="1525453" cy="4533986"/>
+          </a:xfrm>
+          <a:prstGeom prst="rect">
+            <a:avLst/>
+          </a:prstGeom>
+        </p:spPr>
+      </p:pic>
+    </p:spTree>
+    <p:extLst>
+      <p:ext uri="{BB962C8B-B14F-4D97-AF65-F5344CB8AC3E}">
+        <p14:creationId xmlns:p14="http://schemas.microsoft.com/office/powerpoint/2010/main" val="77020190"/>
+      </p:ext>
+    </p:extLst>
+  </p:cSld>
+  <p:clrMapOvr>
+    <a:masterClrMapping/>
+  </p:clrMapOvr>
+  <p:timing>
+    <p:tnLst>
+      <p:par>
+        <p:cTn id="1" dur="indefinite" restart="never" nodeType="tmRoot"/>
+      </p:par>
+    </p:tnLst>
+  </p:timing>
+</p:sld>
+</file>
+
+<file path=ppt/slides/slide5.xml><?xml version="1.0" encoding="utf-8"?>
+<p:sld xmlns:a="http://schemas.openxmlformats.org/drawingml/2006/main" xmlns:r="http://schemas.openxmlformats.org/officeDocument/2006/relationships" xmlns:p="http://schemas.openxmlformats.org/presentationml/2006/main">
+  <p:cSld>
+    <p:spTree>
+      <p:nvGrpSpPr>
+        <p:cNvPr id="1" name=""/>
+        <p:cNvGrpSpPr/>
+        <p:nvPr/>
+      </p:nvGrpSpPr>
+      <p:grpSpPr>
+        <a:xfrm>
+          <a:off x="0" y="0"/>
+          <a:ext cx="0" cy="0"/>
+          <a:chOff x="0" y="0"/>
+          <a:chExt cx="0" cy="0"/>
+        </a:xfrm>
+      </p:grpSpPr>
+      <p:sp>
+        <p:nvSpPr>
+          <p:cNvPr id="2" name="Title 1"/>
+          <p:cNvSpPr>
+            <a:spLocks noGrp="1"/>
+          </p:cNvSpPr>
+          <p:nvPr>
+            <p:ph type="title"/>
+          </p:nvPr>
+        </p:nvSpPr>
+        <p:spPr/>
+        <p:txBody>
+          <a:bodyPr/>
+          <a:lstStyle/>
+          <a:p>
+            <a:r>
+              <a:rPr lang="en-US" dirty="0" smtClean="0"/>
               <a:t>Details: Preparation</a:t>
             </a:r>
             <a:endParaRPr lang="en-US" dirty="0"/>
@@ -3840,8 +6057,8 @@
           </a:p>
           <a:p>
             <a:r>
-              <a:rPr lang="en-US" dirty="0"/>
-              <a:t>Arrange 1 </a:t>
+              <a:rPr lang="en-US" dirty="0" smtClean="0"/>
+              <a:t>1 </a:t>
             </a:r>
             <a:r>
               <a:rPr lang="en-US" dirty="0" smtClean="0"/>
@@ -3884,8 +6101,13 @@
             <a:pPr lvl="1"/>
             <a:r>
               <a:rPr lang="en-US" dirty="0" smtClean="0"/>
-              <a:t>Windows 10</a:t>
-            </a:r>
+              <a:t>Windows </a:t>
+            </a:r>
+            <a:r>
+              <a:rPr lang="en-US" dirty="0" smtClean="0"/>
+              <a:t>10 Pro or higher</a:t>
+            </a:r>
+            <a:endParaRPr lang="en-US" dirty="0" smtClean="0"/>
           </a:p>
           <a:p>
             <a:pPr lvl="1"/>
@@ -4590,133 +6812,6 @@
 </p:sld>
 </file>
 
-<file path=ppt/slides/slide5.xml><?xml version="1.0" encoding="utf-8"?>
-<p:sld xmlns:a="http://schemas.openxmlformats.org/drawingml/2006/main" xmlns:r="http://schemas.openxmlformats.org/officeDocument/2006/relationships" xmlns:p="http://schemas.openxmlformats.org/presentationml/2006/main">
-  <p:cSld>
-    <p:spTree>
-      <p:nvGrpSpPr>
-        <p:cNvPr id="1" name=""/>
-        <p:cNvGrpSpPr/>
-        <p:nvPr/>
-      </p:nvGrpSpPr>
-      <p:grpSpPr>
-        <a:xfrm>
-          <a:off x="0" y="0"/>
-          <a:ext cx="0" cy="0"/>
-          <a:chOff x="0" y="0"/>
-          <a:chExt cx="0" cy="0"/>
-        </a:xfrm>
-      </p:grpSpPr>
-      <p:sp>
-        <p:nvSpPr>
-          <p:cNvPr id="2" name="Title 1"/>
-          <p:cNvSpPr>
-            <a:spLocks noGrp="1"/>
-          </p:cNvSpPr>
-          <p:nvPr>
-            <p:ph type="title"/>
-          </p:nvPr>
-        </p:nvSpPr>
-        <p:spPr/>
-        <p:txBody>
-          <a:bodyPr/>
-          <a:lstStyle/>
-          <a:p>
-            <a:r>
-              <a:rPr lang="en-US" dirty="0" smtClean="0"/>
-              <a:t>Delivery Recommendations</a:t>
-            </a:r>
-            <a:endParaRPr lang="en-US" dirty="0"/>
-          </a:p>
-        </p:txBody>
-      </p:sp>
-      <p:sp>
-        <p:nvSpPr>
-          <p:cNvPr id="3" name="Content Placeholder 2"/>
-          <p:cNvSpPr>
-            <a:spLocks noGrp="1"/>
-          </p:cNvSpPr>
-          <p:nvPr>
-            <p:ph sz="half" idx="1"/>
-          </p:nvPr>
-        </p:nvSpPr>
-        <p:spPr/>
-        <p:txBody>
-          <a:bodyPr/>
-          <a:lstStyle/>
-          <a:p>
-            <a:r>
-              <a:rPr lang="en-US" dirty="0" smtClean="0"/>
-              <a:t>SLLLLLLOOW down</a:t>
-            </a:r>
-          </a:p>
-          <a:p>
-            <a:r>
-              <a:rPr lang="en-US" dirty="0" smtClean="0"/>
-              <a:t>But not TOOO slow</a:t>
-            </a:r>
-          </a:p>
-          <a:p>
-            <a:r>
-              <a:rPr lang="en-US" dirty="0" smtClean="0"/>
-              <a:t>Don’t type every line of code</a:t>
-            </a:r>
-          </a:p>
-          <a:p>
-            <a:pPr lvl="1"/>
-            <a:r>
-              <a:rPr lang="en-US" dirty="0" smtClean="0"/>
-              <a:t>Copy &amp; paste, &amp; explain</a:t>
-            </a:r>
-          </a:p>
-          <a:p>
-            <a:r>
-              <a:rPr lang="en-US" dirty="0" smtClean="0"/>
-              <a:t>Dual monitor… or dual virtual desktop might help</a:t>
-            </a:r>
-            <a:endParaRPr lang="en-US" dirty="0"/>
-          </a:p>
-        </p:txBody>
-      </p:sp>
-      <p:sp>
-        <p:nvSpPr>
-          <p:cNvPr id="4" name="Content Placeholder 3"/>
-          <p:cNvSpPr>
-            <a:spLocks noGrp="1"/>
-          </p:cNvSpPr>
-          <p:nvPr>
-            <p:ph sz="half" idx="2"/>
-          </p:nvPr>
-        </p:nvSpPr>
-        <p:spPr/>
-        <p:txBody>
-          <a:bodyPr/>
-          <a:lstStyle/>
-          <a:p>
-            <a:endParaRPr lang="en-US"/>
-          </a:p>
-        </p:txBody>
-      </p:sp>
-    </p:spTree>
-    <p:extLst>
-      <p:ext uri="{BB962C8B-B14F-4D97-AF65-F5344CB8AC3E}">
-        <p14:creationId xmlns:p14="http://schemas.microsoft.com/office/powerpoint/2010/main" val="163334372"/>
-      </p:ext>
-    </p:extLst>
-  </p:cSld>
-  <p:clrMapOvr>
-    <a:masterClrMapping/>
-  </p:clrMapOvr>
-  <p:timing>
-    <p:tnLst>
-      <p:par>
-        <p:cTn id="1" dur="indefinite" restart="never" nodeType="tmRoot"/>
-      </p:par>
-    </p:tnLst>
-  </p:timing>
-</p:sld>
-</file>
-
 <file path=ppt/slides/slide6.xml><?xml version="1.0" encoding="utf-8"?>
 <p:sld xmlns:a="http://schemas.openxmlformats.org/drawingml/2006/main" xmlns:r="http://schemas.openxmlformats.org/officeDocument/2006/relationships" xmlns:p="http://schemas.openxmlformats.org/presentationml/2006/main">
   <p:cSld>
@@ -4751,7 +6846,7 @@
           <a:p>
             <a:r>
               <a:rPr lang="en-US" dirty="0" smtClean="0"/>
-              <a:t>Content: Day Recommended Agenda</a:t>
+              <a:t>Delivery Recommendations</a:t>
             </a:r>
             <a:endParaRPr lang="en-US" dirty="0"/>
           </a:p>
@@ -4767,145 +6862,109 @@
             <p:ph sz="half" idx="1"/>
           </p:nvPr>
         </p:nvSpPr>
+        <p:spPr/>
+        <p:txBody>
+          <a:bodyPr>
+            <a:normAutofit fontScale="92500" lnSpcReduction="20000"/>
+          </a:bodyPr>
+          <a:lstStyle/>
+          <a:p>
+            <a:r>
+              <a:rPr lang="en-US" dirty="0" smtClean="0"/>
+              <a:t>SLLLLLLOOW down</a:t>
+            </a:r>
+          </a:p>
+          <a:p>
+            <a:r>
+              <a:rPr lang="en-US" dirty="0" smtClean="0"/>
+              <a:t>But not TOOO slow</a:t>
+            </a:r>
+          </a:p>
+          <a:p>
+            <a:r>
+              <a:rPr lang="en-US" dirty="0" smtClean="0"/>
+              <a:t>You don’t have to type every line of code</a:t>
+            </a:r>
+            <a:endParaRPr lang="en-US" dirty="0" smtClean="0"/>
+          </a:p>
+          <a:p>
+            <a:pPr lvl="1"/>
+            <a:r>
+              <a:rPr lang="en-US" dirty="0" smtClean="0"/>
+              <a:t>Copy &amp; paste, &amp; explain</a:t>
+            </a:r>
+          </a:p>
+          <a:p>
+            <a:r>
+              <a:rPr lang="en-US" dirty="0" smtClean="0"/>
+              <a:t>Dual monitor… or dual virtual desktop might </a:t>
+            </a:r>
+            <a:r>
+              <a:rPr lang="en-US" dirty="0" smtClean="0"/>
+              <a:t>help</a:t>
+            </a:r>
+          </a:p>
+          <a:p>
+            <a:r>
+              <a:rPr lang="en-US" dirty="0" smtClean="0"/>
+              <a:t>In some places, you may need to make some lab exercises “optional”; either for them to do at home, or as a straight demo</a:t>
+            </a:r>
+            <a:endParaRPr lang="en-US" dirty="0"/>
+          </a:p>
+        </p:txBody>
+      </p:sp>
+      <p:pic>
+        <p:nvPicPr>
+          <p:cNvPr id="7" name="Picture 6"/>
+          <p:cNvPicPr>
+            <a:picLocks noChangeAspect="1"/>
+          </p:cNvPicPr>
+          <p:nvPr/>
+        </p:nvPicPr>
+        <p:blipFill>
+          <a:blip r:embed="rId2"/>
+          <a:stretch>
+            <a:fillRect/>
+          </a:stretch>
+        </p:blipFill>
         <p:spPr>
           <a:xfrm>
-            <a:off x="838200" y="1825625"/>
-            <a:ext cx="5181600" cy="2694860"/>
+            <a:off x="5794544" y="2049463"/>
+            <a:ext cx="2208384" cy="4130708"/>
           </a:xfrm>
+          <a:prstGeom prst="rect">
+            <a:avLst/>
+          </a:prstGeom>
         </p:spPr>
-        <p:txBody>
-          <a:bodyPr>
-            <a:normAutofit/>
-          </a:bodyPr>
-          <a:lstStyle/>
-          <a:p>
-            <a:pPr marL="0" indent="0">
-              <a:buNone/>
-              <a:tabLst>
-                <a:tab pos="2403475" algn="l"/>
-              </a:tabLst>
-            </a:pPr>
-            <a:r>
-              <a:rPr lang="en-US" dirty="0" smtClean="0"/>
-              <a:t>09:30 – 10:00 | Setup</a:t>
-            </a:r>
-          </a:p>
-          <a:p>
-            <a:pPr marL="0" indent="0">
-              <a:buNone/>
-            </a:pPr>
-            <a:r>
-              <a:rPr lang="en-US" dirty="0" smtClean="0"/>
-              <a:t>10:00 – 11:00 | 1. Intro</a:t>
-            </a:r>
-          </a:p>
-          <a:p>
-            <a:pPr marL="0" indent="0">
-              <a:buNone/>
-            </a:pPr>
-            <a:r>
-              <a:rPr lang="en-US" dirty="0" smtClean="0"/>
-              <a:t>11:00 – 12:00 | 2. Adaptive UI</a:t>
-            </a:r>
-          </a:p>
-          <a:p>
-            <a:pPr marL="0" indent="0">
-              <a:buNone/>
-            </a:pPr>
-            <a:r>
-              <a:rPr lang="en-US" dirty="0" smtClean="0"/>
-              <a:t>12:00 – 12:30 | 3. Tiles</a:t>
-            </a:r>
-          </a:p>
-          <a:p>
-            <a:pPr marL="0" indent="0">
-              <a:buNone/>
-            </a:pPr>
-            <a:r>
-              <a:rPr lang="en-US" dirty="0" smtClean="0"/>
-              <a:t>12:30 – 01:30 | *Lunch*</a:t>
-            </a:r>
-          </a:p>
-        </p:txBody>
-      </p:sp>
-      <p:sp>
-        <p:nvSpPr>
-          <p:cNvPr id="4" name="Content Placeholder 3"/>
-          <p:cNvSpPr>
-            <a:spLocks noGrp="1"/>
-          </p:cNvSpPr>
-          <p:nvPr>
-            <p:ph sz="half" idx="2"/>
-          </p:nvPr>
-        </p:nvSpPr>
+      </p:pic>
+      <p:pic>
+        <p:nvPicPr>
+          <p:cNvPr id="8" name="Picture 7"/>
+          <p:cNvPicPr>
+            <a:picLocks noChangeAspect="1"/>
+          </p:cNvPicPr>
+          <p:nvPr/>
+        </p:nvPicPr>
+        <p:blipFill>
+          <a:blip r:embed="rId3"/>
+          <a:stretch>
+            <a:fillRect/>
+          </a:stretch>
+        </p:blipFill>
         <p:spPr>
           <a:xfrm>
-            <a:off x="6172199" y="1825625"/>
-            <a:ext cx="5819503" cy="2694860"/>
+            <a:off x="8223978" y="2049463"/>
+            <a:ext cx="3175472" cy="2107915"/>
           </a:xfrm>
+          <a:prstGeom prst="rect">
+            <a:avLst/>
+          </a:prstGeom>
         </p:spPr>
-        <p:txBody>
-          <a:bodyPr>
-            <a:normAutofit/>
-          </a:bodyPr>
-          <a:lstStyle/>
-          <a:p>
-            <a:pPr marL="0" indent="0">
-              <a:buNone/>
-            </a:pPr>
-            <a:r>
-              <a:rPr lang="en-US" dirty="0"/>
-              <a:t>13:30 – 14:30 | 4. Edge / Web</a:t>
-            </a:r>
-          </a:p>
-          <a:p>
-            <a:pPr marL="0" indent="0">
-              <a:buNone/>
-            </a:pPr>
-            <a:r>
-              <a:rPr lang="en-US" dirty="0"/>
-              <a:t>14:30 – 15:30 | 5. Cloud</a:t>
-            </a:r>
-          </a:p>
-          <a:p>
-            <a:pPr marL="0" indent="0">
-              <a:buNone/>
-            </a:pPr>
-            <a:r>
-              <a:rPr lang="en-US" dirty="0"/>
-              <a:t>15:30 – 16:00 | *Break*</a:t>
-            </a:r>
-          </a:p>
-          <a:p>
-            <a:pPr marL="0" indent="0">
-              <a:buNone/>
-            </a:pPr>
-            <a:r>
-              <a:rPr lang="en-US" dirty="0" smtClean="0"/>
-              <a:t>16:00 – 17:00 | 6. MPC / App </a:t>
-            </a:r>
-            <a:r>
-              <a:rPr lang="en-US" dirty="0" err="1" smtClean="0"/>
-              <a:t>Svcs</a:t>
-            </a:r>
-            <a:endParaRPr lang="en-US" dirty="0" smtClean="0"/>
-          </a:p>
-          <a:p>
-            <a:pPr marL="0" indent="0">
-              <a:buNone/>
-            </a:pPr>
-            <a:r>
-              <a:rPr lang="en-US" dirty="0" smtClean="0"/>
-              <a:t>17:00 – 17:30 | 7. Store / $$</a:t>
-            </a:r>
-            <a:endParaRPr lang="en-US" dirty="0"/>
-          </a:p>
-        </p:txBody>
-      </p:sp>
+      </p:pic>
     </p:spTree>
     <p:extLst>
       <p:ext uri="{BB962C8B-B14F-4D97-AF65-F5344CB8AC3E}">
-        <p14:creationId xmlns:p14="http://schemas.microsoft.com/office/powerpoint/2010/main" val="2060723929"/>
+        <p14:creationId xmlns:p14="http://schemas.microsoft.com/office/powerpoint/2010/main" val="163334372"/>
       </p:ext>
     </p:extLst>
   </p:cSld>
@@ -4956,7 +7015,7 @@
           <a:p>
             <a:r>
               <a:rPr lang="en-US" dirty="0" smtClean="0"/>
-              <a:t>Intro</a:t>
+              <a:t>Delivery *NOTE*</a:t>
             </a:r>
             <a:endParaRPr lang="en-US" dirty="0"/>
           </a:p>
@@ -4972,38 +7031,113 @@
             <p:ph sz="half" idx="1"/>
           </p:nvPr>
         </p:nvSpPr>
-        <p:spPr/>
-        <p:txBody>
-          <a:bodyPr/>
+        <p:spPr>
+          <a:xfrm>
+            <a:off x="0" y="2589593"/>
+            <a:ext cx="9934575" cy="4192589"/>
+          </a:xfrm>
+        </p:spPr>
+        <p:txBody>
+          <a:bodyPr>
+            <a:noAutofit/>
+          </a:bodyPr>
           <a:lstStyle/>
           <a:p>
-            <a:endParaRPr lang="en-US"/>
-          </a:p>
-        </p:txBody>
-      </p:sp>
-      <p:sp>
-        <p:nvSpPr>
-          <p:cNvPr id="4" name="Content Placeholder 3"/>
-          <p:cNvSpPr>
-            <a:spLocks noGrp="1"/>
-          </p:cNvSpPr>
-          <p:nvPr>
-            <p:ph sz="half" idx="2"/>
-          </p:nvPr>
-        </p:nvSpPr>
-        <p:spPr/>
-        <p:txBody>
-          <a:bodyPr/>
-          <a:lstStyle/>
-          <a:p>
-            <a:endParaRPr lang="en-US"/>
-          </a:p>
-        </p:txBody>
-      </p:sp>
+            <a:pPr marL="0" indent="0">
+              <a:buNone/>
+            </a:pPr>
+            <a:r>
+              <a:rPr lang="en-US" sz="13800" dirty="0" smtClean="0">
+                <a:solidFill>
+                  <a:srgbClr val="FF0000"/>
+                </a:solidFill>
+              </a:rPr>
+              <a:t>PRACTICE</a:t>
+            </a:r>
+            <a:endParaRPr lang="en-US" sz="13800" dirty="0">
+              <a:solidFill>
+                <a:srgbClr val="FF0000"/>
+              </a:solidFill>
+            </a:endParaRPr>
+          </a:p>
+        </p:txBody>
+      </p:sp>
+      <p:pic>
+        <p:nvPicPr>
+          <p:cNvPr id="5" name="Picture 4"/>
+          <p:cNvPicPr>
+            <a:picLocks noChangeAspect="1"/>
+          </p:cNvPicPr>
+          <p:nvPr/>
+        </p:nvPicPr>
+        <p:blipFill>
+          <a:blip r:embed="rId3"/>
+          <a:stretch>
+            <a:fillRect/>
+          </a:stretch>
+        </p:blipFill>
+        <p:spPr>
+          <a:xfrm>
+            <a:off x="7924800" y="183770"/>
+            <a:ext cx="3314700" cy="6490460"/>
+          </a:xfrm>
+          <a:prstGeom prst="rect">
+            <a:avLst/>
+          </a:prstGeom>
+        </p:spPr>
+      </p:pic>
+      <p:pic>
+        <p:nvPicPr>
+          <p:cNvPr id="6" name="Picture 5"/>
+          <p:cNvPicPr>
+            <a:picLocks noChangeAspect="1"/>
+          </p:cNvPicPr>
+          <p:nvPr/>
+        </p:nvPicPr>
+        <p:blipFill>
+          <a:blip r:embed="rId4"/>
+          <a:stretch>
+            <a:fillRect/>
+          </a:stretch>
+        </p:blipFill>
+        <p:spPr>
+          <a:xfrm>
+            <a:off x="6213152" y="1430922"/>
+            <a:ext cx="1349698" cy="1746668"/>
+          </a:xfrm>
+          <a:prstGeom prst="rect">
+            <a:avLst/>
+          </a:prstGeom>
+        </p:spPr>
+      </p:pic>
+      <p:pic>
+        <p:nvPicPr>
+          <p:cNvPr id="7" name="Picture 6"/>
+          <p:cNvPicPr>
+            <a:picLocks noChangeAspect="1"/>
+          </p:cNvPicPr>
+          <p:nvPr/>
+        </p:nvPicPr>
+        <p:blipFill>
+          <a:blip r:embed="rId4"/>
+          <a:stretch>
+            <a:fillRect/>
+          </a:stretch>
+        </p:blipFill>
+        <p:spPr>
+          <a:xfrm rot="18729978">
+            <a:off x="6232202" y="3743908"/>
+            <a:ext cx="1349698" cy="1746668"/>
+          </a:xfrm>
+          <a:prstGeom prst="rect">
+            <a:avLst/>
+          </a:prstGeom>
+        </p:spPr>
+      </p:pic>
     </p:spTree>
     <p:extLst>
       <p:ext uri="{BB962C8B-B14F-4D97-AF65-F5344CB8AC3E}">
-        <p14:creationId xmlns:p14="http://schemas.microsoft.com/office/powerpoint/2010/main" val="750969378"/>
+        <p14:creationId xmlns:p14="http://schemas.microsoft.com/office/powerpoint/2010/main" val="3638016231"/>
       </p:ext>
     </p:extLst>
   </p:cSld>
@@ -5054,7 +7188,7 @@
           <a:p>
             <a:r>
               <a:rPr lang="en-US" dirty="0" smtClean="0"/>
-              <a:t>Adaptive UI</a:t>
+              <a:t>Content: Day Recommended Agenda</a:t>
             </a:r>
             <a:endParaRPr lang="en-US" dirty="0"/>
           </a:p>
@@ -5070,12 +7204,79 @@
             <p:ph sz="half" idx="1"/>
           </p:nvPr>
         </p:nvSpPr>
-        <p:spPr/>
-        <p:txBody>
-          <a:bodyPr/>
+        <p:spPr>
+          <a:xfrm>
+            <a:off x="647700" y="2543175"/>
+            <a:ext cx="5181600" cy="2694860"/>
+          </a:xfrm>
+        </p:spPr>
+        <p:txBody>
+          <a:bodyPr>
+            <a:normAutofit/>
+          </a:bodyPr>
           <a:lstStyle/>
           <a:p>
-            <a:endParaRPr lang="en-US"/>
+            <a:pPr marL="0" indent="0">
+              <a:buNone/>
+              <a:tabLst>
+                <a:tab pos="2403475" algn="l"/>
+              </a:tabLst>
+            </a:pPr>
+            <a:r>
+              <a:rPr lang="en-US" sz="2000" dirty="0" smtClean="0">
+                <a:latin typeface="Consolas" panose="020B0609020204030204" pitchFamily="49" charset="0"/>
+                <a:cs typeface="Consolas" panose="020B0609020204030204" pitchFamily="49" charset="0"/>
+              </a:rPr>
+              <a:t>09:30 – 10:00 | Setup</a:t>
+            </a:r>
+          </a:p>
+          <a:p>
+            <a:pPr marL="0" indent="0">
+              <a:buNone/>
+            </a:pPr>
+            <a:r>
+              <a:rPr lang="en-US" sz="2000" dirty="0" smtClean="0">
+                <a:latin typeface="Consolas" panose="020B0609020204030204" pitchFamily="49" charset="0"/>
+                <a:cs typeface="Consolas" panose="020B0609020204030204" pitchFamily="49" charset="0"/>
+              </a:rPr>
+              <a:t>10:00 – 11:00 | 1. Intro</a:t>
+            </a:r>
+          </a:p>
+          <a:p>
+            <a:pPr marL="0" indent="0">
+              <a:buNone/>
+            </a:pPr>
+            <a:r>
+              <a:rPr lang="en-US" sz="2000" dirty="0" smtClean="0">
+                <a:latin typeface="Consolas" panose="020B0609020204030204" pitchFamily="49" charset="0"/>
+                <a:cs typeface="Consolas" panose="020B0609020204030204" pitchFamily="49" charset="0"/>
+              </a:rPr>
+              <a:t>11:00 – 12:00 | 2. Adaptive UI</a:t>
+            </a:r>
+          </a:p>
+          <a:p>
+            <a:pPr marL="0" indent="0">
+              <a:buNone/>
+            </a:pPr>
+            <a:r>
+              <a:rPr lang="en-US" sz="2000" dirty="0" smtClean="0">
+                <a:latin typeface="Consolas" panose="020B0609020204030204" pitchFamily="49" charset="0"/>
+                <a:cs typeface="Consolas" panose="020B0609020204030204" pitchFamily="49" charset="0"/>
+              </a:rPr>
+              <a:t>12:00 – 12:30 | 3. Tiles</a:t>
+            </a:r>
+          </a:p>
+          <a:p>
+            <a:pPr marL="0" indent="0">
+              <a:buNone/>
+            </a:pPr>
+            <a:r>
+              <a:rPr lang="en-US" sz="2000" dirty="0" smtClean="0">
+                <a:latin typeface="Consolas" panose="020B0609020204030204" pitchFamily="49" charset="0"/>
+                <a:cs typeface="Consolas" panose="020B0609020204030204" pitchFamily="49" charset="0"/>
+              </a:rPr>
+              <a:t>12:30 – 01:30 | *Lunch*</a:t>
+            </a:r>
           </a:p>
         </p:txBody>
       </p:sp>
@@ -5089,19 +7290,112 @@
             <p:ph sz="half" idx="2"/>
           </p:nvPr>
         </p:nvSpPr>
-        <p:spPr/>
-        <p:txBody>
-          <a:bodyPr/>
+        <p:spPr>
+          <a:xfrm>
+            <a:off x="6110287" y="2543175"/>
+            <a:ext cx="5819503" cy="2694860"/>
+          </a:xfrm>
+        </p:spPr>
+        <p:txBody>
+          <a:bodyPr>
+            <a:normAutofit/>
+          </a:bodyPr>
           <a:lstStyle/>
           <a:p>
-            <a:endParaRPr lang="en-US"/>
+            <a:pPr marL="0" indent="0">
+              <a:buNone/>
+            </a:pPr>
+            <a:r>
+              <a:rPr lang="en-US" sz="2000" dirty="0">
+                <a:latin typeface="Consolas" panose="020B0609020204030204" pitchFamily="49" charset="0"/>
+                <a:cs typeface="Consolas" panose="020B0609020204030204" pitchFamily="49" charset="0"/>
+              </a:rPr>
+              <a:t>13:30 – 14:30 | 4. Edge / Web</a:t>
+            </a:r>
+          </a:p>
+          <a:p>
+            <a:pPr marL="0" indent="0">
+              <a:buNone/>
+            </a:pPr>
+            <a:r>
+              <a:rPr lang="en-US" sz="2000" dirty="0">
+                <a:latin typeface="Consolas" panose="020B0609020204030204" pitchFamily="49" charset="0"/>
+                <a:cs typeface="Consolas" panose="020B0609020204030204" pitchFamily="49" charset="0"/>
+              </a:rPr>
+              <a:t>14:30 – 15:30 | 5. Cloud</a:t>
+            </a:r>
+          </a:p>
+          <a:p>
+            <a:pPr marL="0" indent="0">
+              <a:buNone/>
+            </a:pPr>
+            <a:r>
+              <a:rPr lang="en-US" sz="2000" dirty="0">
+                <a:latin typeface="Consolas" panose="020B0609020204030204" pitchFamily="49" charset="0"/>
+                <a:cs typeface="Consolas" panose="020B0609020204030204" pitchFamily="49" charset="0"/>
+              </a:rPr>
+              <a:t>15:30 – 16:00 | *Break*</a:t>
+            </a:r>
+          </a:p>
+          <a:p>
+            <a:pPr marL="0" indent="0">
+              <a:buNone/>
+            </a:pPr>
+            <a:r>
+              <a:rPr lang="en-US" sz="2000" dirty="0" smtClean="0">
+                <a:latin typeface="Consolas" panose="020B0609020204030204" pitchFamily="49" charset="0"/>
+                <a:cs typeface="Consolas" panose="020B0609020204030204" pitchFamily="49" charset="0"/>
+              </a:rPr>
+              <a:t>16:00 – 17:00 | 6. MPC / </a:t>
+            </a:r>
+            <a:r>
+              <a:rPr lang="en-US" sz="2000" dirty="0" smtClean="0">
+                <a:latin typeface="Consolas" panose="020B0609020204030204" pitchFamily="49" charset="0"/>
+                <a:cs typeface="Consolas" panose="020B0609020204030204" pitchFamily="49" charset="0"/>
+              </a:rPr>
+              <a:t>(opt: App </a:t>
+            </a:r>
+            <a:r>
+              <a:rPr lang="en-US" sz="2000" dirty="0" err="1" smtClean="0">
+                <a:latin typeface="Consolas" panose="020B0609020204030204" pitchFamily="49" charset="0"/>
+                <a:cs typeface="Consolas" panose="020B0609020204030204" pitchFamily="49" charset="0"/>
+              </a:rPr>
+              <a:t>Svcs</a:t>
+            </a:r>
+            <a:r>
+              <a:rPr lang="en-US" sz="2000" dirty="0" smtClean="0">
+                <a:latin typeface="Consolas" panose="020B0609020204030204" pitchFamily="49" charset="0"/>
+                <a:cs typeface="Consolas" panose="020B0609020204030204" pitchFamily="49" charset="0"/>
+              </a:rPr>
+              <a:t>)</a:t>
+            </a:r>
+            <a:endParaRPr lang="en-US" sz="2000" dirty="0" smtClean="0">
+              <a:latin typeface="Consolas" panose="020B0609020204030204" pitchFamily="49" charset="0"/>
+              <a:cs typeface="Consolas" panose="020B0609020204030204" pitchFamily="49" charset="0"/>
+            </a:endParaRPr>
+          </a:p>
+          <a:p>
+            <a:pPr marL="0" indent="0">
+              <a:buNone/>
+            </a:pPr>
+            <a:r>
+              <a:rPr lang="en-US" sz="2000" dirty="0" smtClean="0">
+                <a:latin typeface="Consolas" panose="020B0609020204030204" pitchFamily="49" charset="0"/>
+                <a:cs typeface="Consolas" panose="020B0609020204030204" pitchFamily="49" charset="0"/>
+              </a:rPr>
+              <a:t>17:00 – 17:30 | 7. Store / $$</a:t>
+            </a:r>
+            <a:endParaRPr lang="en-US" sz="2000" dirty="0">
+              <a:latin typeface="Consolas" panose="020B0609020204030204" pitchFamily="49" charset="0"/>
+              <a:cs typeface="Consolas" panose="020B0609020204030204" pitchFamily="49" charset="0"/>
+            </a:endParaRPr>
           </a:p>
         </p:txBody>
       </p:sp>
     </p:spTree>
     <p:extLst>
       <p:ext uri="{BB962C8B-B14F-4D97-AF65-F5344CB8AC3E}">
-        <p14:creationId xmlns:p14="http://schemas.microsoft.com/office/powerpoint/2010/main" val="3658416285"/>
+        <p14:creationId xmlns:p14="http://schemas.microsoft.com/office/powerpoint/2010/main" val="2060723929"/>
       </p:ext>
     </p:extLst>
   </p:cSld>
@@ -5152,7 +7446,7 @@
           <a:p>
             <a:r>
               <a:rPr lang="en-US" dirty="0" smtClean="0"/>
-              <a:t>Tiles</a:t>
+              <a:t>Module 1 | Introduction to Win 10 Dev | 60</a:t>
             </a:r>
             <a:endParaRPr lang="en-US" dirty="0"/>
           </a:p>
@@ -5170,10 +7464,79 @@
         </p:nvSpPr>
         <p:spPr/>
         <p:txBody>
-          <a:bodyPr/>
+          <a:bodyPr>
+            <a:normAutofit lnSpcReduction="10000"/>
+          </a:bodyPr>
           <a:lstStyle/>
           <a:p>
-            <a:endParaRPr lang="en-US"/>
+            <a:pPr marL="0" indent="0">
+              <a:buNone/>
+            </a:pPr>
+            <a:r>
+              <a:rPr lang="en-US" dirty="0" smtClean="0"/>
+              <a:t>Lecture </a:t>
+            </a:r>
+          </a:p>
+          <a:p>
+            <a:r>
+              <a:rPr lang="en-US" dirty="0" smtClean="0"/>
+              <a:t>13 slides / 15 minutes (really just 6 intro slides)</a:t>
+            </a:r>
+          </a:p>
+          <a:p>
+            <a:pPr marL="0" indent="0">
+              <a:buNone/>
+            </a:pPr>
+            <a:r>
+              <a:rPr lang="en-US" dirty="0" smtClean="0"/>
+              <a:t>2 labs</a:t>
+            </a:r>
+          </a:p>
+          <a:p>
+            <a:r>
+              <a:rPr lang="en-US" dirty="0" smtClean="0"/>
+              <a:t>Hello UWP (</a:t>
+            </a:r>
+            <a:r>
+              <a:rPr lang="en-US" dirty="0" err="1" smtClean="0"/>
+              <a:t>inc.</a:t>
+            </a:r>
+            <a:r>
+              <a:rPr lang="en-US" dirty="0" smtClean="0"/>
+              <a:t> optional IOT deploy)</a:t>
+            </a:r>
+          </a:p>
+          <a:p>
+            <a:pPr lvl="1"/>
+            <a:r>
+              <a:rPr lang="en-US" dirty="0" smtClean="0"/>
+              <a:t>Getting started</a:t>
+            </a:r>
+          </a:p>
+          <a:p>
+            <a:pPr lvl="1"/>
+            <a:r>
+              <a:rPr lang="en-US" dirty="0" smtClean="0"/>
+              <a:t>Hello UWP across device</a:t>
+            </a:r>
+          </a:p>
+          <a:p>
+            <a:pPr lvl="1"/>
+            <a:r>
+              <a:rPr lang="en-US" dirty="0" smtClean="0"/>
+              <a:t>Hello UWP in Blend (opt)</a:t>
+            </a:r>
+            <a:endParaRPr lang="en-US" dirty="0" smtClean="0"/>
+          </a:p>
+          <a:p>
+            <a:r>
+              <a:rPr lang="en-US" dirty="0" smtClean="0"/>
+              <a:t>Page navigation and back</a:t>
+            </a:r>
+            <a:endParaRPr lang="en-US" dirty="0" smtClean="0"/>
+          </a:p>
+          <a:p>
+            <a:endParaRPr lang="en-US" dirty="0"/>
           </a:p>
         </p:txBody>
       </p:sp>
@@ -5189,17 +7552,46 @@
         </p:nvSpPr>
         <p:spPr/>
         <p:txBody>
-          <a:bodyPr/>
+          <a:bodyPr>
+            <a:normAutofit lnSpcReduction="10000"/>
+          </a:bodyPr>
           <a:lstStyle/>
           <a:p>
-            <a:endParaRPr lang="en-US"/>
+            <a:pPr marL="0" indent="0">
+              <a:buNone/>
+            </a:pPr>
+            <a:r>
+              <a:rPr lang="en-US" dirty="0" smtClean="0"/>
+              <a:t>Objectives</a:t>
+            </a:r>
+          </a:p>
+          <a:p>
+            <a:r>
+              <a:rPr lang="en-US" dirty="0" smtClean="0"/>
+              <a:t>Lay the foundation on the purpose of the UWP and how it solves an enormous problem</a:t>
+            </a:r>
+          </a:p>
+          <a:p>
+            <a:r>
+              <a:rPr lang="en-US" dirty="0" smtClean="0"/>
+              <a:t>Leverage page </a:t>
+            </a:r>
+            <a:r>
+              <a:rPr lang="en-US" dirty="0" err="1" smtClean="0"/>
+              <a:t>nav</a:t>
+            </a:r>
+            <a:r>
+              <a:rPr lang="en-US" dirty="0" smtClean="0"/>
+              <a:t> to demonstrate how one type of functionality can manifest different device types</a:t>
+            </a:r>
+            <a:endParaRPr lang="en-US" dirty="0"/>
           </a:p>
         </p:txBody>
       </p:sp>
     </p:spTree>
     <p:extLst>
       <p:ext uri="{BB962C8B-B14F-4D97-AF65-F5344CB8AC3E}">
-        <p14:creationId xmlns:p14="http://schemas.microsoft.com/office/powerpoint/2010/main" val="1833919662"/>
+        <p14:creationId xmlns:p14="http://schemas.microsoft.com/office/powerpoint/2010/main" val="750969378"/>
       </p:ext>
     </p:extLst>
   </p:cSld>
@@ -5264,7 +7656,7 @@
         <a:cs typeface=""/>
       </a:majorFont>
       <a:minorFont>
-        <a:latin typeface="Segoe UI"/>
+        <a:latin typeface="Segoe Pro Light"/>
         <a:ea typeface=""/>
         <a:cs typeface=""/>
       </a:minorFont>
@@ -5415,4 +7807,265 @@
     </a:ext>
   </a:extLst>
 </a:theme>
+</file>
+
+<file path=ppt/theme/theme2.xml><?xml version="1.0" encoding="utf-8"?>
+<a:theme xmlns:a="http://schemas.openxmlformats.org/drawingml/2006/main" name="Office Theme">
+  <a:themeElements>
+    <a:clrScheme name="Office">
+      <a:dk1>
+        <a:sysClr val="windowText" lastClr="000000"/>
+      </a:dk1>
+      <a:lt1>
+        <a:sysClr val="window" lastClr="FFFFFF"/>
+      </a:lt1>
+      <a:dk2>
+        <a:srgbClr val="44546A"/>
+      </a:dk2>
+      <a:lt2>
+        <a:srgbClr val="E7E6E6"/>
+      </a:lt2>
+      <a:accent1>
+        <a:srgbClr val="5B9BD5"/>
+      </a:accent1>
+      <a:accent2>
+        <a:srgbClr val="ED7D31"/>
+      </a:accent2>
+      <a:accent3>
+        <a:srgbClr val="A5A5A5"/>
+      </a:accent3>
+      <a:accent4>
+        <a:srgbClr val="FFC000"/>
+      </a:accent4>
+      <a:accent5>
+        <a:srgbClr val="4472C4"/>
+      </a:accent5>
+      <a:accent6>
+        <a:srgbClr val="70AD47"/>
+      </a:accent6>
+      <a:hlink>
+        <a:srgbClr val="0563C1"/>
+      </a:hlink>
+      <a:folHlink>
+        <a:srgbClr val="954F72"/>
+      </a:folHlink>
+    </a:clrScheme>
+    <a:fontScheme name="Office">
+      <a:majorFont>
+        <a:latin typeface="Calibri Light" panose="020F0302020204030204"/>
+        <a:ea typeface=""/>
+        <a:cs typeface=""/>
+        <a:font script="Jpan" typeface="游ゴシック Light"/>
+        <a:font script="Hang" typeface="맑은 고딕"/>
+        <a:font script="Hans" typeface="等线 Light"/>
+        <a:font script="Hant" typeface="新細明體"/>
+        <a:font script="Arab" typeface="Times New Roman"/>
+        <a:font script="Hebr" typeface="Times New Roman"/>
+        <a:font script="Thai" typeface="Angsana New"/>
+        <a:font script="Ethi" typeface="Nyala"/>
+        <a:font script="Beng" typeface="Vrinda"/>
+        <a:font script="Gujr" typeface="Shruti"/>
+        <a:font script="Khmr" typeface="MoolBoran"/>
+        <a:font script="Knda" typeface="Tunga"/>
+        <a:font script="Guru" typeface="Raavi"/>
+        <a:font script="Cans" typeface="Euphemia"/>
+        <a:font script="Cher" typeface="Plantagenet Cherokee"/>
+        <a:font script="Yiii" typeface="Microsoft Yi Baiti"/>
+        <a:font script="Tibt" typeface="Microsoft Himalaya"/>
+        <a:font script="Thaa" typeface="MV Boli"/>
+        <a:font script="Deva" typeface="Mangal"/>
+        <a:font script="Telu" typeface="Gautami"/>
+        <a:font script="Taml" typeface="Latha"/>
+        <a:font script="Syrc" typeface="Estrangelo Edessa"/>
+        <a:font script="Orya" typeface="Kalinga"/>
+        <a:font script="Mlym" typeface="Kartika"/>
+        <a:font script="Laoo" typeface="DokChampa"/>
+        <a:font script="Sinh" typeface="Iskoola Pota"/>
+        <a:font script="Mong" typeface="Mongolian Baiti"/>
+        <a:font script="Viet" typeface="Times New Roman"/>
+        <a:font script="Uigh" typeface="Microsoft Uighur"/>
+        <a:font script="Geor" typeface="Sylfaen"/>
+      </a:majorFont>
+      <a:minorFont>
+        <a:latin typeface="Calibri" panose="020F0502020204030204"/>
+        <a:ea typeface=""/>
+        <a:cs typeface=""/>
+        <a:font script="Jpan" typeface="游ゴシック"/>
+        <a:font script="Hang" typeface="맑은 고딕"/>
+        <a:font script="Hans" typeface="等线"/>
+        <a:font script="Hant" typeface="新細明體"/>
+        <a:font script="Arab" typeface="Arial"/>
+        <a:font script="Hebr" typeface="Arial"/>
+        <a:font script="Thai" typeface="Cordia New"/>
+        <a:font script="Ethi" typeface="Nyala"/>
+        <a:font script="Beng" typeface="Vrinda"/>
+        <a:font script="Gujr" typeface="Shruti"/>
+        <a:font script="Khmr" typeface="DaunPenh"/>
+        <a:font script="Knda" typeface="Tunga"/>
+        <a:font script="Guru" typeface="Raavi"/>
+        <a:font script="Cans" typeface="Euphemia"/>
+        <a:font script="Cher" typeface="Plantagenet Cherokee"/>
+        <a:font script="Yiii" typeface="Microsoft Yi Baiti"/>
+        <a:font script="Tibt" typeface="Microsoft Himalaya"/>
+        <a:font script="Thaa" typeface="MV Boli"/>
+        <a:font script="Deva" typeface="Mangal"/>
+        <a:font script="Telu" typeface="Gautami"/>
+        <a:font script="Taml" typeface="Latha"/>
+        <a:font script="Syrc" typeface="Estrangelo Edessa"/>
+        <a:font script="Orya" typeface="Kalinga"/>
+        <a:font script="Mlym" typeface="Kartika"/>
+        <a:font script="Laoo" typeface="DokChampa"/>
+        <a:font script="Sinh" typeface="Iskoola Pota"/>
+        <a:font script="Mong" typeface="Mongolian Baiti"/>
+        <a:font script="Viet" typeface="Arial"/>
+        <a:font script="Uigh" typeface="Microsoft Uighur"/>
+        <a:font script="Geor" typeface="Sylfaen"/>
+      </a:minorFont>
+    </a:fontScheme>
+    <a:fmtScheme name="Office">
+      <a:fillStyleLst>
+        <a:solidFill>
+          <a:schemeClr val="phClr"/>
+        </a:solidFill>
+        <a:gradFill rotWithShape="1">
+          <a:gsLst>
+            <a:gs pos="0">
+              <a:schemeClr val="phClr">
+                <a:lumMod val="110000"/>
+                <a:satMod val="105000"/>
+                <a:tint val="67000"/>
+              </a:schemeClr>
+            </a:gs>
+            <a:gs pos="50000">
+              <a:schemeClr val="phClr">
+                <a:lumMod val="105000"/>
+                <a:satMod val="103000"/>
+                <a:tint val="73000"/>
+              </a:schemeClr>
+            </a:gs>
+            <a:gs pos="100000">
+              <a:schemeClr val="phClr">
+                <a:lumMod val="105000"/>
+                <a:satMod val="109000"/>
+                <a:tint val="81000"/>
+              </a:schemeClr>
+            </a:gs>
+          </a:gsLst>
+          <a:lin ang="5400000" scaled="0"/>
+        </a:gradFill>
+        <a:gradFill rotWithShape="1">
+          <a:gsLst>
+            <a:gs pos="0">
+              <a:schemeClr val="phClr">
+                <a:satMod val="103000"/>
+                <a:lumMod val="102000"/>
+                <a:tint val="94000"/>
+              </a:schemeClr>
+            </a:gs>
+            <a:gs pos="50000">
+              <a:schemeClr val="phClr">
+                <a:satMod val="110000"/>
+                <a:lumMod val="100000"/>
+                <a:shade val="100000"/>
+              </a:schemeClr>
+            </a:gs>
+            <a:gs pos="100000">
+              <a:schemeClr val="phClr">
+                <a:lumMod val="99000"/>
+                <a:satMod val="120000"/>
+                <a:shade val="78000"/>
+              </a:schemeClr>
+            </a:gs>
+          </a:gsLst>
+          <a:lin ang="5400000" scaled="0"/>
+        </a:gradFill>
+      </a:fillStyleLst>
+      <a:lnStyleLst>
+        <a:ln w="6350" cap="flat" cmpd="sng" algn="ctr">
+          <a:solidFill>
+            <a:schemeClr val="phClr"/>
+          </a:solidFill>
+          <a:prstDash val="solid"/>
+          <a:miter lim="800000"/>
+        </a:ln>
+        <a:ln w="12700" cap="flat" cmpd="sng" algn="ctr">
+          <a:solidFill>
+            <a:schemeClr val="phClr"/>
+          </a:solidFill>
+          <a:prstDash val="solid"/>
+          <a:miter lim="800000"/>
+        </a:ln>
+        <a:ln w="19050" cap="flat" cmpd="sng" algn="ctr">
+          <a:solidFill>
+            <a:schemeClr val="phClr"/>
+          </a:solidFill>
+          <a:prstDash val="solid"/>
+          <a:miter lim="800000"/>
+        </a:ln>
+      </a:lnStyleLst>
+      <a:effectStyleLst>
+        <a:effectStyle>
+          <a:effectLst/>
+        </a:effectStyle>
+        <a:effectStyle>
+          <a:effectLst/>
+        </a:effectStyle>
+        <a:effectStyle>
+          <a:effectLst>
+            <a:outerShdw blurRad="57150" dist="19050" dir="5400000" algn="ctr" rotWithShape="0">
+              <a:srgbClr val="000000">
+                <a:alpha val="63000"/>
+              </a:srgbClr>
+            </a:outerShdw>
+          </a:effectLst>
+        </a:effectStyle>
+      </a:effectStyleLst>
+      <a:bgFillStyleLst>
+        <a:solidFill>
+          <a:schemeClr val="phClr"/>
+        </a:solidFill>
+        <a:solidFill>
+          <a:schemeClr val="phClr">
+            <a:tint val="95000"/>
+            <a:satMod val="170000"/>
+          </a:schemeClr>
+        </a:solidFill>
+        <a:gradFill rotWithShape="1">
+          <a:gsLst>
+            <a:gs pos="0">
+              <a:schemeClr val="phClr">
+                <a:tint val="93000"/>
+                <a:satMod val="150000"/>
+                <a:shade val="98000"/>
+                <a:lumMod val="102000"/>
+              </a:schemeClr>
+            </a:gs>
+            <a:gs pos="50000">
+              <a:schemeClr val="phClr">
+                <a:tint val="98000"/>
+                <a:satMod val="130000"/>
+                <a:shade val="90000"/>
+                <a:lumMod val="103000"/>
+              </a:schemeClr>
+            </a:gs>
+            <a:gs pos="100000">
+              <a:schemeClr val="phClr">
+                <a:shade val="63000"/>
+                <a:satMod val="120000"/>
+              </a:schemeClr>
+            </a:gs>
+          </a:gsLst>
+          <a:lin ang="5400000" scaled="0"/>
+        </a:gradFill>
+      </a:bgFillStyleLst>
+    </a:fmtScheme>
+  </a:themeElements>
+  <a:objectDefaults/>
+  <a:extraClrSchemeLst/>
+  <a:extLst>
+    <a:ext uri="{05A4C25C-085E-4340-85A3-A5531E510DB2}">
+      <thm15:themeFamily xmlns:thm15="http://schemas.microsoft.com/office/thememl/2012/main" name="Office Theme" id="{62F939B6-93AF-4DB8-9C6B-D6C7DFDC589F}" vid="{4A3C46E8-61CC-4603-A589-7422A47A8E4A}"/>
+    </a:ext>
+  </a:extLst>
+</a:theme>
 </file>
--- a/10.08.15.Train the Trainer.pptx
+++ b/10.08.15.Train the Trainer.pptx
@@ -13,14 +13,14 @@
     <p:sldId id="257" r:id="rId4"/>
     <p:sldId id="276" r:id="rId5"/>
     <p:sldId id="263" r:id="rId6"/>
-    <p:sldId id="264" r:id="rId7"/>
-    <p:sldId id="277" r:id="rId8"/>
-    <p:sldId id="265" r:id="rId9"/>
-    <p:sldId id="266" r:id="rId10"/>
-    <p:sldId id="267" r:id="rId11"/>
-    <p:sldId id="268" r:id="rId12"/>
-    <p:sldId id="269" r:id="rId13"/>
-    <p:sldId id="270" r:id="rId14"/>
+    <p:sldId id="277" r:id="rId7"/>
+    <p:sldId id="265" r:id="rId8"/>
+    <p:sldId id="266" r:id="rId9"/>
+    <p:sldId id="267" r:id="rId10"/>
+    <p:sldId id="268" r:id="rId11"/>
+    <p:sldId id="269" r:id="rId12"/>
+    <p:sldId id="270" r:id="rId13"/>
+    <p:sldId id="279" r:id="rId14"/>
     <p:sldId id="271" r:id="rId15"/>
     <p:sldId id="272" r:id="rId16"/>
     <p:sldId id="273" r:id="rId17"/>
@@ -644,7 +644,7 @@
             </a:pPr>
             <a:r>
               <a:rPr lang="en-US" baseline="0" dirty="0" smtClean="0"/>
-              <a:t>We believe it may drive deeper impact… walking the audience through the code, while they themselves code, means they get the tactile experience of actually making the code work, and they should get invested in it.</a:t>
+              <a:t>We believe it will drive deeper impact… walking the audience through the code, while they themselves code, means they get the tactile experience of actually making the code work, and they should get invested in it.</a:t>
             </a:r>
           </a:p>
           <a:p>
@@ -705,6 +705,27 @@
               <a:rPr lang="en-US" baseline="0" dirty="0" smtClean="0"/>
               <a:t> time</a:t>
             </a:r>
+          </a:p>
+          <a:p>
+            <a:pPr marL="228600" indent="-228600">
+              <a:buAutoNum type="arabicPeriod"/>
+            </a:pPr>
+            <a:endParaRPr lang="en-US" baseline="0" dirty="0" smtClean="0"/>
+          </a:p>
+          <a:p>
+            <a:pPr marL="228600" indent="-228600">
+              <a:buAutoNum type="arabicPeriod"/>
+            </a:pPr>
+            <a:endParaRPr lang="en-US" baseline="0" dirty="0" smtClean="0"/>
+          </a:p>
+          <a:p>
+            <a:pPr marL="0" indent="0">
+              <a:buNone/>
+            </a:pPr>
+            <a:r>
+              <a:rPr lang="en-US" baseline="0" dirty="0" smtClean="0"/>
+              <a:t>NO WAY YOU CAN WING THIS</a:t>
+            </a:r>
             <a:endParaRPr lang="en-US" dirty="0"/>
           </a:p>
         </p:txBody>
@@ -726,7 +747,7 @@
           <a:p>
             <a:fld id="{44A1E2AF-C18E-4070-A3F1-97EA1C2DA4A9}" type="slidenum">
               <a:rPr lang="en-US" smtClean="0"/>
-              <a:t>7</a:t>
+              <a:t>6</a:t>
             </a:fld>
             <a:endParaRPr lang="en-US"/>
           </a:p>
@@ -789,6 +810,90 @@
           <a:bodyPr/>
           <a:lstStyle/>
           <a:p>
+            <a:endParaRPr lang="en-US" dirty="0"/>
+          </a:p>
+        </p:txBody>
+      </p:sp>
+      <p:sp>
+        <p:nvSpPr>
+          <p:cNvPr id="4" name="Slide Number Placeholder 3"/>
+          <p:cNvSpPr>
+            <a:spLocks noGrp="1"/>
+          </p:cNvSpPr>
+          <p:nvPr>
+            <p:ph type="sldNum" sz="quarter" idx="10"/>
+          </p:nvPr>
+        </p:nvSpPr>
+        <p:spPr/>
+        <p:txBody>
+          <a:bodyPr/>
+          <a:lstStyle/>
+          <a:p>
+            <a:fld id="{44A1E2AF-C18E-4070-A3F1-97EA1C2DA4A9}" type="slidenum">
+              <a:rPr lang="en-US" smtClean="0"/>
+              <a:t>11</a:t>
+            </a:fld>
+            <a:endParaRPr lang="en-US"/>
+          </a:p>
+        </p:txBody>
+      </p:sp>
+    </p:spTree>
+    <p:extLst>
+      <p:ext uri="{BB962C8B-B14F-4D97-AF65-F5344CB8AC3E}">
+        <p14:creationId xmlns:p14="http://schemas.microsoft.com/office/powerpoint/2010/main" val="1766055351"/>
+      </p:ext>
+    </p:extLst>
+  </p:cSld>
+  <p:clrMapOvr>
+    <a:masterClrMapping/>
+  </p:clrMapOvr>
+</p:notes>
+</file>
+
+<file path=ppt/notesSlides/notesSlide4.xml><?xml version="1.0" encoding="utf-8"?>
+<p:notes xmlns:a="http://schemas.openxmlformats.org/drawingml/2006/main" xmlns:r="http://schemas.openxmlformats.org/officeDocument/2006/relationships" xmlns:p="http://schemas.openxmlformats.org/presentationml/2006/main">
+  <p:cSld>
+    <p:spTree>
+      <p:nvGrpSpPr>
+        <p:cNvPr id="1" name=""/>
+        <p:cNvGrpSpPr/>
+        <p:nvPr/>
+      </p:nvGrpSpPr>
+      <p:grpSpPr>
+        <a:xfrm>
+          <a:off x="0" y="0"/>
+          <a:ext cx="0" cy="0"/>
+          <a:chOff x="0" y="0"/>
+          <a:chExt cx="0" cy="0"/>
+        </a:xfrm>
+      </p:grpSpPr>
+      <p:sp>
+        <p:nvSpPr>
+          <p:cNvPr id="2" name="Slide Image Placeholder 1"/>
+          <p:cNvSpPr>
+            <a:spLocks noGrp="1" noRot="1" noChangeAspect="1"/>
+          </p:cNvSpPr>
+          <p:nvPr>
+            <p:ph type="sldImg"/>
+          </p:nvPr>
+        </p:nvSpPr>
+        <p:spPr/>
+      </p:sp>
+      <p:sp>
+        <p:nvSpPr>
+          <p:cNvPr id="3" name="Notes Placeholder 2"/>
+          <p:cNvSpPr>
+            <a:spLocks noGrp="1"/>
+          </p:cNvSpPr>
+          <p:nvPr>
+            <p:ph type="body" idx="1"/>
+          </p:nvPr>
+        </p:nvSpPr>
+        <p:spPr/>
+        <p:txBody>
+          <a:bodyPr/>
+          <a:lstStyle/>
+          <a:p>
             <a:r>
               <a:rPr lang="en-US" dirty="0" smtClean="0"/>
               <a:t>While</a:t>
@@ -797,6 +902,90 @@
               <a:rPr lang="en-US" baseline="0" dirty="0" smtClean="0"/>
               <a:t> there are a lot of steps to this one; we think its REALLY important, because we think there is a key platform differentiator in the UWP / Azure connection</a:t>
             </a:r>
+            <a:endParaRPr lang="en-US" dirty="0"/>
+          </a:p>
+        </p:txBody>
+      </p:sp>
+      <p:sp>
+        <p:nvSpPr>
+          <p:cNvPr id="4" name="Slide Number Placeholder 3"/>
+          <p:cNvSpPr>
+            <a:spLocks noGrp="1"/>
+          </p:cNvSpPr>
+          <p:nvPr>
+            <p:ph type="sldNum" sz="quarter" idx="10"/>
+          </p:nvPr>
+        </p:nvSpPr>
+        <p:spPr/>
+        <p:txBody>
+          <a:bodyPr/>
+          <a:lstStyle/>
+          <a:p>
+            <a:fld id="{44A1E2AF-C18E-4070-A3F1-97EA1C2DA4A9}" type="slidenum">
+              <a:rPr lang="en-US" smtClean="0"/>
+              <a:t>12</a:t>
+            </a:fld>
+            <a:endParaRPr lang="en-US"/>
+          </a:p>
+        </p:txBody>
+      </p:sp>
+    </p:spTree>
+    <p:extLst>
+      <p:ext uri="{BB962C8B-B14F-4D97-AF65-F5344CB8AC3E}">
+        <p14:creationId xmlns:p14="http://schemas.microsoft.com/office/powerpoint/2010/main" val="2726920959"/>
+      </p:ext>
+    </p:extLst>
+  </p:cSld>
+  <p:clrMapOvr>
+    <a:masterClrMapping/>
+  </p:clrMapOvr>
+</p:notes>
+</file>
+
+<file path=ppt/notesSlides/notesSlide5.xml><?xml version="1.0" encoding="utf-8"?>
+<p:notes xmlns:a="http://schemas.openxmlformats.org/drawingml/2006/main" xmlns:r="http://schemas.openxmlformats.org/officeDocument/2006/relationships" xmlns:p="http://schemas.openxmlformats.org/presentationml/2006/main">
+  <p:cSld>
+    <p:spTree>
+      <p:nvGrpSpPr>
+        <p:cNvPr id="1" name=""/>
+        <p:cNvGrpSpPr/>
+        <p:nvPr/>
+      </p:nvGrpSpPr>
+      <p:grpSpPr>
+        <a:xfrm>
+          <a:off x="0" y="0"/>
+          <a:ext cx="0" cy="0"/>
+          <a:chOff x="0" y="0"/>
+          <a:chExt cx="0" cy="0"/>
+        </a:xfrm>
+      </p:grpSpPr>
+      <p:sp>
+        <p:nvSpPr>
+          <p:cNvPr id="2" name="Slide Image Placeholder 1"/>
+          <p:cNvSpPr>
+            <a:spLocks noGrp="1" noRot="1" noChangeAspect="1"/>
+          </p:cNvSpPr>
+          <p:nvPr>
+            <p:ph type="sldImg"/>
+          </p:nvPr>
+        </p:nvSpPr>
+        <p:spPr/>
+      </p:sp>
+      <p:sp>
+        <p:nvSpPr>
+          <p:cNvPr id="3" name="Notes Placeholder 2"/>
+          <p:cNvSpPr>
+            <a:spLocks noGrp="1"/>
+          </p:cNvSpPr>
+          <p:nvPr>
+            <p:ph type="body" idx="1"/>
+          </p:nvPr>
+        </p:nvSpPr>
+        <p:spPr/>
+        <p:txBody>
+          <a:bodyPr/>
+          <a:lstStyle/>
+          <a:p>
             <a:endParaRPr lang="en-US" dirty="0"/>
           </a:p>
         </p:txBody>
@@ -827,7 +1016,7 @@
     </p:spTree>
     <p:extLst>
       <p:ext uri="{BB962C8B-B14F-4D97-AF65-F5344CB8AC3E}">
-        <p14:creationId xmlns:p14="http://schemas.microsoft.com/office/powerpoint/2010/main" val="2726920959"/>
+        <p14:creationId xmlns:p14="http://schemas.microsoft.com/office/powerpoint/2010/main" val="864100299"/>
       </p:ext>
     </p:extLst>
   </p:cSld>
@@ -3068,7 +3257,7 @@
           <a:p>
             <a:r>
               <a:rPr lang="en-US" dirty="0" smtClean="0"/>
-              <a:t>Module 2 | Adaptive UI | 60 </a:t>
+              <a:t>Module 3 | Live Tiles &amp; Notifications | 30 </a:t>
             </a:r>
             <a:endParaRPr lang="en-US" dirty="0"/>
           </a:p>
@@ -3100,7 +3289,7 @@
           <a:p>
             <a:r>
               <a:rPr lang="en-US" dirty="0" smtClean="0"/>
-              <a:t>15 slides / 15 minutes</a:t>
+              <a:t>15 slides / 10 minutes</a:t>
             </a:r>
           </a:p>
           <a:p>
@@ -3109,44 +3298,32 @@
             </a:pPr>
             <a:r>
               <a:rPr lang="en-US" dirty="0" smtClean="0"/>
-              <a:t>1 demo, (calculator)</a:t>
-            </a:r>
+              <a:t>Lab</a:t>
+            </a:r>
+          </a:p>
+          <a:p>
+            <a:r>
+              <a:rPr lang="en-US" dirty="0" smtClean="0"/>
+              <a:t>Customize default tile</a:t>
+            </a:r>
+          </a:p>
+          <a:p>
+            <a:r>
+              <a:rPr lang="en-US" dirty="0" smtClean="0"/>
+              <a:t>Create Adaptive tile</a:t>
+            </a:r>
+          </a:p>
+          <a:p>
+            <a:r>
+              <a:rPr lang="en-US" dirty="0" smtClean="0"/>
+              <a:t>Interactive Toast (You might need to cut this one)</a:t>
+            </a:r>
+            <a:endParaRPr lang="en-US" dirty="0" smtClean="0"/>
           </a:p>
           <a:p>
             <a:pPr marL="0" indent="0">
               <a:buNone/>
             </a:pPr>
-            <a:r>
-              <a:rPr lang="en-US" dirty="0" smtClean="0"/>
-              <a:t>1 lab (building adaptive UI)</a:t>
-            </a:r>
-          </a:p>
-          <a:p>
-            <a:r>
-              <a:rPr lang="en-US" dirty="0" smtClean="0"/>
-              <a:t>Evolve a fixed UI to adaptive (basic VSM)</a:t>
-            </a:r>
-          </a:p>
-          <a:p>
-            <a:r>
-              <a:rPr lang="en-US" dirty="0" smtClean="0"/>
-              <a:t>Leverage </a:t>
-            </a:r>
-            <a:r>
-              <a:rPr lang="en-US" dirty="0" err="1" smtClean="0"/>
-              <a:t>RelativePanel</a:t>
-            </a:r>
-            <a:endParaRPr lang="en-US" dirty="0" smtClean="0"/>
-          </a:p>
-          <a:p>
-            <a:r>
-              <a:rPr lang="en-US" dirty="0" smtClean="0"/>
-              <a:t>Build alternate XAML views</a:t>
-            </a:r>
-            <a:endParaRPr lang="en-US" dirty="0" smtClean="0"/>
-          </a:p>
-          <a:p>
-            <a:pPr lvl="1"/>
             <a:endParaRPr lang="en-US" dirty="0"/>
           </a:p>
         </p:txBody>
@@ -3177,13 +3354,43 @@
           <a:p>
             <a:r>
               <a:rPr lang="en-US" dirty="0" smtClean="0"/>
-              <a:t>Introduce adaptive UI principles, scaling, effective pixels, basic design techniques, Visual State Manager, etc.</a:t>
-            </a:r>
-          </a:p>
-          <a:p>
-            <a:r>
-              <a:rPr lang="en-US" dirty="0" smtClean="0"/>
-              <a:t>Walk through how to build a page that adapts to different screen sizes and resolutions</a:t>
+              <a:t>Tile basics</a:t>
+            </a:r>
+          </a:p>
+          <a:p>
+            <a:r>
+              <a:rPr lang="en-US" dirty="0" smtClean="0"/>
+              <a:t>Adaptive Template</a:t>
+            </a:r>
+          </a:p>
+          <a:p>
+            <a:r>
+              <a:rPr lang="en-US" dirty="0" smtClean="0"/>
+              <a:t>Toast basics</a:t>
+            </a:r>
+          </a:p>
+          <a:p>
+            <a:r>
+              <a:rPr lang="en-US" dirty="0" smtClean="0"/>
+              <a:t>Interactive Toasts</a:t>
+            </a:r>
+          </a:p>
+          <a:p>
+            <a:endParaRPr lang="en-US" dirty="0"/>
+          </a:p>
+          <a:p>
+            <a:pPr marL="0" indent="0">
+              <a:buNone/>
+            </a:pPr>
+            <a:r>
+              <a:rPr lang="en-US" dirty="0" smtClean="0"/>
+              <a:t>Note</a:t>
+            </a:r>
+          </a:p>
+          <a:p>
+            <a:r>
+              <a:rPr lang="en-US" dirty="0" smtClean="0"/>
+              <a:t>Tile assets in “assets” folder</a:t>
             </a:r>
             <a:endParaRPr lang="en-US" dirty="0"/>
           </a:p>
@@ -3192,7 +3399,7 @@
     </p:spTree>
     <p:extLst>
       <p:ext uri="{BB962C8B-B14F-4D97-AF65-F5344CB8AC3E}">
-        <p14:creationId xmlns:p14="http://schemas.microsoft.com/office/powerpoint/2010/main" val="3658416285"/>
+        <p14:creationId xmlns:p14="http://schemas.microsoft.com/office/powerpoint/2010/main" val="1833919662"/>
       </p:ext>
     </p:extLst>
   </p:cSld>
@@ -3243,7 +3450,7 @@
           <a:p>
             <a:r>
               <a:rPr lang="en-US" dirty="0" smtClean="0"/>
-              <a:t>Module 3 | Live Tiles &amp; Notifications | 30 </a:t>
+              <a:t>Module 4 | Edge &amp; Web Apps | 60</a:t>
             </a:r>
             <a:endParaRPr lang="en-US" dirty="0"/>
           </a:p>
@@ -3261,7 +3468,9 @@
         </p:nvSpPr>
         <p:spPr/>
         <p:txBody>
-          <a:bodyPr/>
+          <a:bodyPr>
+            <a:normAutofit/>
+          </a:bodyPr>
           <a:lstStyle/>
           <a:p>
             <a:pPr marL="0" indent="0">
@@ -3275,8 +3484,11 @@
           <a:p>
             <a:r>
               <a:rPr lang="en-US" dirty="0" smtClean="0"/>
-              <a:t>15 slides / 10 minutes</a:t>
-            </a:r>
+              <a:t>25 slides / 20 min</a:t>
+            </a:r>
+          </a:p>
+          <a:p>
+            <a:endParaRPr lang="en-US" dirty="0"/>
           </a:p>
           <a:p>
             <a:pPr marL="0" indent="0">
@@ -3290,93 +3502,88 @@
           <a:p>
             <a:r>
               <a:rPr lang="en-US" dirty="0" smtClean="0"/>
-              <a:t>Customize default tile</a:t>
-            </a:r>
-          </a:p>
-          <a:p>
-            <a:r>
-              <a:rPr lang="en-US" dirty="0" smtClean="0"/>
-              <a:t>Create Adaptive tile</a:t>
-            </a:r>
-          </a:p>
-          <a:p>
-            <a:r>
-              <a:rPr lang="en-US" dirty="0" smtClean="0"/>
-              <a:t>Interactive Toast (You might need to cut this one)</a:t>
+              <a:t>Web View</a:t>
+            </a:r>
+          </a:p>
+          <a:p>
+            <a:r>
+              <a:rPr lang="en-US" dirty="0" smtClean="0"/>
+              <a:t>Hosted Web Apps</a:t>
+            </a:r>
+          </a:p>
+          <a:p>
+            <a:r>
+              <a:rPr lang="en-US" dirty="0" err="1" smtClean="0"/>
+              <a:t>ManifoldJS</a:t>
+            </a:r>
+            <a:r>
+              <a:rPr lang="en-US" dirty="0" smtClean="0"/>
+              <a:t> (Optional)</a:t>
             </a:r>
             <a:endParaRPr lang="en-US" dirty="0" smtClean="0"/>
           </a:p>
           <a:p>
+            <a:endParaRPr lang="en-US" dirty="0"/>
+          </a:p>
+        </p:txBody>
+      </p:sp>
+      <p:sp>
+        <p:nvSpPr>
+          <p:cNvPr id="4" name="Content Placeholder 3"/>
+          <p:cNvSpPr>
+            <a:spLocks noGrp="1"/>
+          </p:cNvSpPr>
+          <p:nvPr>
+            <p:ph sz="half" idx="2"/>
+          </p:nvPr>
+        </p:nvSpPr>
+        <p:spPr/>
+        <p:txBody>
+          <a:bodyPr>
+            <a:normAutofit/>
+          </a:bodyPr>
+          <a:lstStyle/>
+          <a:p>
             <a:pPr marL="0" indent="0">
               <a:buNone/>
             </a:pPr>
+            <a:r>
+              <a:rPr lang="en-US" dirty="0" smtClean="0"/>
+              <a:t>Objectives</a:t>
+            </a:r>
+          </a:p>
+          <a:p>
+            <a:pPr marL="0" indent="0">
+              <a:buNone/>
+            </a:pPr>
+            <a:r>
+              <a:rPr lang="en-US" dirty="0" smtClean="0">
+                <a:solidFill>
+                  <a:srgbClr val="FF0000"/>
+                </a:solidFill>
+              </a:rPr>
+              <a:t>WORK IN PROGRESS</a:t>
+            </a:r>
+          </a:p>
+          <a:p>
+            <a:pPr marL="0" indent="0">
+              <a:buNone/>
+            </a:pPr>
             <a:endParaRPr lang="en-US" dirty="0"/>
           </a:p>
-        </p:txBody>
-      </p:sp>
-      <p:sp>
-        <p:nvSpPr>
-          <p:cNvPr id="4" name="Content Placeholder 3"/>
-          <p:cNvSpPr>
-            <a:spLocks noGrp="1"/>
-          </p:cNvSpPr>
-          <p:nvPr>
-            <p:ph sz="half" idx="2"/>
-          </p:nvPr>
-        </p:nvSpPr>
-        <p:spPr/>
-        <p:txBody>
-          <a:bodyPr/>
-          <a:lstStyle/>
           <a:p>
             <a:pPr marL="0" indent="0">
               <a:buNone/>
             </a:pPr>
             <a:r>
               <a:rPr lang="en-US" dirty="0" smtClean="0"/>
-              <a:t>Objectives</a:t>
-            </a:r>
-          </a:p>
-          <a:p>
-            <a:r>
-              <a:rPr lang="en-US" dirty="0" smtClean="0"/>
-              <a:t>Tile basics</a:t>
-            </a:r>
-          </a:p>
-          <a:p>
-            <a:r>
-              <a:rPr lang="en-US" dirty="0" smtClean="0"/>
-              <a:t>Adaptive Template</a:t>
-            </a:r>
-          </a:p>
-          <a:p>
-            <a:r>
-              <a:rPr lang="en-US" dirty="0" smtClean="0"/>
-              <a:t>Toast basics</a:t>
-            </a:r>
-          </a:p>
-          <a:p>
-            <a:r>
-              <a:rPr lang="en-US" dirty="0" smtClean="0"/>
-              <a:t>Interactive Toasts</a:t>
-            </a:r>
-          </a:p>
-          <a:p>
-            <a:endParaRPr lang="en-US" dirty="0"/>
-          </a:p>
-          <a:p>
-            <a:pPr marL="0" indent="0">
-              <a:buNone/>
-            </a:pPr>
-            <a:r>
-              <a:rPr lang="en-US" dirty="0" smtClean="0"/>
               <a:t>Note</a:t>
             </a:r>
           </a:p>
           <a:p>
             <a:r>
               <a:rPr lang="en-US" dirty="0" smtClean="0"/>
-              <a:t>Tile assets in “assets” folder</a:t>
+              <a:t>Lab currently has you publishing an Azure Website; we’re changing</a:t>
             </a:r>
             <a:endParaRPr lang="en-US" dirty="0"/>
           </a:p>
@@ -3385,7 +3592,7 @@
     </p:spTree>
     <p:extLst>
       <p:ext uri="{BB962C8B-B14F-4D97-AF65-F5344CB8AC3E}">
-        <p14:creationId xmlns:p14="http://schemas.microsoft.com/office/powerpoint/2010/main" val="1833919662"/>
+        <p14:creationId xmlns:p14="http://schemas.microsoft.com/office/powerpoint/2010/main" val="1476913642"/>
       </p:ext>
     </p:extLst>
   </p:cSld>
@@ -3436,7 +3643,7 @@
           <a:p>
             <a:r>
               <a:rPr lang="en-US" dirty="0" smtClean="0"/>
-              <a:t>Module 4 | Edge &amp; Web Apps | 60</a:t>
+              <a:t>Module 5 | Cloud Services | 60</a:t>
             </a:r>
             <a:endParaRPr lang="en-US" dirty="0"/>
           </a:p>
@@ -3454,9 +3661,7 @@
         </p:nvSpPr>
         <p:spPr/>
         <p:txBody>
-          <a:bodyPr>
-            <a:normAutofit fontScale="92500" lnSpcReduction="20000"/>
-          </a:bodyPr>
+          <a:bodyPr/>
           <a:lstStyle/>
           <a:p>
             <a:pPr marL="0" indent="0">
@@ -3470,7 +3675,7 @@
           <a:p>
             <a:r>
               <a:rPr lang="en-US" dirty="0" smtClean="0"/>
-              <a:t>25 slides / 20 min</a:t>
+              <a:t>11 slides / 15 min</a:t>
             </a:r>
           </a:p>
           <a:p>
@@ -3488,27 +3693,28 @@
           <a:p>
             <a:r>
               <a:rPr lang="en-US" dirty="0" smtClean="0"/>
-              <a:t>Web View</a:t>
-            </a:r>
-          </a:p>
-          <a:p>
-            <a:r>
-              <a:rPr lang="en-US" dirty="0" smtClean="0"/>
-              <a:t>Hosted Web Apps</a:t>
-            </a:r>
-          </a:p>
-          <a:p>
+              <a:t>Getting started with AAS</a:t>
+            </a:r>
+          </a:p>
+          <a:p>
+            <a:r>
+              <a:rPr lang="en-US" dirty="0" smtClean="0"/>
+              <a:t>Enable </a:t>
+            </a:r>
             <a:r>
               <a:rPr lang="en-US" dirty="0" err="1" smtClean="0"/>
-              <a:t>ManifoldJS</a:t>
-            </a:r>
-            <a:r>
-              <a:rPr lang="en-US" dirty="0" smtClean="0"/>
-              <a:t> (Optional)</a:t>
-            </a:r>
-            <a:endParaRPr lang="en-US" dirty="0" smtClean="0"/>
-          </a:p>
-          <a:p>
+              <a:t>Auth</a:t>
+            </a:r>
+            <a:r>
+              <a:rPr lang="en-US" dirty="0" smtClean="0"/>
+              <a:t>, and connect to cloud</a:t>
+            </a:r>
+          </a:p>
+          <a:p>
+            <a:r>
+              <a:rPr lang="en-US" dirty="0" smtClean="0"/>
+              <a:t>Enable offline sync</a:t>
+            </a:r>
             <a:endParaRPr lang="en-US" dirty="0"/>
           </a:p>
         </p:txBody>
@@ -3525,9 +3731,7 @@
         </p:nvSpPr>
         <p:spPr/>
         <p:txBody>
-          <a:bodyPr>
-            <a:normAutofit fontScale="92500" lnSpcReduction="20000"/>
-          </a:bodyPr>
+          <a:bodyPr/>
           <a:lstStyle/>
           <a:p>
             <a:pPr marL="0" indent="0">
@@ -3541,46 +3745,22 @@
           <a:p>
             <a:r>
               <a:rPr lang="en-US" dirty="0" smtClean="0"/>
-              <a:t>Using </a:t>
+              <a:t>Provide rich overview of Azure offerings for UWP apps</a:t>
+            </a:r>
+          </a:p>
+          <a:p>
+            <a:r>
+              <a:rPr lang="en-US" dirty="0" smtClean="0"/>
+              <a:t>Demonstrate workflow to implement </a:t>
             </a:r>
             <a:r>
               <a:rPr lang="en-US" dirty="0" err="1" smtClean="0"/>
-              <a:t>WebView</a:t>
-            </a:r>
-            <a:r>
-              <a:rPr lang="en-US" dirty="0" smtClean="0"/>
-              <a:t> control in </a:t>
-            </a:r>
-            <a:r>
-              <a:rPr lang="en-US" dirty="0" err="1" smtClean="0"/>
-              <a:t>WinJS</a:t>
-            </a:r>
-            <a:r>
-              <a:rPr lang="en-US" dirty="0" smtClean="0"/>
-              <a:t> app, adding HTML page to generate a toast</a:t>
-            </a:r>
-          </a:p>
-          <a:p>
-            <a:r>
-              <a:rPr lang="en-US" dirty="0" smtClean="0"/>
-              <a:t>Creating a hosted web app from an Azure website</a:t>
-            </a:r>
-          </a:p>
-          <a:p>
-            <a:r>
-              <a:rPr lang="en-US" dirty="0" smtClean="0"/>
-              <a:t>Install and use </a:t>
-            </a:r>
-            <a:r>
-              <a:rPr lang="en-US" dirty="0" err="1" smtClean="0"/>
-              <a:t>ManifoldJS</a:t>
-            </a:r>
-            <a:r>
-              <a:rPr lang="en-US" dirty="0" smtClean="0"/>
-              <a:t> to generate a hosted web app</a:t>
-            </a:r>
-          </a:p>
-          <a:p>
+              <a:t>auth</a:t>
+            </a:r>
+            <a:r>
+              <a:rPr lang="en-US" dirty="0" smtClean="0"/>
+              <a:t> and sync</a:t>
+            </a:r>
             <a:endParaRPr lang="en-US" dirty="0"/>
           </a:p>
           <a:p>
@@ -3589,13 +3769,19 @@
             </a:pPr>
             <a:r>
               <a:rPr lang="en-US" dirty="0" smtClean="0"/>
-              <a:t>Note</a:t>
-            </a:r>
-          </a:p>
-          <a:p>
-            <a:r>
-              <a:rPr lang="en-US" dirty="0" smtClean="0"/>
-              <a:t>Lab currently has you publishing an Azure Website</a:t>
+              <a:t>Notes</a:t>
+            </a:r>
+          </a:p>
+          <a:p>
+            <a:r>
+              <a:rPr lang="en-US" dirty="0" smtClean="0"/>
+              <a:t>We’ve created the backend for you, (you don’t do task 1)</a:t>
+            </a:r>
+          </a:p>
+          <a:p>
+            <a:r>
+              <a:rPr lang="en-US" dirty="0" smtClean="0"/>
+              <a:t>This one really requires practice</a:t>
             </a:r>
             <a:endParaRPr lang="en-US" dirty="0"/>
           </a:p>
@@ -3604,7 +3790,7 @@
     </p:spTree>
     <p:extLst>
       <p:ext uri="{BB962C8B-B14F-4D97-AF65-F5344CB8AC3E}">
-        <p14:creationId xmlns:p14="http://schemas.microsoft.com/office/powerpoint/2010/main" val="1476913642"/>
+        <p14:creationId xmlns:p14="http://schemas.microsoft.com/office/powerpoint/2010/main" val="4076174835"/>
       </p:ext>
     </p:extLst>
   </p:cSld>
@@ -3648,14 +3834,19 @@
             <p:ph type="title"/>
           </p:nvPr>
         </p:nvSpPr>
-        <p:spPr/>
+        <p:spPr>
+          <a:xfrm>
+            <a:off x="647700" y="114300"/>
+            <a:ext cx="10515600" cy="1325563"/>
+          </a:xfrm>
+        </p:spPr>
         <p:txBody>
           <a:bodyPr/>
           <a:lstStyle/>
           <a:p>
             <a:r>
               <a:rPr lang="en-US" dirty="0" smtClean="0"/>
-              <a:t>Module 5 | Cloud Services | 60</a:t>
+              <a:t>Note on Mod 5</a:t>
             </a:r>
             <a:endParaRPr lang="en-US" dirty="0"/>
           </a:p>
@@ -3663,34 +3854,86 @@
       </p:sp>
       <p:sp>
         <p:nvSpPr>
-          <p:cNvPr id="3" name="Content Placeholder 2"/>
-          <p:cNvSpPr>
-            <a:spLocks noGrp="1"/>
-          </p:cNvSpPr>
-          <p:nvPr>
-            <p:ph sz="half" idx="1"/>
-          </p:nvPr>
-        </p:nvSpPr>
-        <p:spPr/>
-        <p:txBody>
-          <a:bodyPr/>
+          <p:cNvPr id="5" name="Content Placeholder 4"/>
+          <p:cNvSpPr>
+            <a:spLocks noGrp="1"/>
+          </p:cNvSpPr>
+          <p:nvPr>
+            <p:ph idx="1"/>
+          </p:nvPr>
+        </p:nvSpPr>
+        <p:spPr>
+          <a:xfrm>
+            <a:off x="647700" y="1714500"/>
+            <a:ext cx="10515600" cy="4656138"/>
+          </a:xfrm>
+        </p:spPr>
+        <p:txBody>
+          <a:bodyPr>
+            <a:normAutofit fontScale="85000" lnSpcReduction="20000"/>
+          </a:bodyPr>
           <a:lstStyle/>
           <a:p>
             <a:pPr marL="0" indent="0">
               <a:buNone/>
             </a:pPr>
             <a:r>
-              <a:rPr lang="en-US" dirty="0" smtClean="0"/>
-              <a:t>Lecture</a:t>
-            </a:r>
-          </a:p>
-          <a:p>
-            <a:r>
-              <a:rPr lang="en-US" dirty="0" smtClean="0"/>
-              <a:t>11 slides / 15 min</a:t>
-            </a:r>
-          </a:p>
-          <a:p>
+              <a:rPr lang="en-GB" dirty="0"/>
+              <a:t>Note that this lab involves the attendees connecting to an existing Azure App Service Mobile App service. This service requires authentication, so a custom Azure Active Directory has been set up with 500 users created in it, names </a:t>
+            </a:r>
+            <a:r>
+              <a:rPr lang="en-GB" u="sng" dirty="0">
+                <a:hlinkClick r:id="rId3"/>
+              </a:rPr>
+              <a:t>user1@uwphols.onmicrosoft.com</a:t>
+            </a:r>
+            <a:r>
+              <a:rPr lang="en-GB" dirty="0"/>
+              <a:t> through </a:t>
+            </a:r>
+            <a:r>
+              <a:rPr lang="en-GB" u="sng" dirty="0">
+                <a:hlinkClick r:id="rId4"/>
+              </a:rPr>
+              <a:t>user499@uwphols.onmicrosoft.com</a:t>
+            </a:r>
+            <a:r>
+              <a:rPr lang="en-GB" dirty="0"/>
+              <a:t>, password </a:t>
+            </a:r>
+            <a:r>
+              <a:rPr lang="en-GB" b="1" dirty="0"/>
+              <a:t>Password1</a:t>
+            </a:r>
+            <a:r>
+              <a:rPr lang="en-GB" dirty="0"/>
+              <a:t> through </a:t>
+            </a:r>
+            <a:r>
+              <a:rPr lang="en-GB" b="1" dirty="0"/>
+              <a:t>Password499</a:t>
+            </a:r>
+            <a:r>
+              <a:rPr lang="en-GB" dirty="0"/>
+              <a:t> respectively. The username token is stored against every item stored in the cloud database, so in principle, every user will enjoy separation of their data from everyone else’s. Also, a </a:t>
+            </a:r>
+            <a:r>
+              <a:rPr lang="en-GB" dirty="0" err="1"/>
+              <a:t>webjob</a:t>
+            </a:r>
+            <a:r>
+              <a:rPr lang="en-GB" dirty="0"/>
+              <a:t> runs every night to clear down data stored in the backend database</a:t>
+            </a:r>
+            <a:r>
+              <a:rPr lang="en-GB" dirty="0" smtClean="0"/>
+              <a:t>.</a:t>
+            </a:r>
+          </a:p>
+          <a:p>
+            <a:pPr marL="0" indent="0">
+              <a:buNone/>
+            </a:pPr>
             <a:endParaRPr lang="en-US" dirty="0"/>
           </a:p>
           <a:p>
@@ -3698,103 +3941,31 @@
               <a:buNone/>
             </a:pPr>
             <a:r>
-              <a:rPr lang="en-US" dirty="0" smtClean="0"/>
-              <a:t>Lab</a:t>
-            </a:r>
-          </a:p>
-          <a:p>
-            <a:r>
-              <a:rPr lang="en-US" dirty="0" smtClean="0"/>
-              <a:t>Getting started with AAS</a:t>
-            </a:r>
-          </a:p>
-          <a:p>
-            <a:r>
-              <a:rPr lang="en-US" dirty="0" smtClean="0"/>
-              <a:t>Enable </a:t>
-            </a:r>
-            <a:r>
-              <a:rPr lang="en-US" dirty="0" err="1" smtClean="0"/>
-              <a:t>Auth</a:t>
-            </a:r>
-            <a:r>
-              <a:rPr lang="en-US" dirty="0" smtClean="0"/>
-              <a:t>, and connect to cloud</a:t>
-            </a:r>
-          </a:p>
-          <a:p>
-            <a:r>
-              <a:rPr lang="en-US" dirty="0" smtClean="0"/>
-              <a:t>Enable offline sync</a:t>
+              <a:rPr lang="en-GB" dirty="0"/>
+              <a:t>However, people taking the lab call a webpage to find out which username/password to use but all that does is round-robin the available users. Therefore, there is a very slim chance that if more than 500 people take the lab in any one day, or people just choose a username at random, then they may find that two or more people end up using the same username and the </a:t>
+            </a:r>
+            <a:r>
+              <a:rPr lang="en-GB" dirty="0" err="1"/>
+              <a:t>ToDo</a:t>
+            </a:r>
+            <a:r>
+              <a:rPr lang="en-GB" dirty="0"/>
+              <a:t> items they create will be merged. For this reason, please advise folks to keep it clean when creating </a:t>
+            </a:r>
+            <a:r>
+              <a:rPr lang="en-GB" dirty="0" err="1"/>
+              <a:t>ToDo</a:t>
+            </a:r>
+            <a:r>
+              <a:rPr lang="en-GB" dirty="0"/>
+              <a:t> items! </a:t>
             </a:r>
             <a:endParaRPr lang="en-US" dirty="0"/>
           </a:p>
-        </p:txBody>
-      </p:sp>
-      <p:sp>
-        <p:nvSpPr>
-          <p:cNvPr id="4" name="Content Placeholder 3"/>
-          <p:cNvSpPr>
-            <a:spLocks noGrp="1"/>
-          </p:cNvSpPr>
-          <p:nvPr>
-            <p:ph sz="half" idx="2"/>
-          </p:nvPr>
-        </p:nvSpPr>
-        <p:spPr/>
-        <p:txBody>
-          <a:bodyPr/>
-          <a:lstStyle/>
           <a:p>
             <a:pPr marL="0" indent="0">
               <a:buNone/>
             </a:pPr>
-            <a:r>
-              <a:rPr lang="en-US" dirty="0" smtClean="0"/>
-              <a:t>Objectives</a:t>
-            </a:r>
-          </a:p>
-          <a:p>
-            <a:r>
-              <a:rPr lang="en-US" dirty="0" smtClean="0"/>
-              <a:t>Provide rich overview of Azure offerings for UWP apps</a:t>
-            </a:r>
-          </a:p>
-          <a:p>
-            <a:r>
-              <a:rPr lang="en-US" dirty="0" smtClean="0"/>
-              <a:t>Demonstrate workflow to implement </a:t>
-            </a:r>
-            <a:r>
-              <a:rPr lang="en-US" dirty="0" err="1" smtClean="0"/>
-              <a:t>auth</a:t>
-            </a:r>
-            <a:r>
-              <a:rPr lang="en-US" dirty="0" smtClean="0"/>
-              <a:t> and sync</a:t>
-            </a:r>
-            <a:endParaRPr lang="en-US" dirty="0"/>
-          </a:p>
-          <a:p>
-            <a:pPr marL="0" indent="0">
-              <a:buNone/>
-            </a:pPr>
-            <a:r>
-              <a:rPr lang="en-US" dirty="0" smtClean="0"/>
-              <a:t>Notes</a:t>
-            </a:r>
-          </a:p>
-          <a:p>
-            <a:r>
-              <a:rPr lang="en-US" dirty="0" smtClean="0"/>
-              <a:t>We’ve created the backend for you, (you don’t do task 1)</a:t>
-            </a:r>
-          </a:p>
-          <a:p>
-            <a:r>
-              <a:rPr lang="en-US" dirty="0" smtClean="0"/>
-              <a:t>This one really requires practice</a:t>
-            </a:r>
             <a:endParaRPr lang="en-US" dirty="0"/>
           </a:p>
         </p:txBody>
@@ -3802,7 +3973,7 @@
     </p:spTree>
     <p:extLst>
       <p:ext uri="{BB962C8B-B14F-4D97-AF65-F5344CB8AC3E}">
-        <p14:creationId xmlns:p14="http://schemas.microsoft.com/office/powerpoint/2010/main" val="4076174835"/>
+        <p14:creationId xmlns:p14="http://schemas.microsoft.com/office/powerpoint/2010/main" val="3014023962"/>
       </p:ext>
     </p:extLst>
   </p:cSld>
@@ -3853,7 +4024,7 @@
           <a:p>
             <a:r>
               <a:rPr lang="en-US" dirty="0" smtClean="0"/>
-              <a:t>MPC | 60 (or 30 if no Cortana)</a:t>
+              <a:t>Module 6 | MPC | 60 (or 30 if no Cortana)</a:t>
             </a:r>
             <a:endParaRPr lang="en-US" dirty="0"/>
           </a:p>
@@ -4069,13 +4240,16 @@
           <a:p>
             <a:r>
               <a:rPr lang="en-US" dirty="0" smtClean="0"/>
-              <a:t>App </a:t>
-            </a:r>
-            <a:r>
-              <a:rPr lang="en-US" dirty="0" smtClean="0"/>
-              <a:t>Services | 30 (only if no Cortana)</a:t>
-            </a:r>
-            <a:endParaRPr lang="en-US" dirty="0"/>
+              <a:t>Module 6 b | App Services | 30 </a:t>
+            </a:r>
+            <a:br>
+              <a:rPr lang="en-US" dirty="0" smtClean="0"/>
+            </a:br>
+            <a:r>
+              <a:rPr lang="en-US" sz="2800" i="1" dirty="0" smtClean="0"/>
+              <a:t>(only if no Cortana)</a:t>
+            </a:r>
+            <a:endParaRPr lang="en-US" sz="2800" i="1" dirty="0"/>
           </a:p>
         </p:txBody>
       </p:sp>
@@ -4092,7 +4266,7 @@
         <p:spPr/>
         <p:txBody>
           <a:bodyPr>
-            <a:normAutofit fontScale="92500"/>
+            <a:normAutofit fontScale="92500" lnSpcReduction="20000"/>
           </a:bodyPr>
           <a:lstStyle/>
           <a:p>
@@ -4162,7 +4336,7 @@
         <p:spPr/>
         <p:txBody>
           <a:bodyPr>
-            <a:normAutofit fontScale="92500"/>
+            <a:normAutofit fontScale="92500" lnSpcReduction="20000"/>
           </a:bodyPr>
           <a:lstStyle/>
           <a:p>
@@ -4178,6 +4352,30 @@
             <a:r>
               <a:rPr lang="en-US" dirty="0" smtClean="0"/>
               <a:t>Provide the (very) quick run through of app service functionality available in UWP</a:t>
+            </a:r>
+          </a:p>
+          <a:p>
+            <a:endParaRPr lang="en-US" dirty="0"/>
+          </a:p>
+          <a:p>
+            <a:pPr marL="0" indent="0">
+              <a:buNone/>
+            </a:pPr>
+            <a:r>
+              <a:rPr lang="en-US" dirty="0" smtClean="0"/>
+              <a:t>Note</a:t>
+            </a:r>
+          </a:p>
+          <a:p>
+            <a:r>
+              <a:rPr lang="en-US" dirty="0" smtClean="0"/>
+              <a:t>We’re working on refactoring the lab to make it more accomplishable in time</a:t>
+            </a:r>
+          </a:p>
+          <a:p>
+            <a:r>
+              <a:rPr lang="en-US" dirty="0" smtClean="0"/>
+              <a:t>One of the more complicated labs in terms of code/XML to enter</a:t>
             </a:r>
             <a:endParaRPr lang="en-US" dirty="0"/>
           </a:p>
@@ -4237,7 +4435,7 @@
           <a:p>
             <a:r>
               <a:rPr lang="en-US" dirty="0" smtClean="0"/>
-              <a:t>Store &amp; Monetization | 30</a:t>
+              <a:t>Module 7 | Store &amp; Monetization | 30</a:t>
             </a:r>
             <a:endParaRPr lang="en-US" dirty="0"/>
           </a:p>
@@ -4378,10 +4576,10 @@
           <a:lstStyle/>
           <a:p>
             <a:r>
-              <a:rPr lang="en-US" smtClean="0"/>
+              <a:rPr lang="en-US" dirty="0" smtClean="0"/>
               <a:t>Questions!</a:t>
             </a:r>
-            <a:endParaRPr lang="en-US"/>
+            <a:endParaRPr lang="en-US" dirty="0"/>
           </a:p>
         </p:txBody>
       </p:sp>
@@ -4488,7 +4686,9 @@
         </p:nvSpPr>
         <p:spPr/>
         <p:txBody>
-          <a:bodyPr/>
+          <a:bodyPr>
+            <a:normAutofit lnSpcReduction="10000"/>
+          </a:bodyPr>
           <a:lstStyle/>
           <a:p>
             <a:r>
@@ -4549,21 +4749,48 @@
         </p:nvSpPr>
         <p:spPr/>
         <p:txBody>
-          <a:bodyPr/>
+          <a:bodyPr>
+            <a:normAutofit lnSpcReduction="10000"/>
+          </a:bodyPr>
           <a:lstStyle/>
           <a:p>
             <a:r>
               <a:rPr lang="en-US" dirty="0" smtClean="0"/>
-              <a:t>You are ultimately responsible for the success of your event</a:t>
-            </a:r>
-          </a:p>
-          <a:p>
-            <a:r>
-              <a:rPr lang="en-US" dirty="0" smtClean="0"/>
-              <a:t>You should take initiative, make this presentation your own, and let us know what you changed!</a:t>
-            </a:r>
-          </a:p>
-          <a:p>
+              <a:t>There are somethings listed specifically as ‘optional’</a:t>
+            </a:r>
+          </a:p>
+          <a:p>
+            <a:endParaRPr lang="en-US" dirty="0"/>
+          </a:p>
+          <a:p>
+            <a:pPr marL="0" indent="0">
+              <a:buNone/>
+            </a:pPr>
+            <a:r>
+              <a:rPr lang="en-US" dirty="0" smtClean="0"/>
+              <a:t>NOTE</a:t>
+            </a:r>
+          </a:p>
+          <a:p>
+            <a:r>
+              <a:rPr lang="en-US" dirty="0" smtClean="0"/>
+              <a:t>Content is _mostly_ functionally complete, but still some work in progress</a:t>
+            </a:r>
+          </a:p>
+          <a:p>
+            <a:r>
+              <a:rPr lang="en-US" dirty="0" smtClean="0"/>
+              <a:t>Regardless PLEASE PROVIDE FEEDBACK</a:t>
+            </a:r>
+            <a:br>
+              <a:rPr lang="en-US" dirty="0" smtClean="0"/>
+            </a:br>
+            <a:endParaRPr lang="en-US" dirty="0" smtClean="0"/>
+          </a:p>
+          <a:p>
+            <a:pPr marL="0" indent="0">
+              <a:buNone/>
+            </a:pPr>
             <a:endParaRPr lang="en-US" dirty="0"/>
           </a:p>
         </p:txBody>
@@ -5040,12 +5267,18 @@
         <p:spPr/>
         <p:txBody>
           <a:bodyPr>
-            <a:normAutofit fontScale="85000" lnSpcReduction="10000"/>
+            <a:normAutofit fontScale="92500" lnSpcReduction="10000"/>
           </a:bodyPr>
           <a:lstStyle/>
           <a:p>
             <a:r>
               <a:rPr lang="en-US" dirty="0" smtClean="0"/>
+              <a:t>New workshop format to drive deeper participant engagement</a:t>
+            </a:r>
+          </a:p>
+          <a:p>
+            <a:r>
+              <a:rPr lang="en-US" dirty="0" smtClean="0"/>
               <a:t>Reaching out to developers who currently build for, or have built for Windows (the ‘friendlies’)</a:t>
             </a:r>
           </a:p>
@@ -5065,30 +5298,9 @@
             <a:endParaRPr lang="en-US" dirty="0" smtClean="0"/>
           </a:p>
           <a:p>
-            <a:r>
-              <a:rPr lang="en-US" dirty="0" smtClean="0"/>
-              <a:t>New </a:t>
-            </a:r>
-            <a:r>
-              <a:rPr lang="en-US" dirty="0"/>
-              <a:t>workshop format to drive deeper participant </a:t>
-            </a:r>
-            <a:r>
-              <a:rPr lang="en-US" dirty="0" smtClean="0"/>
-              <a:t>engagement</a:t>
-            </a:r>
-          </a:p>
-          <a:p>
-            <a:r>
-              <a:rPr lang="en-US" dirty="0" smtClean="0"/>
-              <a:t>Socialize </a:t>
-            </a:r>
-            <a:r>
-              <a:rPr lang="en-US" dirty="0"/>
-              <a:t>how to deliver the most compelling developer scenarios using UWP</a:t>
-            </a:r>
-          </a:p>
-          <a:p>
+            <a:pPr marL="0" indent="0">
+              <a:buNone/>
+            </a:pPr>
             <a:endParaRPr lang="en-US" dirty="0" smtClean="0"/>
           </a:p>
           <a:p>
@@ -5109,14 +5321,24 @@
         <p:spPr/>
         <p:txBody>
           <a:bodyPr>
-            <a:normAutofit fontScale="85000" lnSpcReduction="10000"/>
+            <a:normAutofit fontScale="92500" lnSpcReduction="10000"/>
           </a:bodyPr>
           <a:lstStyle/>
           <a:p>
             <a:r>
               <a:rPr lang="en-US" dirty="0" smtClean="0"/>
-              <a:t>Provide baseline education for delivering reasonable UWP app</a:t>
-            </a:r>
+              <a:t>Provide baseline education for delivering reasonable UWP </a:t>
+            </a:r>
+            <a:r>
+              <a:rPr lang="en-US" dirty="0" smtClean="0"/>
+              <a:t>app</a:t>
+            </a:r>
+          </a:p>
+          <a:p>
+            <a:pPr marL="0" indent="0">
+              <a:buNone/>
+            </a:pPr>
+            <a:endParaRPr lang="en-US" dirty="0" smtClean="0"/>
           </a:p>
           <a:p>
             <a:r>
@@ -5368,9 +5590,9 @@
                                           </p:stCondLst>
                                         </p:cTn>
                                         <p:tgtEl>
-                                          <p:spTgt spid="4">
+                                          <p:spTgt spid="5">
                                             <p:txEl>
-                                              <p:pRg st="3" end="3"/>
+                                              <p:pRg st="0" end="0"/>
                                             </p:txEl>
                                           </p:spTgt>
                                         </p:tgtEl>
@@ -5386,9 +5608,9 @@
                                       <p:cBhvr>
                                         <p:cTn id="22" dur="500"/>
                                         <p:tgtEl>
-                                          <p:spTgt spid="4">
+                                          <p:spTgt spid="5">
                                             <p:txEl>
-                                              <p:pRg st="3" end="3"/>
+                                              <p:pRg st="0" end="0"/>
                                             </p:txEl>
                                           </p:spTgt>
                                         </p:tgtEl>
@@ -5431,7 +5653,7 @@
                                         <p:tgtEl>
                                           <p:spTgt spid="5">
                                             <p:txEl>
-                                              <p:pRg st="0" end="0"/>
+                                              <p:pRg st="2" end="2"/>
                                             </p:txEl>
                                           </p:spTgt>
                                         </p:tgtEl>
@@ -5449,110 +5671,6 @@
                                         <p:tgtEl>
                                           <p:spTgt spid="5">
                                             <p:txEl>
-                                              <p:pRg st="0" end="0"/>
-                                            </p:txEl>
-                                          </p:spTgt>
-                                        </p:tgtEl>
-                                      </p:cBhvr>
-                                    </p:animEffect>
-                                  </p:childTnLst>
-                                </p:cTn>
-                              </p:par>
-                            </p:childTnLst>
-                          </p:cTn>
-                        </p:par>
-                      </p:childTnLst>
-                    </p:cTn>
-                  </p:par>
-                  <p:par>
-                    <p:cTn id="28" fill="hold">
-                      <p:stCondLst>
-                        <p:cond delay="indefinite"/>
-                      </p:stCondLst>
-                      <p:childTnLst>
-                        <p:par>
-                          <p:cTn id="29" fill="hold">
-                            <p:stCondLst>
-                              <p:cond delay="0"/>
-                            </p:stCondLst>
-                            <p:childTnLst>
-                              <p:par>
-                                <p:cTn id="30" presetID="22" presetClass="entr" presetSubtype="4" fill="hold" grpId="0" nodeType="clickEffect">
-                                  <p:stCondLst>
-                                    <p:cond delay="0"/>
-                                  </p:stCondLst>
-                                  <p:childTnLst>
-                                    <p:set>
-                                      <p:cBhvr>
-                                        <p:cTn id="31" dur="1" fill="hold">
-                                          <p:stCondLst>
-                                            <p:cond delay="0"/>
-                                          </p:stCondLst>
-                                        </p:cTn>
-                                        <p:tgtEl>
-                                          <p:spTgt spid="5">
-                                            <p:txEl>
-                                              <p:pRg st="1" end="1"/>
-                                            </p:txEl>
-                                          </p:spTgt>
-                                        </p:tgtEl>
-                                        <p:attrNameLst>
-                                          <p:attrName>style.visibility</p:attrName>
-                                        </p:attrNameLst>
-                                      </p:cBhvr>
-                                      <p:to>
-                                        <p:strVal val="visible"/>
-                                      </p:to>
-                                    </p:set>
-                                    <p:animEffect transition="in" filter="wipe(down)">
-                                      <p:cBhvr>
-                                        <p:cTn id="32" dur="500"/>
-                                        <p:tgtEl>
-                                          <p:spTgt spid="5">
-                                            <p:txEl>
-                                              <p:pRg st="1" end="1"/>
-                                            </p:txEl>
-                                          </p:spTgt>
-                                        </p:tgtEl>
-                                      </p:cBhvr>
-                                    </p:animEffect>
-                                  </p:childTnLst>
-                                </p:cTn>
-                              </p:par>
-                              <p:par>
-                                <p:cTn id="33" presetID="22" presetClass="entr" presetSubtype="4" fill="hold" grpId="0" nodeType="withEffect">
-                                  <p:stCondLst>
-                                    <p:cond delay="0"/>
-                                  </p:stCondLst>
-                                  <p:childTnLst>
-                                    <p:set>
-                                      <p:cBhvr>
-                                        <p:cTn id="34" dur="1" fill="hold">
-                                          <p:stCondLst>
-                                            <p:cond delay="0"/>
-                                          </p:stCondLst>
-                                        </p:cTn>
-                                        <p:tgtEl>
-                                          <p:spTgt spid="5">
-                                            <p:txEl>
-                                              <p:pRg st="2" end="2"/>
-                                            </p:txEl>
-                                          </p:spTgt>
-                                        </p:tgtEl>
-                                        <p:attrNameLst>
-                                          <p:attrName>style.visibility</p:attrName>
-                                        </p:attrNameLst>
-                                      </p:cBhvr>
-                                      <p:to>
-                                        <p:strVal val="visible"/>
-                                      </p:to>
-                                    </p:set>
-                                    <p:animEffect transition="in" filter="wipe(down)">
-                                      <p:cBhvr>
-                                        <p:cTn id="35" dur="500"/>
-                                        <p:tgtEl>
-                                          <p:spTgt spid="5">
-                                            <p:txEl>
                                               <p:pRg st="2" end="2"/>
                                             </p:txEl>
                                           </p:spTgt>
@@ -5563,14 +5681,14 @@
                                 </p:cTn>
                               </p:par>
                               <p:par>
-                                <p:cTn id="36" presetID="22" presetClass="entr" presetSubtype="4" fill="hold" grpId="0" nodeType="withEffect">
+                                <p:cTn id="28" presetID="22" presetClass="entr" presetSubtype="4" fill="hold" grpId="0" nodeType="withEffect">
                                   <p:stCondLst>
                                     <p:cond delay="0"/>
                                   </p:stCondLst>
                                   <p:childTnLst>
                                     <p:set>
                                       <p:cBhvr>
-                                        <p:cTn id="37" dur="1" fill="hold">
+                                        <p:cTn id="29" dur="1" fill="hold">
                                           <p:stCondLst>
                                             <p:cond delay="0"/>
                                           </p:stCondLst>
@@ -5592,11 +5710,54 @@
                                     </p:set>
                                     <p:animEffect transition="in" filter="wipe(down)">
                                       <p:cBhvr>
-                                        <p:cTn id="38" dur="500"/>
+                                        <p:cTn id="30" dur="500"/>
                                         <p:tgtEl>
                                           <p:spTgt spid="5">
                                             <p:txEl>
                                               <p:pRg st="3" end="3"/>
+                                            </p:txEl>
+                                          </p:spTgt>
+                                        </p:tgtEl>
+                                      </p:cBhvr>
+                                    </p:animEffect>
+                                  </p:childTnLst>
+                                </p:cTn>
+                              </p:par>
+                              <p:par>
+                                <p:cTn id="31" presetID="22" presetClass="entr" presetSubtype="4" fill="hold" grpId="0" nodeType="withEffect">
+                                  <p:stCondLst>
+                                    <p:cond delay="0"/>
+                                  </p:stCondLst>
+                                  <p:childTnLst>
+                                    <p:set>
+                                      <p:cBhvr>
+                                        <p:cTn id="32" dur="1" fill="hold">
+                                          <p:stCondLst>
+                                            <p:cond delay="0"/>
+                                          </p:stCondLst>
+                                        </p:cTn>
+                                        <p:tgtEl>
+                                          <p:spTgt spid="5">
+                                            <p:txEl>
+                                              <p:pRg st="4" end="4"/>
+                                            </p:txEl>
+                                          </p:spTgt>
+                                        </p:tgtEl>
+                                        <p:attrNameLst>
+                                          <p:attrName>style.visibility</p:attrName>
+                                        </p:attrNameLst>
+                                      </p:cBhvr>
+                                      <p:to>
+                                        <p:strVal val="visible"/>
+                                      </p:to>
+                                    </p:set>
+                                    <p:animEffect transition="in" filter="wipe(down)">
+                                      <p:cBhvr>
+                                        <p:cTn id="33" dur="500"/>
+                                        <p:tgtEl>
+                                          <p:spTgt spid="5">
+                                            <p:txEl>
+                                              <p:pRg st="4" end="4"/>
                                             </p:txEl>
                                           </p:spTgt>
                                         </p:tgtEl>
@@ -5703,7 +5864,7 @@
                 <a:latin typeface="Consolas" panose="020B0609020204030204" pitchFamily="49" charset="0"/>
                 <a:cs typeface="Consolas" panose="020B0609020204030204" pitchFamily="49" charset="0"/>
               </a:rPr>
-              <a:t>10/29 | Belgium, Moscow</a:t>
+              <a:t>Oct 29 | Belgium, Moscow</a:t>
             </a:r>
           </a:p>
           <a:p>
@@ -5715,7 +5876,7 @@
                 <a:latin typeface="Consolas" panose="020B0609020204030204" pitchFamily="49" charset="0"/>
                 <a:cs typeface="Consolas" panose="020B0609020204030204" pitchFamily="49" charset="0"/>
               </a:rPr>
-              <a:t>11/06 | Mumbai, Mexico City</a:t>
+              <a:t>Nov 06 | Mumbai, Mexico City</a:t>
             </a:r>
           </a:p>
           <a:p>
@@ -5727,7 +5888,7 @@
                 <a:latin typeface="Consolas" panose="020B0609020204030204" pitchFamily="49" charset="0"/>
                 <a:cs typeface="Consolas" panose="020B0609020204030204" pitchFamily="49" charset="0"/>
               </a:rPr>
-              <a:t>11/12 | Rome</a:t>
+              <a:t>Nov 12 | Rome</a:t>
             </a:r>
           </a:p>
           <a:p>
@@ -5739,7 +5900,7 @@
                 <a:latin typeface="Consolas" panose="020B0609020204030204" pitchFamily="49" charset="0"/>
                 <a:cs typeface="Consolas" panose="020B0609020204030204" pitchFamily="49" charset="0"/>
               </a:rPr>
-              <a:t>11/18 | Sao Paulo</a:t>
+              <a:t>Nov 18 | Sao Paulo</a:t>
             </a:r>
           </a:p>
           <a:p>
@@ -5751,7 +5912,7 @@
                 <a:latin typeface="Consolas" panose="020B0609020204030204" pitchFamily="49" charset="0"/>
                 <a:cs typeface="Consolas" panose="020B0609020204030204" pitchFamily="49" charset="0"/>
               </a:rPr>
-              <a:t>11/19 | Netherlands</a:t>
+              <a:t>Nov 19 | Netherlands</a:t>
             </a:r>
           </a:p>
           <a:p>
@@ -5763,7 +5924,7 @@
                 <a:latin typeface="Consolas" panose="020B0609020204030204" pitchFamily="49" charset="0"/>
                 <a:cs typeface="Consolas" panose="020B0609020204030204" pitchFamily="49" charset="0"/>
               </a:rPr>
-              <a:t>11/20 | Tokyo</a:t>
+              <a:t>Nov 20 | Tokyo</a:t>
             </a:r>
           </a:p>
           <a:p>
@@ -5775,7 +5936,7 @@
                 <a:latin typeface="Consolas" panose="020B0609020204030204" pitchFamily="49" charset="0"/>
                 <a:cs typeface="Consolas" panose="020B0609020204030204" pitchFamily="49" charset="0"/>
               </a:rPr>
-              <a:t>11/21 | Beijing</a:t>
+              <a:t>Nov 21 | Beijing</a:t>
             </a:r>
           </a:p>
           <a:p>
@@ -5787,7 +5948,7 @@
                 <a:latin typeface="Consolas" panose="020B0609020204030204" pitchFamily="49" charset="0"/>
                 <a:cs typeface="Consolas" panose="020B0609020204030204" pitchFamily="49" charset="0"/>
               </a:rPr>
-              <a:t>11/25 | Vancouver, Istanbul</a:t>
+              <a:t>Nov 25 | Vancouver, Istanbul</a:t>
             </a:r>
           </a:p>
           <a:p>
@@ -5799,7 +5960,7 @@
                 <a:latin typeface="Consolas" panose="020B0609020204030204" pitchFamily="49" charset="0"/>
                 <a:cs typeface="Consolas" panose="020B0609020204030204" pitchFamily="49" charset="0"/>
               </a:rPr>
-              <a:t>11/28 | Shanghai, Seoul</a:t>
+              <a:t>Nov 28 | Shanghai, Seoul</a:t>
             </a:r>
             <a:endParaRPr lang="en-US" sz="2000" dirty="0">
               <a:latin typeface="Consolas" panose="020B0609020204030204" pitchFamily="49" charset="0"/>
@@ -5833,7 +5994,7 @@
                 <a:latin typeface="Consolas" panose="020B0609020204030204" pitchFamily="49" charset="0"/>
                 <a:cs typeface="Consolas" panose="020B0609020204030204" pitchFamily="49" charset="0"/>
               </a:rPr>
-              <a:t>12/03 | Tel Aviv</a:t>
+              <a:t>Dec 03 | Tel Aviv</a:t>
             </a:r>
           </a:p>
           <a:p>
@@ -5845,7 +6006,7 @@
                 <a:latin typeface="Consolas" panose="020B0609020204030204" pitchFamily="49" charset="0"/>
                 <a:cs typeface="Consolas" panose="020B0609020204030204" pitchFamily="49" charset="0"/>
               </a:rPr>
-              <a:t>12/09 | Dubai</a:t>
+              <a:t>Dec 09 | Dubai</a:t>
             </a:r>
           </a:p>
           <a:p>
@@ -5857,7 +6018,7 @@
                 <a:latin typeface="Consolas" panose="020B0609020204030204" pitchFamily="49" charset="0"/>
                 <a:cs typeface="Consolas" panose="020B0609020204030204" pitchFamily="49" charset="0"/>
               </a:rPr>
-              <a:t>12/10 | Warsaw</a:t>
+              <a:t>Dec 10 | Warsaw</a:t>
             </a:r>
           </a:p>
           <a:p>
@@ -5899,7 +6060,7 @@
                 <a:latin typeface="Consolas" panose="020B0609020204030204" pitchFamily="49" charset="0"/>
                 <a:cs typeface="Consolas" panose="020B0609020204030204" pitchFamily="49" charset="0"/>
               </a:rPr>
-              <a:t>11/10 – 12/15 | </a:t>
+              <a:t>Nov 10 – Dec 15 | </a:t>
             </a:r>
             <a:br>
               <a:rPr lang="en-US" sz="2000" dirty="0" smtClean="0">
@@ -5921,30 +6082,6 @@
           </a:p>
         </p:txBody>
       </p:sp>
-      <p:pic>
-        <p:nvPicPr>
-          <p:cNvPr id="5" name="Picture 4"/>
-          <p:cNvPicPr>
-            <a:picLocks noChangeAspect="1"/>
-          </p:cNvPicPr>
-          <p:nvPr/>
-        </p:nvPicPr>
-        <p:blipFill>
-          <a:blip r:embed="rId2"/>
-          <a:stretch>
-            <a:fillRect/>
-          </a:stretch>
-        </p:blipFill>
-        <p:spPr>
-          <a:xfrm>
-            <a:off x="9751421" y="1676400"/>
-            <a:ext cx="1525453" cy="4533986"/>
-          </a:xfrm>
-          <a:prstGeom prst="rect">
-            <a:avLst/>
-          </a:prstGeom>
-        </p:spPr>
-      </p:pic>
     </p:spTree>
     <p:extLst>
       <p:ext uri="{BB962C8B-B14F-4D97-AF65-F5344CB8AC3E}">
@@ -6139,8 +6276,16 @@
           <a:p>
             <a:pPr lvl="1"/>
             <a:r>
-              <a:rPr lang="en-US" dirty="0" smtClean="0"/>
-              <a:t>IOT (Optional)</a:t>
+              <a:rPr lang="en-US" dirty="0" err="1" smtClean="0"/>
+              <a:t>IoT</a:t>
+            </a:r>
+            <a:r>
+              <a:rPr lang="en-US" dirty="0" smtClean="0"/>
+              <a:t> </a:t>
+            </a:r>
+            <a:r>
+              <a:rPr lang="en-US" dirty="0" smtClean="0"/>
+              <a:t>(Optional)</a:t>
             </a:r>
           </a:p>
           <a:p>
@@ -6149,13 +6294,7 @@
               <a:rPr lang="en-US" dirty="0" smtClean="0"/>
               <a:t>Stylus</a:t>
             </a:r>
-          </a:p>
-          <a:p>
-            <a:pPr lvl="1"/>
-            <a:r>
-              <a:rPr lang="en-US" dirty="0" smtClean="0"/>
-              <a:t>Continuum</a:t>
-            </a:r>
+            <a:endParaRPr lang="en-US" dirty="0" smtClean="0"/>
           </a:p>
         </p:txBody>
       </p:sp>
@@ -6734,49 +6873,6 @@
                                   </p:childTnLst>
                                 </p:cTn>
                               </p:par>
-                              <p:par>
-                                <p:cTn id="46" presetID="22" presetClass="entr" presetSubtype="4" fill="hold" grpId="0" nodeType="withEffect">
-                                  <p:stCondLst>
-                                    <p:cond delay="0"/>
-                                  </p:stCondLst>
-                                  <p:childTnLst>
-                                    <p:set>
-                                      <p:cBhvr>
-                                        <p:cTn id="47" dur="1" fill="hold">
-                                          <p:stCondLst>
-                                            <p:cond delay="0"/>
-                                          </p:stCondLst>
-                                        </p:cTn>
-                                        <p:tgtEl>
-                                          <p:spTgt spid="4">
-                                            <p:txEl>
-                                              <p:pRg st="8" end="8"/>
-                                            </p:txEl>
-                                          </p:spTgt>
-                                        </p:tgtEl>
-                                        <p:attrNameLst>
-                                          <p:attrName>style.visibility</p:attrName>
-                                        </p:attrNameLst>
-                                      </p:cBhvr>
-                                      <p:to>
-                                        <p:strVal val="visible"/>
-                                      </p:to>
-                                    </p:set>
-                                    <p:animEffect transition="in" filter="wipe(down)">
-                                      <p:cBhvr>
-                                        <p:cTn id="48" dur="500"/>
-                                        <p:tgtEl>
-                                          <p:spTgt spid="4">
-                                            <p:txEl>
-                                              <p:pRg st="8" end="8"/>
-                                            </p:txEl>
-                                          </p:spTgt>
-                                        </p:tgtEl>
-                                      </p:cBhvr>
-                                    </p:animEffect>
-                                  </p:childTnLst>
-                                </p:cTn>
-                              </p:par>
                             </p:childTnLst>
                           </p:cTn>
                         </p:par>
@@ -6813,175 +6909,6 @@
 </file>
 
 <file path=ppt/slides/slide6.xml><?xml version="1.0" encoding="utf-8"?>
-<p:sld xmlns:a="http://schemas.openxmlformats.org/drawingml/2006/main" xmlns:r="http://schemas.openxmlformats.org/officeDocument/2006/relationships" xmlns:p="http://schemas.openxmlformats.org/presentationml/2006/main">
-  <p:cSld>
-    <p:spTree>
-      <p:nvGrpSpPr>
-        <p:cNvPr id="1" name=""/>
-        <p:cNvGrpSpPr/>
-        <p:nvPr/>
-      </p:nvGrpSpPr>
-      <p:grpSpPr>
-        <a:xfrm>
-          <a:off x="0" y="0"/>
-          <a:ext cx="0" cy="0"/>
-          <a:chOff x="0" y="0"/>
-          <a:chExt cx="0" cy="0"/>
-        </a:xfrm>
-      </p:grpSpPr>
-      <p:sp>
-        <p:nvSpPr>
-          <p:cNvPr id="2" name="Title 1"/>
-          <p:cNvSpPr>
-            <a:spLocks noGrp="1"/>
-          </p:cNvSpPr>
-          <p:nvPr>
-            <p:ph type="title"/>
-          </p:nvPr>
-        </p:nvSpPr>
-        <p:spPr/>
-        <p:txBody>
-          <a:bodyPr/>
-          <a:lstStyle/>
-          <a:p>
-            <a:r>
-              <a:rPr lang="en-US" dirty="0" smtClean="0"/>
-              <a:t>Delivery Recommendations</a:t>
-            </a:r>
-            <a:endParaRPr lang="en-US" dirty="0"/>
-          </a:p>
-        </p:txBody>
-      </p:sp>
-      <p:sp>
-        <p:nvSpPr>
-          <p:cNvPr id="3" name="Content Placeholder 2"/>
-          <p:cNvSpPr>
-            <a:spLocks noGrp="1"/>
-          </p:cNvSpPr>
-          <p:nvPr>
-            <p:ph sz="half" idx="1"/>
-          </p:nvPr>
-        </p:nvSpPr>
-        <p:spPr/>
-        <p:txBody>
-          <a:bodyPr>
-            <a:normAutofit fontScale="92500" lnSpcReduction="20000"/>
-          </a:bodyPr>
-          <a:lstStyle/>
-          <a:p>
-            <a:r>
-              <a:rPr lang="en-US" dirty="0" smtClean="0"/>
-              <a:t>SLLLLLLOOW down</a:t>
-            </a:r>
-          </a:p>
-          <a:p>
-            <a:r>
-              <a:rPr lang="en-US" dirty="0" smtClean="0"/>
-              <a:t>But not TOOO slow</a:t>
-            </a:r>
-          </a:p>
-          <a:p>
-            <a:r>
-              <a:rPr lang="en-US" dirty="0" smtClean="0"/>
-              <a:t>You don’t have to type every line of code</a:t>
-            </a:r>
-            <a:endParaRPr lang="en-US" dirty="0" smtClean="0"/>
-          </a:p>
-          <a:p>
-            <a:pPr lvl="1"/>
-            <a:r>
-              <a:rPr lang="en-US" dirty="0" smtClean="0"/>
-              <a:t>Copy &amp; paste, &amp; explain</a:t>
-            </a:r>
-          </a:p>
-          <a:p>
-            <a:r>
-              <a:rPr lang="en-US" dirty="0" smtClean="0"/>
-              <a:t>Dual monitor… or dual virtual desktop might </a:t>
-            </a:r>
-            <a:r>
-              <a:rPr lang="en-US" dirty="0" smtClean="0"/>
-              <a:t>help</a:t>
-            </a:r>
-          </a:p>
-          <a:p>
-            <a:r>
-              <a:rPr lang="en-US" dirty="0" smtClean="0"/>
-              <a:t>In some places, you may need to make some lab exercises “optional”; either for them to do at home, or as a straight demo</a:t>
-            </a:r>
-            <a:endParaRPr lang="en-US" dirty="0"/>
-          </a:p>
-        </p:txBody>
-      </p:sp>
-      <p:pic>
-        <p:nvPicPr>
-          <p:cNvPr id="7" name="Picture 6"/>
-          <p:cNvPicPr>
-            <a:picLocks noChangeAspect="1"/>
-          </p:cNvPicPr>
-          <p:nvPr/>
-        </p:nvPicPr>
-        <p:blipFill>
-          <a:blip r:embed="rId2"/>
-          <a:stretch>
-            <a:fillRect/>
-          </a:stretch>
-        </p:blipFill>
-        <p:spPr>
-          <a:xfrm>
-            <a:off x="5794544" y="2049463"/>
-            <a:ext cx="2208384" cy="4130708"/>
-          </a:xfrm>
-          <a:prstGeom prst="rect">
-            <a:avLst/>
-          </a:prstGeom>
-        </p:spPr>
-      </p:pic>
-      <p:pic>
-        <p:nvPicPr>
-          <p:cNvPr id="8" name="Picture 7"/>
-          <p:cNvPicPr>
-            <a:picLocks noChangeAspect="1"/>
-          </p:cNvPicPr>
-          <p:nvPr/>
-        </p:nvPicPr>
-        <p:blipFill>
-          <a:blip r:embed="rId3"/>
-          <a:stretch>
-            <a:fillRect/>
-          </a:stretch>
-        </p:blipFill>
-        <p:spPr>
-          <a:xfrm>
-            <a:off x="8223978" y="2049463"/>
-            <a:ext cx="3175472" cy="2107915"/>
-          </a:xfrm>
-          <a:prstGeom prst="rect">
-            <a:avLst/>
-          </a:prstGeom>
-        </p:spPr>
-      </p:pic>
-    </p:spTree>
-    <p:extLst>
-      <p:ext uri="{BB962C8B-B14F-4D97-AF65-F5344CB8AC3E}">
-        <p14:creationId xmlns:p14="http://schemas.microsoft.com/office/powerpoint/2010/main" val="163334372"/>
-      </p:ext>
-    </p:extLst>
-  </p:cSld>
-  <p:clrMapOvr>
-    <a:masterClrMapping/>
-  </p:clrMapOvr>
-  <p:timing>
-    <p:tnLst>
-      <p:par>
-        <p:cTn id="1" dur="indefinite" restart="never" nodeType="tmRoot"/>
-      </p:par>
-    </p:tnLst>
-  </p:timing>
-</p:sld>
-</file>
-
-<file path=ppt/slides/slide7.xml><?xml version="1.0" encoding="utf-8"?>
 <p:sld xmlns:a="http://schemas.openxmlformats.org/drawingml/2006/main" xmlns:r="http://schemas.openxmlformats.org/officeDocument/2006/relationships" xmlns:p="http://schemas.openxmlformats.org/presentationml/2006/main">
   <p:cSld>
     <p:spTree>
@@ -7154,6 +7081,264 @@
 </p:sld>
 </file>
 
+<file path=ppt/slides/slide7.xml><?xml version="1.0" encoding="utf-8"?>
+<p:sld xmlns:a="http://schemas.openxmlformats.org/drawingml/2006/main" xmlns:r="http://schemas.openxmlformats.org/officeDocument/2006/relationships" xmlns:p="http://schemas.openxmlformats.org/presentationml/2006/main">
+  <p:cSld>
+    <p:spTree>
+      <p:nvGrpSpPr>
+        <p:cNvPr id="1" name=""/>
+        <p:cNvGrpSpPr/>
+        <p:nvPr/>
+      </p:nvGrpSpPr>
+      <p:grpSpPr>
+        <a:xfrm>
+          <a:off x="0" y="0"/>
+          <a:ext cx="0" cy="0"/>
+          <a:chOff x="0" y="0"/>
+          <a:chExt cx="0" cy="0"/>
+        </a:xfrm>
+      </p:grpSpPr>
+      <p:sp>
+        <p:nvSpPr>
+          <p:cNvPr id="2" name="Title 1"/>
+          <p:cNvSpPr>
+            <a:spLocks noGrp="1"/>
+          </p:cNvSpPr>
+          <p:nvPr>
+            <p:ph type="title"/>
+          </p:nvPr>
+        </p:nvSpPr>
+        <p:spPr/>
+        <p:txBody>
+          <a:bodyPr/>
+          <a:lstStyle/>
+          <a:p>
+            <a:r>
+              <a:rPr lang="en-US" dirty="0" smtClean="0"/>
+              <a:t>Content: Day Recommended Agenda</a:t>
+            </a:r>
+            <a:endParaRPr lang="en-US" dirty="0"/>
+          </a:p>
+        </p:txBody>
+      </p:sp>
+      <p:sp>
+        <p:nvSpPr>
+          <p:cNvPr id="3" name="Content Placeholder 2"/>
+          <p:cNvSpPr>
+            <a:spLocks noGrp="1"/>
+          </p:cNvSpPr>
+          <p:nvPr>
+            <p:ph sz="half" idx="1"/>
+          </p:nvPr>
+        </p:nvSpPr>
+        <p:spPr>
+          <a:xfrm>
+            <a:off x="647700" y="2543175"/>
+            <a:ext cx="5181600" cy="2694860"/>
+          </a:xfrm>
+        </p:spPr>
+        <p:txBody>
+          <a:bodyPr>
+            <a:normAutofit/>
+          </a:bodyPr>
+          <a:lstStyle/>
+          <a:p>
+            <a:pPr marL="0" indent="0">
+              <a:buNone/>
+              <a:tabLst>
+                <a:tab pos="2403475" algn="l"/>
+              </a:tabLst>
+            </a:pPr>
+            <a:r>
+              <a:rPr lang="en-US" sz="2000" dirty="0" smtClean="0">
+                <a:latin typeface="Consolas" panose="020B0609020204030204" pitchFamily="49" charset="0"/>
+                <a:cs typeface="Consolas" panose="020B0609020204030204" pitchFamily="49" charset="0"/>
+              </a:rPr>
+              <a:t>09:30 – 10:00 | Setup</a:t>
+            </a:r>
+          </a:p>
+          <a:p>
+            <a:pPr marL="0" indent="0">
+              <a:buNone/>
+            </a:pPr>
+            <a:r>
+              <a:rPr lang="en-US" sz="2000" dirty="0" smtClean="0">
+                <a:latin typeface="Consolas" panose="020B0609020204030204" pitchFamily="49" charset="0"/>
+                <a:cs typeface="Consolas" panose="020B0609020204030204" pitchFamily="49" charset="0"/>
+              </a:rPr>
+              <a:t>10:00 – 11:00 | 1. Intro</a:t>
+            </a:r>
+          </a:p>
+          <a:p>
+            <a:pPr marL="0" indent="0">
+              <a:buNone/>
+            </a:pPr>
+            <a:r>
+              <a:rPr lang="en-US" sz="2000" dirty="0" smtClean="0">
+                <a:latin typeface="Consolas" panose="020B0609020204030204" pitchFamily="49" charset="0"/>
+                <a:cs typeface="Consolas" panose="020B0609020204030204" pitchFamily="49" charset="0"/>
+              </a:rPr>
+              <a:t>11:00 – 12:00 | 2. Adaptive UI</a:t>
+            </a:r>
+          </a:p>
+          <a:p>
+            <a:pPr marL="0" indent="0">
+              <a:buNone/>
+            </a:pPr>
+            <a:r>
+              <a:rPr lang="en-US" sz="2000" dirty="0" smtClean="0">
+                <a:latin typeface="Consolas" panose="020B0609020204030204" pitchFamily="49" charset="0"/>
+                <a:cs typeface="Consolas" panose="020B0609020204030204" pitchFamily="49" charset="0"/>
+              </a:rPr>
+              <a:t>12:00 – 12:30 | 3. Tiles</a:t>
+            </a:r>
+          </a:p>
+          <a:p>
+            <a:pPr marL="0" indent="0">
+              <a:buNone/>
+            </a:pPr>
+            <a:r>
+              <a:rPr lang="en-US" sz="2000" dirty="0" smtClean="0">
+                <a:latin typeface="Consolas" panose="020B0609020204030204" pitchFamily="49" charset="0"/>
+                <a:cs typeface="Consolas" panose="020B0609020204030204" pitchFamily="49" charset="0"/>
+              </a:rPr>
+              <a:t>12:30 – 01:30 | *Lunch*</a:t>
+            </a:r>
+          </a:p>
+        </p:txBody>
+      </p:sp>
+      <p:sp>
+        <p:nvSpPr>
+          <p:cNvPr id="4" name="Content Placeholder 3"/>
+          <p:cNvSpPr>
+            <a:spLocks noGrp="1"/>
+          </p:cNvSpPr>
+          <p:nvPr>
+            <p:ph sz="half" idx="2"/>
+          </p:nvPr>
+        </p:nvSpPr>
+        <p:spPr>
+          <a:xfrm>
+            <a:off x="6110287" y="2543175"/>
+            <a:ext cx="5819503" cy="2694860"/>
+          </a:xfrm>
+        </p:spPr>
+        <p:txBody>
+          <a:bodyPr>
+            <a:normAutofit/>
+          </a:bodyPr>
+          <a:lstStyle/>
+          <a:p>
+            <a:pPr marL="0" indent="0">
+              <a:buNone/>
+            </a:pPr>
+            <a:r>
+              <a:rPr lang="en-US" sz="2000" dirty="0">
+                <a:latin typeface="Consolas" panose="020B0609020204030204" pitchFamily="49" charset="0"/>
+                <a:cs typeface="Consolas" panose="020B0609020204030204" pitchFamily="49" charset="0"/>
+              </a:rPr>
+              <a:t>13:30 – 14:30 | 4. Edge / Web</a:t>
+            </a:r>
+          </a:p>
+          <a:p>
+            <a:pPr marL="0" indent="0">
+              <a:buNone/>
+            </a:pPr>
+            <a:r>
+              <a:rPr lang="en-US" sz="2000" dirty="0">
+                <a:latin typeface="Consolas" panose="020B0609020204030204" pitchFamily="49" charset="0"/>
+                <a:cs typeface="Consolas" panose="020B0609020204030204" pitchFamily="49" charset="0"/>
+              </a:rPr>
+              <a:t>14:30 – 15:30 | 5. Cloud</a:t>
+            </a:r>
+          </a:p>
+          <a:p>
+            <a:pPr marL="0" indent="0">
+              <a:buNone/>
+            </a:pPr>
+            <a:r>
+              <a:rPr lang="en-US" sz="2000" dirty="0">
+                <a:latin typeface="Consolas" panose="020B0609020204030204" pitchFamily="49" charset="0"/>
+                <a:cs typeface="Consolas" panose="020B0609020204030204" pitchFamily="49" charset="0"/>
+              </a:rPr>
+              <a:t>15:30 – 16:00 | *Break*</a:t>
+            </a:r>
+          </a:p>
+          <a:p>
+            <a:pPr marL="0" indent="0">
+              <a:buNone/>
+            </a:pPr>
+            <a:r>
+              <a:rPr lang="en-US" sz="2000" dirty="0" smtClean="0">
+                <a:latin typeface="Consolas" panose="020B0609020204030204" pitchFamily="49" charset="0"/>
+                <a:cs typeface="Consolas" panose="020B0609020204030204" pitchFamily="49" charset="0"/>
+              </a:rPr>
+              <a:t>16:00 – 17:00 | 6. MPC / </a:t>
+            </a:r>
+            <a:r>
+              <a:rPr lang="en-US" sz="2000" dirty="0" smtClean="0">
+                <a:latin typeface="Consolas" panose="020B0609020204030204" pitchFamily="49" charset="0"/>
+                <a:cs typeface="Consolas" panose="020B0609020204030204" pitchFamily="49" charset="0"/>
+              </a:rPr>
+              <a:t>(opt: App </a:t>
+            </a:r>
+            <a:r>
+              <a:rPr lang="en-US" sz="2000" dirty="0" err="1" smtClean="0">
+                <a:latin typeface="Consolas" panose="020B0609020204030204" pitchFamily="49" charset="0"/>
+                <a:cs typeface="Consolas" panose="020B0609020204030204" pitchFamily="49" charset="0"/>
+              </a:rPr>
+              <a:t>Svcs</a:t>
+            </a:r>
+            <a:r>
+              <a:rPr lang="en-US" sz="2000" dirty="0" smtClean="0">
+                <a:latin typeface="Consolas" panose="020B0609020204030204" pitchFamily="49" charset="0"/>
+                <a:cs typeface="Consolas" panose="020B0609020204030204" pitchFamily="49" charset="0"/>
+              </a:rPr>
+              <a:t>)</a:t>
+            </a:r>
+            <a:endParaRPr lang="en-US" sz="2000" dirty="0" smtClean="0">
+              <a:latin typeface="Consolas" panose="020B0609020204030204" pitchFamily="49" charset="0"/>
+              <a:cs typeface="Consolas" panose="020B0609020204030204" pitchFamily="49" charset="0"/>
+            </a:endParaRPr>
+          </a:p>
+          <a:p>
+            <a:pPr marL="0" indent="0">
+              <a:buNone/>
+            </a:pPr>
+            <a:r>
+              <a:rPr lang="en-US" sz="2000" dirty="0" smtClean="0">
+                <a:latin typeface="Consolas" panose="020B0609020204030204" pitchFamily="49" charset="0"/>
+                <a:cs typeface="Consolas" panose="020B0609020204030204" pitchFamily="49" charset="0"/>
+              </a:rPr>
+              <a:t>17:00 – 17:30 | 7. Store / $$</a:t>
+            </a:r>
+            <a:endParaRPr lang="en-US" sz="2000" dirty="0">
+              <a:latin typeface="Consolas" panose="020B0609020204030204" pitchFamily="49" charset="0"/>
+              <a:cs typeface="Consolas" panose="020B0609020204030204" pitchFamily="49" charset="0"/>
+            </a:endParaRPr>
+          </a:p>
+        </p:txBody>
+      </p:sp>
+    </p:spTree>
+    <p:extLst>
+      <p:ext uri="{BB962C8B-B14F-4D97-AF65-F5344CB8AC3E}">
+        <p14:creationId xmlns:p14="http://schemas.microsoft.com/office/powerpoint/2010/main" val="2060723929"/>
+      </p:ext>
+    </p:extLst>
+  </p:cSld>
+  <p:clrMapOvr>
+    <a:masterClrMapping/>
+  </p:clrMapOvr>
+  <p:timing>
+    <p:tnLst>
+      <p:par>
+        <p:cTn id="1" dur="indefinite" restart="never" nodeType="tmRoot"/>
+      </p:par>
+    </p:tnLst>
+  </p:timing>
+</p:sld>
+</file>
+
 <file path=ppt/slides/slide8.xml><?xml version="1.0" encoding="utf-8"?>
 <p:sld xmlns:a="http://schemas.openxmlformats.org/drawingml/2006/main" xmlns:r="http://schemas.openxmlformats.org/officeDocument/2006/relationships" xmlns:p="http://schemas.openxmlformats.org/presentationml/2006/main">
   <p:cSld>
@@ -7188,7 +7373,7 @@
           <a:p>
             <a:r>
               <a:rPr lang="en-US" dirty="0" smtClean="0"/>
-              <a:t>Content: Day Recommended Agenda</a:t>
+              <a:t>Module 1 | Introduction to Win 10 Dev | 60</a:t>
             </a:r>
             <a:endParaRPr lang="en-US" dirty="0"/>
           </a:p>
@@ -7204,30 +7389,25 @@
             <p:ph sz="half" idx="1"/>
           </p:nvPr>
         </p:nvSpPr>
-        <p:spPr>
-          <a:xfrm>
-            <a:off x="647700" y="2543175"/>
-            <a:ext cx="5181600" cy="2694860"/>
-          </a:xfrm>
-        </p:spPr>
+        <p:spPr/>
         <p:txBody>
           <a:bodyPr>
-            <a:normAutofit/>
+            <a:normAutofit lnSpcReduction="10000"/>
           </a:bodyPr>
           <a:lstStyle/>
           <a:p>
             <a:pPr marL="0" indent="0">
               <a:buNone/>
-              <a:tabLst>
-                <a:tab pos="2403475" algn="l"/>
-              </a:tabLst>
-            </a:pPr>
-            <a:r>
-              <a:rPr lang="en-US" sz="2000" dirty="0" smtClean="0">
-                <a:latin typeface="Consolas" panose="020B0609020204030204" pitchFamily="49" charset="0"/>
-                <a:cs typeface="Consolas" panose="020B0609020204030204" pitchFamily="49" charset="0"/>
-              </a:rPr>
-              <a:t>09:30 – 10:00 | Setup</a:t>
+            </a:pPr>
+            <a:r>
+              <a:rPr lang="en-US" dirty="0" smtClean="0"/>
+              <a:t>Lecture </a:t>
+            </a:r>
+          </a:p>
+          <a:p>
+            <a:r>
+              <a:rPr lang="en-US" dirty="0" smtClean="0"/>
+              <a:t>13 slides / 15 minutes (really just 6 intro slides)</a:t>
             </a:r>
           </a:p>
           <a:p>
@@ -7235,48 +7415,55 @@
               <a:buNone/>
             </a:pPr>
             <a:r>
-              <a:rPr lang="en-US" sz="2000" dirty="0" smtClean="0">
-                <a:latin typeface="Consolas" panose="020B0609020204030204" pitchFamily="49" charset="0"/>
-                <a:cs typeface="Consolas" panose="020B0609020204030204" pitchFamily="49" charset="0"/>
-              </a:rPr>
-              <a:t>10:00 – 11:00 | 1. Intro</a:t>
-            </a:r>
-          </a:p>
-          <a:p>
-            <a:pPr marL="0" indent="0">
-              <a:buNone/>
-            </a:pPr>
-            <a:r>
-              <a:rPr lang="en-US" sz="2000" dirty="0" smtClean="0">
-                <a:latin typeface="Consolas" panose="020B0609020204030204" pitchFamily="49" charset="0"/>
-                <a:cs typeface="Consolas" panose="020B0609020204030204" pitchFamily="49" charset="0"/>
-              </a:rPr>
-              <a:t>11:00 – 12:00 | 2. Adaptive UI</a:t>
-            </a:r>
-          </a:p>
-          <a:p>
-            <a:pPr marL="0" indent="0">
-              <a:buNone/>
-            </a:pPr>
-            <a:r>
-              <a:rPr lang="en-US" sz="2000" dirty="0" smtClean="0">
-                <a:latin typeface="Consolas" panose="020B0609020204030204" pitchFamily="49" charset="0"/>
-                <a:cs typeface="Consolas" panose="020B0609020204030204" pitchFamily="49" charset="0"/>
-              </a:rPr>
-              <a:t>12:00 – 12:30 | 3. Tiles</a:t>
-            </a:r>
-          </a:p>
-          <a:p>
-            <a:pPr marL="0" indent="0">
-              <a:buNone/>
-            </a:pPr>
-            <a:r>
-              <a:rPr lang="en-US" sz="2000" dirty="0" smtClean="0">
-                <a:latin typeface="Consolas" panose="020B0609020204030204" pitchFamily="49" charset="0"/>
-                <a:cs typeface="Consolas" panose="020B0609020204030204" pitchFamily="49" charset="0"/>
-              </a:rPr>
-              <a:t>12:30 – 01:30 | *Lunch*</a:t>
-            </a:r>
+              <a:rPr lang="en-US" dirty="0" smtClean="0"/>
+              <a:t>2 labs</a:t>
+            </a:r>
+          </a:p>
+          <a:p>
+            <a:r>
+              <a:rPr lang="en-US" dirty="0" smtClean="0"/>
+              <a:t>Hello UWP (</a:t>
+            </a:r>
+            <a:r>
+              <a:rPr lang="en-US" dirty="0" err="1" smtClean="0"/>
+              <a:t>inc.</a:t>
+            </a:r>
+            <a:r>
+              <a:rPr lang="en-US" dirty="0" smtClean="0"/>
+              <a:t> optional IOT deploy)</a:t>
+            </a:r>
+          </a:p>
+          <a:p>
+            <a:pPr lvl="1"/>
+            <a:r>
+              <a:rPr lang="en-US" dirty="0" smtClean="0"/>
+              <a:t>Getting started</a:t>
+            </a:r>
+          </a:p>
+          <a:p>
+            <a:pPr lvl="1"/>
+            <a:r>
+              <a:rPr lang="en-US" dirty="0" smtClean="0"/>
+              <a:t>Hello UWP across device</a:t>
+            </a:r>
+          </a:p>
+          <a:p>
+            <a:pPr lvl="1"/>
+            <a:r>
+              <a:rPr lang="en-US" dirty="0" smtClean="0"/>
+              <a:t>Hello UWP in Blend (opt)</a:t>
+            </a:r>
+            <a:endParaRPr lang="en-US" dirty="0" smtClean="0"/>
+          </a:p>
+          <a:p>
+            <a:r>
+              <a:rPr lang="en-US" dirty="0" smtClean="0"/>
+              <a:t>Page navigation and back</a:t>
+            </a:r>
+            <a:endParaRPr lang="en-US" dirty="0" smtClean="0"/>
+          </a:p>
+          <a:p>
+            <a:endParaRPr lang="en-US" dirty="0"/>
           </a:p>
         </p:txBody>
       </p:sp>
@@ -7290,15 +7477,10 @@
             <p:ph sz="half" idx="2"/>
           </p:nvPr>
         </p:nvSpPr>
-        <p:spPr>
-          <a:xfrm>
-            <a:off x="6110287" y="2543175"/>
-            <a:ext cx="5819503" cy="2694860"/>
-          </a:xfrm>
-        </p:spPr>
+        <p:spPr/>
         <p:txBody>
           <a:bodyPr>
-            <a:normAutofit/>
+            <a:normAutofit lnSpcReduction="10000"/>
           </a:bodyPr>
           <a:lstStyle/>
           <a:p>
@@ -7306,96 +7488,37 @@
               <a:buNone/>
             </a:pPr>
             <a:r>
-              <a:rPr lang="en-US" sz="2000" dirty="0">
-                <a:latin typeface="Consolas" panose="020B0609020204030204" pitchFamily="49" charset="0"/>
-                <a:cs typeface="Consolas" panose="020B0609020204030204" pitchFamily="49" charset="0"/>
-              </a:rPr>
-              <a:t>13:30 – 14:30 | 4. Edge / Web</a:t>
-            </a:r>
-          </a:p>
-          <a:p>
-            <a:pPr marL="0" indent="0">
-              <a:buNone/>
-            </a:pPr>
-            <a:r>
-              <a:rPr lang="en-US" sz="2000" dirty="0">
-                <a:latin typeface="Consolas" panose="020B0609020204030204" pitchFamily="49" charset="0"/>
-                <a:cs typeface="Consolas" panose="020B0609020204030204" pitchFamily="49" charset="0"/>
-              </a:rPr>
-              <a:t>14:30 – 15:30 | 5. Cloud</a:t>
-            </a:r>
-          </a:p>
-          <a:p>
-            <a:pPr marL="0" indent="0">
-              <a:buNone/>
-            </a:pPr>
-            <a:r>
-              <a:rPr lang="en-US" sz="2000" dirty="0">
-                <a:latin typeface="Consolas" panose="020B0609020204030204" pitchFamily="49" charset="0"/>
-                <a:cs typeface="Consolas" panose="020B0609020204030204" pitchFamily="49" charset="0"/>
-              </a:rPr>
-              <a:t>15:30 – 16:00 | *Break*</a:t>
-            </a:r>
-          </a:p>
-          <a:p>
-            <a:pPr marL="0" indent="0">
-              <a:buNone/>
-            </a:pPr>
-            <a:r>
-              <a:rPr lang="en-US" sz="2000" dirty="0" smtClean="0">
-                <a:latin typeface="Consolas" panose="020B0609020204030204" pitchFamily="49" charset="0"/>
-                <a:cs typeface="Consolas" panose="020B0609020204030204" pitchFamily="49" charset="0"/>
-              </a:rPr>
-              <a:t>16:00 – 17:00 | 6. MPC / </a:t>
-            </a:r>
-            <a:r>
-              <a:rPr lang="en-US" sz="2000" dirty="0" smtClean="0">
-                <a:latin typeface="Consolas" panose="020B0609020204030204" pitchFamily="49" charset="0"/>
-                <a:cs typeface="Consolas" panose="020B0609020204030204" pitchFamily="49" charset="0"/>
-              </a:rPr>
-              <a:t>(opt: App </a:t>
-            </a:r>
-            <a:r>
-              <a:rPr lang="en-US" sz="2000" dirty="0" err="1" smtClean="0">
-                <a:latin typeface="Consolas" panose="020B0609020204030204" pitchFamily="49" charset="0"/>
-                <a:cs typeface="Consolas" panose="020B0609020204030204" pitchFamily="49" charset="0"/>
-              </a:rPr>
-              <a:t>Svcs</a:t>
-            </a:r>
-            <a:r>
-              <a:rPr lang="en-US" sz="2000" dirty="0" smtClean="0">
-                <a:latin typeface="Consolas" panose="020B0609020204030204" pitchFamily="49" charset="0"/>
-                <a:cs typeface="Consolas" panose="020B0609020204030204" pitchFamily="49" charset="0"/>
-              </a:rPr>
-              <a:t>)</a:t>
-            </a:r>
-            <a:endParaRPr lang="en-US" sz="2000" dirty="0" smtClean="0">
-              <a:latin typeface="Consolas" panose="020B0609020204030204" pitchFamily="49" charset="0"/>
-              <a:cs typeface="Consolas" panose="020B0609020204030204" pitchFamily="49" charset="0"/>
-            </a:endParaRPr>
-          </a:p>
-          <a:p>
-            <a:pPr marL="0" indent="0">
-              <a:buNone/>
-            </a:pPr>
-            <a:r>
-              <a:rPr lang="en-US" sz="2000" dirty="0" smtClean="0">
-                <a:latin typeface="Consolas" panose="020B0609020204030204" pitchFamily="49" charset="0"/>
-                <a:cs typeface="Consolas" panose="020B0609020204030204" pitchFamily="49" charset="0"/>
-              </a:rPr>
-              <a:t>17:00 – 17:30 | 7. Store / $$</a:t>
-            </a:r>
-            <a:endParaRPr lang="en-US" sz="2000" dirty="0">
-              <a:latin typeface="Consolas" panose="020B0609020204030204" pitchFamily="49" charset="0"/>
-              <a:cs typeface="Consolas" panose="020B0609020204030204" pitchFamily="49" charset="0"/>
-            </a:endParaRPr>
+              <a:rPr lang="en-US" dirty="0" smtClean="0"/>
+              <a:t>Objectives</a:t>
+            </a:r>
+          </a:p>
+          <a:p>
+            <a:r>
+              <a:rPr lang="en-US" dirty="0" smtClean="0"/>
+              <a:t>Lay the foundation on the purpose of the UWP and how it solves an enormous problem</a:t>
+            </a:r>
+          </a:p>
+          <a:p>
+            <a:r>
+              <a:rPr lang="en-US" dirty="0" smtClean="0"/>
+              <a:t>Leverage page </a:t>
+            </a:r>
+            <a:r>
+              <a:rPr lang="en-US" dirty="0" err="1" smtClean="0"/>
+              <a:t>nav</a:t>
+            </a:r>
+            <a:r>
+              <a:rPr lang="en-US" dirty="0" smtClean="0"/>
+              <a:t> to demonstrate how one type of functionality can manifest different device types</a:t>
+            </a:r>
+            <a:endParaRPr lang="en-US" dirty="0"/>
           </a:p>
         </p:txBody>
       </p:sp>
     </p:spTree>
     <p:extLst>
       <p:ext uri="{BB962C8B-B14F-4D97-AF65-F5344CB8AC3E}">
-        <p14:creationId xmlns:p14="http://schemas.microsoft.com/office/powerpoint/2010/main" val="2060723929"/>
+        <p14:creationId xmlns:p14="http://schemas.microsoft.com/office/powerpoint/2010/main" val="750969378"/>
       </p:ext>
     </p:extLst>
   </p:cSld>
@@ -7446,7 +7569,7 @@
           <a:p>
             <a:r>
               <a:rPr lang="en-US" dirty="0" smtClean="0"/>
-              <a:t>Module 1 | Introduction to Win 10 Dev | 60</a:t>
+              <a:t>Module 2 | Adaptive UI | 60 </a:t>
             </a:r>
             <a:endParaRPr lang="en-US" dirty="0"/>
           </a:p>
@@ -7464,9 +7587,7 @@
         </p:nvSpPr>
         <p:spPr/>
         <p:txBody>
-          <a:bodyPr>
-            <a:normAutofit lnSpcReduction="10000"/>
-          </a:bodyPr>
+          <a:bodyPr/>
           <a:lstStyle/>
           <a:p>
             <a:pPr marL="0" indent="0">
@@ -7474,13 +7595,13 @@
             </a:pPr>
             <a:r>
               <a:rPr lang="en-US" dirty="0" smtClean="0"/>
-              <a:t>Lecture </a:t>
-            </a:r>
-          </a:p>
-          <a:p>
-            <a:r>
-              <a:rPr lang="en-US" dirty="0" smtClean="0"/>
-              <a:t>13 slides / 15 minutes (really just 6 intro slides)</a:t>
+              <a:t>Lecture</a:t>
+            </a:r>
+          </a:p>
+          <a:p>
+            <a:r>
+              <a:rPr lang="en-US" dirty="0" smtClean="0"/>
+              <a:t>15 slides / 15 minutes</a:t>
             </a:r>
           </a:p>
           <a:p>
@@ -7489,53 +7610,44 @@
             </a:pPr>
             <a:r>
               <a:rPr lang="en-US" dirty="0" smtClean="0"/>
-              <a:t>2 labs</a:t>
-            </a:r>
-          </a:p>
-          <a:p>
-            <a:r>
-              <a:rPr lang="en-US" dirty="0" smtClean="0"/>
-              <a:t>Hello UWP (</a:t>
+              <a:t>1 demo, (calculator)</a:t>
+            </a:r>
+          </a:p>
+          <a:p>
+            <a:pPr marL="0" indent="0">
+              <a:buNone/>
+            </a:pPr>
+            <a:r>
+              <a:rPr lang="en-US" dirty="0" smtClean="0"/>
+              <a:t>1 lab (building adaptive UI)</a:t>
+            </a:r>
+          </a:p>
+          <a:p>
+            <a:r>
+              <a:rPr lang="en-US" dirty="0" smtClean="0"/>
+              <a:t>Evolve a fixed UI to adaptive (basic VSM)</a:t>
+            </a:r>
+          </a:p>
+          <a:p>
+            <a:r>
+              <a:rPr lang="en-US" dirty="0" smtClean="0"/>
+              <a:t>Leverage </a:t>
             </a:r>
             <a:r>
               <a:rPr lang="en-US" dirty="0" err="1" smtClean="0"/>
-              <a:t>inc.</a:t>
-            </a:r>
-            <a:r>
-              <a:rPr lang="en-US" dirty="0" smtClean="0"/>
-              <a:t> optional IOT deploy)</a:t>
-            </a:r>
+              <a:t>RelativePanel</a:t>
+            </a:r>
+            <a:endParaRPr lang="en-US" dirty="0" smtClean="0"/>
+          </a:p>
+          <a:p>
+            <a:r>
+              <a:rPr lang="en-US" dirty="0" smtClean="0"/>
+              <a:t>Build alternate XAML views</a:t>
+            </a:r>
+            <a:endParaRPr lang="en-US" dirty="0" smtClean="0"/>
           </a:p>
           <a:p>
             <a:pPr lvl="1"/>
-            <a:r>
-              <a:rPr lang="en-US" dirty="0" smtClean="0"/>
-              <a:t>Getting started</a:t>
-            </a:r>
-          </a:p>
-          <a:p>
-            <a:pPr lvl="1"/>
-            <a:r>
-              <a:rPr lang="en-US" dirty="0" smtClean="0"/>
-              <a:t>Hello UWP across device</a:t>
-            </a:r>
-          </a:p>
-          <a:p>
-            <a:pPr lvl="1"/>
-            <a:r>
-              <a:rPr lang="en-US" dirty="0" smtClean="0"/>
-              <a:t>Hello UWP in Blend (opt)</a:t>
-            </a:r>
-            <a:endParaRPr lang="en-US" dirty="0" smtClean="0"/>
-          </a:p>
-          <a:p>
-            <a:r>
-              <a:rPr lang="en-US" dirty="0" smtClean="0"/>
-              <a:t>Page navigation and back</a:t>
-            </a:r>
-            <a:endParaRPr lang="en-US" dirty="0" smtClean="0"/>
-          </a:p>
-          <a:p>
             <a:endParaRPr lang="en-US" dirty="0"/>
           </a:p>
         </p:txBody>
@@ -7552,9 +7664,7 @@
         </p:nvSpPr>
         <p:spPr/>
         <p:txBody>
-          <a:bodyPr>
-            <a:normAutofit lnSpcReduction="10000"/>
-          </a:bodyPr>
+          <a:bodyPr/>
           <a:lstStyle/>
           <a:p>
             <a:pPr marL="0" indent="0">
@@ -7568,21 +7678,13 @@
           <a:p>
             <a:r>
               <a:rPr lang="en-US" dirty="0" smtClean="0"/>
-              <a:t>Lay the foundation on the purpose of the UWP and how it solves an enormous problem</a:t>
-            </a:r>
-          </a:p>
-          <a:p>
-            <a:r>
-              <a:rPr lang="en-US" dirty="0" smtClean="0"/>
-              <a:t>Leverage page </a:t>
-            </a:r>
-            <a:r>
-              <a:rPr lang="en-US" dirty="0" err="1" smtClean="0"/>
-              <a:t>nav</a:t>
-            </a:r>
-            <a:r>
-              <a:rPr lang="en-US" dirty="0" smtClean="0"/>
-              <a:t> to demonstrate how one type of functionality can manifest different device types</a:t>
+              <a:t>Introduce adaptive UI principles, scaling, effective pixels, basic design techniques, Visual State Manager, etc.</a:t>
+            </a:r>
+          </a:p>
+          <a:p>
+            <a:r>
+              <a:rPr lang="en-US" dirty="0" smtClean="0"/>
+              <a:t>Walk through how to build a page that adapts to different screen sizes and resolutions</a:t>
             </a:r>
             <a:endParaRPr lang="en-US" dirty="0"/>
           </a:p>
@@ -7591,7 +7693,7 @@
     </p:spTree>
     <p:extLst>
       <p:ext uri="{BB962C8B-B14F-4D97-AF65-F5344CB8AC3E}">
-        <p14:creationId xmlns:p14="http://schemas.microsoft.com/office/powerpoint/2010/main" val="750969378"/>
+        <p14:creationId xmlns:p14="http://schemas.microsoft.com/office/powerpoint/2010/main" val="3658416285"/>
       </p:ext>
     </p:extLst>
   </p:cSld>

--- a/10.08.15.Train the Trainer.pptx
+++ b/10.08.15.Train the Trainer.pptx
@@ -224,7 +224,7 @@
           <a:p>
             <a:fld id="{8B5F1179-C192-4129-9C72-55BF674BB590}" type="datetimeFigureOut">
               <a:rPr lang="en-US" smtClean="0"/>
-              <a:t>10/7/2015</a:t>
+              <a:t>10/8/2015</a:t>
             </a:fld>
             <a:endParaRPr lang="en-US"/>
           </a:p>
@@ -2604,21 +2604,9 @@
   <p:cSld>
     <p:bg>
       <p:bgPr>
-        <a:gradFill flip="none" rotWithShape="1">
-          <a:gsLst>
-            <a:gs pos="0">
-              <a:schemeClr val="accent1">
-                <a:lumMod val="5000"/>
-                <a:lumOff val="95000"/>
-              </a:schemeClr>
-            </a:gs>
-            <a:gs pos="100000">
-              <a:schemeClr val="accent3"/>
-            </a:gs>
-          </a:gsLst>
-          <a:lin ang="2700000" scaled="1"/>
-          <a:tileRect/>
-        </a:gradFill>
+        <a:solidFill>
+          <a:schemeClr val="tx2"/>
+        </a:solidFill>
         <a:effectLst/>
       </p:bgPr>
     </p:bg>
@@ -2763,7 +2751,7 @@
         <a:buNone/>
         <a:defRPr sz="4400" kern="1200">
           <a:solidFill>
-            <a:schemeClr val="tx1"/>
+            <a:schemeClr val="bg1"/>
           </a:solidFill>
           <a:latin typeface="+mj-lt"/>
           <a:ea typeface="+mj-ea"/>
@@ -2783,7 +2771,7 @@
         <a:buChar char="•"/>
         <a:defRPr sz="2800" kern="1200">
           <a:solidFill>
-            <a:schemeClr val="tx1"/>
+            <a:schemeClr val="bg1"/>
           </a:solidFill>
           <a:latin typeface="+mn-lt"/>
           <a:ea typeface="+mn-ea"/>
@@ -2801,7 +2789,7 @@
         <a:buChar char="•"/>
         <a:defRPr sz="2400" kern="1200">
           <a:solidFill>
-            <a:schemeClr val="tx1"/>
+            <a:schemeClr val="bg1"/>
           </a:solidFill>
           <a:latin typeface="+mn-lt"/>
           <a:ea typeface="+mn-ea"/>
@@ -2819,7 +2807,7 @@
         <a:buChar char="•"/>
         <a:defRPr sz="2000" kern="1200">
           <a:solidFill>
-            <a:schemeClr val="tx1"/>
+            <a:schemeClr val="bg1"/>
           </a:solidFill>
           <a:latin typeface="+mn-lt"/>
           <a:ea typeface="+mn-ea"/>
@@ -2837,7 +2825,7 @@
         <a:buChar char="•"/>
         <a:defRPr sz="1800" kern="1200">
           <a:solidFill>
-            <a:schemeClr val="tx1"/>
+            <a:schemeClr val="bg1"/>
           </a:solidFill>
           <a:latin typeface="+mn-lt"/>
           <a:ea typeface="+mn-ea"/>
@@ -2855,7 +2843,7 @@
         <a:buChar char="•"/>
         <a:defRPr sz="1800" kern="1200">
           <a:solidFill>
-            <a:schemeClr val="tx1"/>
+            <a:schemeClr val="bg1"/>
           </a:solidFill>
           <a:latin typeface="+mn-lt"/>
           <a:ea typeface="+mn-ea"/>
@@ -3318,7 +3306,6 @@
               <a:rPr lang="en-US" dirty="0" smtClean="0"/>
               <a:t>Interactive Toast (You might need to cut this one)</a:t>
             </a:r>
-            <a:endParaRPr lang="en-US" dirty="0" smtClean="0"/>
           </a:p>
           <a:p>
             <a:pPr marL="0" indent="0">
@@ -3520,7 +3507,6 @@
               <a:rPr lang="en-US" dirty="0" smtClean="0"/>
               <a:t> (Optional)</a:t>
             </a:r>
-            <a:endParaRPr lang="en-US" dirty="0" smtClean="0"/>
           </a:p>
           <a:p>
             <a:endParaRPr lang="en-US" dirty="0"/>
@@ -5285,17 +5271,8 @@
           <a:p>
             <a:r>
               <a:rPr lang="en-US" dirty="0" smtClean="0"/>
-              <a:t>Follow </a:t>
-            </a:r>
-            <a:r>
-              <a:rPr lang="en-US" dirty="0" smtClean="0"/>
-              <a:t>through on our UWP developer </a:t>
-            </a:r>
-            <a:r>
-              <a:rPr lang="en-US" dirty="0" smtClean="0"/>
-              <a:t>story; Demonstrate the reality of what developers can achieve</a:t>
-            </a:r>
-            <a:endParaRPr lang="en-US" dirty="0" smtClean="0"/>
+              <a:t>Follow through on our UWP developer story; Demonstrate the reality of what developers can achieve</a:t>
+            </a:r>
           </a:p>
           <a:p>
             <a:pPr marL="0" indent="0">
@@ -5327,11 +5304,7 @@
           <a:p>
             <a:r>
               <a:rPr lang="en-US" dirty="0" smtClean="0"/>
-              <a:t>Provide baseline education for delivering reasonable UWP </a:t>
-            </a:r>
-            <a:r>
-              <a:rPr lang="en-US" dirty="0" smtClean="0"/>
-              <a:t>app</a:t>
+              <a:t>Provide baseline education for delivering reasonable UWP app</a:t>
             </a:r>
           </a:p>
           <a:p>
@@ -6195,11 +6168,7 @@
           <a:p>
             <a:r>
               <a:rPr lang="en-US" dirty="0" smtClean="0"/>
-              <a:t>1 </a:t>
-            </a:r>
-            <a:r>
-              <a:rPr lang="en-US" dirty="0" smtClean="0"/>
-              <a:t>proctor per 20 attendees</a:t>
+              <a:t>1 proctor per 20 attendees</a:t>
             </a:r>
           </a:p>
           <a:p>
@@ -6238,13 +6207,8 @@
             <a:pPr lvl="1"/>
             <a:r>
               <a:rPr lang="en-US" dirty="0" smtClean="0"/>
-              <a:t>Windows </a:t>
-            </a:r>
-            <a:r>
-              <a:rPr lang="en-US" dirty="0" smtClean="0"/>
-              <a:t>10 Pro or higher</a:t>
-            </a:r>
-            <a:endParaRPr lang="en-US" dirty="0" smtClean="0"/>
+              <a:t>Windows 10 Pro or higher</a:t>
+            </a:r>
           </a:p>
           <a:p>
             <a:pPr lvl="1"/>
@@ -6281,11 +6245,7 @@
             </a:r>
             <a:r>
               <a:rPr lang="en-US" dirty="0" smtClean="0"/>
-              <a:t> </a:t>
-            </a:r>
-            <a:r>
-              <a:rPr lang="en-US" dirty="0" smtClean="0"/>
-              <a:t>(Optional)</a:t>
+              <a:t> (Optional)</a:t>
             </a:r>
           </a:p>
           <a:p>
@@ -6294,7 +6254,6 @@
               <a:rPr lang="en-US" dirty="0" smtClean="0"/>
               <a:t>Stylus</a:t>
             </a:r>
-            <a:endParaRPr lang="en-US" dirty="0" smtClean="0"/>
           </a:p>
         </p:txBody>
       </p:sp>
@@ -7273,14 +7232,7 @@
                 <a:latin typeface="Consolas" panose="020B0609020204030204" pitchFamily="49" charset="0"/>
                 <a:cs typeface="Consolas" panose="020B0609020204030204" pitchFamily="49" charset="0"/>
               </a:rPr>
-              <a:t>16:00 – 17:00 | 6. MPC / </a:t>
-            </a:r>
-            <a:r>
-              <a:rPr lang="en-US" sz="2000" dirty="0" smtClean="0">
-                <a:latin typeface="Consolas" panose="020B0609020204030204" pitchFamily="49" charset="0"/>
-                <a:cs typeface="Consolas" panose="020B0609020204030204" pitchFamily="49" charset="0"/>
-              </a:rPr>
-              <a:t>(opt: App </a:t>
+              <a:t>16:00 – 17:00 | 6. MPC / (opt: App </a:t>
             </a:r>
             <a:r>
               <a:rPr lang="en-US" sz="2000" dirty="0" err="1" smtClean="0">
@@ -7296,10 +7248,6 @@
               </a:rPr>
               <a:t>)</a:t>
             </a:r>
-            <a:endParaRPr lang="en-US" sz="2000" dirty="0" smtClean="0">
-              <a:latin typeface="Consolas" panose="020B0609020204030204" pitchFamily="49" charset="0"/>
-              <a:cs typeface="Consolas" panose="020B0609020204030204" pitchFamily="49" charset="0"/>
-            </a:endParaRPr>
           </a:p>
           <a:p>
             <a:pPr marL="0" indent="0">
@@ -7453,14 +7401,12 @@
               <a:rPr lang="en-US" dirty="0" smtClean="0"/>
               <a:t>Hello UWP in Blend (opt)</a:t>
             </a:r>
-            <a:endParaRPr lang="en-US" dirty="0" smtClean="0"/>
           </a:p>
           <a:p>
             <a:r>
               <a:rPr lang="en-US" dirty="0" smtClean="0"/>
               <a:t>Page navigation and back</a:t>
             </a:r>
-            <a:endParaRPr lang="en-US" dirty="0" smtClean="0"/>
           </a:p>
           <a:p>
             <a:endParaRPr lang="en-US" dirty="0"/>
@@ -7644,7 +7590,6 @@
               <a:rPr lang="en-US" dirty="0" smtClean="0"/>
               <a:t>Build alternate XAML views</a:t>
             </a:r>
-            <a:endParaRPr lang="en-US" dirty="0" smtClean="0"/>
           </a:p>
           <a:p>
             <a:pPr lvl="1"/>

--- a/10.08.15.Train the Trainer.pptx
+++ b/10.08.15.Train the Trainer.pptx
@@ -3198,9 +3198,14 @@
   <p:clrMapOvr>
     <a:masterClrMapping/>
   </p:clrMapOvr>
-  <p:transition spd="slow">
-    <p:wipe/>
-  </p:transition>
+  <mc:AlternateContent xmlns:mc="http://schemas.openxmlformats.org/markup-compatibility/2006">
+    <mc:Choice xmlns:p14="http://schemas.microsoft.com/office/powerpoint/2010/main" Requires="p14">
+      <p:transition p14:dur="0"/>
+    </mc:Choice>
+    <mc:Fallback>
+      <p:transition/>
+    </mc:Fallback>
+  </mc:AlternateContent>
   <p:timing>
     <p:tnLst>
       <p:par>
@@ -3393,6 +3398,14 @@
   <p:clrMapOvr>
     <a:masterClrMapping/>
   </p:clrMapOvr>
+  <mc:AlternateContent xmlns:mc="http://schemas.openxmlformats.org/markup-compatibility/2006">
+    <mc:Choice xmlns:p14="http://schemas.microsoft.com/office/powerpoint/2010/main" Requires="p14">
+      <p:transition p14:dur="0"/>
+    </mc:Choice>
+    <mc:Fallback>
+      <p:transition/>
+    </mc:Fallback>
+  </mc:AlternateContent>
   <p:timing>
     <p:tnLst>
       <p:par>
@@ -3585,6 +3598,14 @@
   <p:clrMapOvr>
     <a:masterClrMapping/>
   </p:clrMapOvr>
+  <mc:AlternateContent xmlns:mc="http://schemas.openxmlformats.org/markup-compatibility/2006">
+    <mc:Choice xmlns:p14="http://schemas.microsoft.com/office/powerpoint/2010/main" Requires="p14">
+      <p:transition p14:dur="0"/>
+    </mc:Choice>
+    <mc:Fallback>
+      <p:transition/>
+    </mc:Fallback>
+  </mc:AlternateContent>
   <p:timing>
     <p:tnLst>
       <p:par>
@@ -3783,6 +3804,14 @@
   <p:clrMapOvr>
     <a:masterClrMapping/>
   </p:clrMapOvr>
+  <mc:AlternateContent xmlns:mc="http://schemas.openxmlformats.org/markup-compatibility/2006">
+    <mc:Choice xmlns:p14="http://schemas.microsoft.com/office/powerpoint/2010/main" Requires="p14">
+      <p:transition p14:dur="0"/>
+    </mc:Choice>
+    <mc:Fallback>
+      <p:transition/>
+    </mc:Fallback>
+  </mc:AlternateContent>
   <p:timing>
     <p:tnLst>
       <p:par>
@@ -3856,7 +3885,7 @@
         </p:spPr>
         <p:txBody>
           <a:bodyPr>
-            <a:normAutofit fontScale="85000" lnSpcReduction="20000"/>
+            <a:normAutofit fontScale="92500" lnSpcReduction="20000"/>
           </a:bodyPr>
           <a:lstStyle/>
           <a:p>
@@ -3966,6 +3995,14 @@
   <p:clrMapOvr>
     <a:masterClrMapping/>
   </p:clrMapOvr>
+  <mc:AlternateContent xmlns:mc="http://schemas.openxmlformats.org/markup-compatibility/2006">
+    <mc:Choice xmlns:p14="http://schemas.microsoft.com/office/powerpoint/2010/main" Requires="p14">
+      <p:transition p14:dur="0"/>
+    </mc:Choice>
+    <mc:Fallback>
+      <p:transition/>
+    </mc:Fallback>
+  </mc:AlternateContent>
   <p:timing>
     <p:tnLst>
       <p:par>
@@ -4182,6 +4219,14 @@
   <p:clrMapOvr>
     <a:masterClrMapping/>
   </p:clrMapOvr>
+  <mc:AlternateContent xmlns:mc="http://schemas.openxmlformats.org/markup-compatibility/2006">
+    <mc:Choice xmlns:p14="http://schemas.microsoft.com/office/powerpoint/2010/main" Requires="p14">
+      <p:transition p14:dur="0"/>
+    </mc:Choice>
+    <mc:Fallback>
+      <p:transition/>
+    </mc:Fallback>
+  </mc:AlternateContent>
   <p:timing>
     <p:tnLst>
       <p:par>
@@ -4252,7 +4297,7 @@
         <p:spPr/>
         <p:txBody>
           <a:bodyPr>
-            <a:normAutofit fontScale="92500" lnSpcReduction="20000"/>
+            <a:normAutofit lnSpcReduction="10000"/>
           </a:bodyPr>
           <a:lstStyle/>
           <a:p>
@@ -4322,7 +4367,7 @@
         <p:spPr/>
         <p:txBody>
           <a:bodyPr>
-            <a:normAutofit fontScale="92500" lnSpcReduction="20000"/>
+            <a:normAutofit lnSpcReduction="10000"/>
           </a:bodyPr>
           <a:lstStyle/>
           <a:p>
@@ -4377,6 +4422,14 @@
   <p:clrMapOvr>
     <a:masterClrMapping/>
   </p:clrMapOvr>
+  <mc:AlternateContent xmlns:mc="http://schemas.openxmlformats.org/markup-compatibility/2006">
+    <mc:Choice xmlns:p14="http://schemas.microsoft.com/office/powerpoint/2010/main" Requires="p14">
+      <p:transition p14:dur="0"/>
+    </mc:Choice>
+    <mc:Fallback>
+      <p:transition/>
+    </mc:Fallback>
+  </mc:AlternateContent>
   <p:timing>
     <p:tnLst>
       <p:par>
@@ -4519,6 +4572,14 @@
   <p:clrMapOvr>
     <a:masterClrMapping/>
   </p:clrMapOvr>
+  <mc:AlternateContent xmlns:mc="http://schemas.openxmlformats.org/markup-compatibility/2006">
+    <mc:Choice xmlns:p14="http://schemas.microsoft.com/office/powerpoint/2010/main" Requires="p14">
+      <p:transition p14:dur="0"/>
+    </mc:Choice>
+    <mc:Fallback>
+      <p:transition/>
+    </mc:Fallback>
+  </mc:AlternateContent>
   <p:timing>
     <p:tnLst>
       <p:par>
@@ -4617,6 +4678,21 @@
   <p:clrMapOvr>
     <a:masterClrMapping/>
   </p:clrMapOvr>
+  <mc:AlternateContent xmlns:mc="http://schemas.openxmlformats.org/markup-compatibility/2006">
+    <mc:Choice xmlns:p14="http://schemas.microsoft.com/office/powerpoint/2010/main" Requires="p14">
+      <p:transition p14:dur="0"/>
+    </mc:Choice>
+    <mc:Fallback>
+      <p:transition/>
+    </mc:Fallback>
+  </mc:AlternateContent>
+  <p:timing>
+    <p:tnLst>
+      <p:par>
+        <p:cTn id="1" dur="indefinite" restart="never" nodeType="tmRoot"/>
+      </p:par>
+    </p:tnLst>
+  </p:timing>
 </p:sld>
 </file>
 
@@ -4673,7 +4749,7 @@
         <p:spPr/>
         <p:txBody>
           <a:bodyPr>
-            <a:normAutofit lnSpcReduction="10000"/>
+            <a:normAutofit/>
           </a:bodyPr>
           <a:lstStyle/>
           <a:p>
@@ -4736,31 +4812,33 @@
         <p:spPr/>
         <p:txBody>
           <a:bodyPr>
-            <a:normAutofit lnSpcReduction="10000"/>
+            <a:normAutofit/>
           </a:bodyPr>
           <a:lstStyle/>
           <a:p>
+            <a:pPr marL="0" indent="0">
+              <a:buNone/>
+            </a:pPr>
+            <a:r>
+              <a:rPr lang="en-US" dirty="0" smtClean="0"/>
+              <a:t>NOTE</a:t>
+            </a:r>
+            <a:endParaRPr lang="en-US" dirty="0" smtClean="0"/>
+          </a:p>
+          <a:p>
             <a:r>
               <a:rPr lang="en-US" dirty="0" smtClean="0"/>
               <a:t>There are somethings listed specifically as ‘optional’</a:t>
             </a:r>
           </a:p>
           <a:p>
-            <a:endParaRPr lang="en-US" dirty="0"/>
-          </a:p>
-          <a:p>
-            <a:pPr marL="0" indent="0">
-              <a:buNone/>
-            </a:pPr>
-            <a:r>
-              <a:rPr lang="en-US" dirty="0" smtClean="0"/>
-              <a:t>NOTE</a:t>
-            </a:r>
-          </a:p>
-          <a:p>
-            <a:r>
-              <a:rPr lang="en-US" dirty="0" smtClean="0"/>
-              <a:t>Content is _mostly_ functionally complete, but still some work in progress</a:t>
+            <a:r>
+              <a:rPr lang="en-US" dirty="0" smtClean="0"/>
+              <a:t>Content </a:t>
+            </a:r>
+            <a:r>
+              <a:rPr lang="en-US" dirty="0" smtClean="0"/>
+              <a:t>is _mostly_ functionally complete, but still some work in progress</a:t>
             </a:r>
           </a:p>
           <a:p>
@@ -4791,6 +4869,14 @@
   <p:clrMapOvr>
     <a:masterClrMapping/>
   </p:clrMapOvr>
+  <mc:AlternateContent xmlns:mc="http://schemas.openxmlformats.org/markup-compatibility/2006">
+    <mc:Choice xmlns:p14="http://schemas.microsoft.com/office/powerpoint/2010/main" Requires="p14">
+      <p:transition p14:dur="0"/>
+    </mc:Choice>
+    <mc:Fallback>
+      <p:transition/>
+    </mc:Fallback>
+  </mc:AlternateContent>
   <p:timing>
     <p:tnLst>
       <p:par>
@@ -4812,7 +4898,7 @@
                             </p:stCondLst>
                             <p:childTnLst>
                               <p:par>
-                                <p:cTn id="5" presetID="22" presetClass="entr" presetSubtype="4" fill="hold" grpId="0" nodeType="clickEffect">
+                                <p:cTn id="5" presetID="22" presetClass="entr" presetSubtype="1" fill="hold" grpId="0" nodeType="clickEffect">
                                   <p:stCondLst>
                                     <p:cond delay="0"/>
                                   </p:stCondLst>
@@ -4839,7 +4925,7 @@
                                         <p:strVal val="visible"/>
                                       </p:to>
                                     </p:set>
-                                    <p:animEffect transition="in" filter="wipe(down)">
+                                    <p:animEffect transition="in" filter="wipe(up)">
                                       <p:cBhvr>
                                         <p:cTn id="7" dur="500"/>
                                         <p:tgtEl>
@@ -4873,7 +4959,7 @@
                             </p:stCondLst>
                             <p:childTnLst>
                               <p:par>
-                                <p:cTn id="10" presetID="22" presetClass="entr" presetSubtype="4" fill="hold" grpId="0" nodeType="clickEffect">
+                                <p:cTn id="10" presetID="22" presetClass="entr" presetSubtype="1" fill="hold" grpId="0" nodeType="clickEffect">
                                   <p:stCondLst>
                                     <p:cond delay="0"/>
                                   </p:stCondLst>
@@ -4900,7 +4986,7 @@
                                         <p:strVal val="visible"/>
                                       </p:to>
                                     </p:set>
-                                    <p:animEffect transition="in" filter="wipe(down)">
+                                    <p:animEffect transition="in" filter="wipe(up)">
                                       <p:cBhvr>
                                         <p:cTn id="12" dur="500"/>
                                         <p:tgtEl>
@@ -4934,7 +5020,7 @@
                             </p:stCondLst>
                             <p:childTnLst>
                               <p:par>
-                                <p:cTn id="15" presetID="22" presetClass="entr" presetSubtype="4" fill="hold" grpId="0" nodeType="clickEffect">
+                                <p:cTn id="15" presetID="22" presetClass="entr" presetSubtype="1" fill="hold" grpId="0" nodeType="clickEffect">
                                   <p:stCondLst>
                                     <p:cond delay="0"/>
                                   </p:stCondLst>
@@ -4961,7 +5047,7 @@
                                         <p:strVal val="visible"/>
                                       </p:to>
                                     </p:set>
-                                    <p:animEffect transition="in" filter="wipe(down)">
+                                    <p:animEffect transition="in" filter="wipe(up)">
                                       <p:cBhvr>
                                         <p:cTn id="17" dur="500"/>
                                         <p:tgtEl>
@@ -4977,7 +5063,7 @@
                                 </p:cTn>
                               </p:par>
                               <p:par>
-                                <p:cTn id="18" presetID="22" presetClass="entr" presetSubtype="4" fill="hold" grpId="0" nodeType="withEffect">
+                                <p:cTn id="18" presetID="22" presetClass="entr" presetSubtype="1" fill="hold" grpId="0" nodeType="withEffect">
                                   <p:stCondLst>
                                     <p:cond delay="0"/>
                                   </p:stCondLst>
@@ -5004,7 +5090,7 @@
                                         <p:strVal val="visible"/>
                                       </p:to>
                                     </p:set>
-                                    <p:animEffect transition="in" filter="wipe(down)">
+                                    <p:animEffect transition="in" filter="wipe(up)">
                                       <p:cBhvr>
                                         <p:cTn id="20" dur="500"/>
                                         <p:tgtEl>
@@ -5020,7 +5106,7 @@
                                 </p:cTn>
                               </p:par>
                               <p:par>
-                                <p:cTn id="21" presetID="22" presetClass="entr" presetSubtype="4" fill="hold" grpId="0" nodeType="withEffect">
+                                <p:cTn id="21" presetID="22" presetClass="entr" presetSubtype="1" fill="hold" grpId="0" nodeType="withEffect">
                                   <p:stCondLst>
                                     <p:cond delay="0"/>
                                   </p:stCondLst>
@@ -5047,7 +5133,7 @@
                                         <p:strVal val="visible"/>
                                       </p:to>
                                     </p:set>
-                                    <p:animEffect transition="in" filter="wipe(down)">
+                                    <p:animEffect transition="in" filter="wipe(up)">
                                       <p:cBhvr>
                                         <p:cTn id="23" dur="500"/>
                                         <p:tgtEl>
@@ -5063,7 +5149,7 @@
                                 </p:cTn>
                               </p:par>
                               <p:par>
-                                <p:cTn id="24" presetID="22" presetClass="entr" presetSubtype="4" fill="hold" grpId="0" nodeType="withEffect">
+                                <p:cTn id="24" presetID="22" presetClass="entr" presetSubtype="1" fill="hold" grpId="0" nodeType="withEffect">
                                   <p:stCondLst>
                                     <p:cond delay="0"/>
                                   </p:stCondLst>
@@ -5090,7 +5176,7 @@
                                         <p:strVal val="visible"/>
                                       </p:to>
                                     </p:set>
-                                    <p:animEffect transition="in" filter="wipe(down)">
+                                    <p:animEffect transition="in" filter="wipe(up)">
                                       <p:cBhvr>
                                         <p:cTn id="26" dur="500"/>
                                         <p:tgtEl>
@@ -5124,7 +5210,7 @@
                             </p:stCondLst>
                             <p:childTnLst>
                               <p:par>
-                                <p:cTn id="29" presetID="22" presetClass="entr" presetSubtype="4" fill="hold" grpId="0" nodeType="clickEffect">
+                                <p:cTn id="29" presetID="22" presetClass="entr" presetSubtype="1" fill="hold" grpId="0" nodeType="clickEffect">
                                   <p:stCondLst>
                                     <p:cond delay="0"/>
                                   </p:stCondLst>
@@ -5151,7 +5237,7 @@
                                         <p:strVal val="visible"/>
                                       </p:to>
                                     </p:set>
-                                    <p:animEffect transition="in" filter="wipe(down)">
+                                    <p:animEffect transition="in" filter="wipe(up)">
                                       <p:cBhvr>
                                         <p:cTn id="31" dur="500"/>
                                         <p:tgtEl>
@@ -5160,6 +5246,59 @@
                                               <p:pRg st="6" end="6"/>
                                             </p:txEl>
                                           </p:spTgt>
+                                        </p:tgtEl>
+                                      </p:cBhvr>
+                                    </p:animEffect>
+                                  </p:childTnLst>
+                                </p:cTn>
+                              </p:par>
+                            </p:childTnLst>
+                          </p:cTn>
+                        </p:par>
+                      </p:childTnLst>
+                    </p:cTn>
+                  </p:par>
+                  <p:par>
+                    <p:cTn id="32" fill="hold">
+                      <p:stCondLst>
+                        <p:cond delay="indefinite"/>
+                      </p:stCondLst>
+                      <p:childTnLst>
+                        <p:par>
+                          <p:cTn id="33" fill="hold">
+                            <p:stCondLst>
+                              <p:cond delay="0"/>
+                            </p:stCondLst>
+                            <p:childTnLst>
+                              <p:par>
+                                <p:cTn id="34" presetID="22" presetClass="entr" presetSubtype="1" fill="hold" grpId="0" nodeType="clickEffect">
+                                  <p:stCondLst>
+                                    <p:cond delay="0"/>
+                                  </p:stCondLst>
+                                  <p:childTnLst>
+                                    <p:set>
+                                      <p:cBhvr>
+                                        <p:cTn id="35" dur="1" fill="hold">
+                                          <p:stCondLst>
+                                            <p:cond delay="0"/>
+                                          </p:stCondLst>
+                                        </p:cTn>
+                                        <p:tgtEl>
+                                          <p:spTgt spid="8"/>
+                                        </p:tgtEl>
+                                        <p:attrNameLst>
+                                          <p:attrName>style.visibility</p:attrName>
+                                        </p:attrNameLst>
+                                      </p:cBhvr>
+                                      <p:to>
+                                        <p:strVal val="visible"/>
+                                      </p:to>
+                                    </p:set>
+                                    <p:animEffect transition="in" filter="wipe(up)">
+                                      <p:cBhvr>
+                                        <p:cTn id="36" dur="500"/>
+                                        <p:tgtEl>
+                                          <p:spTgt spid="8"/>
                                         </p:tgtEl>
                                       </p:cBhvr>
                                     </p:animEffect>
@@ -5194,7 +5333,8 @@
       </p:par>
     </p:tnLst>
     <p:bldLst>
-      <p:bldP spid="7" grpId="0" build="p"/>
+      <p:bldP spid="7" grpId="0" uiExpand="1" build="p"/>
+      <p:bldP spid="8" grpId="0" uiExpand="1"/>
     </p:bldLst>
   </p:timing>
 </p:sld>
@@ -5253,19 +5393,17 @@
         <p:spPr/>
         <p:txBody>
           <a:bodyPr>
-            <a:normAutofit fontScale="92500" lnSpcReduction="10000"/>
+            <a:normAutofit fontScale="92500" lnSpcReduction="20000"/>
           </a:bodyPr>
           <a:lstStyle/>
           <a:p>
             <a:r>
               <a:rPr lang="en-US" dirty="0" smtClean="0"/>
-              <a:t>New workshop format to drive deeper participant engagement</a:t>
-            </a:r>
-          </a:p>
-          <a:p>
-            <a:r>
-              <a:rPr lang="en-US" dirty="0" smtClean="0"/>
-              <a:t>Reaching out to developers who currently build for, or have built for Windows (the ‘friendlies’)</a:t>
+              <a:t>Reaching </a:t>
+            </a:r>
+            <a:r>
+              <a:rPr lang="en-US" dirty="0" smtClean="0"/>
+              <a:t>out to developers who currently build for, or have built for Windows (the ‘friendlies’)</a:t>
             </a:r>
           </a:p>
           <a:p>
@@ -5275,12 +5413,25 @@
             </a:r>
           </a:p>
           <a:p>
+            <a:r>
+              <a:rPr lang="en-US" dirty="0" smtClean="0"/>
+              <a:t>Deeper engagement and investment through more interaction</a:t>
+            </a:r>
+          </a:p>
+          <a:p>
+            <a:r>
+              <a:rPr lang="en-US" dirty="0"/>
+              <a:t>Provide baseline education for delivering reasonable UWP </a:t>
+            </a:r>
+            <a:r>
+              <a:rPr lang="en-US" dirty="0" smtClean="0"/>
+              <a:t>app</a:t>
+            </a:r>
+          </a:p>
+          <a:p>
             <a:pPr marL="0" indent="0">
               <a:buNone/>
             </a:pPr>
-            <a:endParaRPr lang="en-US" dirty="0" smtClean="0"/>
-          </a:p>
-          <a:p>
             <a:endParaRPr lang="en-US" dirty="0"/>
           </a:p>
         </p:txBody>
@@ -5298,25 +5449,20 @@
         <p:spPr/>
         <p:txBody>
           <a:bodyPr>
-            <a:normAutofit fontScale="92500" lnSpcReduction="10000"/>
+            <a:normAutofit fontScale="92500" lnSpcReduction="20000"/>
           </a:bodyPr>
           <a:lstStyle/>
           <a:p>
-            <a:r>
-              <a:rPr lang="en-US" dirty="0" smtClean="0"/>
-              <a:t>Provide baseline education for delivering reasonable UWP app</a:t>
-            </a:r>
-          </a:p>
-          <a:p>
             <a:pPr marL="0" indent="0">
               <a:buNone/>
             </a:pPr>
-            <a:endParaRPr lang="en-US" dirty="0" smtClean="0"/>
-          </a:p>
-          <a:p>
-            <a:r>
-              <a:rPr lang="en-US" dirty="0" smtClean="0"/>
-              <a:t>Not objectives</a:t>
+            <a:r>
+              <a:rPr lang="en-US" dirty="0" smtClean="0"/>
+              <a:t>Not </a:t>
+            </a:r>
+            <a:r>
+              <a:rPr lang="en-US" dirty="0" smtClean="0"/>
+              <a:t>objectives</a:t>
             </a:r>
           </a:p>
           <a:p>
@@ -5346,6 +5492,14 @@
   <p:clrMapOvr>
     <a:masterClrMapping/>
   </p:clrMapOvr>
+  <mc:AlternateContent xmlns:mc="http://schemas.openxmlformats.org/markup-compatibility/2006">
+    <mc:Choice xmlns:p14="http://schemas.microsoft.com/office/powerpoint/2010/main" Requires="p14">
+      <p:transition p14:dur="0"/>
+    </mc:Choice>
+    <mc:Fallback>
+      <p:transition/>
+    </mc:Fallback>
+  </mc:AlternateContent>
   <p:timing>
     <p:tnLst>
       <p:par>
@@ -5367,7 +5521,7 @@
                             </p:stCondLst>
                             <p:childTnLst>
                               <p:par>
-                                <p:cTn id="5" presetID="22" presetClass="entr" presetSubtype="4" fill="hold" grpId="0" nodeType="clickEffect">
+                                <p:cTn id="5" presetID="22" presetClass="entr" presetSubtype="1" fill="hold" grpId="0" nodeType="clickEffect">
                                   <p:stCondLst>
                                     <p:cond delay="0"/>
                                   </p:stCondLst>
@@ -5394,7 +5548,7 @@
                                         <p:strVal val="visible"/>
                                       </p:to>
                                     </p:set>
-                                    <p:animEffect transition="in" filter="wipe(down)">
+                                    <p:animEffect transition="in" filter="wipe(up)">
                                       <p:cBhvr>
                                         <p:cTn id="7" dur="500"/>
                                         <p:tgtEl>
@@ -5428,7 +5582,7 @@
                             </p:stCondLst>
                             <p:childTnLst>
                               <p:par>
-                                <p:cTn id="10" presetID="22" presetClass="entr" presetSubtype="4" fill="hold" grpId="0" nodeType="clickEffect">
+                                <p:cTn id="10" presetID="22" presetClass="entr" presetSubtype="1" fill="hold" grpId="0" nodeType="clickEffect">
                                   <p:stCondLst>
                                     <p:cond delay="0"/>
                                   </p:stCondLst>
@@ -5455,7 +5609,7 @@
                                         <p:strVal val="visible"/>
                                       </p:to>
                                     </p:set>
-                                    <p:animEffect transition="in" filter="wipe(down)">
+                                    <p:animEffect transition="in" filter="wipe(up)">
                                       <p:cBhvr>
                                         <p:cTn id="12" dur="500"/>
                                         <p:tgtEl>
@@ -5489,7 +5643,7 @@
                             </p:stCondLst>
                             <p:childTnLst>
                               <p:par>
-                                <p:cTn id="15" presetID="22" presetClass="entr" presetSubtype="4" fill="hold" grpId="0" nodeType="clickEffect">
+                                <p:cTn id="15" presetID="22" presetClass="entr" presetSubtype="1" fill="hold" grpId="0" nodeType="clickEffect">
                                   <p:stCondLst>
                                     <p:cond delay="0"/>
                                   </p:stCondLst>
@@ -5516,7 +5670,7 @@
                                         <p:strVal val="visible"/>
                                       </p:to>
                                     </p:set>
-                                    <p:animEffect transition="in" filter="wipe(down)">
+                                    <p:animEffect transition="in" filter="wipe(up)">
                                       <p:cBhvr>
                                         <p:cTn id="17" dur="500"/>
                                         <p:tgtEl>
@@ -5550,7 +5704,7 @@
                             </p:stCondLst>
                             <p:childTnLst>
                               <p:par>
-                                <p:cTn id="20" presetID="22" presetClass="entr" presetSubtype="4" fill="hold" grpId="0" nodeType="clickEffect">
+                                <p:cTn id="20" presetID="22" presetClass="entr" presetSubtype="1" fill="hold" grpId="0" nodeType="clickEffect">
                                   <p:stCondLst>
                                     <p:cond delay="0"/>
                                   </p:stCondLst>
@@ -5563,9 +5717,9 @@
                                           </p:stCondLst>
                                         </p:cTn>
                                         <p:tgtEl>
-                                          <p:spTgt spid="5">
+                                          <p:spTgt spid="4">
                                             <p:txEl>
-                                              <p:pRg st="0" end="0"/>
+                                              <p:pRg st="3" end="3"/>
                                             </p:txEl>
                                           </p:spTgt>
                                         </p:tgtEl>
@@ -5577,13 +5731,13 @@
                                         <p:strVal val="visible"/>
                                       </p:to>
                                     </p:set>
-                                    <p:animEffect transition="in" filter="wipe(down)">
+                                    <p:animEffect transition="in" filter="wipe(up)">
                                       <p:cBhvr>
                                         <p:cTn id="22" dur="500"/>
                                         <p:tgtEl>
-                                          <p:spTgt spid="5">
+                                          <p:spTgt spid="4">
                                             <p:txEl>
-                                              <p:pRg st="0" end="0"/>
+                                              <p:pRg st="3" end="3"/>
                                             </p:txEl>
                                           </p:spTgt>
                                         </p:tgtEl>
@@ -5611,7 +5765,7 @@
                             </p:stCondLst>
                             <p:childTnLst>
                               <p:par>
-                                <p:cTn id="25" presetID="22" presetClass="entr" presetSubtype="4" fill="hold" grpId="0" nodeType="clickEffect">
+                                <p:cTn id="25" presetID="22" presetClass="entr" presetSubtype="1" fill="hold" grpId="0" nodeType="clickEffect">
                                   <p:stCondLst>
                                     <p:cond delay="0"/>
                                   </p:stCondLst>
@@ -5624,11 +5778,7 @@
                                           </p:stCondLst>
                                         </p:cTn>
                                         <p:tgtEl>
-                                          <p:spTgt spid="5">
-                                            <p:txEl>
-                                              <p:pRg st="2" end="2"/>
-                                            </p:txEl>
-                                          </p:spTgt>
+                                          <p:spTgt spid="5"/>
                                         </p:tgtEl>
                                         <p:attrNameLst>
                                           <p:attrName>style.visibility</p:attrName>
@@ -5638,101 +5788,11 @@
                                         <p:strVal val="visible"/>
                                       </p:to>
                                     </p:set>
-                                    <p:animEffect transition="in" filter="wipe(down)">
+                                    <p:animEffect transition="in" filter="wipe(up)">
                                       <p:cBhvr>
                                         <p:cTn id="27" dur="500"/>
                                         <p:tgtEl>
-                                          <p:spTgt spid="5">
-                                            <p:txEl>
-                                              <p:pRg st="2" end="2"/>
-                                            </p:txEl>
-                                          </p:spTgt>
-                                        </p:tgtEl>
-                                      </p:cBhvr>
-                                    </p:animEffect>
-                                  </p:childTnLst>
-                                </p:cTn>
-                              </p:par>
-                              <p:par>
-                                <p:cTn id="28" presetID="22" presetClass="entr" presetSubtype="4" fill="hold" grpId="0" nodeType="withEffect">
-                                  <p:stCondLst>
-                                    <p:cond delay="0"/>
-                                  </p:stCondLst>
-                                  <p:childTnLst>
-                                    <p:set>
-                                      <p:cBhvr>
-                                        <p:cTn id="29" dur="1" fill="hold">
-                                          <p:stCondLst>
-                                            <p:cond delay="0"/>
-                                          </p:stCondLst>
-                                        </p:cTn>
-                                        <p:tgtEl>
-                                          <p:spTgt spid="5">
-                                            <p:txEl>
-                                              <p:pRg st="3" end="3"/>
-                                            </p:txEl>
-                                          </p:spTgt>
-                                        </p:tgtEl>
-                                        <p:attrNameLst>
-                                          <p:attrName>style.visibility</p:attrName>
-                                        </p:attrNameLst>
-                                      </p:cBhvr>
-                                      <p:to>
-                                        <p:strVal val="visible"/>
-                                      </p:to>
-                                    </p:set>
-                                    <p:animEffect transition="in" filter="wipe(down)">
-                                      <p:cBhvr>
-                                        <p:cTn id="30" dur="500"/>
-                                        <p:tgtEl>
-                                          <p:spTgt spid="5">
-                                            <p:txEl>
-                                              <p:pRg st="3" end="3"/>
-                                            </p:txEl>
-                                          </p:spTgt>
-                                        </p:tgtEl>
-                                      </p:cBhvr>
-                                    </p:animEffect>
-                                  </p:childTnLst>
-                                </p:cTn>
-                              </p:par>
-                              <p:par>
-                                <p:cTn id="31" presetID="22" presetClass="entr" presetSubtype="4" fill="hold" grpId="0" nodeType="withEffect">
-                                  <p:stCondLst>
-                                    <p:cond delay="0"/>
-                                  </p:stCondLst>
-                                  <p:childTnLst>
-                                    <p:set>
-                                      <p:cBhvr>
-                                        <p:cTn id="32" dur="1" fill="hold">
-                                          <p:stCondLst>
-                                            <p:cond delay="0"/>
-                                          </p:stCondLst>
-                                        </p:cTn>
-                                        <p:tgtEl>
-                                          <p:spTgt spid="5">
-                                            <p:txEl>
-                                              <p:pRg st="4" end="4"/>
-                                            </p:txEl>
-                                          </p:spTgt>
-                                        </p:tgtEl>
-                                        <p:attrNameLst>
-                                          <p:attrName>style.visibility</p:attrName>
-                                        </p:attrNameLst>
-                                      </p:cBhvr>
-                                      <p:to>
-                                        <p:strVal val="visible"/>
-                                      </p:to>
-                                    </p:set>
-                                    <p:animEffect transition="in" filter="wipe(down)">
-                                      <p:cBhvr>
-                                        <p:cTn id="33" dur="500"/>
-                                        <p:tgtEl>
-                                          <p:spTgt spid="5">
-                                            <p:txEl>
-                                              <p:pRg st="4" end="4"/>
-                                            </p:txEl>
-                                          </p:spTgt>
+                                          <p:spTgt spid="5"/>
                                         </p:tgtEl>
                                       </p:cBhvr>
                                     </p:animEffect>
@@ -5768,7 +5828,7 @@
     </p:tnLst>
     <p:bldLst>
       <p:bldP spid="4" grpId="0" uiExpand="1" build="p"/>
-      <p:bldP spid="5" grpId="0" uiExpand="1" build="p"/>
+      <p:bldP spid="5" grpId="0" uiExpand="1"/>
     </p:bldLst>
   </p:timing>
 </p:sld>
@@ -6065,12 +6125,135 @@
   <p:clrMapOvr>
     <a:masterClrMapping/>
   </p:clrMapOvr>
+  <mc:AlternateContent xmlns:mc="http://schemas.openxmlformats.org/markup-compatibility/2006">
+    <mc:Choice xmlns:p14="http://schemas.microsoft.com/office/powerpoint/2010/main" Requires="p14">
+      <p:transition p14:dur="0"/>
+    </mc:Choice>
+    <mc:Fallback>
+      <p:transition/>
+    </mc:Fallback>
+  </mc:AlternateContent>
   <p:timing>
     <p:tnLst>
       <p:par>
-        <p:cTn id="1" dur="indefinite" restart="never" nodeType="tmRoot"/>
+        <p:cTn id="1" dur="indefinite" restart="never" nodeType="tmRoot">
+          <p:childTnLst>
+            <p:seq concurrent="1" nextAc="seek">
+              <p:cTn id="2" dur="indefinite" nodeType="mainSeq">
+                <p:childTnLst>
+                  <p:par>
+                    <p:cTn id="3" fill="hold">
+                      <p:stCondLst>
+                        <p:cond delay="indefinite"/>
+                      </p:stCondLst>
+                      <p:childTnLst>
+                        <p:par>
+                          <p:cTn id="4" fill="hold">
+                            <p:stCondLst>
+                              <p:cond delay="0"/>
+                            </p:stCondLst>
+                            <p:childTnLst>
+                              <p:par>
+                                <p:cTn id="5" presetID="22" presetClass="entr" presetSubtype="1" fill="hold" grpId="0" nodeType="clickEffect">
+                                  <p:stCondLst>
+                                    <p:cond delay="0"/>
+                                  </p:stCondLst>
+                                  <p:childTnLst>
+                                    <p:set>
+                                      <p:cBhvr>
+                                        <p:cTn id="6" dur="1" fill="hold">
+                                          <p:stCondLst>
+                                            <p:cond delay="0"/>
+                                          </p:stCondLst>
+                                        </p:cTn>
+                                        <p:tgtEl>
+                                          <p:spTgt spid="3"/>
+                                        </p:tgtEl>
+                                        <p:attrNameLst>
+                                          <p:attrName>style.visibility</p:attrName>
+                                        </p:attrNameLst>
+                                      </p:cBhvr>
+                                      <p:to>
+                                        <p:strVal val="visible"/>
+                                      </p:to>
+                                    </p:set>
+                                    <p:animEffect transition="in" filter="wipe(up)">
+                                      <p:cBhvr>
+                                        <p:cTn id="7" dur="500"/>
+                                        <p:tgtEl>
+                                          <p:spTgt spid="3"/>
+                                        </p:tgtEl>
+                                      </p:cBhvr>
+                                    </p:animEffect>
+                                  </p:childTnLst>
+                                </p:cTn>
+                              </p:par>
+                              <p:par>
+                                <p:cTn id="8" presetID="22" presetClass="entr" presetSubtype="1" fill="hold" grpId="0" nodeType="withEffect">
+                                  <p:stCondLst>
+                                    <p:cond delay="0"/>
+                                  </p:stCondLst>
+                                  <p:childTnLst>
+                                    <p:set>
+                                      <p:cBhvr>
+                                        <p:cTn id="9" dur="1" fill="hold">
+                                          <p:stCondLst>
+                                            <p:cond delay="0"/>
+                                          </p:stCondLst>
+                                        </p:cTn>
+                                        <p:tgtEl>
+                                          <p:spTgt spid="4"/>
+                                        </p:tgtEl>
+                                        <p:attrNameLst>
+                                          <p:attrName>style.visibility</p:attrName>
+                                        </p:attrNameLst>
+                                      </p:cBhvr>
+                                      <p:to>
+                                        <p:strVal val="visible"/>
+                                      </p:to>
+                                    </p:set>
+                                    <p:animEffect transition="in" filter="wipe(up)">
+                                      <p:cBhvr>
+                                        <p:cTn id="10" dur="500"/>
+                                        <p:tgtEl>
+                                          <p:spTgt spid="4"/>
+                                        </p:tgtEl>
+                                      </p:cBhvr>
+                                    </p:animEffect>
+                                  </p:childTnLst>
+                                </p:cTn>
+                              </p:par>
+                            </p:childTnLst>
+                          </p:cTn>
+                        </p:par>
+                      </p:childTnLst>
+                    </p:cTn>
+                  </p:par>
+                </p:childTnLst>
+              </p:cTn>
+              <p:prevCondLst>
+                <p:cond evt="onPrev" delay="0">
+                  <p:tgtEl>
+                    <p:sldTgt/>
+                  </p:tgtEl>
+                </p:cond>
+              </p:prevCondLst>
+              <p:nextCondLst>
+                <p:cond evt="onNext" delay="0">
+                  <p:tgtEl>
+                    <p:sldTgt/>
+                  </p:tgtEl>
+                </p:cond>
+              </p:nextCondLst>
+            </p:seq>
+          </p:childTnLst>
+        </p:cTn>
       </p:par>
     </p:tnLst>
+    <p:bldLst>
+      <p:bldP spid="3" grpId="0" uiExpand="1"/>
+      <p:bldP spid="4" grpId="0" uiExpand="1"/>
+    </p:bldLst>
   </p:timing>
 </p:sld>
 </file>
@@ -6267,6 +6450,14 @@
   <p:clrMapOvr>
     <a:masterClrMapping/>
   </p:clrMapOvr>
+  <mc:AlternateContent xmlns:mc="http://schemas.openxmlformats.org/markup-compatibility/2006">
+    <mc:Choice xmlns:p14="http://schemas.microsoft.com/office/powerpoint/2010/main" Requires="p14">
+      <p:transition p14:dur="0"/>
+    </mc:Choice>
+    <mc:Fallback>
+      <p:transition/>
+    </mc:Fallback>
+  </mc:AlternateContent>
   <p:timing>
     <p:tnLst>
       <p:par>
@@ -6288,7 +6479,7 @@
                             </p:stCondLst>
                             <p:childTnLst>
                               <p:par>
-                                <p:cTn id="5" presetID="22" presetClass="entr" presetSubtype="4" fill="hold" grpId="0" nodeType="clickEffect">
+                                <p:cTn id="5" presetID="22" presetClass="entr" presetSubtype="1" fill="hold" grpId="0" nodeType="clickEffect">
                                   <p:stCondLst>
                                     <p:cond delay="0"/>
                                   </p:stCondLst>
@@ -6315,7 +6506,7 @@
                                         <p:strVal val="visible"/>
                                       </p:to>
                                     </p:set>
-                                    <p:animEffect transition="in" filter="wipe(down)">
+                                    <p:animEffect transition="in" filter="wipe(up)">
                                       <p:cBhvr>
                                         <p:cTn id="7" dur="500"/>
                                         <p:tgtEl>
@@ -6349,7 +6540,7 @@
                             </p:stCondLst>
                             <p:childTnLst>
                               <p:par>
-                                <p:cTn id="10" presetID="22" presetClass="entr" presetSubtype="4" fill="hold" grpId="0" nodeType="clickEffect">
+                                <p:cTn id="10" presetID="22" presetClass="entr" presetSubtype="1" fill="hold" grpId="0" nodeType="clickEffect">
                                   <p:stCondLst>
                                     <p:cond delay="0"/>
                                   </p:stCondLst>
@@ -6376,7 +6567,7 @@
                                         <p:strVal val="visible"/>
                                       </p:to>
                                     </p:set>
-                                    <p:animEffect transition="in" filter="wipe(down)">
+                                    <p:animEffect transition="in" filter="wipe(up)">
                                       <p:cBhvr>
                                         <p:cTn id="12" dur="500"/>
                                         <p:tgtEl>
@@ -6410,7 +6601,7 @@
                             </p:stCondLst>
                             <p:childTnLst>
                               <p:par>
-                                <p:cTn id="15" presetID="22" presetClass="entr" presetSubtype="4" fill="hold" grpId="0" nodeType="clickEffect">
+                                <p:cTn id="15" presetID="22" presetClass="entr" presetSubtype="1" fill="hold" grpId="0" nodeType="clickEffect">
                                   <p:stCondLst>
                                     <p:cond delay="0"/>
                                   </p:stCondLst>
@@ -6437,7 +6628,7 @@
                                         <p:strVal val="visible"/>
                                       </p:to>
                                     </p:set>
-                                    <p:animEffect transition="in" filter="wipe(down)">
+                                    <p:animEffect transition="in" filter="wipe(up)">
                                       <p:cBhvr>
                                         <p:cTn id="17" dur="500"/>
                                         <p:tgtEl>
@@ -6471,7 +6662,7 @@
                             </p:stCondLst>
                             <p:childTnLst>
                               <p:par>
-                                <p:cTn id="20" presetID="22" presetClass="entr" presetSubtype="4" fill="hold" grpId="0" nodeType="clickEffect">
+                                <p:cTn id="20" presetID="22" presetClass="entr" presetSubtype="1" fill="hold" grpId="0" nodeType="clickEffect">
                                   <p:stCondLst>
                                     <p:cond delay="0"/>
                                   </p:stCondLst>
@@ -6498,7 +6689,7 @@
                                         <p:strVal val="visible"/>
                                       </p:to>
                                     </p:set>
-                                    <p:animEffect transition="in" filter="wipe(down)">
+                                    <p:animEffect transition="in" filter="wipe(up)">
                                       <p:cBhvr>
                                         <p:cTn id="22" dur="500"/>
                                         <p:tgtEl>
@@ -6514,7 +6705,7 @@
                                 </p:cTn>
                               </p:par>
                               <p:par>
-                                <p:cTn id="23" presetID="22" presetClass="entr" presetSubtype="4" fill="hold" grpId="0" nodeType="withEffect">
+                                <p:cTn id="23" presetID="22" presetClass="entr" presetSubtype="1" fill="hold" grpId="0" nodeType="withEffect">
                                   <p:stCondLst>
                                     <p:cond delay="0"/>
                                   </p:stCondLst>
@@ -6541,7 +6732,7 @@
                                         <p:strVal val="visible"/>
                                       </p:to>
                                     </p:set>
-                                    <p:animEffect transition="in" filter="wipe(down)">
+                                    <p:animEffect transition="in" filter="wipe(up)">
                                       <p:cBhvr>
                                         <p:cTn id="25" dur="500"/>
                                         <p:tgtEl>
@@ -6557,7 +6748,7 @@
                                 </p:cTn>
                               </p:par>
                               <p:par>
-                                <p:cTn id="26" presetID="22" presetClass="entr" presetSubtype="4" fill="hold" grpId="0" nodeType="withEffect">
+                                <p:cTn id="26" presetID="22" presetClass="entr" presetSubtype="1" fill="hold" grpId="0" nodeType="withEffect">
                                   <p:stCondLst>
                                     <p:cond delay="0"/>
                                   </p:stCondLst>
@@ -6584,7 +6775,7 @@
                                         <p:strVal val="visible"/>
                                       </p:to>
                                     </p:set>
-                                    <p:animEffect transition="in" filter="wipe(down)">
+                                    <p:animEffect transition="in" filter="wipe(up)">
                                       <p:cBhvr>
                                         <p:cTn id="28" dur="500"/>
                                         <p:tgtEl>
@@ -6600,7 +6791,7 @@
                                 </p:cTn>
                               </p:par>
                               <p:par>
-                                <p:cTn id="29" presetID="22" presetClass="entr" presetSubtype="4" fill="hold" grpId="0" nodeType="withEffect">
+                                <p:cTn id="29" presetID="22" presetClass="entr" presetSubtype="1" fill="hold" grpId="0" nodeType="withEffect">
                                   <p:stCondLst>
                                     <p:cond delay="0"/>
                                   </p:stCondLst>
@@ -6627,7 +6818,7 @@
                                         <p:strVal val="visible"/>
                                       </p:to>
                                     </p:set>
-                                    <p:animEffect transition="in" filter="wipe(down)">
+                                    <p:animEffect transition="in" filter="wipe(up)">
                                       <p:cBhvr>
                                         <p:cTn id="31" dur="500"/>
                                         <p:tgtEl>
@@ -6643,7 +6834,7 @@
                                 </p:cTn>
                               </p:par>
                               <p:par>
-                                <p:cTn id="32" presetID="22" presetClass="entr" presetSubtype="4" fill="hold" grpId="0" nodeType="withEffect">
+                                <p:cTn id="32" presetID="22" presetClass="entr" presetSubtype="1" fill="hold" grpId="0" nodeType="withEffect">
                                   <p:stCondLst>
                                     <p:cond delay="0"/>
                                   </p:stCondLst>
@@ -6670,7 +6861,7 @@
                                         <p:strVal val="visible"/>
                                       </p:to>
                                     </p:set>
-                                    <p:animEffect transition="in" filter="wipe(down)">
+                                    <p:animEffect transition="in" filter="wipe(up)">
                                       <p:cBhvr>
                                         <p:cTn id="34" dur="500"/>
                                         <p:tgtEl>
@@ -6704,7 +6895,7 @@
                             </p:stCondLst>
                             <p:childTnLst>
                               <p:par>
-                                <p:cTn id="37" presetID="22" presetClass="entr" presetSubtype="4" fill="hold" grpId="0" nodeType="clickEffect">
+                                <p:cTn id="37" presetID="22" presetClass="entr" presetSubtype="1" fill="hold" grpId="0" nodeType="clickEffect">
                                   <p:stCondLst>
                                     <p:cond delay="0"/>
                                   </p:stCondLst>
@@ -6731,7 +6922,7 @@
                                         <p:strVal val="visible"/>
                                       </p:to>
                                     </p:set>
-                                    <p:animEffect transition="in" filter="wipe(down)">
+                                    <p:animEffect transition="in" filter="wipe(up)">
                                       <p:cBhvr>
                                         <p:cTn id="39" dur="500"/>
                                         <p:tgtEl>
@@ -6747,7 +6938,7 @@
                                 </p:cTn>
                               </p:par>
                               <p:par>
-                                <p:cTn id="40" presetID="22" presetClass="entr" presetSubtype="4" fill="hold" grpId="0" nodeType="withEffect">
+                                <p:cTn id="40" presetID="22" presetClass="entr" presetSubtype="1" fill="hold" grpId="0" nodeType="withEffect">
                                   <p:stCondLst>
                                     <p:cond delay="0"/>
                                   </p:stCondLst>
@@ -6774,7 +6965,7 @@
                                         <p:strVal val="visible"/>
                                       </p:to>
                                     </p:set>
-                                    <p:animEffect transition="in" filter="wipe(down)">
+                                    <p:animEffect transition="in" filter="wipe(up)">
                                       <p:cBhvr>
                                         <p:cTn id="42" dur="500"/>
                                         <p:tgtEl>
@@ -6790,7 +6981,7 @@
                                 </p:cTn>
                               </p:par>
                               <p:par>
-                                <p:cTn id="43" presetID="22" presetClass="entr" presetSubtype="4" fill="hold" grpId="0" nodeType="withEffect">
+                                <p:cTn id="43" presetID="22" presetClass="entr" presetSubtype="1" fill="hold" grpId="0" nodeType="withEffect">
                                   <p:stCondLst>
                                     <p:cond delay="0"/>
                                   </p:stCondLst>
@@ -6817,7 +7008,7 @@
                                         <p:strVal val="visible"/>
                                       </p:to>
                                     </p:set>
-                                    <p:animEffect transition="in" filter="wipe(down)">
+                                    <p:animEffect transition="in" filter="wipe(up)">
                                       <p:cBhvr>
                                         <p:cTn id="45" dur="500"/>
                                         <p:tgtEl>
@@ -7030,12 +7221,212 @@
   <p:clrMapOvr>
     <a:masterClrMapping/>
   </p:clrMapOvr>
+  <mc:AlternateContent xmlns:mc="http://schemas.openxmlformats.org/markup-compatibility/2006">
+    <mc:Choice xmlns:p14="http://schemas.microsoft.com/office/powerpoint/2010/main" Requires="p14">
+      <p:transition p14:dur="0"/>
+    </mc:Choice>
+    <mc:Fallback>
+      <p:transition/>
+    </mc:Fallback>
+  </mc:AlternateContent>
   <p:timing>
     <p:tnLst>
       <p:par>
-        <p:cTn id="1" dur="indefinite" restart="never" nodeType="tmRoot"/>
+        <p:cTn id="1" dur="indefinite" restart="never" nodeType="tmRoot">
+          <p:childTnLst>
+            <p:seq concurrent="1" nextAc="seek">
+              <p:cTn id="2" dur="indefinite" nodeType="mainSeq">
+                <p:childTnLst>
+                  <p:par>
+                    <p:cTn id="3" fill="hold">
+                      <p:stCondLst>
+                        <p:cond delay="indefinite"/>
+                      </p:stCondLst>
+                      <p:childTnLst>
+                        <p:par>
+                          <p:cTn id="4" fill="hold">
+                            <p:stCondLst>
+                              <p:cond delay="0"/>
+                            </p:stCondLst>
+                            <p:childTnLst>
+                              <p:par>
+                                <p:cTn id="5" presetID="22" presetClass="entr" presetSubtype="1" fill="hold" grpId="0" nodeType="clickEffect">
+                                  <p:stCondLst>
+                                    <p:cond delay="0"/>
+                                  </p:stCondLst>
+                                  <p:childTnLst>
+                                    <p:set>
+                                      <p:cBhvr>
+                                        <p:cTn id="6" dur="1" fill="hold">
+                                          <p:stCondLst>
+                                            <p:cond delay="0"/>
+                                          </p:stCondLst>
+                                        </p:cTn>
+                                        <p:tgtEl>
+                                          <p:spTgt spid="3">
+                                            <p:txEl>
+                                              <p:pRg st="0" end="0"/>
+                                            </p:txEl>
+                                          </p:spTgt>
+                                        </p:tgtEl>
+                                        <p:attrNameLst>
+                                          <p:attrName>style.visibility</p:attrName>
+                                        </p:attrNameLst>
+                                      </p:cBhvr>
+                                      <p:to>
+                                        <p:strVal val="visible"/>
+                                      </p:to>
+                                    </p:set>
+                                    <p:animEffect transition="in" filter="wipe(up)">
+                                      <p:cBhvr>
+                                        <p:cTn id="7" dur="500"/>
+                                        <p:tgtEl>
+                                          <p:spTgt spid="3">
+                                            <p:txEl>
+                                              <p:pRg st="0" end="0"/>
+                                            </p:txEl>
+                                          </p:spTgt>
+                                        </p:tgtEl>
+                                      </p:cBhvr>
+                                    </p:animEffect>
+                                  </p:childTnLst>
+                                </p:cTn>
+                              </p:par>
+                              <p:par>
+                                <p:cTn id="8" presetID="22" presetClass="entr" presetSubtype="1" fill="hold" nodeType="withEffect">
+                                  <p:stCondLst>
+                                    <p:cond delay="0"/>
+                                  </p:stCondLst>
+                                  <p:childTnLst>
+                                    <p:set>
+                                      <p:cBhvr>
+                                        <p:cTn id="9" dur="1" fill="hold">
+                                          <p:stCondLst>
+                                            <p:cond delay="0"/>
+                                          </p:stCondLst>
+                                        </p:cTn>
+                                        <p:tgtEl>
+                                          <p:spTgt spid="5"/>
+                                        </p:tgtEl>
+                                        <p:attrNameLst>
+                                          <p:attrName>style.visibility</p:attrName>
+                                        </p:attrNameLst>
+                                      </p:cBhvr>
+                                      <p:to>
+                                        <p:strVal val="visible"/>
+                                      </p:to>
+                                    </p:set>
+                                    <p:animEffect transition="in" filter="wipe(up)">
+                                      <p:cBhvr>
+                                        <p:cTn id="10" dur="500"/>
+                                        <p:tgtEl>
+                                          <p:spTgt spid="5"/>
+                                        </p:tgtEl>
+                                      </p:cBhvr>
+                                    </p:animEffect>
+                                  </p:childTnLst>
+                                </p:cTn>
+                              </p:par>
+                              <p:par>
+                                <p:cTn id="11" presetID="22" presetClass="entr" presetSubtype="1" fill="hold" nodeType="withEffect">
+                                  <p:stCondLst>
+                                    <p:cond delay="0"/>
+                                  </p:stCondLst>
+                                  <p:childTnLst>
+                                    <p:set>
+                                      <p:cBhvr>
+                                        <p:cTn id="12" dur="1" fill="hold">
+                                          <p:stCondLst>
+                                            <p:cond delay="0"/>
+                                          </p:stCondLst>
+                                        </p:cTn>
+                                        <p:tgtEl>
+                                          <p:spTgt spid="6"/>
+                                        </p:tgtEl>
+                                        <p:attrNameLst>
+                                          <p:attrName>style.visibility</p:attrName>
+                                        </p:attrNameLst>
+                                      </p:cBhvr>
+                                      <p:to>
+                                        <p:strVal val="visible"/>
+                                      </p:to>
+                                    </p:set>
+                                    <p:animEffect transition="in" filter="wipe(up)">
+                                      <p:cBhvr>
+                                        <p:cTn id="13" dur="500"/>
+                                        <p:tgtEl>
+                                          <p:spTgt spid="6"/>
+                                        </p:tgtEl>
+                                      </p:cBhvr>
+                                    </p:animEffect>
+                                  </p:childTnLst>
+                                </p:cTn>
+                              </p:par>
+                              <p:par>
+                                <p:cTn id="14" presetID="22" presetClass="entr" presetSubtype="1" fill="hold" nodeType="withEffect">
+                                  <p:stCondLst>
+                                    <p:cond delay="0"/>
+                                  </p:stCondLst>
+                                  <p:childTnLst>
+                                    <p:set>
+                                      <p:cBhvr>
+                                        <p:cTn id="15" dur="1" fill="hold">
+                                          <p:stCondLst>
+                                            <p:cond delay="0"/>
+                                          </p:stCondLst>
+                                        </p:cTn>
+                                        <p:tgtEl>
+                                          <p:spTgt spid="7"/>
+                                        </p:tgtEl>
+                                        <p:attrNameLst>
+                                          <p:attrName>style.visibility</p:attrName>
+                                        </p:attrNameLst>
+                                      </p:cBhvr>
+                                      <p:to>
+                                        <p:strVal val="visible"/>
+                                      </p:to>
+                                    </p:set>
+                                    <p:animEffect transition="in" filter="wipe(up)">
+                                      <p:cBhvr>
+                                        <p:cTn id="16" dur="500"/>
+                                        <p:tgtEl>
+                                          <p:spTgt spid="7"/>
+                                        </p:tgtEl>
+                                      </p:cBhvr>
+                                    </p:animEffect>
+                                  </p:childTnLst>
+                                </p:cTn>
+                              </p:par>
+                            </p:childTnLst>
+                          </p:cTn>
+                        </p:par>
+                      </p:childTnLst>
+                    </p:cTn>
+                  </p:par>
+                </p:childTnLst>
+              </p:cTn>
+              <p:prevCondLst>
+                <p:cond evt="onPrev" delay="0">
+                  <p:tgtEl>
+                    <p:sldTgt/>
+                  </p:tgtEl>
+                </p:cond>
+              </p:prevCondLst>
+              <p:nextCondLst>
+                <p:cond evt="onNext" delay="0">
+                  <p:tgtEl>
+                    <p:sldTgt/>
+                  </p:tgtEl>
+                </p:cond>
+              </p:nextCondLst>
+            </p:seq>
+          </p:childTnLst>
+        </p:cTn>
       </p:par>
     </p:tnLst>
+    <p:bldLst>
+      <p:bldP spid="3" grpId="0" build="p"/>
+    </p:bldLst>
   </p:timing>
 </p:sld>
 </file>
@@ -7277,12 +7668,135 @@
   <p:clrMapOvr>
     <a:masterClrMapping/>
   </p:clrMapOvr>
+  <mc:AlternateContent xmlns:mc="http://schemas.openxmlformats.org/markup-compatibility/2006">
+    <mc:Choice xmlns:p14="http://schemas.microsoft.com/office/powerpoint/2010/main" Requires="p14">
+      <p:transition p14:dur="0"/>
+    </mc:Choice>
+    <mc:Fallback>
+      <p:transition/>
+    </mc:Fallback>
+  </mc:AlternateContent>
   <p:timing>
     <p:tnLst>
       <p:par>
-        <p:cTn id="1" dur="indefinite" restart="never" nodeType="tmRoot"/>
+        <p:cTn id="1" dur="indefinite" restart="never" nodeType="tmRoot">
+          <p:childTnLst>
+            <p:seq concurrent="1" nextAc="seek">
+              <p:cTn id="2" dur="indefinite" nodeType="mainSeq">
+                <p:childTnLst>
+                  <p:par>
+                    <p:cTn id="3" fill="hold">
+                      <p:stCondLst>
+                        <p:cond delay="indefinite"/>
+                      </p:stCondLst>
+                      <p:childTnLst>
+                        <p:par>
+                          <p:cTn id="4" fill="hold">
+                            <p:stCondLst>
+                              <p:cond delay="0"/>
+                            </p:stCondLst>
+                            <p:childTnLst>
+                              <p:par>
+                                <p:cTn id="5" presetID="22" presetClass="entr" presetSubtype="1" fill="hold" grpId="0" nodeType="clickEffect">
+                                  <p:stCondLst>
+                                    <p:cond delay="0"/>
+                                  </p:stCondLst>
+                                  <p:childTnLst>
+                                    <p:set>
+                                      <p:cBhvr>
+                                        <p:cTn id="6" dur="1" fill="hold">
+                                          <p:stCondLst>
+                                            <p:cond delay="0"/>
+                                          </p:stCondLst>
+                                        </p:cTn>
+                                        <p:tgtEl>
+                                          <p:spTgt spid="3"/>
+                                        </p:tgtEl>
+                                        <p:attrNameLst>
+                                          <p:attrName>style.visibility</p:attrName>
+                                        </p:attrNameLst>
+                                      </p:cBhvr>
+                                      <p:to>
+                                        <p:strVal val="visible"/>
+                                      </p:to>
+                                    </p:set>
+                                    <p:animEffect transition="in" filter="wipe(up)">
+                                      <p:cBhvr>
+                                        <p:cTn id="7" dur="500"/>
+                                        <p:tgtEl>
+                                          <p:spTgt spid="3"/>
+                                        </p:tgtEl>
+                                      </p:cBhvr>
+                                    </p:animEffect>
+                                  </p:childTnLst>
+                                </p:cTn>
+                              </p:par>
+                              <p:par>
+                                <p:cTn id="8" presetID="22" presetClass="entr" presetSubtype="1" fill="hold" grpId="0" nodeType="withEffect">
+                                  <p:stCondLst>
+                                    <p:cond delay="0"/>
+                                  </p:stCondLst>
+                                  <p:childTnLst>
+                                    <p:set>
+                                      <p:cBhvr>
+                                        <p:cTn id="9" dur="1" fill="hold">
+                                          <p:stCondLst>
+                                            <p:cond delay="0"/>
+                                          </p:stCondLst>
+                                        </p:cTn>
+                                        <p:tgtEl>
+                                          <p:spTgt spid="4"/>
+                                        </p:tgtEl>
+                                        <p:attrNameLst>
+                                          <p:attrName>style.visibility</p:attrName>
+                                        </p:attrNameLst>
+                                      </p:cBhvr>
+                                      <p:to>
+                                        <p:strVal val="visible"/>
+                                      </p:to>
+                                    </p:set>
+                                    <p:animEffect transition="in" filter="wipe(up)">
+                                      <p:cBhvr>
+                                        <p:cTn id="10" dur="500"/>
+                                        <p:tgtEl>
+                                          <p:spTgt spid="4"/>
+                                        </p:tgtEl>
+                                      </p:cBhvr>
+                                    </p:animEffect>
+                                  </p:childTnLst>
+                                </p:cTn>
+                              </p:par>
+                            </p:childTnLst>
+                          </p:cTn>
+                        </p:par>
+                      </p:childTnLst>
+                    </p:cTn>
+                  </p:par>
+                </p:childTnLst>
+              </p:cTn>
+              <p:prevCondLst>
+                <p:cond evt="onPrev" delay="0">
+                  <p:tgtEl>
+                    <p:sldTgt/>
+                  </p:tgtEl>
+                </p:cond>
+              </p:prevCondLst>
+              <p:nextCondLst>
+                <p:cond evt="onNext" delay="0">
+                  <p:tgtEl>
+                    <p:sldTgt/>
+                  </p:tgtEl>
+                </p:cond>
+              </p:nextCondLst>
+            </p:seq>
+          </p:childTnLst>
+        </p:cTn>
       </p:par>
     </p:tnLst>
+    <p:bldLst>
+      <p:bldP spid="3" grpId="0"/>
+      <p:bldP spid="4" grpId="0"/>
+    </p:bldLst>
   </p:timing>
 </p:sld>
 </file>
@@ -7337,7 +7851,12 @@
             <p:ph sz="half" idx="1"/>
           </p:nvPr>
         </p:nvSpPr>
-        <p:spPr/>
+        <p:spPr>
+          <a:xfrm>
+            <a:off x="647700" y="2514600"/>
+            <a:ext cx="4533900" cy="4192589"/>
+          </a:xfrm>
+        </p:spPr>
         <p:txBody>
           <a:bodyPr>
             <a:normAutofit lnSpcReduction="10000"/>
@@ -7423,7 +7942,12 @@
             <p:ph sz="half" idx="2"/>
           </p:nvPr>
         </p:nvSpPr>
-        <p:spPr/>
+        <p:spPr>
+          <a:xfrm>
+            <a:off x="6134100" y="2514600"/>
+            <a:ext cx="5448300" cy="4192589"/>
+          </a:xfrm>
+        </p:spPr>
         <p:txBody>
           <a:bodyPr>
             <a:normAutofit lnSpcReduction="10000"/>
@@ -7471,6 +7995,14 @@
   <p:clrMapOvr>
     <a:masterClrMapping/>
   </p:clrMapOvr>
+  <mc:AlternateContent xmlns:mc="http://schemas.openxmlformats.org/markup-compatibility/2006">
+    <mc:Choice xmlns:p14="http://schemas.microsoft.com/office/powerpoint/2010/main" Requires="p14">
+      <p:transition p14:dur="0"/>
+    </mc:Choice>
+    <mc:Fallback>
+      <p:transition/>
+    </mc:Fallback>
+  </mc:AlternateContent>
   <p:timing>
     <p:tnLst>
       <p:par>
@@ -7645,6 +8177,14 @@
   <p:clrMapOvr>
     <a:masterClrMapping/>
   </p:clrMapOvr>
+  <mc:AlternateContent xmlns:mc="http://schemas.openxmlformats.org/markup-compatibility/2006">
+    <mc:Choice xmlns:p14="http://schemas.microsoft.com/office/powerpoint/2010/main" Requires="p14">
+      <p:transition p14:dur="0"/>
+    </mc:Choice>
+    <mc:Fallback>
+      <p:transition/>
+    </mc:Fallback>
+  </mc:AlternateContent>
   <p:timing>
     <p:tnLst>
       <p:par>
@@ -7696,14 +8236,14 @@
         <a:srgbClr val="954F72"/>
       </a:folHlink>
     </a:clrScheme>
-    <a:fontScheme name="SUI">
+    <a:fontScheme name="spc">
       <a:majorFont>
-        <a:latin typeface="Segoe UI Light"/>
+        <a:latin typeface="Segoe Pro Cond"/>
         <a:ea typeface=""/>
         <a:cs typeface=""/>
       </a:majorFont>
       <a:minorFont>
-        <a:latin typeface="Segoe Pro Light"/>
+        <a:latin typeface="Segoe Pro Cond"/>
         <a:ea typeface=""/>
         <a:cs typeface=""/>
       </a:minorFont>
